--- a/ErrorVis.pptx
+++ b/ErrorVis.pptx
@@ -1714,6 +1714,2042 @@
 </file>
 
 <file path=ppt/slideLayouts/slideLayout2.xml><?xml version="1.0" encoding="utf-8"?>
+<p:sldLayout xmlns:a="http://schemas.openxmlformats.org/drawingml/2006/main" xmlns:r="http://schemas.openxmlformats.org/officeDocument/2006/relationships" xmlns:p="http://schemas.openxmlformats.org/presentationml/2006/main" userDrawn="1">
+  <p:cSld name="1_Standard 4 columns">
+    <p:spTree>
+      <p:nvGrpSpPr>
+        <p:cNvPr id="1" name=""/>
+        <p:cNvGrpSpPr/>
+        <p:nvPr/>
+      </p:nvGrpSpPr>
+      <p:grpSpPr>
+        <a:xfrm>
+          <a:off x="0" y="0"/>
+          <a:ext cx="0" cy="0"/>
+          <a:chOff x="0" y="0"/>
+          <a:chExt cx="0" cy="0"/>
+        </a:xfrm>
+      </p:grpSpPr>
+      <p:sp>
+        <p:nvSpPr>
+          <p:cNvPr id="4" name="Text Placeholder 3"/>
+          <p:cNvSpPr>
+            <a:spLocks noGrp="1"/>
+          </p:cNvSpPr>
+          <p:nvPr>
+            <p:ph type="body" sz="quarter" idx="10" hasCustomPrompt="1"/>
+          </p:nvPr>
+        </p:nvSpPr>
+        <p:spPr>
+          <a:xfrm>
+            <a:off x="491425" y="6378481"/>
+            <a:ext cx="10056813" cy="846363"/>
+          </a:xfrm>
+          <a:prstGeom prst="rect">
+            <a:avLst/>
+          </a:prstGeom>
+        </p:spPr>
+        <p:txBody>
+          <a:bodyPr wrap="square" lIns="228589" tIns="228589" rIns="228589" bIns="228589">
+            <a:spAutoFit/>
+          </a:bodyPr>
+          <a:lstStyle>
+            <a:lvl1pPr marL="0" indent="0">
+              <a:buNone/>
+              <a:defRPr sz="2500">
+                <a:solidFill>
+                  <a:schemeClr val="accent5">
+                    <a:lumMod val="50000"/>
+                  </a:schemeClr>
+                </a:solidFill>
+                <a:latin typeface="Times New Roman" pitchFamily="18" charset="0"/>
+                <a:cs typeface="Times New Roman" pitchFamily="18" charset="0"/>
+              </a:defRPr>
+            </a:lvl1pPr>
+            <a:lvl2pPr marL="1485825" indent="-571471">
+              <a:defRPr sz="2500">
+                <a:latin typeface="Trebuchet MS" pitchFamily="34" charset="0"/>
+              </a:defRPr>
+            </a:lvl2pPr>
+            <a:lvl3pPr marL="2057297" indent="-571471">
+              <a:defRPr sz="2500">
+                <a:latin typeface="Trebuchet MS" pitchFamily="34" charset="0"/>
+              </a:defRPr>
+            </a:lvl3pPr>
+            <a:lvl4pPr marL="2685916" indent="-628619">
+              <a:defRPr sz="2500">
+                <a:latin typeface="Trebuchet MS" pitchFamily="34" charset="0"/>
+              </a:defRPr>
+            </a:lvl4pPr>
+            <a:lvl5pPr marL="3143093" indent="-457177">
+              <a:defRPr sz="2500">
+                <a:latin typeface="Trebuchet MS" pitchFamily="34" charset="0"/>
+              </a:defRPr>
+            </a:lvl5pPr>
+          </a:lstStyle>
+          <a:p>
+            <a:pPr lvl="0"/>
+            <a:r>
+              <a:rPr lang="en-US" dirty="0" smtClean="0"/>
+              <a:t>Type in or paste your text here</a:t>
+            </a:r>
+            <a:endParaRPr lang="en-US" dirty="0"/>
+          </a:p>
+        </p:txBody>
+      </p:sp>
+      <p:sp>
+        <p:nvSpPr>
+          <p:cNvPr id="6" name="Text Placeholder 5"/>
+          <p:cNvSpPr>
+            <a:spLocks noGrp="1"/>
+          </p:cNvSpPr>
+          <p:nvPr>
+            <p:ph type="body" sz="quarter" idx="11" hasCustomPrompt="1"/>
+          </p:nvPr>
+        </p:nvSpPr>
+        <p:spPr>
+          <a:xfrm>
+            <a:off x="509578" y="5548749"/>
+            <a:ext cx="10048875" cy="754045"/>
+          </a:xfrm>
+          <a:prstGeom prst="rect">
+            <a:avLst/>
+          </a:prstGeom>
+          <a:noFill/>
+        </p:spPr>
+        <p:txBody>
+          <a:bodyPr lIns="91436" tIns="91436" rIns="91436" bIns="91436" anchor="ctr" anchorCtr="0">
+            <a:spAutoFit/>
+          </a:bodyPr>
+          <a:lstStyle>
+            <a:lvl1pPr marL="0" indent="0" algn="ctr">
+              <a:buNone/>
+              <a:defRPr sz="3700" b="1" u="sng" baseline="0">
+                <a:solidFill>
+                  <a:schemeClr val="accent5">
+                    <a:lumMod val="50000"/>
+                  </a:schemeClr>
+                </a:solidFill>
+              </a:defRPr>
+            </a:lvl1pPr>
+          </a:lstStyle>
+          <a:p>
+            <a:pPr lvl="0"/>
+            <a:r>
+              <a:rPr lang="en-US" dirty="0" smtClean="0"/>
+              <a:t>(click to edit) INTRODUCTION or ABSTRACT</a:t>
+            </a:r>
+            <a:endParaRPr lang="en-US" dirty="0"/>
+          </a:p>
+        </p:txBody>
+      </p:sp>
+      <p:sp>
+        <p:nvSpPr>
+          <p:cNvPr id="20" name="Text Placeholder 5"/>
+          <p:cNvSpPr>
+            <a:spLocks noGrp="1"/>
+          </p:cNvSpPr>
+          <p:nvPr>
+            <p:ph type="body" sz="quarter" idx="20" hasCustomPrompt="1"/>
+          </p:nvPr>
+        </p:nvSpPr>
+        <p:spPr>
+          <a:xfrm>
+            <a:off x="509576" y="14212513"/>
+            <a:ext cx="10050462" cy="754045"/>
+          </a:xfrm>
+          <a:prstGeom prst="rect">
+            <a:avLst/>
+          </a:prstGeom>
+          <a:noFill/>
+        </p:spPr>
+        <p:txBody>
+          <a:bodyPr wrap="square" lIns="91436" tIns="91436" rIns="91436" bIns="91436" anchor="ctr" anchorCtr="0">
+            <a:spAutoFit/>
+          </a:bodyPr>
+          <a:lstStyle>
+            <a:lvl1pPr marL="0" indent="0" algn="ctr">
+              <a:buNone/>
+              <a:defRPr sz="3700" b="1" u="sng" baseline="0">
+                <a:solidFill>
+                  <a:schemeClr val="accent5">
+                    <a:lumMod val="50000"/>
+                  </a:schemeClr>
+                </a:solidFill>
+              </a:defRPr>
+            </a:lvl1pPr>
+          </a:lstStyle>
+          <a:p>
+            <a:pPr lvl="0"/>
+            <a:r>
+              <a:rPr lang="en-US" dirty="0" smtClean="0"/>
+              <a:t>(click to edit)  OBJECTIVES</a:t>
+            </a:r>
+            <a:endParaRPr lang="en-US" dirty="0"/>
+          </a:p>
+        </p:txBody>
+      </p:sp>
+      <p:sp>
+        <p:nvSpPr>
+          <p:cNvPr id="21" name="Text Placeholder 3"/>
+          <p:cNvSpPr>
+            <a:spLocks noGrp="1"/>
+          </p:cNvSpPr>
+          <p:nvPr>
+            <p:ph type="body" sz="quarter" idx="21" hasCustomPrompt="1"/>
+          </p:nvPr>
+        </p:nvSpPr>
+        <p:spPr>
+          <a:xfrm>
+            <a:off x="11460161" y="6378481"/>
+            <a:ext cx="10048874" cy="846363"/>
+          </a:xfrm>
+          <a:prstGeom prst="rect">
+            <a:avLst/>
+          </a:prstGeom>
+        </p:spPr>
+        <p:txBody>
+          <a:bodyPr wrap="square" lIns="228589" tIns="228589" rIns="228589" bIns="228589">
+            <a:spAutoFit/>
+          </a:bodyPr>
+          <a:lstStyle>
+            <a:lvl1pPr marL="0" indent="0">
+              <a:buNone/>
+              <a:defRPr sz="2500">
+                <a:solidFill>
+                  <a:schemeClr val="accent5">
+                    <a:lumMod val="50000"/>
+                  </a:schemeClr>
+                </a:solidFill>
+                <a:latin typeface="Times New Roman" pitchFamily="18" charset="0"/>
+                <a:cs typeface="Times New Roman" pitchFamily="18" charset="0"/>
+              </a:defRPr>
+            </a:lvl1pPr>
+            <a:lvl2pPr marL="1485825" indent="-571471">
+              <a:defRPr sz="2500">
+                <a:latin typeface="Trebuchet MS" pitchFamily="34" charset="0"/>
+              </a:defRPr>
+            </a:lvl2pPr>
+            <a:lvl3pPr marL="2057297" indent="-571471">
+              <a:defRPr sz="2500">
+                <a:latin typeface="Trebuchet MS" pitchFamily="34" charset="0"/>
+              </a:defRPr>
+            </a:lvl3pPr>
+            <a:lvl4pPr marL="2685916" indent="-628619">
+              <a:defRPr sz="2500">
+                <a:latin typeface="Trebuchet MS" pitchFamily="34" charset="0"/>
+              </a:defRPr>
+            </a:lvl4pPr>
+            <a:lvl5pPr marL="3143093" indent="-457177">
+              <a:defRPr sz="2500">
+                <a:latin typeface="Trebuchet MS" pitchFamily="34" charset="0"/>
+              </a:defRPr>
+            </a:lvl5pPr>
+          </a:lstStyle>
+          <a:p>
+            <a:pPr lvl="0"/>
+            <a:r>
+              <a:rPr lang="en-US" dirty="0" smtClean="0"/>
+              <a:t>Type in or paste your text here</a:t>
+            </a:r>
+            <a:endParaRPr lang="en-US" dirty="0"/>
+          </a:p>
+        </p:txBody>
+      </p:sp>
+      <p:sp>
+        <p:nvSpPr>
+          <p:cNvPr id="22" name="Text Placeholder 5"/>
+          <p:cNvSpPr>
+            <a:spLocks noGrp="1"/>
+          </p:cNvSpPr>
+          <p:nvPr>
+            <p:ph type="body" sz="quarter" idx="22" hasCustomPrompt="1"/>
+          </p:nvPr>
+        </p:nvSpPr>
+        <p:spPr>
+          <a:xfrm>
+            <a:off x="11460162" y="5548749"/>
+            <a:ext cx="10048875" cy="754045"/>
+          </a:xfrm>
+          <a:prstGeom prst="rect">
+            <a:avLst/>
+          </a:prstGeom>
+          <a:noFill/>
+        </p:spPr>
+        <p:txBody>
+          <a:bodyPr lIns="91436" tIns="91436" rIns="91436" bIns="91436" anchor="ctr" anchorCtr="0">
+            <a:spAutoFit/>
+          </a:bodyPr>
+          <a:lstStyle>
+            <a:lvl1pPr marL="0" indent="0" algn="ctr">
+              <a:buNone/>
+              <a:defRPr sz="3700" b="1" u="sng" baseline="0">
+                <a:solidFill>
+                  <a:schemeClr val="accent5">
+                    <a:lumMod val="50000"/>
+                  </a:schemeClr>
+                </a:solidFill>
+              </a:defRPr>
+            </a:lvl1pPr>
+          </a:lstStyle>
+          <a:p>
+            <a:pPr lvl="0"/>
+            <a:r>
+              <a:rPr lang="en-US" dirty="0" smtClean="0"/>
+              <a:t>(click to edit)  MATERIALS &amp; METHODS</a:t>
+            </a:r>
+            <a:endParaRPr lang="en-US" dirty="0"/>
+          </a:p>
+        </p:txBody>
+      </p:sp>
+      <p:sp>
+        <p:nvSpPr>
+          <p:cNvPr id="23" name="Text Placeholder 3"/>
+          <p:cNvSpPr>
+            <a:spLocks noGrp="1"/>
+          </p:cNvSpPr>
+          <p:nvPr>
+            <p:ph type="body" sz="quarter" idx="23" hasCustomPrompt="1"/>
+          </p:nvPr>
+        </p:nvSpPr>
+        <p:spPr>
+          <a:xfrm>
+            <a:off x="22385343" y="6378481"/>
+            <a:ext cx="10048874" cy="846363"/>
+          </a:xfrm>
+          <a:prstGeom prst="rect">
+            <a:avLst/>
+          </a:prstGeom>
+        </p:spPr>
+        <p:txBody>
+          <a:bodyPr wrap="square" lIns="228589" tIns="228589" rIns="228589" bIns="228589">
+            <a:spAutoFit/>
+          </a:bodyPr>
+          <a:lstStyle>
+            <a:lvl1pPr marL="0" indent="0">
+              <a:buNone/>
+              <a:defRPr sz="2500">
+                <a:solidFill>
+                  <a:schemeClr val="accent5">
+                    <a:lumMod val="50000"/>
+                  </a:schemeClr>
+                </a:solidFill>
+                <a:latin typeface="Times New Roman" pitchFamily="18" charset="0"/>
+                <a:cs typeface="Times New Roman" pitchFamily="18" charset="0"/>
+              </a:defRPr>
+            </a:lvl1pPr>
+            <a:lvl2pPr marL="1485825" indent="-571471">
+              <a:defRPr sz="2500">
+                <a:latin typeface="Trebuchet MS" pitchFamily="34" charset="0"/>
+              </a:defRPr>
+            </a:lvl2pPr>
+            <a:lvl3pPr marL="2057297" indent="-571471">
+              <a:defRPr sz="2500">
+                <a:latin typeface="Trebuchet MS" pitchFamily="34" charset="0"/>
+              </a:defRPr>
+            </a:lvl3pPr>
+            <a:lvl4pPr marL="2685916" indent="-628619">
+              <a:defRPr sz="2500">
+                <a:latin typeface="Trebuchet MS" pitchFamily="34" charset="0"/>
+              </a:defRPr>
+            </a:lvl4pPr>
+            <a:lvl5pPr marL="3143093" indent="-457177">
+              <a:defRPr sz="2500">
+                <a:latin typeface="Trebuchet MS" pitchFamily="34" charset="0"/>
+              </a:defRPr>
+            </a:lvl5pPr>
+          </a:lstStyle>
+          <a:p>
+            <a:pPr lvl="0"/>
+            <a:r>
+              <a:rPr lang="en-US" dirty="0" smtClean="0"/>
+              <a:t>Type in or paste your text here</a:t>
+            </a:r>
+            <a:endParaRPr lang="en-US" dirty="0"/>
+          </a:p>
+        </p:txBody>
+      </p:sp>
+      <p:sp>
+        <p:nvSpPr>
+          <p:cNvPr id="24" name="Text Placeholder 5"/>
+          <p:cNvSpPr>
+            <a:spLocks noGrp="1"/>
+          </p:cNvSpPr>
+          <p:nvPr>
+            <p:ph type="body" sz="quarter" idx="24" hasCustomPrompt="1"/>
+          </p:nvPr>
+        </p:nvSpPr>
+        <p:spPr>
+          <a:xfrm>
+            <a:off x="22377404" y="5548749"/>
+            <a:ext cx="10058400" cy="754045"/>
+          </a:xfrm>
+          <a:prstGeom prst="rect">
+            <a:avLst/>
+          </a:prstGeom>
+          <a:noFill/>
+        </p:spPr>
+        <p:txBody>
+          <a:bodyPr lIns="91436" tIns="91436" rIns="91436" bIns="91436" anchor="ctr" anchorCtr="0">
+            <a:spAutoFit/>
+          </a:bodyPr>
+          <a:lstStyle>
+            <a:lvl1pPr marL="0" indent="0" algn="ctr">
+              <a:buNone/>
+              <a:defRPr sz="3700" b="1" u="sng" baseline="0">
+                <a:solidFill>
+                  <a:schemeClr val="accent5">
+                    <a:lumMod val="50000"/>
+                  </a:schemeClr>
+                </a:solidFill>
+              </a:defRPr>
+            </a:lvl1pPr>
+          </a:lstStyle>
+          <a:p>
+            <a:pPr lvl="0"/>
+            <a:r>
+              <a:rPr lang="en-US" dirty="0" smtClean="0"/>
+              <a:t>(click to edit)  RESULTS</a:t>
+            </a:r>
+            <a:endParaRPr lang="en-US" dirty="0"/>
+          </a:p>
+        </p:txBody>
+      </p:sp>
+      <p:sp>
+        <p:nvSpPr>
+          <p:cNvPr id="25" name="Text Placeholder 5"/>
+          <p:cNvSpPr>
+            <a:spLocks noGrp="1"/>
+          </p:cNvSpPr>
+          <p:nvPr>
+            <p:ph type="body" sz="quarter" idx="25" hasCustomPrompt="1"/>
+          </p:nvPr>
+        </p:nvSpPr>
+        <p:spPr>
+          <a:xfrm>
+            <a:off x="33358541" y="5548749"/>
+            <a:ext cx="10047018" cy="754045"/>
+          </a:xfrm>
+          <a:prstGeom prst="rect">
+            <a:avLst/>
+          </a:prstGeom>
+          <a:noFill/>
+        </p:spPr>
+        <p:txBody>
+          <a:bodyPr wrap="square" lIns="91436" tIns="91436" rIns="91436" bIns="91436" anchor="ctr" anchorCtr="0">
+            <a:spAutoFit/>
+          </a:bodyPr>
+          <a:lstStyle>
+            <a:lvl1pPr marL="0" indent="0" algn="ctr">
+              <a:buNone/>
+              <a:defRPr sz="3700" b="1" u="sng" baseline="0">
+                <a:solidFill>
+                  <a:schemeClr val="accent5">
+                    <a:lumMod val="50000"/>
+                  </a:schemeClr>
+                </a:solidFill>
+              </a:defRPr>
+            </a:lvl1pPr>
+          </a:lstStyle>
+          <a:p>
+            <a:pPr lvl="0"/>
+            <a:r>
+              <a:rPr lang="en-US" dirty="0" smtClean="0"/>
+              <a:t>(click to edit)  CONCLUSIONS</a:t>
+            </a:r>
+            <a:endParaRPr lang="en-US" dirty="0"/>
+          </a:p>
+        </p:txBody>
+      </p:sp>
+      <p:sp>
+        <p:nvSpPr>
+          <p:cNvPr id="26" name="Text Placeholder 3"/>
+          <p:cNvSpPr>
+            <a:spLocks noGrp="1"/>
+          </p:cNvSpPr>
+          <p:nvPr>
+            <p:ph type="body" sz="quarter" idx="26" hasCustomPrompt="1"/>
+          </p:nvPr>
+        </p:nvSpPr>
+        <p:spPr>
+          <a:xfrm>
+            <a:off x="33358541" y="6378481"/>
+            <a:ext cx="10047018" cy="846363"/>
+          </a:xfrm>
+          <a:prstGeom prst="rect">
+            <a:avLst/>
+          </a:prstGeom>
+        </p:spPr>
+        <p:txBody>
+          <a:bodyPr wrap="square" lIns="228589" tIns="228589" rIns="228589" bIns="228589">
+            <a:spAutoFit/>
+          </a:bodyPr>
+          <a:lstStyle>
+            <a:lvl1pPr marL="0" indent="0">
+              <a:buNone/>
+              <a:defRPr sz="2500">
+                <a:solidFill>
+                  <a:schemeClr val="accent5">
+                    <a:lumMod val="50000"/>
+                  </a:schemeClr>
+                </a:solidFill>
+                <a:latin typeface="Times New Roman" pitchFamily="18" charset="0"/>
+                <a:cs typeface="Times New Roman" pitchFamily="18" charset="0"/>
+              </a:defRPr>
+            </a:lvl1pPr>
+            <a:lvl2pPr marL="1485825" indent="-571471">
+              <a:defRPr sz="2500">
+                <a:latin typeface="Trebuchet MS" pitchFamily="34" charset="0"/>
+              </a:defRPr>
+            </a:lvl2pPr>
+            <a:lvl3pPr marL="2057297" indent="-571471">
+              <a:defRPr sz="2500">
+                <a:latin typeface="Trebuchet MS" pitchFamily="34" charset="0"/>
+              </a:defRPr>
+            </a:lvl3pPr>
+            <a:lvl4pPr marL="2685916" indent="-628619">
+              <a:defRPr sz="2500">
+                <a:latin typeface="Trebuchet MS" pitchFamily="34" charset="0"/>
+              </a:defRPr>
+            </a:lvl4pPr>
+            <a:lvl5pPr marL="3143093" indent="-457177">
+              <a:defRPr sz="2500">
+                <a:latin typeface="Trebuchet MS" pitchFamily="34" charset="0"/>
+              </a:defRPr>
+            </a:lvl5pPr>
+          </a:lstStyle>
+          <a:p>
+            <a:pPr lvl="0"/>
+            <a:r>
+              <a:rPr lang="en-US" dirty="0" smtClean="0"/>
+              <a:t>Type in or paste your text here</a:t>
+            </a:r>
+            <a:endParaRPr lang="en-US" dirty="0"/>
+          </a:p>
+        </p:txBody>
+      </p:sp>
+      <p:sp>
+        <p:nvSpPr>
+          <p:cNvPr id="27" name="Text Placeholder 5"/>
+          <p:cNvSpPr>
+            <a:spLocks noGrp="1"/>
+          </p:cNvSpPr>
+          <p:nvPr>
+            <p:ph type="body" sz="quarter" idx="27" hasCustomPrompt="1"/>
+          </p:nvPr>
+        </p:nvSpPr>
+        <p:spPr>
+          <a:xfrm>
+            <a:off x="33358541" y="14272738"/>
+            <a:ext cx="10047018" cy="754045"/>
+          </a:xfrm>
+          <a:prstGeom prst="rect">
+            <a:avLst/>
+          </a:prstGeom>
+          <a:noFill/>
+        </p:spPr>
+        <p:txBody>
+          <a:bodyPr wrap="square" lIns="91436" tIns="91436" rIns="91436" bIns="91436" anchor="ctr" anchorCtr="0">
+            <a:spAutoFit/>
+          </a:bodyPr>
+          <a:lstStyle>
+            <a:lvl1pPr marL="0" indent="0" algn="ctr">
+              <a:buNone/>
+              <a:defRPr sz="3700" b="1" u="sng" baseline="0">
+                <a:solidFill>
+                  <a:schemeClr val="accent5">
+                    <a:lumMod val="50000"/>
+                  </a:schemeClr>
+                </a:solidFill>
+              </a:defRPr>
+            </a:lvl1pPr>
+          </a:lstStyle>
+          <a:p>
+            <a:pPr lvl="0"/>
+            <a:r>
+              <a:rPr lang="en-US" dirty="0" smtClean="0"/>
+              <a:t>(click to edit)  REFERENCES</a:t>
+            </a:r>
+            <a:endParaRPr lang="en-US" dirty="0"/>
+          </a:p>
+        </p:txBody>
+      </p:sp>
+      <p:sp>
+        <p:nvSpPr>
+          <p:cNvPr id="28" name="Text Placeholder 3"/>
+          <p:cNvSpPr>
+            <a:spLocks noGrp="1"/>
+          </p:cNvSpPr>
+          <p:nvPr>
+            <p:ph type="body" sz="quarter" idx="28" hasCustomPrompt="1"/>
+          </p:nvPr>
+        </p:nvSpPr>
+        <p:spPr>
+          <a:xfrm>
+            <a:off x="33358541" y="15011402"/>
+            <a:ext cx="10052050" cy="846363"/>
+          </a:xfrm>
+          <a:prstGeom prst="rect">
+            <a:avLst/>
+          </a:prstGeom>
+        </p:spPr>
+        <p:txBody>
+          <a:bodyPr wrap="square" lIns="228589" tIns="228589" rIns="228589" bIns="228589">
+            <a:spAutoFit/>
+          </a:bodyPr>
+          <a:lstStyle>
+            <a:lvl1pPr marL="0" indent="0">
+              <a:buNone/>
+              <a:defRPr sz="2500">
+                <a:solidFill>
+                  <a:schemeClr val="accent5">
+                    <a:lumMod val="50000"/>
+                  </a:schemeClr>
+                </a:solidFill>
+                <a:latin typeface="Times New Roman" pitchFamily="18" charset="0"/>
+                <a:cs typeface="Times New Roman" pitchFamily="18" charset="0"/>
+              </a:defRPr>
+            </a:lvl1pPr>
+            <a:lvl2pPr marL="1485825" indent="-571471">
+              <a:defRPr sz="2500">
+                <a:latin typeface="Trebuchet MS" pitchFamily="34" charset="0"/>
+              </a:defRPr>
+            </a:lvl2pPr>
+            <a:lvl3pPr marL="2057297" indent="-571471">
+              <a:defRPr sz="2500">
+                <a:latin typeface="Trebuchet MS" pitchFamily="34" charset="0"/>
+              </a:defRPr>
+            </a:lvl3pPr>
+            <a:lvl4pPr marL="2685916" indent="-628619">
+              <a:defRPr sz="2500">
+                <a:latin typeface="Trebuchet MS" pitchFamily="34" charset="0"/>
+              </a:defRPr>
+            </a:lvl4pPr>
+            <a:lvl5pPr marL="3143093" indent="-457177">
+              <a:defRPr sz="2500">
+                <a:latin typeface="Trebuchet MS" pitchFamily="34" charset="0"/>
+              </a:defRPr>
+            </a:lvl5pPr>
+          </a:lstStyle>
+          <a:p>
+            <a:pPr lvl="0"/>
+            <a:r>
+              <a:rPr lang="en-US" dirty="0" smtClean="0"/>
+              <a:t>Type in or paste your text here</a:t>
+            </a:r>
+            <a:endParaRPr lang="en-US" dirty="0"/>
+          </a:p>
+        </p:txBody>
+      </p:sp>
+      <p:sp>
+        <p:nvSpPr>
+          <p:cNvPr id="29" name="Text Placeholder 5"/>
+          <p:cNvSpPr>
+            <a:spLocks noGrp="1"/>
+          </p:cNvSpPr>
+          <p:nvPr>
+            <p:ph type="body" sz="quarter" idx="29" hasCustomPrompt="1"/>
+          </p:nvPr>
+        </p:nvSpPr>
+        <p:spPr>
+          <a:xfrm>
+            <a:off x="33358541" y="25679401"/>
+            <a:ext cx="10047018" cy="754045"/>
+          </a:xfrm>
+          <a:prstGeom prst="rect">
+            <a:avLst/>
+          </a:prstGeom>
+          <a:noFill/>
+        </p:spPr>
+        <p:txBody>
+          <a:bodyPr wrap="square" lIns="91436" tIns="91436" rIns="91436" bIns="91436" anchor="ctr" anchorCtr="0">
+            <a:spAutoFit/>
+          </a:bodyPr>
+          <a:lstStyle>
+            <a:lvl1pPr marL="0" indent="0" algn="ctr">
+              <a:buNone/>
+              <a:defRPr sz="3700" b="1" u="sng" baseline="0">
+                <a:solidFill>
+                  <a:schemeClr val="accent5">
+                    <a:lumMod val="50000"/>
+                  </a:schemeClr>
+                </a:solidFill>
+              </a:defRPr>
+            </a:lvl1pPr>
+          </a:lstStyle>
+          <a:p>
+            <a:pPr lvl="0"/>
+            <a:r>
+              <a:rPr lang="en-US" dirty="0" smtClean="0"/>
+              <a:t>(click to edit)  ACKNOWLEDGEMENTS or  CONTACT</a:t>
+            </a:r>
+            <a:endParaRPr lang="en-US" dirty="0"/>
+          </a:p>
+        </p:txBody>
+      </p:sp>
+      <p:sp>
+        <p:nvSpPr>
+          <p:cNvPr id="30" name="Text Placeholder 3"/>
+          <p:cNvSpPr>
+            <a:spLocks noGrp="1"/>
+          </p:cNvSpPr>
+          <p:nvPr>
+            <p:ph type="body" sz="quarter" idx="30" hasCustomPrompt="1"/>
+          </p:nvPr>
+        </p:nvSpPr>
+        <p:spPr>
+          <a:xfrm>
+            <a:off x="33358541" y="26433446"/>
+            <a:ext cx="10052050" cy="846363"/>
+          </a:xfrm>
+          <a:prstGeom prst="rect">
+            <a:avLst/>
+          </a:prstGeom>
+        </p:spPr>
+        <p:txBody>
+          <a:bodyPr wrap="square" lIns="228589" tIns="228589" rIns="228589" bIns="228589">
+            <a:spAutoFit/>
+          </a:bodyPr>
+          <a:lstStyle>
+            <a:lvl1pPr marL="0" indent="0">
+              <a:buNone/>
+              <a:defRPr sz="2500">
+                <a:solidFill>
+                  <a:schemeClr val="accent5">
+                    <a:lumMod val="50000"/>
+                  </a:schemeClr>
+                </a:solidFill>
+                <a:latin typeface="Times New Roman" pitchFamily="18" charset="0"/>
+                <a:cs typeface="Times New Roman" pitchFamily="18" charset="0"/>
+              </a:defRPr>
+            </a:lvl1pPr>
+            <a:lvl2pPr marL="1485825" indent="-571471">
+              <a:defRPr sz="2500">
+                <a:latin typeface="Trebuchet MS" pitchFamily="34" charset="0"/>
+              </a:defRPr>
+            </a:lvl2pPr>
+            <a:lvl3pPr marL="2057297" indent="-571471">
+              <a:defRPr sz="2500">
+                <a:latin typeface="Trebuchet MS" pitchFamily="34" charset="0"/>
+              </a:defRPr>
+            </a:lvl3pPr>
+            <a:lvl4pPr marL="2685916" indent="-628619">
+              <a:defRPr sz="2500">
+                <a:latin typeface="Trebuchet MS" pitchFamily="34" charset="0"/>
+              </a:defRPr>
+            </a:lvl4pPr>
+            <a:lvl5pPr marL="3143093" indent="-457177">
+              <a:defRPr sz="2500">
+                <a:latin typeface="Trebuchet MS" pitchFamily="34" charset="0"/>
+              </a:defRPr>
+            </a:lvl5pPr>
+          </a:lstStyle>
+          <a:p>
+            <a:pPr lvl="0"/>
+            <a:r>
+              <a:rPr lang="en-US" dirty="0" smtClean="0"/>
+              <a:t>Type in or paste your text here</a:t>
+            </a:r>
+            <a:endParaRPr lang="en-US" dirty="0"/>
+          </a:p>
+        </p:txBody>
+      </p:sp>
+      <p:sp>
+        <p:nvSpPr>
+          <p:cNvPr id="60" name="Text Placeholder 3"/>
+          <p:cNvSpPr>
+            <a:spLocks noGrp="1"/>
+          </p:cNvSpPr>
+          <p:nvPr>
+            <p:ph type="body" sz="quarter" idx="96" hasCustomPrompt="1"/>
+          </p:nvPr>
+        </p:nvSpPr>
+        <p:spPr>
+          <a:xfrm>
+            <a:off x="491425" y="14951552"/>
+            <a:ext cx="10056813" cy="846363"/>
+          </a:xfrm>
+          <a:prstGeom prst="rect">
+            <a:avLst/>
+          </a:prstGeom>
+        </p:spPr>
+        <p:txBody>
+          <a:bodyPr wrap="square" lIns="228589" tIns="228589" rIns="228589" bIns="228589">
+            <a:spAutoFit/>
+          </a:bodyPr>
+          <a:lstStyle>
+            <a:lvl1pPr marL="0" indent="0">
+              <a:buNone/>
+              <a:defRPr sz="2500">
+                <a:solidFill>
+                  <a:schemeClr val="accent5">
+                    <a:lumMod val="50000"/>
+                  </a:schemeClr>
+                </a:solidFill>
+                <a:latin typeface="Times New Roman" pitchFamily="18" charset="0"/>
+                <a:cs typeface="Times New Roman" pitchFamily="18" charset="0"/>
+              </a:defRPr>
+            </a:lvl1pPr>
+            <a:lvl2pPr marL="1485825" indent="-571471">
+              <a:defRPr sz="2500">
+                <a:latin typeface="Trebuchet MS" pitchFamily="34" charset="0"/>
+              </a:defRPr>
+            </a:lvl2pPr>
+            <a:lvl3pPr marL="2057297" indent="-571471">
+              <a:defRPr sz="2500">
+                <a:latin typeface="Trebuchet MS" pitchFamily="34" charset="0"/>
+              </a:defRPr>
+            </a:lvl3pPr>
+            <a:lvl4pPr marL="2685916" indent="-628619">
+              <a:defRPr sz="2500">
+                <a:latin typeface="Trebuchet MS" pitchFamily="34" charset="0"/>
+              </a:defRPr>
+            </a:lvl4pPr>
+            <a:lvl5pPr marL="3143093" indent="-457177">
+              <a:defRPr sz="2500">
+                <a:latin typeface="Trebuchet MS" pitchFamily="34" charset="0"/>
+              </a:defRPr>
+            </a:lvl5pPr>
+          </a:lstStyle>
+          <a:p>
+            <a:pPr lvl="0"/>
+            <a:r>
+              <a:rPr lang="en-US" dirty="0" smtClean="0"/>
+              <a:t>Type in or paste your text here</a:t>
+            </a:r>
+            <a:endParaRPr lang="en-US" dirty="0"/>
+          </a:p>
+        </p:txBody>
+      </p:sp>
+      <p:sp>
+        <p:nvSpPr>
+          <p:cNvPr id="77" name="Text Placeholder 76"/>
+          <p:cNvSpPr>
+            <a:spLocks noGrp="1"/>
+          </p:cNvSpPr>
+          <p:nvPr>
+            <p:ph type="body" sz="quarter" idx="150" hasCustomPrompt="1"/>
+          </p:nvPr>
+        </p:nvSpPr>
+        <p:spPr>
+          <a:xfrm>
+            <a:off x="5932593" y="3383947"/>
+            <a:ext cx="31998968" cy="1280160"/>
+          </a:xfrm>
+          <a:prstGeom prst="rect">
+            <a:avLst/>
+          </a:prstGeom>
+        </p:spPr>
+        <p:txBody>
+          <a:bodyPr>
+            <a:normAutofit/>
+          </a:bodyPr>
+          <a:lstStyle>
+            <a:lvl1pPr marL="0" indent="0" algn="ctr">
+              <a:buFontTx/>
+              <a:buNone/>
+              <a:defRPr sz="6000">
+                <a:solidFill>
+                  <a:schemeClr val="bg1"/>
+                </a:solidFill>
+                <a:latin typeface="+mj-lt"/>
+              </a:defRPr>
+            </a:lvl1pPr>
+            <a:lvl2pPr>
+              <a:buFontTx/>
+              <a:buNone/>
+              <a:defRPr sz="7200"/>
+            </a:lvl2pPr>
+            <a:lvl3pPr>
+              <a:buFontTx/>
+              <a:buNone/>
+              <a:defRPr sz="7200"/>
+            </a:lvl3pPr>
+            <a:lvl4pPr>
+              <a:buFontTx/>
+              <a:buNone/>
+              <a:defRPr sz="7200"/>
+            </a:lvl4pPr>
+            <a:lvl5pPr>
+              <a:buFontTx/>
+              <a:buNone/>
+              <a:defRPr sz="7200"/>
+            </a:lvl5pPr>
+          </a:lstStyle>
+          <a:p>
+            <a:pPr lvl="0"/>
+            <a:r>
+              <a:rPr lang="en-US" dirty="0" smtClean="0"/>
+              <a:t>Click here to add affiliations</a:t>
+            </a:r>
+            <a:endParaRPr lang="en-US" dirty="0"/>
+          </a:p>
+        </p:txBody>
+      </p:sp>
+      <p:sp>
+        <p:nvSpPr>
+          <p:cNvPr id="78" name="Text Placeholder 76"/>
+          <p:cNvSpPr>
+            <a:spLocks noGrp="1"/>
+          </p:cNvSpPr>
+          <p:nvPr>
+            <p:ph type="body" sz="quarter" idx="151" hasCustomPrompt="1"/>
+          </p:nvPr>
+        </p:nvSpPr>
+        <p:spPr>
+          <a:xfrm>
+            <a:off x="5932593" y="2103787"/>
+            <a:ext cx="31998968" cy="1280160"/>
+          </a:xfrm>
+          <a:prstGeom prst="rect">
+            <a:avLst/>
+          </a:prstGeom>
+        </p:spPr>
+        <p:txBody>
+          <a:bodyPr anchor="t" anchorCtr="1">
+            <a:normAutofit/>
+          </a:bodyPr>
+          <a:lstStyle>
+            <a:lvl1pPr marL="0" indent="0" algn="ctr">
+              <a:buFontTx/>
+              <a:buNone/>
+              <a:defRPr sz="8800">
+                <a:solidFill>
+                  <a:schemeClr val="bg1"/>
+                </a:solidFill>
+                <a:latin typeface="+mj-lt"/>
+              </a:defRPr>
+            </a:lvl1pPr>
+            <a:lvl2pPr>
+              <a:buFontTx/>
+              <a:buNone/>
+              <a:defRPr sz="7200"/>
+            </a:lvl2pPr>
+            <a:lvl3pPr>
+              <a:buFontTx/>
+              <a:buNone/>
+              <a:defRPr sz="7200"/>
+            </a:lvl3pPr>
+            <a:lvl4pPr>
+              <a:buFontTx/>
+              <a:buNone/>
+              <a:defRPr sz="7200"/>
+            </a:lvl4pPr>
+            <a:lvl5pPr>
+              <a:buFontTx/>
+              <a:buNone/>
+              <a:defRPr sz="7200"/>
+            </a:lvl5pPr>
+          </a:lstStyle>
+          <a:p>
+            <a:pPr lvl="0"/>
+            <a:r>
+              <a:rPr lang="en-US" dirty="0" smtClean="0"/>
+              <a:t>Click here to add authors</a:t>
+            </a:r>
+            <a:endParaRPr lang="en-US" dirty="0"/>
+          </a:p>
+        </p:txBody>
+      </p:sp>
+      <p:sp>
+        <p:nvSpPr>
+          <p:cNvPr id="79" name="Text Placeholder 76"/>
+          <p:cNvSpPr>
+            <a:spLocks noGrp="1"/>
+          </p:cNvSpPr>
+          <p:nvPr>
+            <p:ph type="body" sz="quarter" idx="153" hasCustomPrompt="1"/>
+          </p:nvPr>
+        </p:nvSpPr>
+        <p:spPr>
+          <a:xfrm>
+            <a:off x="5932593" y="465813"/>
+            <a:ext cx="31998968" cy="1637973"/>
+          </a:xfrm>
+          <a:prstGeom prst="rect">
+            <a:avLst/>
+          </a:prstGeom>
+        </p:spPr>
+        <p:txBody>
+          <a:bodyPr anchor="t" anchorCtr="1">
+            <a:normAutofit/>
+          </a:bodyPr>
+          <a:lstStyle>
+            <a:lvl1pPr marL="0" indent="0" algn="ctr">
+              <a:buFontTx/>
+              <a:buNone/>
+              <a:defRPr sz="11500">
+                <a:solidFill>
+                  <a:schemeClr val="bg1"/>
+                </a:solidFill>
+                <a:latin typeface="+mj-lt"/>
+              </a:defRPr>
+            </a:lvl1pPr>
+            <a:lvl2pPr>
+              <a:buFontTx/>
+              <a:buNone/>
+              <a:defRPr sz="7200"/>
+            </a:lvl2pPr>
+            <a:lvl3pPr>
+              <a:buFontTx/>
+              <a:buNone/>
+              <a:defRPr sz="7200"/>
+            </a:lvl3pPr>
+            <a:lvl4pPr>
+              <a:buFontTx/>
+              <a:buNone/>
+              <a:defRPr sz="7200"/>
+            </a:lvl4pPr>
+            <a:lvl5pPr>
+              <a:buFontTx/>
+              <a:buNone/>
+              <a:defRPr sz="7200"/>
+            </a:lvl5pPr>
+          </a:lstStyle>
+          <a:p>
+            <a:pPr lvl="0"/>
+            <a:r>
+              <a:rPr lang="en-US" dirty="0" smtClean="0"/>
+              <a:t>Click here to add title</a:t>
+            </a:r>
+            <a:endParaRPr lang="en-US" dirty="0"/>
+          </a:p>
+        </p:txBody>
+      </p:sp>
+    </p:spTree>
+  </p:cSld>
+  <p:clrMapOvr>
+    <a:masterClrMapping/>
+  </p:clrMapOvr>
+  <p:timing>
+    <p:tnLst>
+      <p:par>
+        <p:cTn xmlns:p14="http://schemas.microsoft.com/office/powerpoint/2010/main" id="1" dur="indefinite" restart="never" nodeType="tmRoot"/>
+      </p:par>
+    </p:tnLst>
+  </p:timing>
+</p:sldLayout>
+</file>
+
+<file path=ppt/slideLayouts/slideLayout3.xml><?xml version="1.0" encoding="utf-8"?>
+<p:sldLayout xmlns:a="http://schemas.openxmlformats.org/drawingml/2006/main" xmlns:r="http://schemas.openxmlformats.org/officeDocument/2006/relationships" xmlns:p="http://schemas.openxmlformats.org/presentationml/2006/main" userDrawn="1">
+  <p:cSld name="2_Standard 4 columns">
+    <p:spTree>
+      <p:nvGrpSpPr>
+        <p:cNvPr id="1" name=""/>
+        <p:cNvGrpSpPr/>
+        <p:nvPr/>
+      </p:nvGrpSpPr>
+      <p:grpSpPr>
+        <a:xfrm>
+          <a:off x="0" y="0"/>
+          <a:ext cx="0" cy="0"/>
+          <a:chOff x="0" y="0"/>
+          <a:chExt cx="0" cy="0"/>
+        </a:xfrm>
+      </p:grpSpPr>
+      <p:sp>
+        <p:nvSpPr>
+          <p:cNvPr id="4" name="Text Placeholder 3"/>
+          <p:cNvSpPr>
+            <a:spLocks noGrp="1"/>
+          </p:cNvSpPr>
+          <p:nvPr>
+            <p:ph type="body" sz="quarter" idx="10" hasCustomPrompt="1"/>
+          </p:nvPr>
+        </p:nvSpPr>
+        <p:spPr>
+          <a:xfrm>
+            <a:off x="491425" y="6378481"/>
+            <a:ext cx="10056813" cy="846363"/>
+          </a:xfrm>
+          <a:prstGeom prst="rect">
+            <a:avLst/>
+          </a:prstGeom>
+        </p:spPr>
+        <p:txBody>
+          <a:bodyPr wrap="square" lIns="228589" tIns="228589" rIns="228589" bIns="228589">
+            <a:spAutoFit/>
+          </a:bodyPr>
+          <a:lstStyle>
+            <a:lvl1pPr marL="0" indent="0">
+              <a:buNone/>
+              <a:defRPr sz="2500">
+                <a:solidFill>
+                  <a:schemeClr val="accent5">
+                    <a:lumMod val="50000"/>
+                  </a:schemeClr>
+                </a:solidFill>
+                <a:latin typeface="Times New Roman" pitchFamily="18" charset="0"/>
+                <a:cs typeface="Times New Roman" pitchFamily="18" charset="0"/>
+              </a:defRPr>
+            </a:lvl1pPr>
+            <a:lvl2pPr marL="1485825" indent="-571471">
+              <a:defRPr sz="2500">
+                <a:latin typeface="Trebuchet MS" pitchFamily="34" charset="0"/>
+              </a:defRPr>
+            </a:lvl2pPr>
+            <a:lvl3pPr marL="2057297" indent="-571471">
+              <a:defRPr sz="2500">
+                <a:latin typeface="Trebuchet MS" pitchFamily="34" charset="0"/>
+              </a:defRPr>
+            </a:lvl3pPr>
+            <a:lvl4pPr marL="2685916" indent="-628619">
+              <a:defRPr sz="2500">
+                <a:latin typeface="Trebuchet MS" pitchFamily="34" charset="0"/>
+              </a:defRPr>
+            </a:lvl4pPr>
+            <a:lvl5pPr marL="3143093" indent="-457177">
+              <a:defRPr sz="2500">
+                <a:latin typeface="Trebuchet MS" pitchFamily="34" charset="0"/>
+              </a:defRPr>
+            </a:lvl5pPr>
+          </a:lstStyle>
+          <a:p>
+            <a:pPr lvl="0"/>
+            <a:r>
+              <a:rPr lang="en-US" dirty="0" smtClean="0"/>
+              <a:t>Type in or paste your text here</a:t>
+            </a:r>
+            <a:endParaRPr lang="en-US" dirty="0"/>
+          </a:p>
+        </p:txBody>
+      </p:sp>
+      <p:sp>
+        <p:nvSpPr>
+          <p:cNvPr id="6" name="Text Placeholder 5"/>
+          <p:cNvSpPr>
+            <a:spLocks noGrp="1"/>
+          </p:cNvSpPr>
+          <p:nvPr>
+            <p:ph type="body" sz="quarter" idx="11" hasCustomPrompt="1"/>
+          </p:nvPr>
+        </p:nvSpPr>
+        <p:spPr>
+          <a:xfrm>
+            <a:off x="509578" y="5548749"/>
+            <a:ext cx="10048875" cy="754045"/>
+          </a:xfrm>
+          <a:prstGeom prst="rect">
+            <a:avLst/>
+          </a:prstGeom>
+          <a:noFill/>
+        </p:spPr>
+        <p:txBody>
+          <a:bodyPr lIns="91436" tIns="91436" rIns="91436" bIns="91436" anchor="ctr" anchorCtr="0">
+            <a:spAutoFit/>
+          </a:bodyPr>
+          <a:lstStyle>
+            <a:lvl1pPr marL="0" indent="0" algn="ctr">
+              <a:buNone/>
+              <a:defRPr sz="3700" b="1" u="sng" baseline="0">
+                <a:solidFill>
+                  <a:schemeClr val="accent5">
+                    <a:lumMod val="50000"/>
+                  </a:schemeClr>
+                </a:solidFill>
+              </a:defRPr>
+            </a:lvl1pPr>
+          </a:lstStyle>
+          <a:p>
+            <a:pPr lvl="0"/>
+            <a:r>
+              <a:rPr lang="en-US" dirty="0" smtClean="0"/>
+              <a:t>(click to edit) INTRODUCTION or ABSTRACT</a:t>
+            </a:r>
+            <a:endParaRPr lang="en-US" dirty="0"/>
+          </a:p>
+        </p:txBody>
+      </p:sp>
+      <p:sp>
+        <p:nvSpPr>
+          <p:cNvPr id="20" name="Text Placeholder 5"/>
+          <p:cNvSpPr>
+            <a:spLocks noGrp="1"/>
+          </p:cNvSpPr>
+          <p:nvPr>
+            <p:ph type="body" sz="quarter" idx="20" hasCustomPrompt="1"/>
+          </p:nvPr>
+        </p:nvSpPr>
+        <p:spPr>
+          <a:xfrm>
+            <a:off x="509576" y="14212513"/>
+            <a:ext cx="10050462" cy="754045"/>
+          </a:xfrm>
+          <a:prstGeom prst="rect">
+            <a:avLst/>
+          </a:prstGeom>
+          <a:noFill/>
+        </p:spPr>
+        <p:txBody>
+          <a:bodyPr wrap="square" lIns="91436" tIns="91436" rIns="91436" bIns="91436" anchor="ctr" anchorCtr="0">
+            <a:spAutoFit/>
+          </a:bodyPr>
+          <a:lstStyle>
+            <a:lvl1pPr marL="0" indent="0" algn="ctr">
+              <a:buNone/>
+              <a:defRPr sz="3700" b="1" u="sng" baseline="0">
+                <a:solidFill>
+                  <a:schemeClr val="accent5">
+                    <a:lumMod val="50000"/>
+                  </a:schemeClr>
+                </a:solidFill>
+              </a:defRPr>
+            </a:lvl1pPr>
+          </a:lstStyle>
+          <a:p>
+            <a:pPr lvl="0"/>
+            <a:r>
+              <a:rPr lang="en-US" dirty="0" smtClean="0"/>
+              <a:t>(click to edit)  OBJECTIVES</a:t>
+            </a:r>
+            <a:endParaRPr lang="en-US" dirty="0"/>
+          </a:p>
+        </p:txBody>
+      </p:sp>
+      <p:sp>
+        <p:nvSpPr>
+          <p:cNvPr id="21" name="Text Placeholder 3"/>
+          <p:cNvSpPr>
+            <a:spLocks noGrp="1"/>
+          </p:cNvSpPr>
+          <p:nvPr>
+            <p:ph type="body" sz="quarter" idx="21" hasCustomPrompt="1"/>
+          </p:nvPr>
+        </p:nvSpPr>
+        <p:spPr>
+          <a:xfrm>
+            <a:off x="11460161" y="6378481"/>
+            <a:ext cx="10048874" cy="846363"/>
+          </a:xfrm>
+          <a:prstGeom prst="rect">
+            <a:avLst/>
+          </a:prstGeom>
+        </p:spPr>
+        <p:txBody>
+          <a:bodyPr wrap="square" lIns="228589" tIns="228589" rIns="228589" bIns="228589">
+            <a:spAutoFit/>
+          </a:bodyPr>
+          <a:lstStyle>
+            <a:lvl1pPr marL="0" indent="0">
+              <a:buNone/>
+              <a:defRPr sz="2500">
+                <a:solidFill>
+                  <a:schemeClr val="accent5">
+                    <a:lumMod val="50000"/>
+                  </a:schemeClr>
+                </a:solidFill>
+                <a:latin typeface="Times New Roman" pitchFamily="18" charset="0"/>
+                <a:cs typeface="Times New Roman" pitchFamily="18" charset="0"/>
+              </a:defRPr>
+            </a:lvl1pPr>
+            <a:lvl2pPr marL="1485825" indent="-571471">
+              <a:defRPr sz="2500">
+                <a:latin typeface="Trebuchet MS" pitchFamily="34" charset="0"/>
+              </a:defRPr>
+            </a:lvl2pPr>
+            <a:lvl3pPr marL="2057297" indent="-571471">
+              <a:defRPr sz="2500">
+                <a:latin typeface="Trebuchet MS" pitchFamily="34" charset="0"/>
+              </a:defRPr>
+            </a:lvl3pPr>
+            <a:lvl4pPr marL="2685916" indent="-628619">
+              <a:defRPr sz="2500">
+                <a:latin typeface="Trebuchet MS" pitchFamily="34" charset="0"/>
+              </a:defRPr>
+            </a:lvl4pPr>
+            <a:lvl5pPr marL="3143093" indent="-457177">
+              <a:defRPr sz="2500">
+                <a:latin typeface="Trebuchet MS" pitchFamily="34" charset="0"/>
+              </a:defRPr>
+            </a:lvl5pPr>
+          </a:lstStyle>
+          <a:p>
+            <a:pPr lvl="0"/>
+            <a:r>
+              <a:rPr lang="en-US" dirty="0" smtClean="0"/>
+              <a:t>Type in or paste your text here</a:t>
+            </a:r>
+            <a:endParaRPr lang="en-US" dirty="0"/>
+          </a:p>
+        </p:txBody>
+      </p:sp>
+      <p:sp>
+        <p:nvSpPr>
+          <p:cNvPr id="22" name="Text Placeholder 5"/>
+          <p:cNvSpPr>
+            <a:spLocks noGrp="1"/>
+          </p:cNvSpPr>
+          <p:nvPr>
+            <p:ph type="body" sz="quarter" idx="22" hasCustomPrompt="1"/>
+          </p:nvPr>
+        </p:nvSpPr>
+        <p:spPr>
+          <a:xfrm>
+            <a:off x="11460162" y="5548749"/>
+            <a:ext cx="10048875" cy="754045"/>
+          </a:xfrm>
+          <a:prstGeom prst="rect">
+            <a:avLst/>
+          </a:prstGeom>
+          <a:noFill/>
+        </p:spPr>
+        <p:txBody>
+          <a:bodyPr lIns="91436" tIns="91436" rIns="91436" bIns="91436" anchor="ctr" anchorCtr="0">
+            <a:spAutoFit/>
+          </a:bodyPr>
+          <a:lstStyle>
+            <a:lvl1pPr marL="0" indent="0" algn="ctr">
+              <a:buNone/>
+              <a:defRPr sz="3700" b="1" u="sng" baseline="0">
+                <a:solidFill>
+                  <a:schemeClr val="accent5">
+                    <a:lumMod val="50000"/>
+                  </a:schemeClr>
+                </a:solidFill>
+              </a:defRPr>
+            </a:lvl1pPr>
+          </a:lstStyle>
+          <a:p>
+            <a:pPr lvl="0"/>
+            <a:r>
+              <a:rPr lang="en-US" dirty="0" smtClean="0"/>
+              <a:t>(click to edit)  MATERIALS &amp; METHODS</a:t>
+            </a:r>
+            <a:endParaRPr lang="en-US" dirty="0"/>
+          </a:p>
+        </p:txBody>
+      </p:sp>
+      <p:sp>
+        <p:nvSpPr>
+          <p:cNvPr id="23" name="Text Placeholder 3"/>
+          <p:cNvSpPr>
+            <a:spLocks noGrp="1"/>
+          </p:cNvSpPr>
+          <p:nvPr>
+            <p:ph type="body" sz="quarter" idx="23" hasCustomPrompt="1"/>
+          </p:nvPr>
+        </p:nvSpPr>
+        <p:spPr>
+          <a:xfrm>
+            <a:off x="22385343" y="6378481"/>
+            <a:ext cx="10048874" cy="846363"/>
+          </a:xfrm>
+          <a:prstGeom prst="rect">
+            <a:avLst/>
+          </a:prstGeom>
+        </p:spPr>
+        <p:txBody>
+          <a:bodyPr wrap="square" lIns="228589" tIns="228589" rIns="228589" bIns="228589">
+            <a:spAutoFit/>
+          </a:bodyPr>
+          <a:lstStyle>
+            <a:lvl1pPr marL="0" indent="0">
+              <a:buNone/>
+              <a:defRPr sz="2500">
+                <a:solidFill>
+                  <a:schemeClr val="accent5">
+                    <a:lumMod val="50000"/>
+                  </a:schemeClr>
+                </a:solidFill>
+                <a:latin typeface="Times New Roman" pitchFamily="18" charset="0"/>
+                <a:cs typeface="Times New Roman" pitchFamily="18" charset="0"/>
+              </a:defRPr>
+            </a:lvl1pPr>
+            <a:lvl2pPr marL="1485825" indent="-571471">
+              <a:defRPr sz="2500">
+                <a:latin typeface="Trebuchet MS" pitchFamily="34" charset="0"/>
+              </a:defRPr>
+            </a:lvl2pPr>
+            <a:lvl3pPr marL="2057297" indent="-571471">
+              <a:defRPr sz="2500">
+                <a:latin typeface="Trebuchet MS" pitchFamily="34" charset="0"/>
+              </a:defRPr>
+            </a:lvl3pPr>
+            <a:lvl4pPr marL="2685916" indent="-628619">
+              <a:defRPr sz="2500">
+                <a:latin typeface="Trebuchet MS" pitchFamily="34" charset="0"/>
+              </a:defRPr>
+            </a:lvl4pPr>
+            <a:lvl5pPr marL="3143093" indent="-457177">
+              <a:defRPr sz="2500">
+                <a:latin typeface="Trebuchet MS" pitchFamily="34" charset="0"/>
+              </a:defRPr>
+            </a:lvl5pPr>
+          </a:lstStyle>
+          <a:p>
+            <a:pPr lvl="0"/>
+            <a:r>
+              <a:rPr lang="en-US" dirty="0" smtClean="0"/>
+              <a:t>Type in or paste your text here</a:t>
+            </a:r>
+            <a:endParaRPr lang="en-US" dirty="0"/>
+          </a:p>
+        </p:txBody>
+      </p:sp>
+      <p:sp>
+        <p:nvSpPr>
+          <p:cNvPr id="24" name="Text Placeholder 5"/>
+          <p:cNvSpPr>
+            <a:spLocks noGrp="1"/>
+          </p:cNvSpPr>
+          <p:nvPr>
+            <p:ph type="body" sz="quarter" idx="24" hasCustomPrompt="1"/>
+          </p:nvPr>
+        </p:nvSpPr>
+        <p:spPr>
+          <a:xfrm>
+            <a:off x="22377404" y="5548749"/>
+            <a:ext cx="10058400" cy="754045"/>
+          </a:xfrm>
+          <a:prstGeom prst="rect">
+            <a:avLst/>
+          </a:prstGeom>
+          <a:noFill/>
+        </p:spPr>
+        <p:txBody>
+          <a:bodyPr lIns="91436" tIns="91436" rIns="91436" bIns="91436" anchor="ctr" anchorCtr="0">
+            <a:spAutoFit/>
+          </a:bodyPr>
+          <a:lstStyle>
+            <a:lvl1pPr marL="0" indent="0" algn="ctr">
+              <a:buNone/>
+              <a:defRPr sz="3700" b="1" u="sng" baseline="0">
+                <a:solidFill>
+                  <a:schemeClr val="accent5">
+                    <a:lumMod val="50000"/>
+                  </a:schemeClr>
+                </a:solidFill>
+              </a:defRPr>
+            </a:lvl1pPr>
+          </a:lstStyle>
+          <a:p>
+            <a:pPr lvl="0"/>
+            <a:r>
+              <a:rPr lang="en-US" dirty="0" smtClean="0"/>
+              <a:t>(click to edit)  RESULTS</a:t>
+            </a:r>
+            <a:endParaRPr lang="en-US" dirty="0"/>
+          </a:p>
+        </p:txBody>
+      </p:sp>
+      <p:sp>
+        <p:nvSpPr>
+          <p:cNvPr id="25" name="Text Placeholder 5"/>
+          <p:cNvSpPr>
+            <a:spLocks noGrp="1"/>
+          </p:cNvSpPr>
+          <p:nvPr>
+            <p:ph type="body" sz="quarter" idx="25" hasCustomPrompt="1"/>
+          </p:nvPr>
+        </p:nvSpPr>
+        <p:spPr>
+          <a:xfrm>
+            <a:off x="33358541" y="5548749"/>
+            <a:ext cx="10047018" cy="754045"/>
+          </a:xfrm>
+          <a:prstGeom prst="rect">
+            <a:avLst/>
+          </a:prstGeom>
+          <a:noFill/>
+        </p:spPr>
+        <p:txBody>
+          <a:bodyPr wrap="square" lIns="91436" tIns="91436" rIns="91436" bIns="91436" anchor="ctr" anchorCtr="0">
+            <a:spAutoFit/>
+          </a:bodyPr>
+          <a:lstStyle>
+            <a:lvl1pPr marL="0" indent="0" algn="ctr">
+              <a:buNone/>
+              <a:defRPr sz="3700" b="1" u="sng" baseline="0">
+                <a:solidFill>
+                  <a:schemeClr val="accent5">
+                    <a:lumMod val="50000"/>
+                  </a:schemeClr>
+                </a:solidFill>
+              </a:defRPr>
+            </a:lvl1pPr>
+          </a:lstStyle>
+          <a:p>
+            <a:pPr lvl="0"/>
+            <a:r>
+              <a:rPr lang="en-US" dirty="0" smtClean="0"/>
+              <a:t>(click to edit)  CONCLUSIONS</a:t>
+            </a:r>
+            <a:endParaRPr lang="en-US" dirty="0"/>
+          </a:p>
+        </p:txBody>
+      </p:sp>
+      <p:sp>
+        <p:nvSpPr>
+          <p:cNvPr id="26" name="Text Placeholder 3"/>
+          <p:cNvSpPr>
+            <a:spLocks noGrp="1"/>
+          </p:cNvSpPr>
+          <p:nvPr>
+            <p:ph type="body" sz="quarter" idx="26" hasCustomPrompt="1"/>
+          </p:nvPr>
+        </p:nvSpPr>
+        <p:spPr>
+          <a:xfrm>
+            <a:off x="33358541" y="6378481"/>
+            <a:ext cx="10047018" cy="846363"/>
+          </a:xfrm>
+          <a:prstGeom prst="rect">
+            <a:avLst/>
+          </a:prstGeom>
+        </p:spPr>
+        <p:txBody>
+          <a:bodyPr wrap="square" lIns="228589" tIns="228589" rIns="228589" bIns="228589">
+            <a:spAutoFit/>
+          </a:bodyPr>
+          <a:lstStyle>
+            <a:lvl1pPr marL="0" indent="0">
+              <a:buNone/>
+              <a:defRPr sz="2500">
+                <a:solidFill>
+                  <a:schemeClr val="accent5">
+                    <a:lumMod val="50000"/>
+                  </a:schemeClr>
+                </a:solidFill>
+                <a:latin typeface="Times New Roman" pitchFamily="18" charset="0"/>
+                <a:cs typeface="Times New Roman" pitchFamily="18" charset="0"/>
+              </a:defRPr>
+            </a:lvl1pPr>
+            <a:lvl2pPr marL="1485825" indent="-571471">
+              <a:defRPr sz="2500">
+                <a:latin typeface="Trebuchet MS" pitchFamily="34" charset="0"/>
+              </a:defRPr>
+            </a:lvl2pPr>
+            <a:lvl3pPr marL="2057297" indent="-571471">
+              <a:defRPr sz="2500">
+                <a:latin typeface="Trebuchet MS" pitchFamily="34" charset="0"/>
+              </a:defRPr>
+            </a:lvl3pPr>
+            <a:lvl4pPr marL="2685916" indent="-628619">
+              <a:defRPr sz="2500">
+                <a:latin typeface="Trebuchet MS" pitchFamily="34" charset="0"/>
+              </a:defRPr>
+            </a:lvl4pPr>
+            <a:lvl5pPr marL="3143093" indent="-457177">
+              <a:defRPr sz="2500">
+                <a:latin typeface="Trebuchet MS" pitchFamily="34" charset="0"/>
+              </a:defRPr>
+            </a:lvl5pPr>
+          </a:lstStyle>
+          <a:p>
+            <a:pPr lvl="0"/>
+            <a:r>
+              <a:rPr lang="en-US" dirty="0" smtClean="0"/>
+              <a:t>Type in or paste your text here</a:t>
+            </a:r>
+            <a:endParaRPr lang="en-US" dirty="0"/>
+          </a:p>
+        </p:txBody>
+      </p:sp>
+      <p:sp>
+        <p:nvSpPr>
+          <p:cNvPr id="27" name="Text Placeholder 5"/>
+          <p:cNvSpPr>
+            <a:spLocks noGrp="1"/>
+          </p:cNvSpPr>
+          <p:nvPr>
+            <p:ph type="body" sz="quarter" idx="27" hasCustomPrompt="1"/>
+          </p:nvPr>
+        </p:nvSpPr>
+        <p:spPr>
+          <a:xfrm>
+            <a:off x="33358541" y="14272738"/>
+            <a:ext cx="10047018" cy="754045"/>
+          </a:xfrm>
+          <a:prstGeom prst="rect">
+            <a:avLst/>
+          </a:prstGeom>
+          <a:noFill/>
+        </p:spPr>
+        <p:txBody>
+          <a:bodyPr wrap="square" lIns="91436" tIns="91436" rIns="91436" bIns="91436" anchor="ctr" anchorCtr="0">
+            <a:spAutoFit/>
+          </a:bodyPr>
+          <a:lstStyle>
+            <a:lvl1pPr marL="0" indent="0" algn="ctr">
+              <a:buNone/>
+              <a:defRPr sz="3700" b="1" u="sng" baseline="0">
+                <a:solidFill>
+                  <a:schemeClr val="accent5">
+                    <a:lumMod val="50000"/>
+                  </a:schemeClr>
+                </a:solidFill>
+              </a:defRPr>
+            </a:lvl1pPr>
+          </a:lstStyle>
+          <a:p>
+            <a:pPr lvl="0"/>
+            <a:r>
+              <a:rPr lang="en-US" dirty="0" smtClean="0"/>
+              <a:t>(click to edit)  REFERENCES</a:t>
+            </a:r>
+            <a:endParaRPr lang="en-US" dirty="0"/>
+          </a:p>
+        </p:txBody>
+      </p:sp>
+      <p:sp>
+        <p:nvSpPr>
+          <p:cNvPr id="28" name="Text Placeholder 3"/>
+          <p:cNvSpPr>
+            <a:spLocks noGrp="1"/>
+          </p:cNvSpPr>
+          <p:nvPr>
+            <p:ph type="body" sz="quarter" idx="28" hasCustomPrompt="1"/>
+          </p:nvPr>
+        </p:nvSpPr>
+        <p:spPr>
+          <a:xfrm>
+            <a:off x="33358541" y="15011402"/>
+            <a:ext cx="10052050" cy="846363"/>
+          </a:xfrm>
+          <a:prstGeom prst="rect">
+            <a:avLst/>
+          </a:prstGeom>
+        </p:spPr>
+        <p:txBody>
+          <a:bodyPr wrap="square" lIns="228589" tIns="228589" rIns="228589" bIns="228589">
+            <a:spAutoFit/>
+          </a:bodyPr>
+          <a:lstStyle>
+            <a:lvl1pPr marL="0" indent="0">
+              <a:buNone/>
+              <a:defRPr sz="2500">
+                <a:solidFill>
+                  <a:schemeClr val="accent5">
+                    <a:lumMod val="50000"/>
+                  </a:schemeClr>
+                </a:solidFill>
+                <a:latin typeface="Times New Roman" pitchFamily="18" charset="0"/>
+                <a:cs typeface="Times New Roman" pitchFamily="18" charset="0"/>
+              </a:defRPr>
+            </a:lvl1pPr>
+            <a:lvl2pPr marL="1485825" indent="-571471">
+              <a:defRPr sz="2500">
+                <a:latin typeface="Trebuchet MS" pitchFamily="34" charset="0"/>
+              </a:defRPr>
+            </a:lvl2pPr>
+            <a:lvl3pPr marL="2057297" indent="-571471">
+              <a:defRPr sz="2500">
+                <a:latin typeface="Trebuchet MS" pitchFamily="34" charset="0"/>
+              </a:defRPr>
+            </a:lvl3pPr>
+            <a:lvl4pPr marL="2685916" indent="-628619">
+              <a:defRPr sz="2500">
+                <a:latin typeface="Trebuchet MS" pitchFamily="34" charset="0"/>
+              </a:defRPr>
+            </a:lvl4pPr>
+            <a:lvl5pPr marL="3143093" indent="-457177">
+              <a:defRPr sz="2500">
+                <a:latin typeface="Trebuchet MS" pitchFamily="34" charset="0"/>
+              </a:defRPr>
+            </a:lvl5pPr>
+          </a:lstStyle>
+          <a:p>
+            <a:pPr lvl="0"/>
+            <a:r>
+              <a:rPr lang="en-US" dirty="0" smtClean="0"/>
+              <a:t>Type in or paste your text here</a:t>
+            </a:r>
+            <a:endParaRPr lang="en-US" dirty="0"/>
+          </a:p>
+        </p:txBody>
+      </p:sp>
+      <p:sp>
+        <p:nvSpPr>
+          <p:cNvPr id="29" name="Text Placeholder 5"/>
+          <p:cNvSpPr>
+            <a:spLocks noGrp="1"/>
+          </p:cNvSpPr>
+          <p:nvPr>
+            <p:ph type="body" sz="quarter" idx="29" hasCustomPrompt="1"/>
+          </p:nvPr>
+        </p:nvSpPr>
+        <p:spPr>
+          <a:xfrm>
+            <a:off x="33358541" y="25679401"/>
+            <a:ext cx="10047018" cy="754045"/>
+          </a:xfrm>
+          <a:prstGeom prst="rect">
+            <a:avLst/>
+          </a:prstGeom>
+          <a:noFill/>
+        </p:spPr>
+        <p:txBody>
+          <a:bodyPr wrap="square" lIns="91436" tIns="91436" rIns="91436" bIns="91436" anchor="ctr" anchorCtr="0">
+            <a:spAutoFit/>
+          </a:bodyPr>
+          <a:lstStyle>
+            <a:lvl1pPr marL="0" indent="0" algn="ctr">
+              <a:buNone/>
+              <a:defRPr sz="3700" b="1" u="sng" baseline="0">
+                <a:solidFill>
+                  <a:schemeClr val="accent5">
+                    <a:lumMod val="50000"/>
+                  </a:schemeClr>
+                </a:solidFill>
+              </a:defRPr>
+            </a:lvl1pPr>
+          </a:lstStyle>
+          <a:p>
+            <a:pPr lvl="0"/>
+            <a:r>
+              <a:rPr lang="en-US" dirty="0" smtClean="0"/>
+              <a:t>(click to edit)  ACKNOWLEDGEMENTS or  CONTACT</a:t>
+            </a:r>
+            <a:endParaRPr lang="en-US" dirty="0"/>
+          </a:p>
+        </p:txBody>
+      </p:sp>
+      <p:sp>
+        <p:nvSpPr>
+          <p:cNvPr id="30" name="Text Placeholder 3"/>
+          <p:cNvSpPr>
+            <a:spLocks noGrp="1"/>
+          </p:cNvSpPr>
+          <p:nvPr>
+            <p:ph type="body" sz="quarter" idx="30" hasCustomPrompt="1"/>
+          </p:nvPr>
+        </p:nvSpPr>
+        <p:spPr>
+          <a:xfrm>
+            <a:off x="33358541" y="26433446"/>
+            <a:ext cx="10052050" cy="846363"/>
+          </a:xfrm>
+          <a:prstGeom prst="rect">
+            <a:avLst/>
+          </a:prstGeom>
+        </p:spPr>
+        <p:txBody>
+          <a:bodyPr wrap="square" lIns="228589" tIns="228589" rIns="228589" bIns="228589">
+            <a:spAutoFit/>
+          </a:bodyPr>
+          <a:lstStyle>
+            <a:lvl1pPr marL="0" indent="0">
+              <a:buNone/>
+              <a:defRPr sz="2500">
+                <a:solidFill>
+                  <a:schemeClr val="accent5">
+                    <a:lumMod val="50000"/>
+                  </a:schemeClr>
+                </a:solidFill>
+                <a:latin typeface="Times New Roman" pitchFamily="18" charset="0"/>
+                <a:cs typeface="Times New Roman" pitchFamily="18" charset="0"/>
+              </a:defRPr>
+            </a:lvl1pPr>
+            <a:lvl2pPr marL="1485825" indent="-571471">
+              <a:defRPr sz="2500">
+                <a:latin typeface="Trebuchet MS" pitchFamily="34" charset="0"/>
+              </a:defRPr>
+            </a:lvl2pPr>
+            <a:lvl3pPr marL="2057297" indent="-571471">
+              <a:defRPr sz="2500">
+                <a:latin typeface="Trebuchet MS" pitchFamily="34" charset="0"/>
+              </a:defRPr>
+            </a:lvl3pPr>
+            <a:lvl4pPr marL="2685916" indent="-628619">
+              <a:defRPr sz="2500">
+                <a:latin typeface="Trebuchet MS" pitchFamily="34" charset="0"/>
+              </a:defRPr>
+            </a:lvl4pPr>
+            <a:lvl5pPr marL="3143093" indent="-457177">
+              <a:defRPr sz="2500">
+                <a:latin typeface="Trebuchet MS" pitchFamily="34" charset="0"/>
+              </a:defRPr>
+            </a:lvl5pPr>
+          </a:lstStyle>
+          <a:p>
+            <a:pPr lvl="0"/>
+            <a:r>
+              <a:rPr lang="en-US" dirty="0" smtClean="0"/>
+              <a:t>Type in or paste your text here</a:t>
+            </a:r>
+            <a:endParaRPr lang="en-US" dirty="0"/>
+          </a:p>
+        </p:txBody>
+      </p:sp>
+      <p:sp>
+        <p:nvSpPr>
+          <p:cNvPr id="60" name="Text Placeholder 3"/>
+          <p:cNvSpPr>
+            <a:spLocks noGrp="1"/>
+          </p:cNvSpPr>
+          <p:nvPr>
+            <p:ph type="body" sz="quarter" idx="96" hasCustomPrompt="1"/>
+          </p:nvPr>
+        </p:nvSpPr>
+        <p:spPr>
+          <a:xfrm>
+            <a:off x="491425" y="14951552"/>
+            <a:ext cx="10056813" cy="846363"/>
+          </a:xfrm>
+          <a:prstGeom prst="rect">
+            <a:avLst/>
+          </a:prstGeom>
+        </p:spPr>
+        <p:txBody>
+          <a:bodyPr wrap="square" lIns="228589" tIns="228589" rIns="228589" bIns="228589">
+            <a:spAutoFit/>
+          </a:bodyPr>
+          <a:lstStyle>
+            <a:lvl1pPr marL="0" indent="0">
+              <a:buNone/>
+              <a:defRPr sz="2500">
+                <a:solidFill>
+                  <a:schemeClr val="accent5">
+                    <a:lumMod val="50000"/>
+                  </a:schemeClr>
+                </a:solidFill>
+                <a:latin typeface="Times New Roman" pitchFamily="18" charset="0"/>
+                <a:cs typeface="Times New Roman" pitchFamily="18" charset="0"/>
+              </a:defRPr>
+            </a:lvl1pPr>
+            <a:lvl2pPr marL="1485825" indent="-571471">
+              <a:defRPr sz="2500">
+                <a:latin typeface="Trebuchet MS" pitchFamily="34" charset="0"/>
+              </a:defRPr>
+            </a:lvl2pPr>
+            <a:lvl3pPr marL="2057297" indent="-571471">
+              <a:defRPr sz="2500">
+                <a:latin typeface="Trebuchet MS" pitchFamily="34" charset="0"/>
+              </a:defRPr>
+            </a:lvl3pPr>
+            <a:lvl4pPr marL="2685916" indent="-628619">
+              <a:defRPr sz="2500">
+                <a:latin typeface="Trebuchet MS" pitchFamily="34" charset="0"/>
+              </a:defRPr>
+            </a:lvl4pPr>
+            <a:lvl5pPr marL="3143093" indent="-457177">
+              <a:defRPr sz="2500">
+                <a:latin typeface="Trebuchet MS" pitchFamily="34" charset="0"/>
+              </a:defRPr>
+            </a:lvl5pPr>
+          </a:lstStyle>
+          <a:p>
+            <a:pPr lvl="0"/>
+            <a:r>
+              <a:rPr lang="en-US" dirty="0" smtClean="0"/>
+              <a:t>Type in or paste your text here</a:t>
+            </a:r>
+            <a:endParaRPr lang="en-US" dirty="0"/>
+          </a:p>
+        </p:txBody>
+      </p:sp>
+      <p:sp>
+        <p:nvSpPr>
+          <p:cNvPr id="77" name="Text Placeholder 76"/>
+          <p:cNvSpPr>
+            <a:spLocks noGrp="1"/>
+          </p:cNvSpPr>
+          <p:nvPr>
+            <p:ph type="body" sz="quarter" idx="150" hasCustomPrompt="1"/>
+          </p:nvPr>
+        </p:nvSpPr>
+        <p:spPr>
+          <a:xfrm>
+            <a:off x="5932593" y="3383947"/>
+            <a:ext cx="31998968" cy="1280160"/>
+          </a:xfrm>
+          <a:prstGeom prst="rect">
+            <a:avLst/>
+          </a:prstGeom>
+        </p:spPr>
+        <p:txBody>
+          <a:bodyPr>
+            <a:normAutofit/>
+          </a:bodyPr>
+          <a:lstStyle>
+            <a:lvl1pPr marL="0" indent="0" algn="ctr">
+              <a:buFontTx/>
+              <a:buNone/>
+              <a:defRPr sz="6000">
+                <a:solidFill>
+                  <a:schemeClr val="bg1"/>
+                </a:solidFill>
+                <a:latin typeface="+mj-lt"/>
+              </a:defRPr>
+            </a:lvl1pPr>
+            <a:lvl2pPr>
+              <a:buFontTx/>
+              <a:buNone/>
+              <a:defRPr sz="7200"/>
+            </a:lvl2pPr>
+            <a:lvl3pPr>
+              <a:buFontTx/>
+              <a:buNone/>
+              <a:defRPr sz="7200"/>
+            </a:lvl3pPr>
+            <a:lvl4pPr>
+              <a:buFontTx/>
+              <a:buNone/>
+              <a:defRPr sz="7200"/>
+            </a:lvl4pPr>
+            <a:lvl5pPr>
+              <a:buFontTx/>
+              <a:buNone/>
+              <a:defRPr sz="7200"/>
+            </a:lvl5pPr>
+          </a:lstStyle>
+          <a:p>
+            <a:pPr lvl="0"/>
+            <a:r>
+              <a:rPr lang="en-US" dirty="0" smtClean="0"/>
+              <a:t>Click here to add affiliations</a:t>
+            </a:r>
+            <a:endParaRPr lang="en-US" dirty="0"/>
+          </a:p>
+        </p:txBody>
+      </p:sp>
+      <p:sp>
+        <p:nvSpPr>
+          <p:cNvPr id="78" name="Text Placeholder 76"/>
+          <p:cNvSpPr>
+            <a:spLocks noGrp="1"/>
+          </p:cNvSpPr>
+          <p:nvPr>
+            <p:ph type="body" sz="quarter" idx="151" hasCustomPrompt="1"/>
+          </p:nvPr>
+        </p:nvSpPr>
+        <p:spPr>
+          <a:xfrm>
+            <a:off x="5932593" y="2103787"/>
+            <a:ext cx="31998968" cy="1280160"/>
+          </a:xfrm>
+          <a:prstGeom prst="rect">
+            <a:avLst/>
+          </a:prstGeom>
+        </p:spPr>
+        <p:txBody>
+          <a:bodyPr anchor="t" anchorCtr="1">
+            <a:normAutofit/>
+          </a:bodyPr>
+          <a:lstStyle>
+            <a:lvl1pPr marL="0" indent="0" algn="ctr">
+              <a:buFontTx/>
+              <a:buNone/>
+              <a:defRPr sz="8800">
+                <a:solidFill>
+                  <a:schemeClr val="bg1"/>
+                </a:solidFill>
+                <a:latin typeface="+mj-lt"/>
+              </a:defRPr>
+            </a:lvl1pPr>
+            <a:lvl2pPr>
+              <a:buFontTx/>
+              <a:buNone/>
+              <a:defRPr sz="7200"/>
+            </a:lvl2pPr>
+            <a:lvl3pPr>
+              <a:buFontTx/>
+              <a:buNone/>
+              <a:defRPr sz="7200"/>
+            </a:lvl3pPr>
+            <a:lvl4pPr>
+              <a:buFontTx/>
+              <a:buNone/>
+              <a:defRPr sz="7200"/>
+            </a:lvl4pPr>
+            <a:lvl5pPr>
+              <a:buFontTx/>
+              <a:buNone/>
+              <a:defRPr sz="7200"/>
+            </a:lvl5pPr>
+          </a:lstStyle>
+          <a:p>
+            <a:pPr lvl="0"/>
+            <a:r>
+              <a:rPr lang="en-US" dirty="0" smtClean="0"/>
+              <a:t>Click here to add authors</a:t>
+            </a:r>
+            <a:endParaRPr lang="en-US" dirty="0"/>
+          </a:p>
+        </p:txBody>
+      </p:sp>
+      <p:sp>
+        <p:nvSpPr>
+          <p:cNvPr id="79" name="Text Placeholder 76"/>
+          <p:cNvSpPr>
+            <a:spLocks noGrp="1"/>
+          </p:cNvSpPr>
+          <p:nvPr>
+            <p:ph type="body" sz="quarter" idx="153" hasCustomPrompt="1"/>
+          </p:nvPr>
+        </p:nvSpPr>
+        <p:spPr>
+          <a:xfrm>
+            <a:off x="5932593" y="465813"/>
+            <a:ext cx="31998968" cy="1637973"/>
+          </a:xfrm>
+          <a:prstGeom prst="rect">
+            <a:avLst/>
+          </a:prstGeom>
+        </p:spPr>
+        <p:txBody>
+          <a:bodyPr anchor="t" anchorCtr="1">
+            <a:normAutofit/>
+          </a:bodyPr>
+          <a:lstStyle>
+            <a:lvl1pPr marL="0" indent="0" algn="ctr">
+              <a:buFontTx/>
+              <a:buNone/>
+              <a:defRPr sz="11500">
+                <a:solidFill>
+                  <a:schemeClr val="bg1"/>
+                </a:solidFill>
+                <a:latin typeface="+mj-lt"/>
+              </a:defRPr>
+            </a:lvl1pPr>
+            <a:lvl2pPr>
+              <a:buFontTx/>
+              <a:buNone/>
+              <a:defRPr sz="7200"/>
+            </a:lvl2pPr>
+            <a:lvl3pPr>
+              <a:buFontTx/>
+              <a:buNone/>
+              <a:defRPr sz="7200"/>
+            </a:lvl3pPr>
+            <a:lvl4pPr>
+              <a:buFontTx/>
+              <a:buNone/>
+              <a:defRPr sz="7200"/>
+            </a:lvl4pPr>
+            <a:lvl5pPr>
+              <a:buFontTx/>
+              <a:buNone/>
+              <a:defRPr sz="7200"/>
+            </a:lvl5pPr>
+          </a:lstStyle>
+          <a:p>
+            <a:pPr lvl="0"/>
+            <a:r>
+              <a:rPr lang="en-US" dirty="0" smtClean="0"/>
+              <a:t>Click here to add title</a:t>
+            </a:r>
+            <a:endParaRPr lang="en-US" dirty="0"/>
+          </a:p>
+        </p:txBody>
+      </p:sp>
+    </p:spTree>
+  </p:cSld>
+  <p:clrMapOvr>
+    <a:masterClrMapping/>
+  </p:clrMapOvr>
+  <p:timing>
+    <p:tnLst>
+      <p:par>
+        <p:cTn xmlns:p14="http://schemas.microsoft.com/office/powerpoint/2010/main" id="1" dur="indefinite" restart="never" nodeType="tmRoot"/>
+      </p:par>
+    </p:tnLst>
+  </p:timing>
+</p:sldLayout>
+</file>
+
+<file path=ppt/slideLayouts/slideLayout4.xml><?xml version="1.0" encoding="utf-8"?>
 <p:sldLayout xmlns:a="http://schemas.openxmlformats.org/drawingml/2006/main" xmlns:r="http://schemas.openxmlformats.org/officeDocument/2006/relationships" xmlns:p="http://schemas.openxmlformats.org/presentationml/2006/main" preserve="1" userDrawn="1">
   <p:cSld name="Standard 3 columns">
     <p:spTree>
@@ -2732,7 +4768,7 @@
 </p:sldLayout>
 </file>
 
-<file path=ppt/slideLayouts/slideLayout3.xml><?xml version="1.0" encoding="utf-8"?>
+<file path=ppt/slideLayouts/slideLayout5.xml><?xml version="1.0" encoding="utf-8"?>
 <p:sldLayout xmlns:a="http://schemas.openxmlformats.org/drawingml/2006/main" xmlns:r="http://schemas.openxmlformats.org/officeDocument/2006/relationships" xmlns:p="http://schemas.openxmlformats.org/presentationml/2006/main" userDrawn="1">
   <p:cSld name="Standard 4 columns">
     <p:spTree>
@@ -3750,7 +5786,7 @@
 </p:sldLayout>
 </file>
 
-<file path=ppt/slideLayouts/slideLayout4.xml><?xml version="1.0" encoding="utf-8"?>
+<file path=ppt/slideLayouts/slideLayout6.xml><?xml version="1.0" encoding="utf-8"?>
 <p:sldLayout xmlns:a="http://schemas.openxmlformats.org/drawingml/2006/main" xmlns:r="http://schemas.openxmlformats.org/officeDocument/2006/relationships" xmlns:p="http://schemas.openxmlformats.org/presentationml/2006/main" preserve="1" userDrawn="1">
   <p:cSld name="Wide center column">
     <p:spTree>
@@ -4726,36 +6762,1031 @@
 </p:sldLayout>
 </file>
 
+<file path=ppt/slideLayouts/slideLayout7.xml><?xml version="1.0" encoding="utf-8"?>
+<p:sldLayout xmlns:a="http://schemas.openxmlformats.org/drawingml/2006/main" xmlns:r="http://schemas.openxmlformats.org/officeDocument/2006/relationships" xmlns:p="http://schemas.openxmlformats.org/presentationml/2006/main" userDrawn="1">
+  <p:cSld name="Standard 4 columns">
+    <p:spTree>
+      <p:nvGrpSpPr>
+        <p:cNvPr id="1" name=""/>
+        <p:cNvGrpSpPr/>
+        <p:nvPr/>
+      </p:nvGrpSpPr>
+      <p:grpSpPr>
+        <a:xfrm>
+          <a:off x="0" y="0"/>
+          <a:ext cx="0" cy="0"/>
+          <a:chOff x="0" y="0"/>
+          <a:chExt cx="0" cy="0"/>
+        </a:xfrm>
+      </p:grpSpPr>
+      <p:sp>
+        <p:nvSpPr>
+          <p:cNvPr id="4" name="Text Placeholder 3"/>
+          <p:cNvSpPr>
+            <a:spLocks noGrp="1"/>
+          </p:cNvSpPr>
+          <p:nvPr>
+            <p:ph type="body" sz="quarter" idx="10" hasCustomPrompt="1"/>
+          </p:nvPr>
+        </p:nvSpPr>
+        <p:spPr>
+          <a:xfrm>
+            <a:off x="491425" y="6378481"/>
+            <a:ext cx="10056813" cy="846363"/>
+          </a:xfrm>
+          <a:prstGeom prst="rect">
+            <a:avLst/>
+          </a:prstGeom>
+        </p:spPr>
+        <p:txBody>
+          <a:bodyPr wrap="square" lIns="228589" tIns="228589" rIns="228589" bIns="228589">
+            <a:spAutoFit/>
+          </a:bodyPr>
+          <a:lstStyle>
+            <a:lvl1pPr marL="0" indent="0">
+              <a:buNone/>
+              <a:defRPr sz="2500">
+                <a:solidFill>
+                  <a:schemeClr val="accent5">
+                    <a:lumMod val="50000"/>
+                  </a:schemeClr>
+                </a:solidFill>
+                <a:latin typeface="Times New Roman" pitchFamily="18" charset="0"/>
+                <a:cs typeface="Times New Roman" pitchFamily="18" charset="0"/>
+              </a:defRPr>
+            </a:lvl1pPr>
+            <a:lvl2pPr marL="1485825" indent="-571471">
+              <a:defRPr sz="2500">
+                <a:latin typeface="Trebuchet MS" pitchFamily="34" charset="0"/>
+              </a:defRPr>
+            </a:lvl2pPr>
+            <a:lvl3pPr marL="2057297" indent="-571471">
+              <a:defRPr sz="2500">
+                <a:latin typeface="Trebuchet MS" pitchFamily="34" charset="0"/>
+              </a:defRPr>
+            </a:lvl3pPr>
+            <a:lvl4pPr marL="2685916" indent="-628619">
+              <a:defRPr sz="2500">
+                <a:latin typeface="Trebuchet MS" pitchFamily="34" charset="0"/>
+              </a:defRPr>
+            </a:lvl4pPr>
+            <a:lvl5pPr marL="3143093" indent="-457177">
+              <a:defRPr sz="2500">
+                <a:latin typeface="Trebuchet MS" pitchFamily="34" charset="0"/>
+              </a:defRPr>
+            </a:lvl5pPr>
+          </a:lstStyle>
+          <a:p>
+            <a:pPr lvl="0"/>
+            <a:r>
+              <a:rPr lang="en-US" dirty="0" smtClean="0"/>
+              <a:t>Type in or paste your text here</a:t>
+            </a:r>
+            <a:endParaRPr lang="en-US" dirty="0"/>
+          </a:p>
+        </p:txBody>
+      </p:sp>
+      <p:sp>
+        <p:nvSpPr>
+          <p:cNvPr id="6" name="Text Placeholder 5"/>
+          <p:cNvSpPr>
+            <a:spLocks noGrp="1"/>
+          </p:cNvSpPr>
+          <p:nvPr>
+            <p:ph type="body" sz="quarter" idx="11" hasCustomPrompt="1"/>
+          </p:nvPr>
+        </p:nvSpPr>
+        <p:spPr>
+          <a:xfrm>
+            <a:off x="509578" y="5548749"/>
+            <a:ext cx="10048875" cy="754045"/>
+          </a:xfrm>
+          <a:prstGeom prst="rect">
+            <a:avLst/>
+          </a:prstGeom>
+          <a:noFill/>
+        </p:spPr>
+        <p:txBody>
+          <a:bodyPr lIns="91436" tIns="91436" rIns="91436" bIns="91436" anchor="ctr" anchorCtr="0">
+            <a:spAutoFit/>
+          </a:bodyPr>
+          <a:lstStyle>
+            <a:lvl1pPr marL="0" indent="0" algn="ctr">
+              <a:buNone/>
+              <a:defRPr sz="3700" b="1" u="sng" baseline="0">
+                <a:solidFill>
+                  <a:schemeClr val="accent5">
+                    <a:lumMod val="50000"/>
+                  </a:schemeClr>
+                </a:solidFill>
+              </a:defRPr>
+            </a:lvl1pPr>
+          </a:lstStyle>
+          <a:p>
+            <a:pPr lvl="0"/>
+            <a:r>
+              <a:rPr lang="en-US" dirty="0" smtClean="0"/>
+              <a:t>(click to edit) INTRODUCTION or ABSTRACT</a:t>
+            </a:r>
+            <a:endParaRPr lang="en-US" dirty="0"/>
+          </a:p>
+        </p:txBody>
+      </p:sp>
+      <p:sp>
+        <p:nvSpPr>
+          <p:cNvPr id="20" name="Text Placeholder 5"/>
+          <p:cNvSpPr>
+            <a:spLocks noGrp="1"/>
+          </p:cNvSpPr>
+          <p:nvPr>
+            <p:ph type="body" sz="quarter" idx="20" hasCustomPrompt="1"/>
+          </p:nvPr>
+        </p:nvSpPr>
+        <p:spPr>
+          <a:xfrm>
+            <a:off x="509576" y="14212513"/>
+            <a:ext cx="10050462" cy="754045"/>
+          </a:xfrm>
+          <a:prstGeom prst="rect">
+            <a:avLst/>
+          </a:prstGeom>
+          <a:noFill/>
+        </p:spPr>
+        <p:txBody>
+          <a:bodyPr wrap="square" lIns="91436" tIns="91436" rIns="91436" bIns="91436" anchor="ctr" anchorCtr="0">
+            <a:spAutoFit/>
+          </a:bodyPr>
+          <a:lstStyle>
+            <a:lvl1pPr marL="0" indent="0" algn="ctr">
+              <a:buNone/>
+              <a:defRPr sz="3700" b="1" u="sng" baseline="0">
+                <a:solidFill>
+                  <a:schemeClr val="accent5">
+                    <a:lumMod val="50000"/>
+                  </a:schemeClr>
+                </a:solidFill>
+              </a:defRPr>
+            </a:lvl1pPr>
+          </a:lstStyle>
+          <a:p>
+            <a:pPr lvl="0"/>
+            <a:r>
+              <a:rPr lang="en-US" dirty="0" smtClean="0"/>
+              <a:t>(click to edit)  OBJECTIVES</a:t>
+            </a:r>
+            <a:endParaRPr lang="en-US" dirty="0"/>
+          </a:p>
+        </p:txBody>
+      </p:sp>
+      <p:sp>
+        <p:nvSpPr>
+          <p:cNvPr id="21" name="Text Placeholder 3"/>
+          <p:cNvSpPr>
+            <a:spLocks noGrp="1"/>
+          </p:cNvSpPr>
+          <p:nvPr>
+            <p:ph type="body" sz="quarter" idx="21" hasCustomPrompt="1"/>
+          </p:nvPr>
+        </p:nvSpPr>
+        <p:spPr>
+          <a:xfrm>
+            <a:off x="11460161" y="6378481"/>
+            <a:ext cx="10048874" cy="846363"/>
+          </a:xfrm>
+          <a:prstGeom prst="rect">
+            <a:avLst/>
+          </a:prstGeom>
+        </p:spPr>
+        <p:txBody>
+          <a:bodyPr wrap="square" lIns="228589" tIns="228589" rIns="228589" bIns="228589">
+            <a:spAutoFit/>
+          </a:bodyPr>
+          <a:lstStyle>
+            <a:lvl1pPr marL="0" indent="0">
+              <a:buNone/>
+              <a:defRPr sz="2500">
+                <a:solidFill>
+                  <a:schemeClr val="accent5">
+                    <a:lumMod val="50000"/>
+                  </a:schemeClr>
+                </a:solidFill>
+                <a:latin typeface="Times New Roman" pitchFamily="18" charset="0"/>
+                <a:cs typeface="Times New Roman" pitchFamily="18" charset="0"/>
+              </a:defRPr>
+            </a:lvl1pPr>
+            <a:lvl2pPr marL="1485825" indent="-571471">
+              <a:defRPr sz="2500">
+                <a:latin typeface="Trebuchet MS" pitchFamily="34" charset="0"/>
+              </a:defRPr>
+            </a:lvl2pPr>
+            <a:lvl3pPr marL="2057297" indent="-571471">
+              <a:defRPr sz="2500">
+                <a:latin typeface="Trebuchet MS" pitchFamily="34" charset="0"/>
+              </a:defRPr>
+            </a:lvl3pPr>
+            <a:lvl4pPr marL="2685916" indent="-628619">
+              <a:defRPr sz="2500">
+                <a:latin typeface="Trebuchet MS" pitchFamily="34" charset="0"/>
+              </a:defRPr>
+            </a:lvl4pPr>
+            <a:lvl5pPr marL="3143093" indent="-457177">
+              <a:defRPr sz="2500">
+                <a:latin typeface="Trebuchet MS" pitchFamily="34" charset="0"/>
+              </a:defRPr>
+            </a:lvl5pPr>
+          </a:lstStyle>
+          <a:p>
+            <a:pPr lvl="0"/>
+            <a:r>
+              <a:rPr lang="en-US" dirty="0" smtClean="0"/>
+              <a:t>Type in or paste your text here</a:t>
+            </a:r>
+            <a:endParaRPr lang="en-US" dirty="0"/>
+          </a:p>
+        </p:txBody>
+      </p:sp>
+      <p:sp>
+        <p:nvSpPr>
+          <p:cNvPr id="22" name="Text Placeholder 5"/>
+          <p:cNvSpPr>
+            <a:spLocks noGrp="1"/>
+          </p:cNvSpPr>
+          <p:nvPr>
+            <p:ph type="body" sz="quarter" idx="22" hasCustomPrompt="1"/>
+          </p:nvPr>
+        </p:nvSpPr>
+        <p:spPr>
+          <a:xfrm>
+            <a:off x="11460162" y="5548749"/>
+            <a:ext cx="10048875" cy="754045"/>
+          </a:xfrm>
+          <a:prstGeom prst="rect">
+            <a:avLst/>
+          </a:prstGeom>
+          <a:noFill/>
+        </p:spPr>
+        <p:txBody>
+          <a:bodyPr lIns="91436" tIns="91436" rIns="91436" bIns="91436" anchor="ctr" anchorCtr="0">
+            <a:spAutoFit/>
+          </a:bodyPr>
+          <a:lstStyle>
+            <a:lvl1pPr marL="0" indent="0" algn="ctr">
+              <a:buNone/>
+              <a:defRPr sz="3700" b="1" u="sng" baseline="0">
+                <a:solidFill>
+                  <a:schemeClr val="accent5">
+                    <a:lumMod val="50000"/>
+                  </a:schemeClr>
+                </a:solidFill>
+              </a:defRPr>
+            </a:lvl1pPr>
+          </a:lstStyle>
+          <a:p>
+            <a:pPr lvl="0"/>
+            <a:r>
+              <a:rPr lang="en-US" dirty="0" smtClean="0"/>
+              <a:t>(click to edit)  MATERIALS &amp; METHODS</a:t>
+            </a:r>
+            <a:endParaRPr lang="en-US" dirty="0"/>
+          </a:p>
+        </p:txBody>
+      </p:sp>
+      <p:sp>
+        <p:nvSpPr>
+          <p:cNvPr id="23" name="Text Placeholder 3"/>
+          <p:cNvSpPr>
+            <a:spLocks noGrp="1"/>
+          </p:cNvSpPr>
+          <p:nvPr>
+            <p:ph type="body" sz="quarter" idx="23" hasCustomPrompt="1"/>
+          </p:nvPr>
+        </p:nvSpPr>
+        <p:spPr>
+          <a:xfrm>
+            <a:off x="22385343" y="6378481"/>
+            <a:ext cx="10048874" cy="846363"/>
+          </a:xfrm>
+          <a:prstGeom prst="rect">
+            <a:avLst/>
+          </a:prstGeom>
+        </p:spPr>
+        <p:txBody>
+          <a:bodyPr wrap="square" lIns="228589" tIns="228589" rIns="228589" bIns="228589">
+            <a:spAutoFit/>
+          </a:bodyPr>
+          <a:lstStyle>
+            <a:lvl1pPr marL="0" indent="0">
+              <a:buNone/>
+              <a:defRPr sz="2500">
+                <a:solidFill>
+                  <a:schemeClr val="accent5">
+                    <a:lumMod val="50000"/>
+                  </a:schemeClr>
+                </a:solidFill>
+                <a:latin typeface="Times New Roman" pitchFamily="18" charset="0"/>
+                <a:cs typeface="Times New Roman" pitchFamily="18" charset="0"/>
+              </a:defRPr>
+            </a:lvl1pPr>
+            <a:lvl2pPr marL="1485825" indent="-571471">
+              <a:defRPr sz="2500">
+                <a:latin typeface="Trebuchet MS" pitchFamily="34" charset="0"/>
+              </a:defRPr>
+            </a:lvl2pPr>
+            <a:lvl3pPr marL="2057297" indent="-571471">
+              <a:defRPr sz="2500">
+                <a:latin typeface="Trebuchet MS" pitchFamily="34" charset="0"/>
+              </a:defRPr>
+            </a:lvl3pPr>
+            <a:lvl4pPr marL="2685916" indent="-628619">
+              <a:defRPr sz="2500">
+                <a:latin typeface="Trebuchet MS" pitchFamily="34" charset="0"/>
+              </a:defRPr>
+            </a:lvl4pPr>
+            <a:lvl5pPr marL="3143093" indent="-457177">
+              <a:defRPr sz="2500">
+                <a:latin typeface="Trebuchet MS" pitchFamily="34" charset="0"/>
+              </a:defRPr>
+            </a:lvl5pPr>
+          </a:lstStyle>
+          <a:p>
+            <a:pPr lvl="0"/>
+            <a:r>
+              <a:rPr lang="en-US" dirty="0" smtClean="0"/>
+              <a:t>Type in or paste your text here</a:t>
+            </a:r>
+            <a:endParaRPr lang="en-US" dirty="0"/>
+          </a:p>
+        </p:txBody>
+      </p:sp>
+      <p:sp>
+        <p:nvSpPr>
+          <p:cNvPr id="24" name="Text Placeholder 5"/>
+          <p:cNvSpPr>
+            <a:spLocks noGrp="1"/>
+          </p:cNvSpPr>
+          <p:nvPr>
+            <p:ph type="body" sz="quarter" idx="24" hasCustomPrompt="1"/>
+          </p:nvPr>
+        </p:nvSpPr>
+        <p:spPr>
+          <a:xfrm>
+            <a:off x="22377404" y="5548749"/>
+            <a:ext cx="10058400" cy="754045"/>
+          </a:xfrm>
+          <a:prstGeom prst="rect">
+            <a:avLst/>
+          </a:prstGeom>
+          <a:noFill/>
+        </p:spPr>
+        <p:txBody>
+          <a:bodyPr lIns="91436" tIns="91436" rIns="91436" bIns="91436" anchor="ctr" anchorCtr="0">
+            <a:spAutoFit/>
+          </a:bodyPr>
+          <a:lstStyle>
+            <a:lvl1pPr marL="0" indent="0" algn="ctr">
+              <a:buNone/>
+              <a:defRPr sz="3700" b="1" u="sng" baseline="0">
+                <a:solidFill>
+                  <a:schemeClr val="accent5">
+                    <a:lumMod val="50000"/>
+                  </a:schemeClr>
+                </a:solidFill>
+              </a:defRPr>
+            </a:lvl1pPr>
+          </a:lstStyle>
+          <a:p>
+            <a:pPr lvl="0"/>
+            <a:r>
+              <a:rPr lang="en-US" dirty="0" smtClean="0"/>
+              <a:t>(click to edit)  RESULTS</a:t>
+            </a:r>
+            <a:endParaRPr lang="en-US" dirty="0"/>
+          </a:p>
+        </p:txBody>
+      </p:sp>
+      <p:sp>
+        <p:nvSpPr>
+          <p:cNvPr id="25" name="Text Placeholder 5"/>
+          <p:cNvSpPr>
+            <a:spLocks noGrp="1"/>
+          </p:cNvSpPr>
+          <p:nvPr>
+            <p:ph type="body" sz="quarter" idx="25" hasCustomPrompt="1"/>
+          </p:nvPr>
+        </p:nvSpPr>
+        <p:spPr>
+          <a:xfrm>
+            <a:off x="33358541" y="5548749"/>
+            <a:ext cx="10047018" cy="754045"/>
+          </a:xfrm>
+          <a:prstGeom prst="rect">
+            <a:avLst/>
+          </a:prstGeom>
+          <a:noFill/>
+        </p:spPr>
+        <p:txBody>
+          <a:bodyPr wrap="square" lIns="91436" tIns="91436" rIns="91436" bIns="91436" anchor="ctr" anchorCtr="0">
+            <a:spAutoFit/>
+          </a:bodyPr>
+          <a:lstStyle>
+            <a:lvl1pPr marL="0" indent="0" algn="ctr">
+              <a:buNone/>
+              <a:defRPr sz="3700" b="1" u="sng" baseline="0">
+                <a:solidFill>
+                  <a:schemeClr val="accent5">
+                    <a:lumMod val="50000"/>
+                  </a:schemeClr>
+                </a:solidFill>
+              </a:defRPr>
+            </a:lvl1pPr>
+          </a:lstStyle>
+          <a:p>
+            <a:pPr lvl="0"/>
+            <a:r>
+              <a:rPr lang="en-US" dirty="0" smtClean="0"/>
+              <a:t>(click to edit)  CONCLUSIONS</a:t>
+            </a:r>
+            <a:endParaRPr lang="en-US" dirty="0"/>
+          </a:p>
+        </p:txBody>
+      </p:sp>
+      <p:sp>
+        <p:nvSpPr>
+          <p:cNvPr id="26" name="Text Placeholder 3"/>
+          <p:cNvSpPr>
+            <a:spLocks noGrp="1"/>
+          </p:cNvSpPr>
+          <p:nvPr>
+            <p:ph type="body" sz="quarter" idx="26" hasCustomPrompt="1"/>
+          </p:nvPr>
+        </p:nvSpPr>
+        <p:spPr>
+          <a:xfrm>
+            <a:off x="33358541" y="6378481"/>
+            <a:ext cx="10047018" cy="846363"/>
+          </a:xfrm>
+          <a:prstGeom prst="rect">
+            <a:avLst/>
+          </a:prstGeom>
+        </p:spPr>
+        <p:txBody>
+          <a:bodyPr wrap="square" lIns="228589" tIns="228589" rIns="228589" bIns="228589">
+            <a:spAutoFit/>
+          </a:bodyPr>
+          <a:lstStyle>
+            <a:lvl1pPr marL="0" indent="0">
+              <a:buNone/>
+              <a:defRPr sz="2500">
+                <a:solidFill>
+                  <a:schemeClr val="accent5">
+                    <a:lumMod val="50000"/>
+                  </a:schemeClr>
+                </a:solidFill>
+                <a:latin typeface="Times New Roman" pitchFamily="18" charset="0"/>
+                <a:cs typeface="Times New Roman" pitchFamily="18" charset="0"/>
+              </a:defRPr>
+            </a:lvl1pPr>
+            <a:lvl2pPr marL="1485825" indent="-571471">
+              <a:defRPr sz="2500">
+                <a:latin typeface="Trebuchet MS" pitchFamily="34" charset="0"/>
+              </a:defRPr>
+            </a:lvl2pPr>
+            <a:lvl3pPr marL="2057297" indent="-571471">
+              <a:defRPr sz="2500">
+                <a:latin typeface="Trebuchet MS" pitchFamily="34" charset="0"/>
+              </a:defRPr>
+            </a:lvl3pPr>
+            <a:lvl4pPr marL="2685916" indent="-628619">
+              <a:defRPr sz="2500">
+                <a:latin typeface="Trebuchet MS" pitchFamily="34" charset="0"/>
+              </a:defRPr>
+            </a:lvl4pPr>
+            <a:lvl5pPr marL="3143093" indent="-457177">
+              <a:defRPr sz="2500">
+                <a:latin typeface="Trebuchet MS" pitchFamily="34" charset="0"/>
+              </a:defRPr>
+            </a:lvl5pPr>
+          </a:lstStyle>
+          <a:p>
+            <a:pPr lvl="0"/>
+            <a:r>
+              <a:rPr lang="en-US" dirty="0" smtClean="0"/>
+              <a:t>Type in or paste your text here</a:t>
+            </a:r>
+            <a:endParaRPr lang="en-US" dirty="0"/>
+          </a:p>
+        </p:txBody>
+      </p:sp>
+      <p:sp>
+        <p:nvSpPr>
+          <p:cNvPr id="27" name="Text Placeholder 5"/>
+          <p:cNvSpPr>
+            <a:spLocks noGrp="1"/>
+          </p:cNvSpPr>
+          <p:nvPr>
+            <p:ph type="body" sz="quarter" idx="27" hasCustomPrompt="1"/>
+          </p:nvPr>
+        </p:nvSpPr>
+        <p:spPr>
+          <a:xfrm>
+            <a:off x="33358541" y="14272738"/>
+            <a:ext cx="10047018" cy="754045"/>
+          </a:xfrm>
+          <a:prstGeom prst="rect">
+            <a:avLst/>
+          </a:prstGeom>
+          <a:noFill/>
+        </p:spPr>
+        <p:txBody>
+          <a:bodyPr wrap="square" lIns="91436" tIns="91436" rIns="91436" bIns="91436" anchor="ctr" anchorCtr="0">
+            <a:spAutoFit/>
+          </a:bodyPr>
+          <a:lstStyle>
+            <a:lvl1pPr marL="0" indent="0" algn="ctr">
+              <a:buNone/>
+              <a:defRPr sz="3700" b="1" u="sng" baseline="0">
+                <a:solidFill>
+                  <a:schemeClr val="accent5">
+                    <a:lumMod val="50000"/>
+                  </a:schemeClr>
+                </a:solidFill>
+              </a:defRPr>
+            </a:lvl1pPr>
+          </a:lstStyle>
+          <a:p>
+            <a:pPr lvl="0"/>
+            <a:r>
+              <a:rPr lang="en-US" dirty="0" smtClean="0"/>
+              <a:t>(click to edit)  REFERENCES</a:t>
+            </a:r>
+            <a:endParaRPr lang="en-US" dirty="0"/>
+          </a:p>
+        </p:txBody>
+      </p:sp>
+      <p:sp>
+        <p:nvSpPr>
+          <p:cNvPr id="28" name="Text Placeholder 3"/>
+          <p:cNvSpPr>
+            <a:spLocks noGrp="1"/>
+          </p:cNvSpPr>
+          <p:nvPr>
+            <p:ph type="body" sz="quarter" idx="28" hasCustomPrompt="1"/>
+          </p:nvPr>
+        </p:nvSpPr>
+        <p:spPr>
+          <a:xfrm>
+            <a:off x="33358541" y="15011402"/>
+            <a:ext cx="10052050" cy="846363"/>
+          </a:xfrm>
+          <a:prstGeom prst="rect">
+            <a:avLst/>
+          </a:prstGeom>
+        </p:spPr>
+        <p:txBody>
+          <a:bodyPr wrap="square" lIns="228589" tIns="228589" rIns="228589" bIns="228589">
+            <a:spAutoFit/>
+          </a:bodyPr>
+          <a:lstStyle>
+            <a:lvl1pPr marL="0" indent="0">
+              <a:buNone/>
+              <a:defRPr sz="2500">
+                <a:solidFill>
+                  <a:schemeClr val="accent5">
+                    <a:lumMod val="50000"/>
+                  </a:schemeClr>
+                </a:solidFill>
+                <a:latin typeface="Times New Roman" pitchFamily="18" charset="0"/>
+                <a:cs typeface="Times New Roman" pitchFamily="18" charset="0"/>
+              </a:defRPr>
+            </a:lvl1pPr>
+            <a:lvl2pPr marL="1485825" indent="-571471">
+              <a:defRPr sz="2500">
+                <a:latin typeface="Trebuchet MS" pitchFamily="34" charset="0"/>
+              </a:defRPr>
+            </a:lvl2pPr>
+            <a:lvl3pPr marL="2057297" indent="-571471">
+              <a:defRPr sz="2500">
+                <a:latin typeface="Trebuchet MS" pitchFamily="34" charset="0"/>
+              </a:defRPr>
+            </a:lvl3pPr>
+            <a:lvl4pPr marL="2685916" indent="-628619">
+              <a:defRPr sz="2500">
+                <a:latin typeface="Trebuchet MS" pitchFamily="34" charset="0"/>
+              </a:defRPr>
+            </a:lvl4pPr>
+            <a:lvl5pPr marL="3143093" indent="-457177">
+              <a:defRPr sz="2500">
+                <a:latin typeface="Trebuchet MS" pitchFamily="34" charset="0"/>
+              </a:defRPr>
+            </a:lvl5pPr>
+          </a:lstStyle>
+          <a:p>
+            <a:pPr lvl="0"/>
+            <a:r>
+              <a:rPr lang="en-US" dirty="0" smtClean="0"/>
+              <a:t>Type in or paste your text here</a:t>
+            </a:r>
+            <a:endParaRPr lang="en-US" dirty="0"/>
+          </a:p>
+        </p:txBody>
+      </p:sp>
+      <p:sp>
+        <p:nvSpPr>
+          <p:cNvPr id="29" name="Text Placeholder 5"/>
+          <p:cNvSpPr>
+            <a:spLocks noGrp="1"/>
+          </p:cNvSpPr>
+          <p:nvPr>
+            <p:ph type="body" sz="quarter" idx="29" hasCustomPrompt="1"/>
+          </p:nvPr>
+        </p:nvSpPr>
+        <p:spPr>
+          <a:xfrm>
+            <a:off x="33358541" y="25679401"/>
+            <a:ext cx="10047018" cy="754045"/>
+          </a:xfrm>
+          <a:prstGeom prst="rect">
+            <a:avLst/>
+          </a:prstGeom>
+          <a:noFill/>
+        </p:spPr>
+        <p:txBody>
+          <a:bodyPr wrap="square" lIns="91436" tIns="91436" rIns="91436" bIns="91436" anchor="ctr" anchorCtr="0">
+            <a:spAutoFit/>
+          </a:bodyPr>
+          <a:lstStyle>
+            <a:lvl1pPr marL="0" indent="0" algn="ctr">
+              <a:buNone/>
+              <a:defRPr sz="3700" b="1" u="sng" baseline="0">
+                <a:solidFill>
+                  <a:schemeClr val="accent5">
+                    <a:lumMod val="50000"/>
+                  </a:schemeClr>
+                </a:solidFill>
+              </a:defRPr>
+            </a:lvl1pPr>
+          </a:lstStyle>
+          <a:p>
+            <a:pPr lvl="0"/>
+            <a:r>
+              <a:rPr lang="en-US" dirty="0" smtClean="0"/>
+              <a:t>(click to edit)  ACKNOWLEDGEMENTS or  CONTACT</a:t>
+            </a:r>
+            <a:endParaRPr lang="en-US" dirty="0"/>
+          </a:p>
+        </p:txBody>
+      </p:sp>
+      <p:sp>
+        <p:nvSpPr>
+          <p:cNvPr id="30" name="Text Placeholder 3"/>
+          <p:cNvSpPr>
+            <a:spLocks noGrp="1"/>
+          </p:cNvSpPr>
+          <p:nvPr>
+            <p:ph type="body" sz="quarter" idx="30" hasCustomPrompt="1"/>
+          </p:nvPr>
+        </p:nvSpPr>
+        <p:spPr>
+          <a:xfrm>
+            <a:off x="33358541" y="26433446"/>
+            <a:ext cx="10052050" cy="846363"/>
+          </a:xfrm>
+          <a:prstGeom prst="rect">
+            <a:avLst/>
+          </a:prstGeom>
+        </p:spPr>
+        <p:txBody>
+          <a:bodyPr wrap="square" lIns="228589" tIns="228589" rIns="228589" bIns="228589">
+            <a:spAutoFit/>
+          </a:bodyPr>
+          <a:lstStyle>
+            <a:lvl1pPr marL="0" indent="0">
+              <a:buNone/>
+              <a:defRPr sz="2500">
+                <a:solidFill>
+                  <a:schemeClr val="accent5">
+                    <a:lumMod val="50000"/>
+                  </a:schemeClr>
+                </a:solidFill>
+                <a:latin typeface="Times New Roman" pitchFamily="18" charset="0"/>
+                <a:cs typeface="Times New Roman" pitchFamily="18" charset="0"/>
+              </a:defRPr>
+            </a:lvl1pPr>
+            <a:lvl2pPr marL="1485825" indent="-571471">
+              <a:defRPr sz="2500">
+                <a:latin typeface="Trebuchet MS" pitchFamily="34" charset="0"/>
+              </a:defRPr>
+            </a:lvl2pPr>
+            <a:lvl3pPr marL="2057297" indent="-571471">
+              <a:defRPr sz="2500">
+                <a:latin typeface="Trebuchet MS" pitchFamily="34" charset="0"/>
+              </a:defRPr>
+            </a:lvl3pPr>
+            <a:lvl4pPr marL="2685916" indent="-628619">
+              <a:defRPr sz="2500">
+                <a:latin typeface="Trebuchet MS" pitchFamily="34" charset="0"/>
+              </a:defRPr>
+            </a:lvl4pPr>
+            <a:lvl5pPr marL="3143093" indent="-457177">
+              <a:defRPr sz="2500">
+                <a:latin typeface="Trebuchet MS" pitchFamily="34" charset="0"/>
+              </a:defRPr>
+            </a:lvl5pPr>
+          </a:lstStyle>
+          <a:p>
+            <a:pPr lvl="0"/>
+            <a:r>
+              <a:rPr lang="en-US" dirty="0" smtClean="0"/>
+              <a:t>Type in or paste your text here</a:t>
+            </a:r>
+            <a:endParaRPr lang="en-US" dirty="0"/>
+          </a:p>
+        </p:txBody>
+      </p:sp>
+      <p:sp>
+        <p:nvSpPr>
+          <p:cNvPr id="60" name="Text Placeholder 3"/>
+          <p:cNvSpPr>
+            <a:spLocks noGrp="1"/>
+          </p:cNvSpPr>
+          <p:nvPr>
+            <p:ph type="body" sz="quarter" idx="96" hasCustomPrompt="1"/>
+          </p:nvPr>
+        </p:nvSpPr>
+        <p:spPr>
+          <a:xfrm>
+            <a:off x="491425" y="14951552"/>
+            <a:ext cx="10056813" cy="846363"/>
+          </a:xfrm>
+          <a:prstGeom prst="rect">
+            <a:avLst/>
+          </a:prstGeom>
+        </p:spPr>
+        <p:txBody>
+          <a:bodyPr wrap="square" lIns="228589" tIns="228589" rIns="228589" bIns="228589">
+            <a:spAutoFit/>
+          </a:bodyPr>
+          <a:lstStyle>
+            <a:lvl1pPr marL="0" indent="0">
+              <a:buNone/>
+              <a:defRPr sz="2500">
+                <a:solidFill>
+                  <a:schemeClr val="accent5">
+                    <a:lumMod val="50000"/>
+                  </a:schemeClr>
+                </a:solidFill>
+                <a:latin typeface="Times New Roman" pitchFamily="18" charset="0"/>
+                <a:cs typeface="Times New Roman" pitchFamily="18" charset="0"/>
+              </a:defRPr>
+            </a:lvl1pPr>
+            <a:lvl2pPr marL="1485825" indent="-571471">
+              <a:defRPr sz="2500">
+                <a:latin typeface="Trebuchet MS" pitchFamily="34" charset="0"/>
+              </a:defRPr>
+            </a:lvl2pPr>
+            <a:lvl3pPr marL="2057297" indent="-571471">
+              <a:defRPr sz="2500">
+                <a:latin typeface="Trebuchet MS" pitchFamily="34" charset="0"/>
+              </a:defRPr>
+            </a:lvl3pPr>
+            <a:lvl4pPr marL="2685916" indent="-628619">
+              <a:defRPr sz="2500">
+                <a:latin typeface="Trebuchet MS" pitchFamily="34" charset="0"/>
+              </a:defRPr>
+            </a:lvl4pPr>
+            <a:lvl5pPr marL="3143093" indent="-457177">
+              <a:defRPr sz="2500">
+                <a:latin typeface="Trebuchet MS" pitchFamily="34" charset="0"/>
+              </a:defRPr>
+            </a:lvl5pPr>
+          </a:lstStyle>
+          <a:p>
+            <a:pPr lvl="0"/>
+            <a:r>
+              <a:rPr lang="en-US" dirty="0" smtClean="0"/>
+              <a:t>Type in or paste your text here</a:t>
+            </a:r>
+            <a:endParaRPr lang="en-US" dirty="0"/>
+          </a:p>
+        </p:txBody>
+      </p:sp>
+      <p:sp>
+        <p:nvSpPr>
+          <p:cNvPr id="77" name="Text Placeholder 76"/>
+          <p:cNvSpPr>
+            <a:spLocks noGrp="1"/>
+          </p:cNvSpPr>
+          <p:nvPr>
+            <p:ph type="body" sz="quarter" idx="150" hasCustomPrompt="1"/>
+          </p:nvPr>
+        </p:nvSpPr>
+        <p:spPr>
+          <a:xfrm>
+            <a:off x="5932593" y="3383947"/>
+            <a:ext cx="31998968" cy="1280160"/>
+          </a:xfrm>
+          <a:prstGeom prst="rect">
+            <a:avLst/>
+          </a:prstGeom>
+        </p:spPr>
+        <p:txBody>
+          <a:bodyPr>
+            <a:normAutofit/>
+          </a:bodyPr>
+          <a:lstStyle>
+            <a:lvl1pPr marL="0" indent="0" algn="ctr">
+              <a:buFontTx/>
+              <a:buNone/>
+              <a:defRPr sz="6000">
+                <a:solidFill>
+                  <a:schemeClr val="bg1"/>
+                </a:solidFill>
+                <a:latin typeface="+mj-lt"/>
+              </a:defRPr>
+            </a:lvl1pPr>
+            <a:lvl2pPr>
+              <a:buFontTx/>
+              <a:buNone/>
+              <a:defRPr sz="7200"/>
+            </a:lvl2pPr>
+            <a:lvl3pPr>
+              <a:buFontTx/>
+              <a:buNone/>
+              <a:defRPr sz="7200"/>
+            </a:lvl3pPr>
+            <a:lvl4pPr>
+              <a:buFontTx/>
+              <a:buNone/>
+              <a:defRPr sz="7200"/>
+            </a:lvl4pPr>
+            <a:lvl5pPr>
+              <a:buFontTx/>
+              <a:buNone/>
+              <a:defRPr sz="7200"/>
+            </a:lvl5pPr>
+          </a:lstStyle>
+          <a:p>
+            <a:pPr lvl="0"/>
+            <a:r>
+              <a:rPr lang="en-US" dirty="0" smtClean="0"/>
+              <a:t>Click here to add affiliations</a:t>
+            </a:r>
+            <a:endParaRPr lang="en-US" dirty="0"/>
+          </a:p>
+        </p:txBody>
+      </p:sp>
+      <p:sp>
+        <p:nvSpPr>
+          <p:cNvPr id="78" name="Text Placeholder 76"/>
+          <p:cNvSpPr>
+            <a:spLocks noGrp="1"/>
+          </p:cNvSpPr>
+          <p:nvPr>
+            <p:ph type="body" sz="quarter" idx="151" hasCustomPrompt="1"/>
+          </p:nvPr>
+        </p:nvSpPr>
+        <p:spPr>
+          <a:xfrm>
+            <a:off x="5932593" y="2103787"/>
+            <a:ext cx="31998968" cy="1280160"/>
+          </a:xfrm>
+          <a:prstGeom prst="rect">
+            <a:avLst/>
+          </a:prstGeom>
+        </p:spPr>
+        <p:txBody>
+          <a:bodyPr anchor="t" anchorCtr="1">
+            <a:normAutofit/>
+          </a:bodyPr>
+          <a:lstStyle>
+            <a:lvl1pPr marL="0" indent="0" algn="ctr">
+              <a:buFontTx/>
+              <a:buNone/>
+              <a:defRPr sz="8800">
+                <a:solidFill>
+                  <a:schemeClr val="bg1"/>
+                </a:solidFill>
+                <a:latin typeface="+mj-lt"/>
+              </a:defRPr>
+            </a:lvl1pPr>
+            <a:lvl2pPr>
+              <a:buFontTx/>
+              <a:buNone/>
+              <a:defRPr sz="7200"/>
+            </a:lvl2pPr>
+            <a:lvl3pPr>
+              <a:buFontTx/>
+              <a:buNone/>
+              <a:defRPr sz="7200"/>
+            </a:lvl3pPr>
+            <a:lvl4pPr>
+              <a:buFontTx/>
+              <a:buNone/>
+              <a:defRPr sz="7200"/>
+            </a:lvl4pPr>
+            <a:lvl5pPr>
+              <a:buFontTx/>
+              <a:buNone/>
+              <a:defRPr sz="7200"/>
+            </a:lvl5pPr>
+          </a:lstStyle>
+          <a:p>
+            <a:pPr lvl="0"/>
+            <a:r>
+              <a:rPr lang="en-US" dirty="0" smtClean="0"/>
+              <a:t>Click here to add authors</a:t>
+            </a:r>
+            <a:endParaRPr lang="en-US" dirty="0"/>
+          </a:p>
+        </p:txBody>
+      </p:sp>
+      <p:sp>
+        <p:nvSpPr>
+          <p:cNvPr id="79" name="Text Placeholder 76"/>
+          <p:cNvSpPr>
+            <a:spLocks noGrp="1"/>
+          </p:cNvSpPr>
+          <p:nvPr>
+            <p:ph type="body" sz="quarter" idx="153" hasCustomPrompt="1"/>
+          </p:nvPr>
+        </p:nvSpPr>
+        <p:spPr>
+          <a:xfrm>
+            <a:off x="5932593" y="465813"/>
+            <a:ext cx="31998968" cy="1637973"/>
+          </a:xfrm>
+          <a:prstGeom prst="rect">
+            <a:avLst/>
+          </a:prstGeom>
+        </p:spPr>
+        <p:txBody>
+          <a:bodyPr anchor="t" anchorCtr="1">
+            <a:normAutofit/>
+          </a:bodyPr>
+          <a:lstStyle>
+            <a:lvl1pPr marL="0" indent="0" algn="ctr">
+              <a:buFontTx/>
+              <a:buNone/>
+              <a:defRPr sz="11500">
+                <a:solidFill>
+                  <a:schemeClr val="bg1"/>
+                </a:solidFill>
+                <a:latin typeface="+mj-lt"/>
+              </a:defRPr>
+            </a:lvl1pPr>
+            <a:lvl2pPr>
+              <a:buFontTx/>
+              <a:buNone/>
+              <a:defRPr sz="7200"/>
+            </a:lvl2pPr>
+            <a:lvl3pPr>
+              <a:buFontTx/>
+              <a:buNone/>
+              <a:defRPr sz="7200"/>
+            </a:lvl3pPr>
+            <a:lvl4pPr>
+              <a:buFontTx/>
+              <a:buNone/>
+              <a:defRPr sz="7200"/>
+            </a:lvl4pPr>
+            <a:lvl5pPr>
+              <a:buFontTx/>
+              <a:buNone/>
+              <a:defRPr sz="7200"/>
+            </a:lvl5pPr>
+          </a:lstStyle>
+          <a:p>
+            <a:pPr lvl="0"/>
+            <a:r>
+              <a:rPr lang="en-US" dirty="0" smtClean="0"/>
+              <a:t>Click here to add title</a:t>
+            </a:r>
+            <a:endParaRPr lang="en-US" dirty="0"/>
+          </a:p>
+        </p:txBody>
+      </p:sp>
+    </p:spTree>
+  </p:cSld>
+  <p:clrMapOvr>
+    <a:masterClrMapping/>
+  </p:clrMapOvr>
+  <p:timing>
+    <p:tnLst>
+      <p:par>
+        <p:cTn xmlns:p14="http://schemas.microsoft.com/office/powerpoint/2010/main" id="1" dur="indefinite" restart="never" nodeType="tmRoot"/>
+      </p:par>
+    </p:tnLst>
+  </p:timing>
+</p:sldLayout>
+</file>
+
 <file path=ppt/slideMasters/slideMaster1.xml><?xml version="1.0" encoding="utf-8"?>
 <p:sldMaster xmlns:a="http://schemas.openxmlformats.org/drawingml/2006/main" xmlns:r="http://schemas.openxmlformats.org/officeDocument/2006/relationships" xmlns:p="http://schemas.openxmlformats.org/presentationml/2006/main" preserve="1">
   <p:cSld>
     <p:bg>
-      <p:bgPr>
-        <a:gradFill flip="none" rotWithShape="1">
-          <a:gsLst>
-            <a:gs pos="0">
-              <a:schemeClr val="accent5">
-                <a:lumMod val="50000"/>
-              </a:schemeClr>
-            </a:gs>
-            <a:gs pos="34000">
-              <a:schemeClr val="tx2">
-                <a:lumMod val="40000"/>
-                <a:lumOff val="60000"/>
-              </a:schemeClr>
-            </a:gs>
-            <a:gs pos="100000">
-              <a:schemeClr val="accent5">
-                <a:lumMod val="20000"/>
-                <a:lumOff val="80000"/>
-              </a:schemeClr>
-            </a:gs>
-          </a:gsLst>
-          <a:lin ang="16200000" scaled="1"/>
-          <a:tileRect/>
-        </a:gradFill>
-        <a:effectLst/>
-      </p:bgPr>
+      <p:bgRef idx="1001">
+        <a:schemeClr val="bg2"/>
+      </p:bgRef>
     </p:bg>
     <p:spTree>
       <p:nvGrpSpPr>
@@ -6058,7 +9089,7 @@
             <p:nvPr userDrawn="1"/>
           </p:nvPicPr>
           <p:blipFill>
-            <a:blip r:embed="rId4"/>
+            <a:blip r:embed="rId6"/>
             <a:stretch>
               <a:fillRect/>
             </a:stretch>
@@ -6082,7 +9113,7 @@
             <p:nvPr userDrawn="1"/>
           </p:nvPicPr>
           <p:blipFill>
-            <a:blip r:embed="rId5"/>
+            <a:blip r:embed="rId7"/>
             <a:stretch>
               <a:fillRect/>
             </a:stretch>
@@ -6134,7 +9165,7 @@
                 <p:nvPr userDrawn="1"/>
               </p:nvPicPr>
               <p:blipFill>
-                <a:blip r:embed="rId6"/>
+                <a:blip r:embed="rId8"/>
                 <a:stretch>
                   <a:fillRect/>
                 </a:stretch>
@@ -6217,7 +9248,7 @@
                 <p:nvPr userDrawn="1"/>
               </p:nvPicPr>
               <p:blipFill>
-                <a:blip r:embed="rId6"/>
+                <a:blip r:embed="rId8"/>
                 <a:stretch>
                   <a:fillRect/>
                 </a:stretch>
@@ -6283,7 +9314,7 @@
               <p:nvPr userDrawn="1"/>
             </p:nvPicPr>
             <p:blipFill>
-              <a:blip r:embed="rId7"/>
+              <a:blip r:embed="rId9"/>
               <a:stretch>
                 <a:fillRect/>
               </a:stretch>
@@ -6382,12 +9413,12 @@
               <a:graphicData uri="http://schemas.openxmlformats.org/presentationml/2006/ole">
                 <mc:AlternateContent xmlns:mc="http://schemas.openxmlformats.org/markup-compatibility/2006">
                   <mc:Choice xmlns:v="urn:schemas-microsoft-com:vml" Requires="v">
-                    <p:oleObj spid="_x0000_s1082" name="Image" r:id="rId8" imgW="1828440" imgH="1117440" progId="Photoshop.Image.13">
+                    <p:oleObj spid="_x0000_s1232" name="Image" r:id="rId10" imgW="1828440" imgH="1117440" progId="Photoshop.Image.13">
                       <p:embed/>
                     </p:oleObj>
                   </mc:Choice>
                   <mc:Fallback>
-                    <p:oleObj name="Image" r:id="rId8" imgW="1828440" imgH="1117440" progId="Photoshop.Image.13">
+                    <p:oleObj name="Image" r:id="rId10" imgW="1828440" imgH="1117440" progId="Photoshop.Image.13">
                       <p:embed/>
                       <p:pic>
                         <p:nvPicPr>
@@ -6396,7 +9427,7 @@
                           <p:nvPr/>
                         </p:nvPicPr>
                         <p:blipFill>
-                          <a:blip r:embed="rId9"/>
+                          <a:blip r:embed="rId11"/>
                           <a:stretch>
                             <a:fillRect/>
                           </a:stretch>
@@ -6439,12 +9470,12 @@
               <a:graphicData uri="http://schemas.openxmlformats.org/presentationml/2006/ole">
                 <mc:AlternateContent xmlns:mc="http://schemas.openxmlformats.org/markup-compatibility/2006">
                   <mc:Choice xmlns:v="urn:schemas-microsoft-com:vml" Requires="v">
-                    <p:oleObj spid="_x0000_s1083" name="Image" r:id="rId10" imgW="1828440" imgH="1117440" progId="Photoshop.Image.13">
+                    <p:oleObj spid="_x0000_s1233" name="Image" r:id="rId12" imgW="1828440" imgH="1117440" progId="Photoshop.Image.13">
                       <p:embed/>
                     </p:oleObj>
                   </mc:Choice>
                   <mc:Fallback>
-                    <p:oleObj name="Image" r:id="rId10" imgW="1828440" imgH="1117440" progId="Photoshop.Image.13">
+                    <p:oleObj name="Image" r:id="rId12" imgW="1828440" imgH="1117440" progId="Photoshop.Image.13">
                       <p:embed/>
                       <p:pic>
                         <p:nvPicPr>
@@ -6453,7 +9484,7 @@
                           <p:nvPr/>
                         </p:nvPicPr>
                         <p:blipFill>
-                          <a:blip r:embed="rId11"/>
+                          <a:blip r:embed="rId13"/>
                           <a:stretch>
                             <a:fillRect/>
                           </a:stretch>
@@ -7567,12 +10598,12 @@
             <a:graphicData uri="http://schemas.openxmlformats.org/presentationml/2006/ole">
               <mc:AlternateContent xmlns:mc="http://schemas.openxmlformats.org/markup-compatibility/2006">
                 <mc:Choice xmlns:v="urn:schemas-microsoft-com:vml" Requires="v">
-                  <p:oleObj spid="_x0000_s1084" name="Image" r:id="rId12" imgW="4571280" imgH="1688760" progId="Photoshop.Image.13">
+                  <p:oleObj spid="_x0000_s1234" name="Image" r:id="rId14" imgW="4571280" imgH="1688760" progId="Photoshop.Image.13">
                     <p:embed/>
                   </p:oleObj>
                 </mc:Choice>
                 <mc:Fallback>
-                  <p:oleObj name="Image" r:id="rId12" imgW="4571280" imgH="1688760" progId="Photoshop.Image.13">
+                  <p:oleObj name="Image" r:id="rId14" imgW="4571280" imgH="1688760" progId="Photoshop.Image.13">
                     <p:embed/>
                     <p:pic>
                       <p:nvPicPr>
@@ -7581,7 +10612,7 @@
                         <p:nvPr/>
                       </p:nvPicPr>
                       <p:blipFill>
-                        <a:blip r:embed="rId13"/>
+                        <a:blip r:embed="rId15"/>
                         <a:stretch>
                           <a:fillRect/>
                         </a:stretch>
@@ -7611,7 +10642,7 @@
             <p:nvPr userDrawn="1"/>
           </p:nvPicPr>
           <p:blipFill>
-            <a:blip r:embed="rId14"/>
+            <a:blip r:embed="rId16"/>
             <a:stretch>
               <a:fillRect/>
             </a:stretch>
@@ -7651,12 +10682,12 @@
             <a:graphicData uri="http://schemas.openxmlformats.org/presentationml/2006/ole">
               <mc:AlternateContent xmlns:mc="http://schemas.openxmlformats.org/markup-compatibility/2006">
                 <mc:Choice xmlns:v="urn:schemas-microsoft-com:vml" Requires="v">
-                  <p:oleObj spid="_x0000_s1085" name="Image" r:id="rId15" imgW="1574280" imgH="1053720" progId="Photoshop.Image.13">
+                  <p:oleObj spid="_x0000_s1235" name="Image" r:id="rId17" imgW="1574280" imgH="1053720" progId="Photoshop.Image.13">
                     <p:embed/>
                   </p:oleObj>
                 </mc:Choice>
                 <mc:Fallback>
-                  <p:oleObj name="Image" r:id="rId15" imgW="1574280" imgH="1053720" progId="Photoshop.Image.13">
+                  <p:oleObj name="Image" r:id="rId17" imgW="1574280" imgH="1053720" progId="Photoshop.Image.13">
                     <p:embed/>
                     <p:pic>
                       <p:nvPicPr>
@@ -7665,7 +10696,7 @@
                         <p:nvPr/>
                       </p:nvPicPr>
                       <p:blipFill>
-                        <a:blip r:embed="rId16"/>
+                        <a:blip r:embed="rId18"/>
                         <a:stretch>
                           <a:fillRect/>
                         </a:stretch>
@@ -7749,7 +10780,7 @@
           <p:pic>
             <p:nvPicPr>
               <p:cNvPr id="62" name="Picture 7" descr="http://t2.gstatic.com/images?q=tbn:ANd9GcR4APHC6TT9w54M2zn_pvCiBxUNcspYPoVxirLRphBoJabfSvu7zw">
-                <a:hlinkClick r:id="rId17"/>
+                <a:hlinkClick r:id="rId19"/>
               </p:cNvPr>
               <p:cNvPicPr>
                 <a:picLocks noChangeAspect="1" noChangeArrowheads="1"/>
@@ -7757,7 +10788,7 @@
               <p:nvPr userDrawn="1"/>
             </p:nvPicPr>
             <p:blipFill>
-              <a:blip r:embed="rId18" cstate="print"/>
+              <a:blip r:embed="rId20" cstate="print"/>
               <a:srcRect/>
               <a:stretch>
                 <a:fillRect/>
@@ -8033,6 +11064,8 @@
   <p:clrMap bg1="lt1" tx1="dk1" bg2="lt2" tx2="dk2" accent1="accent1" accent2="accent2" accent3="accent3" accent4="accent4" accent5="accent5" accent6="accent6" hlink="hlink" folHlink="folHlink"/>
   <p:sldLayoutIdLst>
     <p:sldLayoutId id="2147483652" r:id="rId1"/>
+    <p:sldLayoutId id="2147483699" r:id="rId2"/>
+    <p:sldLayoutId id="2147483712" r:id="rId3"/>
   </p:sldLayoutIdLst>
   <p:timing>
     <p:tnLst>
@@ -9648,7 +12681,7 @@
             <a:graphicData uri="http://schemas.openxmlformats.org/presentationml/2006/ole">
               <mc:AlternateContent xmlns:mc="http://schemas.openxmlformats.org/markup-compatibility/2006">
                 <mc:Choice xmlns:v="urn:schemas-microsoft-com:vml" Requires="v">
-                  <p:oleObj spid="_x0000_s2130" name="Image" r:id="rId5" imgW="4571280" imgH="1688760" progId="Photoshop.Image.13">
+                  <p:oleObj spid="_x0000_s2276" name="Image" r:id="rId5" imgW="4571280" imgH="1688760" progId="Photoshop.Image.13">
                     <p:embed/>
                   </p:oleObj>
                 </mc:Choice>
@@ -9732,7 +12765,7 @@
             <a:graphicData uri="http://schemas.openxmlformats.org/presentationml/2006/ole">
               <mc:AlternateContent xmlns:mc="http://schemas.openxmlformats.org/markup-compatibility/2006">
                 <mc:Choice xmlns:v="urn:schemas-microsoft-com:vml" Requires="v">
-                  <p:oleObj spid="_x0000_s2131" name="Image" r:id="rId8" imgW="1574280" imgH="1053720" progId="Photoshop.Image.13">
+                  <p:oleObj spid="_x0000_s2277" name="Image" r:id="rId8" imgW="1574280" imgH="1053720" progId="Photoshop.Image.13">
                     <p:embed/>
                   </p:oleObj>
                 </mc:Choice>
@@ -11272,7 +14305,7 @@
               <a:graphicData uri="http://schemas.openxmlformats.org/presentationml/2006/ole">
                 <mc:AlternateContent xmlns:mc="http://schemas.openxmlformats.org/markup-compatibility/2006">
                   <mc:Choice xmlns:v="urn:schemas-microsoft-com:vml" Requires="v">
-                    <p:oleObj spid="_x0000_s2132" name="Image" r:id="rId16" imgW="1828440" imgH="1117440" progId="Photoshop.Image.13">
+                    <p:oleObj spid="_x0000_s2278" name="Image" r:id="rId16" imgW="1828440" imgH="1117440" progId="Photoshop.Image.13">
                       <p:embed/>
                     </p:oleObj>
                   </mc:Choice>
@@ -11329,7 +14362,7 @@
               <a:graphicData uri="http://schemas.openxmlformats.org/presentationml/2006/ole">
                 <mc:AlternateContent xmlns:mc="http://schemas.openxmlformats.org/markup-compatibility/2006">
                   <mc:Choice xmlns:v="urn:schemas-microsoft-com:vml" Requires="v">
-                    <p:oleObj spid="_x0000_s2133" name="Image" r:id="rId18" imgW="1828440" imgH="1117440" progId="Photoshop.Image.13">
+                    <p:oleObj spid="_x0000_s2279" name="Image" r:id="rId18" imgW="1828440" imgH="1117440" progId="Photoshop.Image.13">
                       <p:embed/>
                     </p:oleObj>
                   </mc:Choice>
@@ -13158,12 +16191,12 @@
             <a:graphicData uri="http://schemas.openxmlformats.org/presentationml/2006/ole">
               <mc:AlternateContent xmlns:mc="http://schemas.openxmlformats.org/markup-compatibility/2006">
                 <mc:Choice xmlns:v="urn:schemas-microsoft-com:vml" Requires="v">
-                  <p:oleObj spid="_x0000_s3130" name="Image" r:id="rId4" imgW="4571280" imgH="1688760" progId="Photoshop.Image.13">
+                  <p:oleObj spid="_x0000_s3280" name="Image" r:id="rId5" imgW="4571280" imgH="1688760" progId="Photoshop.Image.13">
                     <p:embed/>
                   </p:oleObj>
                 </mc:Choice>
                 <mc:Fallback>
-                  <p:oleObj name="Image" r:id="rId4" imgW="4571280" imgH="1688760" progId="Photoshop.Image.13">
+                  <p:oleObj name="Image" r:id="rId5" imgW="4571280" imgH="1688760" progId="Photoshop.Image.13">
                     <p:embed/>
                     <p:pic>
                       <p:nvPicPr>
@@ -13172,7 +16205,7 @@
                         <p:nvPr/>
                       </p:nvPicPr>
                       <p:blipFill>
-                        <a:blip r:embed="rId5"/>
+                        <a:blip r:embed="rId6"/>
                         <a:stretch>
                           <a:fillRect/>
                         </a:stretch>
@@ -13202,7 +16235,7 @@
             <p:nvPr userDrawn="1"/>
           </p:nvPicPr>
           <p:blipFill>
-            <a:blip r:embed="rId6"/>
+            <a:blip r:embed="rId7"/>
             <a:stretch>
               <a:fillRect/>
             </a:stretch>
@@ -13242,12 +16275,12 @@
             <a:graphicData uri="http://schemas.openxmlformats.org/presentationml/2006/ole">
               <mc:AlternateContent xmlns:mc="http://schemas.openxmlformats.org/markup-compatibility/2006">
                 <mc:Choice xmlns:v="urn:schemas-microsoft-com:vml" Requires="v">
-                  <p:oleObj spid="_x0000_s3131" name="Image" r:id="rId7" imgW="1574280" imgH="1053720" progId="Photoshop.Image.13">
+                  <p:oleObj spid="_x0000_s3281" name="Image" r:id="rId8" imgW="1574280" imgH="1053720" progId="Photoshop.Image.13">
                     <p:embed/>
                   </p:oleObj>
                 </mc:Choice>
                 <mc:Fallback>
-                  <p:oleObj name="Image" r:id="rId7" imgW="1574280" imgH="1053720" progId="Photoshop.Image.13">
+                  <p:oleObj name="Image" r:id="rId8" imgW="1574280" imgH="1053720" progId="Photoshop.Image.13">
                     <p:embed/>
                     <p:pic>
                       <p:nvPicPr>
@@ -13256,7 +16289,7 @@
                         <p:nvPr/>
                       </p:nvPicPr>
                       <p:blipFill>
-                        <a:blip r:embed="rId8"/>
+                        <a:blip r:embed="rId9"/>
                         <a:stretch>
                           <a:fillRect/>
                         </a:stretch>
@@ -13340,7 +16373,7 @@
           <p:pic>
             <p:nvPicPr>
               <p:cNvPr id="51" name="Picture 7" descr="http://t2.gstatic.com/images?q=tbn:ANd9GcR4APHC6TT9w54M2zn_pvCiBxUNcspYPoVxirLRphBoJabfSvu7zw">
-                <a:hlinkClick r:id="rId9"/>
+                <a:hlinkClick r:id="rId10"/>
               </p:cNvPr>
               <p:cNvPicPr>
                 <a:picLocks noChangeAspect="1" noChangeArrowheads="1"/>
@@ -13348,7 +16381,7 @@
               <p:nvPr userDrawn="1"/>
             </p:nvPicPr>
             <p:blipFill>
-              <a:blip r:embed="rId10" cstate="print"/>
+              <a:blip r:embed="rId11" cstate="print"/>
               <a:srcRect/>
               <a:stretch>
                 <a:fillRect/>
@@ -14458,7 +17491,7 @@
             <p:nvPr userDrawn="1"/>
           </p:nvPicPr>
           <p:blipFill>
-            <a:blip r:embed="rId11"/>
+            <a:blip r:embed="rId12"/>
             <a:stretch>
               <a:fillRect/>
             </a:stretch>
@@ -14482,7 +17515,7 @@
             <p:nvPr userDrawn="1"/>
           </p:nvPicPr>
           <p:blipFill>
-            <a:blip r:embed="rId12"/>
+            <a:blip r:embed="rId13"/>
             <a:stretch>
               <a:fillRect/>
             </a:stretch>
@@ -14534,7 +17567,7 @@
                 <p:nvPr userDrawn="1"/>
               </p:nvPicPr>
               <p:blipFill>
-                <a:blip r:embed="rId13"/>
+                <a:blip r:embed="rId14"/>
                 <a:stretch>
                   <a:fillRect/>
                 </a:stretch>
@@ -14617,7 +17650,7 @@
                 <p:nvPr userDrawn="1"/>
               </p:nvPicPr>
               <p:blipFill>
-                <a:blip r:embed="rId13"/>
+                <a:blip r:embed="rId14"/>
                 <a:stretch>
                   <a:fillRect/>
                 </a:stretch>
@@ -14683,7 +17716,7 @@
               <p:nvPr userDrawn="1"/>
             </p:nvPicPr>
             <p:blipFill>
-              <a:blip r:embed="rId14"/>
+              <a:blip r:embed="rId15"/>
               <a:stretch>
                 <a:fillRect/>
               </a:stretch>
@@ -14782,12 +17815,12 @@
               <a:graphicData uri="http://schemas.openxmlformats.org/presentationml/2006/ole">
                 <mc:AlternateContent xmlns:mc="http://schemas.openxmlformats.org/markup-compatibility/2006">
                   <mc:Choice xmlns:v="urn:schemas-microsoft-com:vml" Requires="v">
-                    <p:oleObj spid="_x0000_s3132" name="Image" r:id="rId15" imgW="1828440" imgH="1117440" progId="Photoshop.Image.13">
+                    <p:oleObj spid="_x0000_s3282" name="Image" r:id="rId16" imgW="1828440" imgH="1117440" progId="Photoshop.Image.13">
                       <p:embed/>
                     </p:oleObj>
                   </mc:Choice>
                   <mc:Fallback>
-                    <p:oleObj name="Image" r:id="rId15" imgW="1828440" imgH="1117440" progId="Photoshop.Image.13">
+                    <p:oleObj name="Image" r:id="rId16" imgW="1828440" imgH="1117440" progId="Photoshop.Image.13">
                       <p:embed/>
                       <p:pic>
                         <p:nvPicPr>
@@ -14796,7 +17829,7 @@
                           <p:nvPr/>
                         </p:nvPicPr>
                         <p:blipFill>
-                          <a:blip r:embed="rId16"/>
+                          <a:blip r:embed="rId17"/>
                           <a:stretch>
                             <a:fillRect/>
                           </a:stretch>
@@ -14839,12 +17872,12 @@
               <a:graphicData uri="http://schemas.openxmlformats.org/presentationml/2006/ole">
                 <mc:AlternateContent xmlns:mc="http://schemas.openxmlformats.org/markup-compatibility/2006">
                   <mc:Choice xmlns:v="urn:schemas-microsoft-com:vml" Requires="v">
-                    <p:oleObj spid="_x0000_s3133" name="Image" r:id="rId17" imgW="1828440" imgH="1117440" progId="Photoshop.Image.13">
+                    <p:oleObj spid="_x0000_s3283" name="Image" r:id="rId18" imgW="1828440" imgH="1117440" progId="Photoshop.Image.13">
                       <p:embed/>
                     </p:oleObj>
                   </mc:Choice>
                   <mc:Fallback>
-                    <p:oleObj name="Image" r:id="rId17" imgW="1828440" imgH="1117440" progId="Photoshop.Image.13">
+                    <p:oleObj name="Image" r:id="rId18" imgW="1828440" imgH="1117440" progId="Photoshop.Image.13">
                       <p:embed/>
                       <p:pic>
                         <p:nvPicPr>
@@ -14853,7 +17886,7 @@
                           <p:nvPr/>
                         </p:nvPicPr>
                         <p:blipFill>
-                          <a:blip r:embed="rId18"/>
+                          <a:blip r:embed="rId19"/>
                           <a:stretch>
                             <a:fillRect/>
                           </a:stretch>
@@ -15089,6 +18122,7 @@
   <p:clrMap bg1="lt1" tx1="dk1" bg2="lt2" tx2="dk2" accent1="accent1" accent2="accent2" accent3="accent3" accent4="accent4" accent5="accent5" accent6="accent6" hlink="hlink" folHlink="folHlink"/>
   <p:sldLayoutIdLst>
     <p:sldLayoutId id="2147483654" r:id="rId1"/>
+    <p:sldLayoutId id="2147483686" r:id="rId2"/>
   </p:sldLayoutIdLst>
   <p:timing>
     <p:tnLst>
@@ -15353,6 +18387,14 @@
 <file path=ppt/slides/slide1.xml><?xml version="1.0" encoding="utf-8"?>
 <p:sld xmlns:a="http://schemas.openxmlformats.org/drawingml/2006/main" xmlns:r="http://schemas.openxmlformats.org/officeDocument/2006/relationships" xmlns:p="http://schemas.openxmlformats.org/presentationml/2006/main">
   <p:cSld>
+    <p:bg>
+      <p:bgPr>
+        <a:solidFill>
+          <a:srgbClr val="FFFFFF"/>
+        </a:solidFill>
+        <a:effectLst/>
+      </p:bgPr>
+    </p:bg>
     <p:spTree>
       <p:nvGrpSpPr>
         <p:cNvPr id="1" name=""/>
@@ -15380,24 +18422,25 @@
         <p:spPr>
           <a:xfrm>
             <a:off x="491425" y="6378481"/>
-            <a:ext cx="10056813" cy="3770241"/>
+            <a:ext cx="10024176" cy="24812719"/>
           </a:xfrm>
+          <a:solidFill>
+            <a:srgbClr val="FFFFFF"/>
+          </a:solidFill>
+          <a:ln>
+            <a:solidFill>
+              <a:schemeClr val="tx1"/>
+            </a:solidFill>
+          </a:ln>
         </p:spPr>
         <p:txBody>
           <a:bodyPr/>
           <a:lstStyle/>
           <a:p>
             <a:r>
-              <a:rPr lang="en-US" dirty="0"/>
-              <a:t>The aggressive scaling trend in high-performance computation makes the computation result unreliable. How to design resilient and efficient algorithms become a concern in computation community. Currently, there is not a visualization system design to analyze this problem</a:t>
-            </a:r>
-            <a:r>
               <a:rPr lang="en-US" dirty="0" smtClean="0"/>
-              <a:t>.</a:t>
-            </a:r>
-          </a:p>
-          <a:p>
-            <a:endParaRPr lang="en-US" dirty="0"/>
+              <a:t>The aggressive scaling trend in high-performance computation threat the computation result’s reliability. How to improve applications' resiliency become a concern in computation community. Understand the resiliency property of existing applications are an essential step to develop a more robust and efficient application.</a:t>
+            </a:r>
           </a:p>
           <a:p>
             <a:endParaRPr lang="en-US" dirty="0" smtClean="0"/>
@@ -15405,159 +18448,7 @@
           <a:p>
             <a:r>
               <a:rPr lang="en-US" dirty="0" smtClean="0"/>
-              <a:t>We</a:t>
-            </a:r>
-            <a:r>
-              <a:rPr lang="zh-CN" altLang="en-US" dirty="0" smtClean="0"/>
-              <a:t> </a:t>
-            </a:r>
-            <a:r>
-              <a:rPr lang="en-US" altLang="zh-CN" dirty="0" smtClean="0"/>
-              <a:t>design</a:t>
-            </a:r>
-            <a:r>
-              <a:rPr lang="zh-CN" altLang="en-US" dirty="0" smtClean="0"/>
-              <a:t> </a:t>
-            </a:r>
-            <a:r>
-              <a:rPr lang="en-US" altLang="zh-CN" dirty="0" smtClean="0"/>
-              <a:t>a</a:t>
-            </a:r>
-            <a:r>
-              <a:rPr lang="zh-CN" altLang="en-US" dirty="0" smtClean="0"/>
-              <a:t> </a:t>
-            </a:r>
-            <a:r>
-              <a:rPr lang="en-US" altLang="zh-CN" dirty="0" smtClean="0"/>
-              <a:t>visualization</a:t>
-            </a:r>
-            <a:r>
-              <a:rPr lang="zh-CN" altLang="en-US" dirty="0" smtClean="0"/>
-              <a:t> </a:t>
-            </a:r>
-            <a:r>
-              <a:rPr lang="en-US" altLang="zh-CN" dirty="0" smtClean="0"/>
-              <a:t>Platform</a:t>
-            </a:r>
-            <a:r>
-              <a:rPr lang="zh-CN" altLang="en-US" dirty="0" smtClean="0"/>
-              <a:t> </a:t>
-            </a:r>
-            <a:r>
-              <a:rPr lang="en-US" altLang="zh-CN" dirty="0" smtClean="0"/>
-              <a:t>help</a:t>
-            </a:r>
-            <a:r>
-              <a:rPr lang="zh-CN" altLang="en-US" dirty="0" smtClean="0"/>
-              <a:t> </a:t>
-            </a:r>
-            <a:r>
-              <a:rPr lang="en-US" altLang="zh-CN" dirty="0" smtClean="0"/>
-              <a:t>domain</a:t>
-            </a:r>
-            <a:r>
-              <a:rPr lang="zh-CN" altLang="en-US" dirty="0" smtClean="0"/>
-              <a:t> </a:t>
-            </a:r>
-            <a:r>
-              <a:rPr lang="en-US" altLang="zh-CN" dirty="0" smtClean="0"/>
-              <a:t>expert</a:t>
-            </a:r>
-            <a:r>
-              <a:rPr lang="zh-CN" altLang="en-US" dirty="0" smtClean="0"/>
-              <a:t> </a:t>
-            </a:r>
-            <a:r>
-              <a:rPr lang="en-US" altLang="zh-CN" dirty="0" smtClean="0"/>
-              <a:t>in</a:t>
-            </a:r>
-            <a:r>
-              <a:rPr lang="zh-CN" altLang="en-US" dirty="0" smtClean="0"/>
-              <a:t> </a:t>
-            </a:r>
-            <a:r>
-              <a:rPr lang="en-US" altLang="zh-CN" dirty="0" smtClean="0"/>
-              <a:t>HPC</a:t>
-            </a:r>
-            <a:r>
-              <a:rPr lang="zh-CN" altLang="en-US" dirty="0" smtClean="0"/>
-              <a:t> </a:t>
-            </a:r>
-            <a:r>
-              <a:rPr lang="en-US" altLang="zh-CN" dirty="0" smtClean="0"/>
-              <a:t>understand</a:t>
-            </a:r>
-            <a:r>
-              <a:rPr lang="zh-CN" altLang="en-US" dirty="0" smtClean="0"/>
-              <a:t> </a:t>
-            </a:r>
-            <a:r>
-              <a:rPr lang="en-US" altLang="zh-CN" dirty="0" smtClean="0"/>
-              <a:t>the</a:t>
-            </a:r>
-            <a:r>
-              <a:rPr lang="zh-CN" altLang="en-US" dirty="0" smtClean="0"/>
-              <a:t> </a:t>
-            </a:r>
-            <a:r>
-              <a:rPr lang="en-US" altLang="zh-CN" dirty="0" smtClean="0"/>
-              <a:t>transient</a:t>
-            </a:r>
-            <a:r>
-              <a:rPr lang="zh-CN" altLang="en-US" dirty="0" smtClean="0"/>
-              <a:t> </a:t>
-            </a:r>
-            <a:r>
-              <a:rPr lang="en-US" altLang="zh-CN" dirty="0" smtClean="0"/>
-              <a:t>error’s</a:t>
-            </a:r>
-            <a:r>
-              <a:rPr lang="zh-CN" altLang="en-US" dirty="0" smtClean="0"/>
-              <a:t> </a:t>
-            </a:r>
-            <a:r>
-              <a:rPr lang="en-US" altLang="zh-CN" dirty="0" smtClean="0"/>
-              <a:t>impact</a:t>
-            </a:r>
-            <a:r>
-              <a:rPr lang="zh-CN" altLang="en-US" dirty="0" smtClean="0"/>
-              <a:t> </a:t>
-            </a:r>
-            <a:r>
-              <a:rPr lang="en-US" altLang="zh-CN" dirty="0" smtClean="0"/>
-              <a:t>on</a:t>
-            </a:r>
-            <a:r>
-              <a:rPr lang="zh-CN" altLang="en-US" dirty="0" smtClean="0"/>
-              <a:t> </a:t>
-            </a:r>
-            <a:r>
-              <a:rPr lang="en-US" altLang="zh-CN" dirty="0" smtClean="0"/>
-              <a:t>different</a:t>
-            </a:r>
-            <a:r>
-              <a:rPr lang="zh-CN" altLang="en-US" dirty="0" smtClean="0"/>
-              <a:t> </a:t>
-            </a:r>
-            <a:r>
-              <a:rPr lang="en-US" altLang="zh-CN" dirty="0" smtClean="0"/>
-              <a:t>algorithm</a:t>
-            </a:r>
-            <a:r>
-              <a:rPr lang="zh-CN" altLang="en-US" dirty="0" smtClean="0"/>
-              <a:t> </a:t>
-            </a:r>
-            <a:r>
-              <a:rPr lang="en-US" altLang="zh-CN" dirty="0" smtClean="0"/>
-              <a:t>in</a:t>
-            </a:r>
-            <a:r>
-              <a:rPr lang="zh-CN" altLang="en-US" dirty="0" smtClean="0"/>
-              <a:t> </a:t>
-            </a:r>
-            <a:r>
-              <a:rPr lang="en-US" altLang="zh-CN" dirty="0" smtClean="0"/>
-              <a:t>HPC.</a:t>
+              <a:t>In this study, we cooperate with domain expert design a visualization system to understand application's resiliency property.  Our system enables the user to target error prone region quickly and reveal its impact on the application's outcome.</a:t>
             </a:r>
             <a:endParaRPr lang="en-US" dirty="0"/>
           </a:p>
@@ -15579,10 +18470,10 @@
           <a:lstStyle/>
           <a:p>
             <a:r>
-              <a:rPr lang="en-US" altLang="zh-CN" u="none" dirty="0" smtClean="0"/>
+              <a:rPr lang="en-US" altLang="zh-CN" smtClean="0"/>
               <a:t>ABSTRACT</a:t>
             </a:r>
-            <a:endParaRPr lang="en-US" u="none" dirty="0"/>
+            <a:endParaRPr lang="en-US" dirty="0"/>
           </a:p>
         </p:txBody>
       </p:sp>
@@ -15601,7 +18492,11 @@
           <a:bodyPr/>
           <a:lstStyle/>
           <a:p>
-            <a:endParaRPr lang="en-US"/>
+            <a:r>
+              <a:rPr lang="en-US" dirty="0" smtClean="0"/>
+              <a:t>OBJECTIVES</a:t>
+            </a:r>
+            <a:endParaRPr lang="en-US" dirty="0"/>
           </a:p>
         </p:txBody>
       </p:sp>
@@ -15617,178 +18512,457 @@
         </p:nvSpPr>
         <p:spPr>
           <a:xfrm>
-            <a:off x="11460161" y="6378481"/>
-            <a:ext cx="10048874" cy="1769693"/>
+            <a:off x="11460162" y="6378480"/>
+            <a:ext cx="10020535" cy="24852935"/>
           </a:xfrm>
+          <a:solidFill>
+            <a:srgbClr val="FFFFFF"/>
+          </a:solidFill>
+          <a:ln>
+            <a:solidFill>
+              <a:schemeClr val="tx1"/>
+            </a:solidFill>
+          </a:ln>
         </p:spPr>
         <p:txBody>
           <a:bodyPr/>
           <a:lstStyle/>
           <a:p>
-            <a:pPr marL="342900" indent="-342900">
-              <a:buFont typeface="Arial"/>
-              <a:buChar char="•"/>
-            </a:pPr>
             <a:r>
               <a:rPr lang="en-US" dirty="0" smtClean="0"/>
-              <a:t>The</a:t>
+              <a:t>G</a:t>
+            </a:r>
+            <a:r>
+              <a:rPr lang="en-US" altLang="zh-CN" dirty="0" smtClean="0"/>
+              <a:t>1</a:t>
+            </a:r>
+            <a:r>
+              <a:rPr lang="zh-CN" altLang="en-US" dirty="0"/>
+              <a:t>:</a:t>
+            </a:r>
+            <a:r>
+              <a:rPr lang="en-US" dirty="0" smtClean="0"/>
+              <a:t>Understand</a:t>
+            </a:r>
+            <a:r>
+              <a:rPr lang="zh-CN" altLang="en-US" dirty="0" smtClean="0"/>
+              <a:t> </a:t>
+            </a:r>
+            <a:r>
+              <a:rPr lang="en-US" altLang="zh-CN" dirty="0" smtClean="0"/>
+              <a:t>the</a:t>
+            </a:r>
+            <a:r>
+              <a:rPr lang="zh-CN" altLang="en-US" dirty="0" smtClean="0"/>
+              <a:t> </a:t>
+            </a:r>
+            <a:r>
+              <a:rPr lang="en-US" altLang="zh-CN" dirty="0" smtClean="0"/>
+              <a:t>error</a:t>
+            </a:r>
+            <a:r>
+              <a:rPr lang="en-US" altLang="zh-CN" dirty="0" smtClean="0"/>
+              <a:t>’s</a:t>
+            </a:r>
+            <a:r>
+              <a:rPr lang="zh-CN" altLang="en-US" dirty="0" smtClean="0"/>
+              <a:t> </a:t>
+            </a:r>
+            <a:r>
+              <a:rPr lang="en-US" altLang="zh-CN" dirty="0" smtClean="0"/>
+              <a:t>impact</a:t>
+            </a:r>
+            <a:r>
+              <a:rPr lang="zh-CN" altLang="en-US" dirty="0" smtClean="0"/>
+              <a:t> </a:t>
+            </a:r>
+            <a:r>
+              <a:rPr lang="en-US" altLang="zh-CN" dirty="0" smtClean="0"/>
+              <a:t>on</a:t>
+            </a:r>
+            <a:r>
+              <a:rPr lang="zh-CN" altLang="en-US" dirty="0" smtClean="0"/>
+              <a:t> </a:t>
+            </a:r>
+            <a:r>
+              <a:rPr lang="en-US" altLang="zh-CN" dirty="0" smtClean="0"/>
+              <a:t>different</a:t>
+            </a:r>
+            <a:r>
+              <a:rPr lang="zh-CN" altLang="en-US" dirty="0" smtClean="0"/>
+              <a:t> </a:t>
+            </a:r>
+            <a:r>
+              <a:rPr lang="en-US" altLang="zh-CN" dirty="0" smtClean="0"/>
+              <a:t>code</a:t>
+            </a:r>
+            <a:r>
+              <a:rPr lang="zh-CN" altLang="en-US" dirty="0" smtClean="0"/>
+              <a:t> </a:t>
+            </a:r>
+            <a:r>
+              <a:rPr lang="en-US" altLang="zh-CN" dirty="0" smtClean="0"/>
+              <a:t>region</a:t>
+            </a:r>
+            <a:r>
+              <a:rPr lang="en-US" altLang="zh-CN" dirty="0" smtClean="0"/>
+              <a:t>.</a:t>
+            </a:r>
+            <a:endParaRPr lang="en-US" altLang="zh-CN" dirty="0" smtClean="0"/>
+          </a:p>
+          <a:p>
+            <a:r>
+              <a:rPr lang="zh-CN" altLang="zh-CN" dirty="0"/>
+              <a:t> </a:t>
+            </a:r>
+            <a:r>
+              <a:rPr lang="en-US" altLang="zh-CN" dirty="0" smtClean="0"/>
+              <a:t>	</a:t>
+            </a:r>
+          </a:p>
+          <a:p>
+            <a:endParaRPr lang="en-US" altLang="zh-CN" dirty="0" smtClean="0"/>
+          </a:p>
+          <a:p>
+            <a:endParaRPr lang="en-US" altLang="zh-CN" dirty="0" smtClean="0"/>
+          </a:p>
+          <a:p>
+            <a:endParaRPr lang="en-US" altLang="zh-CN" dirty="0" smtClean="0"/>
+          </a:p>
+          <a:p>
+            <a:endParaRPr lang="en-US" altLang="zh-CN" dirty="0" smtClean="0"/>
+          </a:p>
+          <a:p>
+            <a:endParaRPr lang="en-US" altLang="zh-CN" dirty="0"/>
+          </a:p>
+          <a:p>
+            <a:endParaRPr lang="en-US" altLang="zh-CN" dirty="0" smtClean="0"/>
+          </a:p>
+          <a:p>
+            <a:endParaRPr lang="en-US" altLang="zh-CN" dirty="0"/>
+          </a:p>
+          <a:p>
+            <a:endParaRPr lang="en-US" altLang="zh-CN" dirty="0" smtClean="0"/>
+          </a:p>
+          <a:p>
+            <a:endParaRPr lang="en-US" altLang="zh-CN" dirty="0"/>
+          </a:p>
+          <a:p>
+            <a:endParaRPr lang="en-US" altLang="zh-CN" dirty="0" smtClean="0"/>
+          </a:p>
+          <a:p>
+            <a:endParaRPr lang="en-US" altLang="zh-CN" dirty="0" smtClean="0"/>
+          </a:p>
+          <a:p>
+            <a:endParaRPr lang="en-US" altLang="zh-CN" dirty="0" smtClean="0"/>
+          </a:p>
+          <a:p>
+            <a:endParaRPr lang="en-US" altLang="zh-CN" dirty="0" smtClean="0"/>
+          </a:p>
+          <a:p>
+            <a:r>
+              <a:rPr lang="en-US" altLang="zh-CN" dirty="0" smtClean="0"/>
+              <a:t>G</a:t>
+            </a:r>
+            <a:r>
+              <a:rPr lang="zh-CN" altLang="zh-CN" dirty="0" smtClean="0"/>
+              <a:t>2</a:t>
+            </a:r>
+            <a:r>
+              <a:rPr lang="zh-CN" altLang="en-US" dirty="0"/>
+              <a:t>:</a:t>
+            </a:r>
+            <a:r>
+              <a:rPr lang="en-US" altLang="zh-CN" dirty="0" smtClean="0"/>
+              <a:t>Understand</a:t>
+            </a:r>
+            <a:r>
+              <a:rPr lang="zh-CN" altLang="en-US" dirty="0" smtClean="0"/>
+              <a:t> </a:t>
+            </a:r>
+            <a:r>
+              <a:rPr lang="en-US" altLang="zh-CN" dirty="0" smtClean="0"/>
+              <a:t>different</a:t>
+            </a:r>
+            <a:r>
+              <a:rPr lang="zh-CN" altLang="en-US" dirty="0" smtClean="0"/>
+              <a:t> </a:t>
+            </a:r>
+            <a:r>
+              <a:rPr lang="en-US" altLang="zh-CN" dirty="0" smtClean="0"/>
+              <a:t>code</a:t>
+            </a:r>
+            <a:r>
+              <a:rPr lang="zh-CN" altLang="en-US" dirty="0" smtClean="0"/>
+              <a:t> </a:t>
+            </a:r>
+            <a:r>
+              <a:rPr lang="en-US" altLang="zh-CN" dirty="0" smtClean="0"/>
+              <a:t>region’s</a:t>
+            </a:r>
+            <a:r>
+              <a:rPr lang="zh-CN" altLang="en-US" dirty="0" smtClean="0"/>
+              <a:t> </a:t>
+            </a:r>
+            <a:r>
+              <a:rPr lang="en-US" altLang="zh-CN" dirty="0" smtClean="0"/>
+              <a:t>silent</a:t>
+            </a:r>
+            <a:r>
+              <a:rPr lang="zh-CN" altLang="en-US" dirty="0" smtClean="0"/>
+              <a:t> </a:t>
+            </a:r>
+            <a:r>
+              <a:rPr lang="en-US" altLang="zh-CN" dirty="0" smtClean="0"/>
+              <a:t>data</a:t>
+            </a:r>
+            <a:r>
+              <a:rPr lang="zh-CN" altLang="en-US" dirty="0" smtClean="0"/>
+              <a:t> </a:t>
+            </a:r>
+            <a:r>
+              <a:rPr lang="en-US" altLang="zh-CN" dirty="0" smtClean="0"/>
+              <a:t>corruption</a:t>
+            </a:r>
+            <a:r>
+              <a:rPr lang="zh-CN" altLang="en-US" dirty="0" smtClean="0"/>
+              <a:t> </a:t>
+            </a:r>
+            <a:r>
+              <a:rPr lang="en-US" altLang="zh-CN" dirty="0" smtClean="0"/>
+              <a:t>vulnerability</a:t>
+            </a:r>
+            <a:r>
+              <a:rPr lang="en-US" altLang="zh-CN" dirty="0" smtClean="0"/>
+              <a:t>.</a:t>
+            </a:r>
+            <a:endParaRPr lang="en-US" altLang="zh-CN" dirty="0" smtClean="0"/>
+          </a:p>
+          <a:p>
+            <a:endParaRPr lang="en-US" altLang="zh-CN" dirty="0" smtClean="0"/>
+          </a:p>
+          <a:p>
+            <a:endParaRPr lang="en-US" altLang="zh-CN" dirty="0" smtClean="0"/>
+          </a:p>
+          <a:p>
+            <a:r>
+              <a:rPr lang="zh-CN" altLang="en-US" dirty="0" smtClean="0"/>
+              <a:t> </a:t>
+            </a:r>
+            <a:endParaRPr lang="en-US" altLang="zh-CN" dirty="0" smtClean="0"/>
+          </a:p>
+          <a:p>
+            <a:endParaRPr lang="en-US" altLang="zh-CN" dirty="0"/>
+          </a:p>
+          <a:p>
+            <a:endParaRPr lang="en-US" altLang="zh-CN" dirty="0" smtClean="0"/>
+          </a:p>
+          <a:p>
+            <a:endParaRPr lang="en-US" altLang="zh-CN" dirty="0"/>
+          </a:p>
+          <a:p>
+            <a:endParaRPr lang="en-US" altLang="zh-CN" dirty="0" smtClean="0"/>
+          </a:p>
+          <a:p>
+            <a:endParaRPr lang="en-US" altLang="zh-CN" dirty="0"/>
+          </a:p>
+          <a:p>
+            <a:endParaRPr lang="en-US" altLang="zh-CN" dirty="0" smtClean="0"/>
+          </a:p>
+          <a:p>
+            <a:endParaRPr lang="en-US" altLang="zh-CN" dirty="0"/>
+          </a:p>
+          <a:p>
+            <a:endParaRPr lang="en-US" altLang="zh-CN" dirty="0" smtClean="0"/>
+          </a:p>
+          <a:p>
+            <a:endParaRPr lang="en-US" altLang="zh-CN" dirty="0"/>
+          </a:p>
+          <a:p>
+            <a:endParaRPr lang="en-US" altLang="zh-CN" dirty="0" smtClean="0"/>
+          </a:p>
+          <a:p>
+            <a:r>
+              <a:rPr lang="en-US" altLang="zh-CN" dirty="0" smtClean="0"/>
+              <a:t>G</a:t>
+            </a:r>
+            <a:r>
+              <a:rPr lang="zh-CN" altLang="zh-CN" dirty="0" smtClean="0"/>
+              <a:t>3</a:t>
+            </a:r>
+            <a:r>
+              <a:rPr lang="en-US" altLang="zh-CN" dirty="0" smtClean="0"/>
+              <a:t>:</a:t>
+            </a:r>
+            <a:r>
+              <a:rPr lang="zh-CN" altLang="en-US" dirty="0" smtClean="0"/>
+              <a:t> </a:t>
+            </a:r>
+            <a:r>
+              <a:rPr lang="en-US" altLang="zh-CN" dirty="0" smtClean="0"/>
+              <a:t>Understand</a:t>
+            </a:r>
+            <a:r>
+              <a:rPr lang="zh-CN" altLang="en-US" dirty="0" smtClean="0"/>
+              <a:t> </a:t>
+            </a:r>
+            <a:r>
+              <a:rPr lang="en-US" altLang="zh-CN" dirty="0" smtClean="0"/>
+              <a:t>the</a:t>
+            </a:r>
+            <a:r>
+              <a:rPr lang="zh-CN" altLang="en-US" dirty="0" smtClean="0"/>
+              <a:t> </a:t>
+            </a:r>
+            <a:r>
+              <a:rPr lang="en-US" altLang="zh-CN" dirty="0" smtClean="0"/>
+              <a:t>error</a:t>
+            </a:r>
+            <a:r>
+              <a:rPr lang="zh-CN" altLang="en-US" dirty="0" smtClean="0"/>
+              <a:t> </a:t>
+            </a:r>
+            <a:r>
+              <a:rPr lang="en-US" altLang="zh-CN" dirty="0" smtClean="0"/>
+              <a:t>propagate</a:t>
+            </a:r>
+            <a:r>
+              <a:rPr lang="zh-CN" altLang="en-US" dirty="0" smtClean="0"/>
+              <a:t> </a:t>
+            </a:r>
+            <a:r>
+              <a:rPr lang="en-US" altLang="zh-CN" dirty="0" smtClean="0"/>
+              <a:t>through</a:t>
+            </a:r>
+            <a:r>
+              <a:rPr lang="zh-CN" altLang="en-US" dirty="0" smtClean="0"/>
+              <a:t> </a:t>
+            </a:r>
+            <a:r>
+              <a:rPr lang="en-US" altLang="zh-CN" dirty="0" smtClean="0"/>
+              <a:t>program.</a:t>
+            </a:r>
+            <a:endParaRPr lang="en-US" altLang="zh-CN" dirty="0" smtClean="0"/>
+          </a:p>
+          <a:p>
+            <a:endParaRPr lang="en-US" altLang="zh-CN" dirty="0"/>
+          </a:p>
+          <a:p>
+            <a:endParaRPr lang="en-US" altLang="zh-CN" dirty="0" smtClean="0"/>
+          </a:p>
+          <a:p>
+            <a:endParaRPr lang="en-US" altLang="zh-CN" dirty="0"/>
+          </a:p>
+          <a:p>
+            <a:endParaRPr lang="en-US" altLang="zh-CN" dirty="0" smtClean="0"/>
+          </a:p>
+          <a:p>
+            <a:endParaRPr lang="en-US" altLang="zh-CN" dirty="0"/>
+          </a:p>
+          <a:p>
+            <a:endParaRPr lang="en-US" altLang="zh-CN" dirty="0" smtClean="0"/>
+          </a:p>
+          <a:p>
+            <a:endParaRPr lang="en-US" altLang="zh-CN" dirty="0"/>
+          </a:p>
+          <a:p>
+            <a:endParaRPr lang="en-US" altLang="zh-CN" dirty="0" smtClean="0"/>
+          </a:p>
+          <a:p>
+            <a:endParaRPr lang="en-US" altLang="zh-CN" dirty="0"/>
+          </a:p>
+          <a:p>
+            <a:endParaRPr lang="en-US" altLang="zh-CN" dirty="0" smtClean="0"/>
+          </a:p>
+          <a:p>
+            <a:r>
+              <a:rPr lang="en-US" altLang="zh-CN" dirty="0" smtClean="0"/>
+              <a:t>G</a:t>
+            </a:r>
+            <a:r>
+              <a:rPr lang="en-US" altLang="zh-CN" dirty="0" smtClean="0"/>
+              <a:t>4:</a:t>
+            </a:r>
+            <a:r>
+              <a:rPr lang="zh-CN" altLang="en-US" dirty="0" smtClean="0"/>
+              <a:t> </a:t>
+            </a:r>
+            <a:r>
+              <a:rPr lang="en-US" altLang="zh-CN" dirty="0" smtClean="0"/>
+              <a:t>Reason</a:t>
+            </a:r>
+            <a:r>
+              <a:rPr lang="zh-CN" altLang="en-US" dirty="0" smtClean="0"/>
+              <a:t> </a:t>
+            </a:r>
+            <a:r>
+              <a:rPr lang="en-US" altLang="zh-CN" dirty="0"/>
+              <a:t>about</a:t>
             </a:r>
             <a:r>
               <a:rPr lang="zh-CN" altLang="en-US" dirty="0"/>
               <a:t> </a:t>
             </a:r>
             <a:r>
+              <a:rPr lang="en-US" altLang="zh-CN" dirty="0"/>
+              <a:t>the</a:t>
+            </a:r>
+            <a:r>
+              <a:rPr lang="zh-CN" altLang="en-US" dirty="0"/>
+              <a:t> </a:t>
+            </a:r>
+            <a:r>
+              <a:rPr lang="en-US" altLang="zh-CN" dirty="0"/>
+              <a:t>interesting</a:t>
+            </a:r>
+            <a:r>
+              <a:rPr lang="zh-CN" altLang="en-US" dirty="0"/>
+              <a:t> </a:t>
+            </a:r>
+            <a:r>
+              <a:rPr lang="en-US" altLang="zh-CN" dirty="0"/>
+              <a:t>feature.</a:t>
+            </a:r>
+          </a:p>
+          <a:p>
+            <a:endParaRPr lang="en-US" altLang="zh-CN" dirty="0"/>
+          </a:p>
+          <a:p>
+            <a:endParaRPr lang="en-US" altLang="zh-CN" dirty="0" smtClean="0"/>
+          </a:p>
+          <a:p>
+            <a:endParaRPr lang="en-US" altLang="zh-CN" dirty="0"/>
+          </a:p>
+          <a:p>
+            <a:endParaRPr lang="en-US" altLang="zh-CN" dirty="0" smtClean="0"/>
+          </a:p>
+          <a:p>
+            <a:endParaRPr lang="en-US" altLang="zh-CN" dirty="0"/>
+          </a:p>
+          <a:p>
+            <a:endParaRPr lang="en-US" altLang="zh-CN" dirty="0" smtClean="0"/>
+          </a:p>
+          <a:p>
+            <a:endParaRPr lang="en-US" altLang="zh-CN" dirty="0"/>
+          </a:p>
+          <a:p>
+            <a:endParaRPr lang="en-US" altLang="zh-CN" dirty="0" smtClean="0"/>
+          </a:p>
+          <a:p>
+            <a:endParaRPr lang="en-US" altLang="zh-CN" dirty="0"/>
+          </a:p>
+          <a:p>
+            <a:endParaRPr lang="en-US" altLang="zh-CN" dirty="0" smtClean="0"/>
+          </a:p>
+          <a:p>
+            <a:endParaRPr lang="en-US" altLang="zh-CN" dirty="0" smtClean="0"/>
+          </a:p>
+          <a:p>
+            <a:r>
               <a:rPr lang="en-US" altLang="zh-CN" dirty="0" smtClean="0"/>
-              <a:t>domain</a:t>
-            </a:r>
-            <a:r>
-              <a:rPr lang="zh-CN" altLang="en-US" dirty="0" smtClean="0"/>
-              <a:t> </a:t>
-            </a:r>
-            <a:r>
-              <a:rPr lang="en-US" altLang="zh-CN" dirty="0" smtClean="0"/>
-              <a:t>of</a:t>
-            </a:r>
-            <a:r>
-              <a:rPr lang="zh-CN" altLang="en-US" dirty="0" smtClean="0"/>
-              <a:t> </a:t>
-            </a:r>
-            <a:r>
-              <a:rPr lang="en-US" altLang="zh-CN" dirty="0" smtClean="0"/>
-              <a:t>the</a:t>
-            </a:r>
-            <a:r>
-              <a:rPr lang="zh-CN" altLang="en-US" dirty="0" smtClean="0"/>
-              <a:t> </a:t>
-            </a:r>
-            <a:r>
-              <a:rPr lang="en-US" altLang="zh-CN" dirty="0" smtClean="0"/>
-              <a:t>input</a:t>
-            </a:r>
-            <a:r>
-              <a:rPr lang="zh-CN" altLang="en-US" dirty="0" smtClean="0"/>
-              <a:t> </a:t>
-            </a:r>
-            <a:r>
-              <a:rPr lang="en-US" altLang="zh-CN" dirty="0" smtClean="0"/>
-              <a:t>error</a:t>
-            </a:r>
-            <a:r>
-              <a:rPr lang="zh-CN" altLang="en-US" dirty="0" smtClean="0"/>
-              <a:t> </a:t>
-            </a:r>
-            <a:r>
-              <a:rPr lang="en-US" altLang="zh-CN" dirty="0" smtClean="0"/>
-              <a:t>and</a:t>
-            </a:r>
-            <a:r>
-              <a:rPr lang="zh-CN" altLang="en-US" dirty="0" smtClean="0"/>
-              <a:t> </a:t>
-            </a:r>
-            <a:r>
-              <a:rPr lang="en-US" altLang="zh-CN" dirty="0" smtClean="0"/>
-              <a:t>output</a:t>
-            </a:r>
-            <a:r>
-              <a:rPr lang="zh-CN" altLang="en-US" dirty="0" smtClean="0"/>
-              <a:t> </a:t>
-            </a:r>
-            <a:r>
-              <a:rPr lang="en-US" altLang="zh-CN" dirty="0" smtClean="0"/>
-              <a:t>error</a:t>
-            </a:r>
-          </a:p>
-          <a:p>
-            <a:pPr marL="342900" indent="-342900">
-              <a:buFont typeface="Arial"/>
-              <a:buChar char="•"/>
-            </a:pPr>
-            <a:r>
-              <a:rPr lang="en-US" dirty="0" smtClean="0"/>
-              <a:t>The</a:t>
-            </a:r>
-            <a:r>
-              <a:rPr lang="zh-CN" altLang="en-US" dirty="0" smtClean="0"/>
-              <a:t> </a:t>
-            </a:r>
-            <a:r>
-              <a:rPr lang="en-US" altLang="zh-CN" dirty="0" smtClean="0"/>
-              <a:t>tree</a:t>
-            </a:r>
-            <a:r>
-              <a:rPr lang="zh-CN" altLang="en-US" dirty="0" smtClean="0"/>
-              <a:t> </a:t>
-            </a:r>
-            <a:r>
-              <a:rPr lang="en-US" altLang="zh-CN" dirty="0" smtClean="0"/>
-              <a:t>structure</a:t>
-            </a:r>
-            <a:r>
-              <a:rPr lang="zh-CN" altLang="en-US" dirty="0" smtClean="0"/>
-              <a:t> </a:t>
-            </a:r>
-            <a:r>
-              <a:rPr lang="en-US" altLang="zh-CN" dirty="0" smtClean="0"/>
-              <a:t>of</a:t>
-            </a:r>
-            <a:r>
-              <a:rPr lang="zh-CN" altLang="en-US" dirty="0" smtClean="0"/>
-              <a:t> </a:t>
-            </a:r>
-            <a:r>
-              <a:rPr lang="en-US" altLang="zh-CN" dirty="0" smtClean="0"/>
-              <a:t>a</a:t>
-            </a:r>
-            <a:r>
-              <a:rPr lang="zh-CN" altLang="en-US" dirty="0" smtClean="0"/>
-              <a:t> </a:t>
-            </a:r>
-            <a:r>
-              <a:rPr lang="en-US" altLang="zh-CN" dirty="0" smtClean="0"/>
-              <a:t>program</a:t>
-            </a:r>
-          </a:p>
-          <a:p>
-            <a:pPr marL="342900" indent="-342900">
-              <a:buFont typeface="Arial"/>
-              <a:buChar char="•"/>
-            </a:pPr>
-            <a:r>
-              <a:rPr lang="en-US" altLang="zh-CN" dirty="0" smtClean="0"/>
-              <a:t>Execution</a:t>
-            </a:r>
-            <a:r>
-              <a:rPr lang="zh-CN" altLang="en-US" dirty="0" smtClean="0"/>
-              <a:t> </a:t>
-            </a:r>
-            <a:r>
-              <a:rPr lang="en-US" altLang="zh-CN" dirty="0" smtClean="0"/>
-              <a:t>feature</a:t>
-            </a:r>
-            <a:r>
-              <a:rPr lang="zh-CN" altLang="en-US" dirty="0" smtClean="0"/>
-              <a:t> </a:t>
-            </a:r>
-            <a:r>
-              <a:rPr lang="en-US" altLang="zh-CN" dirty="0" smtClean="0"/>
-              <a:t>of</a:t>
-            </a:r>
-            <a:r>
-              <a:rPr lang="zh-CN" altLang="en-US" dirty="0" smtClean="0"/>
-              <a:t> </a:t>
-            </a:r>
-            <a:r>
-              <a:rPr lang="en-US" altLang="zh-CN" dirty="0" smtClean="0"/>
-              <a:t>a</a:t>
-            </a:r>
-            <a:r>
-              <a:rPr lang="zh-CN" altLang="en-US" dirty="0" smtClean="0"/>
-              <a:t> </a:t>
-            </a:r>
-            <a:r>
-              <a:rPr lang="en-US" altLang="zh-CN" dirty="0" smtClean="0"/>
-              <a:t>program.</a:t>
-            </a:r>
+              <a:t>sad</a:t>
+            </a:r>
+            <a:endParaRPr lang="en-US" altLang="zh-CN" dirty="0"/>
           </a:p>
         </p:txBody>
       </p:sp>
@@ -15807,13 +18981,21 @@
           <a:bodyPr/>
           <a:lstStyle/>
           <a:p>
-            <a:endParaRPr lang="en-US"/>
+            <a:r>
+              <a:rPr lang="en-US" dirty="0" smtClean="0"/>
+              <a:t>MATERIALS </a:t>
+            </a:r>
+            <a:r>
+              <a:rPr lang="en-US" altLang="zh-CN" dirty="0" smtClean="0"/>
+              <a:t>&amp; METHODS</a:t>
+            </a:r>
+            <a:endParaRPr lang="en-US" dirty="0"/>
           </a:p>
         </p:txBody>
       </p:sp>
       <p:sp>
         <p:nvSpPr>
-          <p:cNvPr id="7" name="Text Placeholder 6"/>
+          <p:cNvPr id="50" name="Text Placeholder 49"/>
           <p:cNvSpPr>
             <a:spLocks noGrp="1"/>
           </p:cNvSpPr>
@@ -15821,7 +19003,20 @@
             <p:ph type="body" sz="quarter" idx="23"/>
           </p:nvPr>
         </p:nvSpPr>
-        <p:spPr/>
+        <p:spPr>
+          <a:xfrm>
+            <a:off x="22427395" y="6378481"/>
+            <a:ext cx="10006822" cy="24812719"/>
+          </a:xfrm>
+          <a:solidFill>
+            <a:srgbClr val="FFFFFF"/>
+          </a:solidFill>
+          <a:ln>
+            <a:solidFill>
+              <a:srgbClr val="000000"/>
+            </a:solidFill>
+          </a:ln>
+        </p:spPr>
         <p:txBody>
           <a:bodyPr/>
           <a:lstStyle/>
@@ -15845,6 +19040,10 @@
           <a:bodyPr/>
           <a:lstStyle/>
           <a:p>
+            <a:r>
+              <a:rPr lang="en-US" smtClean="0"/>
+              <a:t>RESULTS</a:t>
+            </a:r>
             <a:endParaRPr lang="en-US" dirty="0"/>
           </a:p>
         </p:txBody>
@@ -15864,7 +19063,11 @@
           <a:bodyPr/>
           <a:lstStyle/>
           <a:p>
-            <a:endParaRPr lang="en-US"/>
+            <a:r>
+              <a:rPr lang="en-US" smtClean="0"/>
+              <a:t>CONCLUSIONS</a:t>
+            </a:r>
+            <a:endParaRPr lang="en-US" dirty="0"/>
           </a:p>
         </p:txBody>
       </p:sp>
@@ -15881,8 +19084,16 @@
         <p:spPr>
           <a:xfrm>
             <a:off x="33358541" y="6378481"/>
-            <a:ext cx="10047018" cy="3308576"/>
+            <a:ext cx="10047018" cy="24812719"/>
           </a:xfrm>
+          <a:solidFill>
+            <a:srgbClr val="FFFFFF"/>
+          </a:solidFill>
+          <a:ln>
+            <a:solidFill>
+              <a:srgbClr val="000000"/>
+            </a:solidFill>
+          </a:ln>
         </p:spPr>
         <p:txBody>
           <a:bodyPr/>
@@ -16068,12 +19279,13 @@
               <a:rPr lang="en-US" altLang="zh-CN" dirty="0" smtClean="0"/>
               <a:t>impact.</a:t>
             </a:r>
-          </a:p>
-          <a:p>
-            <a:pPr marL="342900" indent="-342900">
-              <a:buFont typeface="Arial"/>
-              <a:buChar char="•"/>
-            </a:pPr>
+            <a:r>
+              <a:rPr lang="zh-CN" altLang="en-US" dirty="0" smtClean="0"/>
+              <a:t> </a:t>
+            </a:r>
+            <a:endParaRPr lang="en-US" altLang="zh-CN" dirty="0" smtClean="0"/>
+          </a:p>
+          <a:p>
             <a:r>
               <a:rPr lang="en-US" dirty="0" smtClean="0"/>
               <a:t>It</a:t>
@@ -16240,10 +19452,6 @@
             </a:r>
           </a:p>
           <a:p>
-            <a:pPr marL="342900" indent="-342900">
-              <a:buFont typeface="Arial"/>
-              <a:buChar char="•"/>
-            </a:pPr>
             <a:r>
               <a:rPr lang="en-US" dirty="0" smtClean="0"/>
               <a:t>It</a:t>
@@ -16373,9 +19581,226 @@
               <a:t> </a:t>
             </a:r>
             <a:r>
-              <a:rPr lang="en-US" altLang="zh-CN" smtClean="0"/>
+              <a:rPr lang="en-US" altLang="zh-CN" dirty="0" smtClean="0"/>
+              <a:t>program’s</a:t>
+            </a:r>
+            <a:r>
+              <a:rPr lang="zh-CN" altLang="en-US" dirty="0" smtClean="0"/>
+              <a:t> </a:t>
+            </a:r>
+            <a:r>
+              <a:rPr lang="en-US" altLang="zh-CN" dirty="0" smtClean="0"/>
               <a:t>outcome.</a:t>
             </a:r>
+          </a:p>
+          <a:p>
+            <a:r>
+              <a:rPr lang="en-US" altLang="zh-CN" dirty="0" smtClean="0"/>
+              <a:t>It</a:t>
+            </a:r>
+            <a:r>
+              <a:rPr lang="zh-CN" altLang="en-US" dirty="0" smtClean="0"/>
+              <a:t> </a:t>
+            </a:r>
+            <a:r>
+              <a:rPr lang="en-US" altLang="zh-CN" dirty="0" smtClean="0"/>
+              <a:t>help</a:t>
+            </a:r>
+            <a:r>
+              <a:rPr lang="zh-CN" altLang="en-US" dirty="0" smtClean="0"/>
+              <a:t> </a:t>
+            </a:r>
+            <a:r>
+              <a:rPr lang="en-US" altLang="zh-CN" dirty="0" smtClean="0"/>
+              <a:t>domain</a:t>
+            </a:r>
+            <a:r>
+              <a:rPr lang="zh-CN" altLang="en-US" dirty="0" smtClean="0"/>
+              <a:t> </a:t>
+            </a:r>
+            <a:r>
+              <a:rPr lang="en-US" altLang="zh-CN" dirty="0" smtClean="0"/>
+              <a:t>expert</a:t>
+            </a:r>
+            <a:r>
+              <a:rPr lang="zh-CN" altLang="en-US" dirty="0" smtClean="0"/>
+              <a:t> </a:t>
+            </a:r>
+            <a:r>
+              <a:rPr lang="en-US" altLang="zh-CN" dirty="0" smtClean="0"/>
+              <a:t>build</a:t>
+            </a:r>
+            <a:r>
+              <a:rPr lang="zh-CN" altLang="en-US" dirty="0" smtClean="0"/>
+              <a:t> </a:t>
+            </a:r>
+            <a:r>
+              <a:rPr lang="en-US" altLang="zh-CN" dirty="0" smtClean="0"/>
+              <a:t>better</a:t>
+            </a:r>
+            <a:r>
+              <a:rPr lang="zh-CN" altLang="en-US" dirty="0" smtClean="0"/>
+              <a:t> </a:t>
+            </a:r>
+            <a:r>
+              <a:rPr lang="en-US" altLang="zh-CN" dirty="0" smtClean="0"/>
+              <a:t>intuition</a:t>
+            </a:r>
+            <a:r>
+              <a:rPr lang="zh-CN" altLang="en-US" dirty="0" smtClean="0"/>
+              <a:t> </a:t>
+            </a:r>
+            <a:r>
+              <a:rPr lang="en-US" altLang="zh-CN" dirty="0" smtClean="0"/>
+              <a:t>about</a:t>
+            </a:r>
+            <a:r>
+              <a:rPr lang="zh-CN" altLang="en-US" dirty="0" smtClean="0"/>
+              <a:t> </a:t>
+            </a:r>
+            <a:r>
+              <a:rPr lang="en-US" altLang="zh-CN" dirty="0" smtClean="0"/>
+              <a:t>the</a:t>
+            </a:r>
+            <a:r>
+              <a:rPr lang="zh-CN" altLang="en-US" dirty="0" smtClean="0"/>
+              <a:t> </a:t>
+            </a:r>
+            <a:r>
+              <a:rPr lang="en-US" altLang="zh-CN" dirty="0" smtClean="0"/>
+              <a:t>resiliency</a:t>
+            </a:r>
+            <a:r>
+              <a:rPr lang="zh-CN" altLang="en-US" dirty="0" smtClean="0"/>
+              <a:t> </a:t>
+            </a:r>
+            <a:r>
+              <a:rPr lang="en-US" altLang="zh-CN" dirty="0" smtClean="0"/>
+              <a:t>property</a:t>
+            </a:r>
+            <a:r>
+              <a:rPr lang="zh-CN" altLang="en-US" dirty="0" smtClean="0"/>
+              <a:t> </a:t>
+            </a:r>
+            <a:r>
+              <a:rPr lang="en-US" altLang="zh-CN" dirty="0" smtClean="0"/>
+              <a:t>of</a:t>
+            </a:r>
+            <a:r>
+              <a:rPr lang="zh-CN" altLang="en-US" dirty="0" smtClean="0"/>
+              <a:t> </a:t>
+            </a:r>
+            <a:r>
+              <a:rPr lang="en-US" altLang="zh-CN" dirty="0" smtClean="0"/>
+              <a:t>an</a:t>
+            </a:r>
+            <a:r>
+              <a:rPr lang="zh-CN" altLang="en-US" dirty="0" smtClean="0"/>
+              <a:t> </a:t>
+            </a:r>
+            <a:r>
+              <a:rPr lang="en-US" altLang="zh-CN" dirty="0" smtClean="0"/>
+              <a:t>application</a:t>
+            </a:r>
+            <a:r>
+              <a:rPr lang="zh-CN" altLang="en-US" dirty="0" smtClean="0"/>
+              <a:t> </a:t>
+            </a:r>
+            <a:r>
+              <a:rPr lang="en-US" altLang="zh-CN" dirty="0" smtClean="0"/>
+              <a:t>and</a:t>
+            </a:r>
+            <a:r>
+              <a:rPr lang="zh-CN" altLang="en-US" dirty="0" smtClean="0"/>
+              <a:t> </a:t>
+            </a:r>
+            <a:r>
+              <a:rPr lang="en-US" altLang="zh-CN" dirty="0" smtClean="0"/>
+              <a:t>motivate</a:t>
+            </a:r>
+            <a:r>
+              <a:rPr lang="zh-CN" altLang="en-US" dirty="0" smtClean="0"/>
+              <a:t> </a:t>
+            </a:r>
+            <a:r>
+              <a:rPr lang="en-US" altLang="zh-CN" dirty="0" smtClean="0"/>
+              <a:t>them</a:t>
+            </a:r>
+            <a:r>
+              <a:rPr lang="zh-CN" altLang="en-US" dirty="0" smtClean="0"/>
+              <a:t> </a:t>
+            </a:r>
+            <a:r>
+              <a:rPr lang="en-US" altLang="zh-CN" dirty="0" smtClean="0"/>
+              <a:t>to</a:t>
+            </a:r>
+            <a:r>
+              <a:rPr lang="zh-CN" altLang="en-US" dirty="0" smtClean="0"/>
+              <a:t> </a:t>
+            </a:r>
+            <a:r>
+              <a:rPr lang="en-US" altLang="zh-CN" dirty="0" smtClean="0"/>
+              <a:t>design</a:t>
+            </a:r>
+            <a:r>
+              <a:rPr lang="zh-CN" altLang="en-US" dirty="0" smtClean="0"/>
+              <a:t> </a:t>
+            </a:r>
+            <a:r>
+              <a:rPr lang="en-US" altLang="zh-CN" dirty="0" smtClean="0"/>
+              <a:t>better</a:t>
+            </a:r>
+            <a:r>
+              <a:rPr lang="zh-CN" altLang="en-US" dirty="0" smtClean="0"/>
+              <a:t> </a:t>
+            </a:r>
+            <a:r>
+              <a:rPr lang="en-US" altLang="zh-CN" dirty="0" smtClean="0"/>
+              <a:t>algorithm,</a:t>
+            </a:r>
+            <a:r>
+              <a:rPr lang="zh-CN" altLang="en-US" dirty="0" smtClean="0"/>
+              <a:t> </a:t>
+            </a:r>
+            <a:r>
+              <a:rPr lang="en-US" altLang="zh-CN" dirty="0" smtClean="0"/>
+              <a:t>protection</a:t>
+            </a:r>
+            <a:r>
+              <a:rPr lang="zh-CN" altLang="en-US" dirty="0" smtClean="0"/>
+              <a:t> </a:t>
+            </a:r>
+            <a:r>
+              <a:rPr lang="en-US" altLang="zh-CN" dirty="0" smtClean="0"/>
+              <a:t>technique</a:t>
+            </a:r>
+            <a:r>
+              <a:rPr lang="zh-CN" altLang="en-US" dirty="0" smtClean="0"/>
+              <a:t>,</a:t>
+            </a:r>
+            <a:r>
+              <a:rPr lang="en-US" altLang="zh-CN" dirty="0" smtClean="0"/>
+              <a:t>and</a:t>
+            </a:r>
+            <a:r>
+              <a:rPr lang="zh-CN" altLang="en-US" dirty="0" smtClean="0"/>
+              <a:t> </a:t>
+            </a:r>
+            <a:r>
+              <a:rPr lang="en-US" altLang="zh-CN" dirty="0" smtClean="0"/>
+              <a:t>analysis</a:t>
+            </a:r>
+            <a:r>
+              <a:rPr lang="zh-CN" altLang="en-US" dirty="0" smtClean="0"/>
+              <a:t> </a:t>
+            </a:r>
+            <a:r>
+              <a:rPr lang="en-US" altLang="zh-CN" dirty="0" smtClean="0"/>
+              <a:t>technique.</a:t>
+            </a:r>
+            <a:endParaRPr lang="en-US" altLang="zh-CN" dirty="0" smtClean="0"/>
+          </a:p>
+          <a:p>
             <a:endParaRPr lang="en-US" dirty="0"/>
           </a:p>
         </p:txBody>
@@ -16395,13 +19820,17 @@
           <a:bodyPr/>
           <a:lstStyle/>
           <a:p>
-            <a:endParaRPr lang="en-US"/>
+            <a:r>
+              <a:rPr lang="en-US" smtClean="0"/>
+              <a:t>REFERENCE</a:t>
+            </a:r>
+            <a:endParaRPr lang="en-US" dirty="0"/>
           </a:p>
         </p:txBody>
       </p:sp>
       <p:sp>
         <p:nvSpPr>
-          <p:cNvPr id="12" name="Text Placeholder 11"/>
+          <p:cNvPr id="51" name="Text Placeholder 50"/>
           <p:cNvSpPr>
             <a:spLocks noGrp="1"/>
           </p:cNvSpPr>
@@ -16414,7 +19843,23 @@
           <a:bodyPr/>
           <a:lstStyle/>
           <a:p>
-            <a:endParaRPr lang="en-US"/>
+            <a:r>
+              <a:rPr lang="en-US" dirty="0" smtClean="0"/>
+              <a:t>Some</a:t>
+            </a:r>
+            <a:r>
+              <a:rPr lang="zh-CN" altLang="en-US" dirty="0" smtClean="0"/>
+              <a:t> </a:t>
+            </a:r>
+            <a:r>
+              <a:rPr lang="en-US" altLang="zh-CN" dirty="0" smtClean="0"/>
+              <a:t>thing</a:t>
+            </a:r>
+            <a:r>
+              <a:rPr lang="zh-CN" altLang="en-US" dirty="0" smtClean="0"/>
+              <a:t> </a:t>
+            </a:r>
+            <a:endParaRPr lang="en-US" dirty="0"/>
           </a:p>
         </p:txBody>
       </p:sp>
@@ -16433,13 +19878,25 @@
           <a:bodyPr/>
           <a:lstStyle/>
           <a:p>
-            <a:endParaRPr lang="en-US"/>
+            <a:r>
+              <a:rPr lang="en-US" smtClean="0"/>
+              <a:t>ACKNOWLEDGE</a:t>
+            </a:r>
+            <a:r>
+              <a:rPr lang="zh-CN" altLang="en-US" smtClean="0"/>
+              <a:t> </a:t>
+            </a:r>
+            <a:r>
+              <a:rPr lang="en-US" altLang="zh-CN" smtClean="0"/>
+              <a:t>AND CONTACTS</a:t>
+            </a:r>
+            <a:endParaRPr lang="en-US" dirty="0"/>
           </a:p>
         </p:txBody>
       </p:sp>
       <p:sp>
         <p:nvSpPr>
-          <p:cNvPr id="14" name="Text Placeholder 13"/>
+          <p:cNvPr id="52" name="Text Placeholder 51"/>
           <p:cNvSpPr>
             <a:spLocks noGrp="1"/>
           </p:cNvSpPr>
@@ -16452,7 +19909,27 @@
           <a:bodyPr/>
           <a:lstStyle/>
           <a:p>
-            <a:endParaRPr lang="en-US"/>
+            <a:r>
+              <a:rPr lang="en-US" dirty="0" smtClean="0"/>
+              <a:t>The</a:t>
+            </a:r>
+            <a:r>
+              <a:rPr lang="zh-CN" altLang="en-US" dirty="0" smtClean="0"/>
+              <a:t> </a:t>
+            </a:r>
+            <a:r>
+              <a:rPr lang="en-US" altLang="zh-CN" dirty="0" smtClean="0"/>
+              <a:t>other</a:t>
+            </a:r>
+            <a:r>
+              <a:rPr lang="zh-CN" altLang="en-US" dirty="0" smtClean="0"/>
+              <a:t> </a:t>
+            </a:r>
+            <a:r>
+              <a:rPr lang="en-US" altLang="zh-CN" dirty="0" smtClean="0"/>
+              <a:t>stuff</a:t>
+            </a:r>
+            <a:endParaRPr lang="en-US" dirty="0"/>
           </a:p>
         </p:txBody>
       </p:sp>
@@ -16466,264 +19943,239 @@
             <p:ph type="body" sz="quarter" idx="96"/>
           </p:nvPr>
         </p:nvSpPr>
-        <p:spPr>
-          <a:xfrm>
-            <a:off x="491425" y="14951552"/>
-            <a:ext cx="10056813" cy="2231358"/>
-          </a:xfrm>
-        </p:spPr>
+        <p:spPr/>
         <p:txBody>
           <a:bodyPr/>
           <a:lstStyle/>
           <a:p>
-            <a:pPr marL="457200" indent="-457200">
-              <a:buFont typeface="Arial"/>
-              <a:buChar char="•"/>
-            </a:pPr>
-            <a:r>
-              <a:rPr lang="en-US" dirty="0" smtClean="0"/>
+            <a:r>
+              <a:rPr lang="en-US" smtClean="0"/>
               <a:t>Protect</a:t>
             </a:r>
             <a:r>
-              <a:rPr lang="zh-CN" altLang="en-US" dirty="0" smtClean="0"/>
+              <a:rPr lang="zh-CN" altLang="en-US" smtClean="0"/>
               <a:t> </a:t>
             </a:r>
             <a:r>
-              <a:rPr lang="en-US" altLang="zh-CN" dirty="0" smtClean="0"/>
+              <a:rPr lang="en-US" altLang="zh-CN" smtClean="0"/>
               <a:t>the</a:t>
             </a:r>
             <a:r>
-              <a:rPr lang="zh-CN" altLang="en-US" dirty="0" smtClean="0"/>
+              <a:rPr lang="zh-CN" altLang="en-US" smtClean="0"/>
               <a:t> </a:t>
             </a:r>
             <a:r>
-              <a:rPr lang="en-US" altLang="zh-CN" dirty="0" smtClean="0"/>
+              <a:rPr lang="en-US" altLang="zh-CN" smtClean="0"/>
               <a:t>program</a:t>
             </a:r>
             <a:r>
-              <a:rPr lang="zh-CN" altLang="en-US" dirty="0" smtClean="0"/>
+              <a:rPr lang="zh-CN" altLang="en-US" smtClean="0"/>
               <a:t> </a:t>
             </a:r>
             <a:r>
-              <a:rPr lang="en-US" altLang="zh-CN" dirty="0" smtClean="0"/>
+              <a:rPr lang="en-US" altLang="zh-CN" smtClean="0"/>
               <a:t>against</a:t>
             </a:r>
             <a:r>
-              <a:rPr lang="zh-CN" altLang="en-US" dirty="0" smtClean="0"/>
+              <a:rPr lang="zh-CN" altLang="en-US" smtClean="0"/>
               <a:t> </a:t>
             </a:r>
             <a:r>
-              <a:rPr lang="en-US" altLang="zh-CN" dirty="0" smtClean="0"/>
+              <a:rPr lang="en-US" altLang="zh-CN" smtClean="0"/>
               <a:t>silent</a:t>
             </a:r>
             <a:r>
-              <a:rPr lang="zh-CN" altLang="en-US" dirty="0" smtClean="0"/>
+              <a:rPr lang="zh-CN" altLang="en-US" smtClean="0"/>
               <a:t> </a:t>
             </a:r>
             <a:r>
-              <a:rPr lang="en-US" altLang="zh-CN" dirty="0" smtClean="0"/>
+              <a:rPr lang="en-US" altLang="zh-CN" smtClean="0"/>
               <a:t>data</a:t>
             </a:r>
             <a:r>
-              <a:rPr lang="zh-CN" altLang="en-US" dirty="0" smtClean="0"/>
+              <a:rPr lang="zh-CN" altLang="en-US" smtClean="0"/>
               <a:t> </a:t>
             </a:r>
             <a:r>
-              <a:rPr lang="en-US" altLang="zh-CN" dirty="0" smtClean="0"/>
+              <a:rPr lang="en-US" altLang="zh-CN" smtClean="0"/>
               <a:t>corruption.</a:t>
             </a:r>
           </a:p>
           <a:p>
-            <a:pPr marL="457200" indent="-457200">
-              <a:buFont typeface="Arial"/>
-              <a:buChar char="•"/>
-            </a:pPr>
-            <a:r>
-              <a:rPr lang="en-US" dirty="0" smtClean="0"/>
+            <a:r>
+              <a:rPr lang="en-US" smtClean="0"/>
               <a:t>Understand</a:t>
             </a:r>
             <a:r>
-              <a:rPr lang="zh-CN" altLang="en-US" dirty="0" smtClean="0"/>
+              <a:rPr lang="zh-CN" altLang="en-US" smtClean="0"/>
               <a:t> </a:t>
             </a:r>
             <a:r>
-              <a:rPr lang="en-US" altLang="zh-CN" dirty="0" smtClean="0"/>
+              <a:rPr lang="en-US" altLang="zh-CN" smtClean="0"/>
               <a:t>the</a:t>
             </a:r>
             <a:r>
-              <a:rPr lang="zh-CN" altLang="en-US" dirty="0" smtClean="0"/>
+              <a:rPr lang="zh-CN" altLang="en-US" smtClean="0"/>
               <a:t> </a:t>
             </a:r>
             <a:r>
-              <a:rPr lang="en-US" altLang="zh-CN" dirty="0" smtClean="0"/>
+              <a:rPr lang="en-US" altLang="zh-CN" smtClean="0"/>
               <a:t>transient</a:t>
             </a:r>
             <a:r>
-              <a:rPr lang="zh-CN" altLang="en-US" dirty="0" smtClean="0"/>
+              <a:rPr lang="zh-CN" altLang="en-US" smtClean="0"/>
               <a:t> </a:t>
             </a:r>
             <a:r>
-              <a:rPr lang="en-US" altLang="zh-CN" dirty="0" smtClean="0"/>
+              <a:rPr lang="en-US" altLang="zh-CN" smtClean="0"/>
               <a:t>error’s</a:t>
             </a:r>
             <a:r>
-              <a:rPr lang="zh-CN" altLang="en-US" dirty="0" smtClean="0"/>
+              <a:rPr lang="zh-CN" altLang="en-US" smtClean="0"/>
               <a:t> </a:t>
             </a:r>
             <a:r>
-              <a:rPr lang="en-US" altLang="zh-CN" dirty="0" smtClean="0"/>
+              <a:rPr lang="en-US" altLang="zh-CN" smtClean="0"/>
               <a:t>impact</a:t>
             </a:r>
             <a:r>
-              <a:rPr lang="zh-CN" altLang="en-US" dirty="0" smtClean="0"/>
+              <a:rPr lang="zh-CN" altLang="en-US" smtClean="0"/>
               <a:t> </a:t>
             </a:r>
             <a:r>
-              <a:rPr lang="en-US" altLang="zh-CN" dirty="0" smtClean="0"/>
+              <a:rPr lang="en-US" altLang="zh-CN" smtClean="0"/>
               <a:t>in</a:t>
             </a:r>
             <a:r>
-              <a:rPr lang="zh-CN" altLang="en-US" dirty="0" smtClean="0"/>
+              <a:rPr lang="zh-CN" altLang="en-US" smtClean="0"/>
               <a:t> </a:t>
             </a:r>
             <a:r>
-              <a:rPr lang="en-US" altLang="zh-CN" dirty="0" smtClean="0"/>
+              <a:rPr lang="en-US" altLang="zh-CN" smtClean="0"/>
               <a:t>different</a:t>
             </a:r>
             <a:r>
-              <a:rPr lang="zh-CN" altLang="en-US" dirty="0" smtClean="0"/>
+              <a:rPr lang="zh-CN" altLang="en-US" smtClean="0"/>
               <a:t> </a:t>
             </a:r>
             <a:r>
-              <a:rPr lang="en-US" altLang="zh-CN" dirty="0" smtClean="0"/>
+              <a:rPr lang="en-US" altLang="zh-CN" smtClean="0"/>
               <a:t>code</a:t>
             </a:r>
             <a:r>
-              <a:rPr lang="zh-CN" altLang="en-US" dirty="0" smtClean="0"/>
+              <a:rPr lang="zh-CN" altLang="en-US" smtClean="0"/>
               <a:t> </a:t>
             </a:r>
             <a:r>
-              <a:rPr lang="en-US" altLang="zh-CN" dirty="0" smtClean="0"/>
+              <a:rPr lang="en-US" altLang="zh-CN" smtClean="0"/>
               <a:t>region.</a:t>
             </a:r>
           </a:p>
           <a:p>
-            <a:pPr marL="457200" indent="-457200">
-              <a:buFont typeface="Arial"/>
-              <a:buChar char="•"/>
-            </a:pPr>
-            <a:r>
-              <a:rPr lang="en-US" dirty="0" smtClean="0"/>
+            <a:r>
+              <a:rPr lang="en-US" smtClean="0"/>
               <a:t>Understand</a:t>
             </a:r>
             <a:r>
-              <a:rPr lang="zh-CN" altLang="en-US" dirty="0" smtClean="0"/>
+              <a:rPr lang="zh-CN" altLang="en-US" smtClean="0"/>
               <a:t> </a:t>
             </a:r>
             <a:r>
-              <a:rPr lang="en-US" altLang="zh-CN" dirty="0" smtClean="0"/>
+              <a:rPr lang="en-US" altLang="zh-CN" smtClean="0"/>
               <a:t>different</a:t>
             </a:r>
             <a:r>
-              <a:rPr lang="zh-CN" altLang="en-US" dirty="0" smtClean="0"/>
+              <a:rPr lang="zh-CN" altLang="en-US" smtClean="0"/>
               <a:t> </a:t>
             </a:r>
             <a:r>
-              <a:rPr lang="en-US" altLang="zh-CN" dirty="0" smtClean="0"/>
+              <a:rPr lang="en-US" altLang="zh-CN" smtClean="0"/>
               <a:t>code</a:t>
             </a:r>
             <a:r>
-              <a:rPr lang="zh-CN" altLang="en-US" dirty="0" smtClean="0"/>
+              <a:rPr lang="zh-CN" altLang="en-US" smtClean="0"/>
               <a:t> </a:t>
             </a:r>
             <a:r>
-              <a:rPr lang="en-US" altLang="zh-CN" dirty="0" smtClean="0"/>
+              <a:rPr lang="en-US" altLang="zh-CN" smtClean="0"/>
               <a:t>region’s</a:t>
             </a:r>
             <a:r>
-              <a:rPr lang="zh-CN" altLang="en-US" dirty="0" smtClean="0"/>
+              <a:rPr lang="zh-CN" altLang="en-US" smtClean="0"/>
               <a:t> </a:t>
             </a:r>
             <a:r>
-              <a:rPr lang="en-US" altLang="zh-CN" dirty="0" smtClean="0"/>
+              <a:rPr lang="en-US" altLang="zh-CN" smtClean="0"/>
               <a:t>silent</a:t>
             </a:r>
             <a:r>
-              <a:rPr lang="zh-CN" altLang="en-US" dirty="0" smtClean="0"/>
+              <a:rPr lang="zh-CN" altLang="en-US" smtClean="0"/>
               <a:t> </a:t>
             </a:r>
             <a:r>
-              <a:rPr lang="en-US" altLang="zh-CN" dirty="0" smtClean="0"/>
+              <a:rPr lang="en-US" altLang="zh-CN" smtClean="0"/>
               <a:t>data</a:t>
             </a:r>
             <a:r>
-              <a:rPr lang="zh-CN" altLang="en-US" dirty="0" smtClean="0"/>
+              <a:rPr lang="zh-CN" altLang="en-US" smtClean="0"/>
               <a:t> </a:t>
             </a:r>
             <a:r>
-              <a:rPr lang="en-US" altLang="zh-CN" dirty="0" smtClean="0"/>
+              <a:rPr lang="en-US" altLang="zh-CN" smtClean="0"/>
               <a:t>corruption</a:t>
             </a:r>
             <a:r>
-              <a:rPr lang="zh-CN" altLang="en-US" dirty="0" smtClean="0"/>
+              <a:rPr lang="zh-CN" altLang="en-US" smtClean="0"/>
               <a:t> </a:t>
             </a:r>
             <a:r>
-              <a:rPr lang="en-US" altLang="zh-CN" dirty="0" smtClean="0"/>
-              <a:t>vulnerability</a:t>
-            </a:r>
-            <a:r>
-              <a:rPr lang="en-US" altLang="zh-CN" dirty="0" smtClean="0"/>
-              <a:t>.</a:t>
-            </a:r>
-          </a:p>
-          <a:p>
-            <a:pPr marL="457200" indent="-457200">
-              <a:buFont typeface="Arial"/>
-              <a:buChar char="•"/>
-            </a:pPr>
-            <a:r>
-              <a:rPr lang="en-US" dirty="0" smtClean="0"/>
+              <a:rPr lang="en-US" altLang="zh-CN" smtClean="0"/>
+              <a:t>vulnerability.</a:t>
+            </a:r>
+          </a:p>
+          <a:p>
+            <a:r>
+              <a:rPr lang="en-US" smtClean="0"/>
               <a:t>Understand</a:t>
             </a:r>
             <a:r>
-              <a:rPr lang="zh-CN" altLang="en-US" dirty="0" smtClean="0"/>
+              <a:rPr lang="zh-CN" altLang="en-US" smtClean="0"/>
               <a:t> </a:t>
             </a:r>
             <a:r>
-              <a:rPr lang="en-US" altLang="zh-CN" dirty="0" smtClean="0"/>
+              <a:rPr lang="en-US" altLang="zh-CN" smtClean="0"/>
               <a:t>how</a:t>
             </a:r>
             <a:r>
-              <a:rPr lang="zh-CN" altLang="en-US" dirty="0" smtClean="0"/>
+              <a:rPr lang="zh-CN" altLang="en-US" smtClean="0"/>
               <a:t> </a:t>
             </a:r>
             <a:r>
-              <a:rPr lang="en-US" altLang="zh-CN" dirty="0" smtClean="0"/>
+              <a:rPr lang="en-US" altLang="zh-CN" smtClean="0"/>
               <a:t>error</a:t>
             </a:r>
             <a:r>
-              <a:rPr lang="zh-CN" altLang="en-US" dirty="0" smtClean="0"/>
+              <a:rPr lang="zh-CN" altLang="en-US" smtClean="0"/>
               <a:t> </a:t>
             </a:r>
             <a:r>
-              <a:rPr lang="en-US" altLang="zh-CN" dirty="0" smtClean="0"/>
+              <a:rPr lang="en-US" altLang="zh-CN" smtClean="0"/>
               <a:t>propagate</a:t>
             </a:r>
             <a:r>
-              <a:rPr lang="zh-CN" altLang="en-US" dirty="0" smtClean="0"/>
+              <a:rPr lang="zh-CN" altLang="en-US" smtClean="0"/>
               <a:t> </a:t>
             </a:r>
             <a:r>
-              <a:rPr lang="en-US" altLang="zh-CN" dirty="0" smtClean="0"/>
+              <a:rPr lang="en-US" altLang="zh-CN" smtClean="0"/>
               <a:t>through</a:t>
             </a:r>
             <a:r>
-              <a:rPr lang="zh-CN" altLang="en-US" dirty="0" smtClean="0"/>
+              <a:rPr lang="zh-CN" altLang="en-US" smtClean="0"/>
               <a:t> </a:t>
             </a:r>
             <a:r>
-              <a:rPr lang="en-US" altLang="zh-CN" dirty="0" smtClean="0"/>
+              <a:rPr lang="en-US" altLang="zh-CN" smtClean="0"/>
               <a:t>program.</a:t>
             </a:r>
             <a:endParaRPr lang="en-US" dirty="0"/>
@@ -16748,62 +20200,58 @@
           <a:lstStyle/>
           <a:p>
             <a:r>
-              <a:rPr lang="en-US" altLang="zh-CN" dirty="0" smtClean="0"/>
+              <a:rPr lang="en-US" altLang="zh-CN" smtClean="0"/>
               <a:t>SCI</a:t>
             </a:r>
             <a:r>
-              <a:rPr lang="zh-CN" altLang="en-US" dirty="0" smtClean="0"/>
+              <a:rPr lang="zh-CN" altLang="en-US" smtClean="0"/>
               <a:t> </a:t>
             </a:r>
             <a:r>
-              <a:rPr lang="en-US" altLang="zh-CN" dirty="0" smtClean="0"/>
+              <a:rPr lang="en-US" altLang="zh-CN" smtClean="0"/>
               <a:t>Institute</a:t>
             </a:r>
             <a:r>
-              <a:rPr lang="zh-CN" altLang="en-US" dirty="0"/>
+              <a:rPr lang="zh-CN" altLang="en-US" smtClean="0"/>
+              <a:t> *</a:t>
+            </a:r>
+            <a:endParaRPr lang="en-US" altLang="zh-CN" smtClean="0"/>
+          </a:p>
+          <a:p>
+            <a:r>
+              <a:rPr lang="en-US" altLang="zh-CN" smtClean="0"/>
+              <a:t>Lawrence</a:t>
+            </a:r>
+            <a:r>
+              <a:rPr lang="zh-CN" altLang="en-US" smtClean="0"/>
               <a:t> </a:t>
             </a:r>
             <a:r>
-              <a:rPr lang="zh-CN" altLang="en-US" dirty="0" smtClean="0"/>
-              <a:t>*</a:t>
-            </a:r>
-            <a:endParaRPr lang="en-US" altLang="zh-CN" dirty="0" smtClean="0"/>
-          </a:p>
-          <a:p>
-            <a:r>
-              <a:rPr lang="en-US" altLang="zh-CN" dirty="0" smtClean="0"/>
-              <a:t>Lawrence</a:t>
-            </a:r>
-            <a:r>
-              <a:rPr lang="zh-CN" altLang="en-US" dirty="0" smtClean="0"/>
+              <a:rPr lang="en-US" altLang="zh-CN" smtClean="0"/>
+              <a:t>Livermore</a:t>
+            </a:r>
+            <a:r>
+              <a:rPr lang="zh-CN" altLang="en-US" smtClean="0"/>
               <a:t> </a:t>
             </a:r>
             <a:r>
-              <a:rPr lang="en-US" altLang="zh-CN" dirty="0" smtClean="0"/>
-              <a:t>Livermore</a:t>
-            </a:r>
-            <a:r>
-              <a:rPr lang="zh-CN" altLang="en-US" dirty="0" smtClean="0"/>
+              <a:rPr lang="en-US" altLang="zh-CN" smtClean="0"/>
+              <a:t>National</a:t>
+            </a:r>
+            <a:r>
+              <a:rPr lang="zh-CN" altLang="en-US" smtClean="0"/>
               <a:t> </a:t>
             </a:r>
             <a:r>
-              <a:rPr lang="en-US" altLang="zh-CN" dirty="0" smtClean="0"/>
-              <a:t>National</a:t>
-            </a:r>
-            <a:r>
-              <a:rPr lang="zh-CN" altLang="en-US" dirty="0" smtClean="0"/>
+              <a:rPr lang="en-US" altLang="zh-CN" smtClean="0"/>
+              <a:t>Laboratory</a:t>
+            </a:r>
+            <a:r>
+              <a:rPr lang="zh-CN" altLang="en-US" smtClean="0"/>
               <a:t> </a:t>
             </a:r>
             <a:r>
-              <a:rPr lang="en-US" altLang="zh-CN" dirty="0" smtClean="0"/>
-              <a:t>Laboratory</a:t>
-            </a:r>
-            <a:r>
-              <a:rPr lang="zh-CN" altLang="en-US" dirty="0" smtClean="0"/>
-              <a:t> </a:t>
-            </a:r>
-            <a:r>
-              <a:rPr lang="en-US" altLang="zh-CN" dirty="0" smtClean="0"/>
+              <a:rPr lang="en-US" altLang="zh-CN" smtClean="0"/>
               <a:t>+</a:t>
             </a:r>
             <a:endParaRPr lang="en-US" dirty="0"/>
@@ -16823,123 +20271,107 @@
         <p:spPr/>
         <p:txBody>
           <a:bodyPr>
-            <a:normAutofit fontScale="85000" lnSpcReduction="10000"/>
+            <a:normAutofit fontScale="77500" lnSpcReduction="20000"/>
           </a:bodyPr>
           <a:lstStyle/>
           <a:p>
             <a:r>
-              <a:rPr lang="en-US" dirty="0" smtClean="0"/>
+              <a:rPr lang="en-US" smtClean="0"/>
               <a:t>Zhimin</a:t>
             </a:r>
             <a:r>
-              <a:rPr lang="zh-CN" altLang="en-US" dirty="0" smtClean="0"/>
+              <a:rPr lang="zh-CN" altLang="en-US" smtClean="0"/>
               <a:t> </a:t>
             </a:r>
             <a:r>
-              <a:rPr lang="en-US" altLang="zh-CN" dirty="0" smtClean="0"/>
+              <a:rPr lang="en-US" altLang="zh-CN" smtClean="0"/>
               <a:t>Li</a:t>
             </a:r>
             <a:r>
-              <a:rPr lang="zh-CN" altLang="en-US" baseline="30000" dirty="0"/>
+              <a:rPr lang="zh-CN" altLang="en-US" smtClean="0"/>
               <a:t>*</a:t>
             </a:r>
             <a:r>
-              <a:rPr lang="en-US" altLang="zh-CN" dirty="0" smtClean="0"/>
+              <a:rPr lang="en-US" altLang="zh-CN" smtClean="0"/>
               <a:t>,</a:t>
             </a:r>
             <a:r>
-              <a:rPr lang="zh-CN" altLang="en-US" dirty="0" smtClean="0"/>
+              <a:rPr lang="zh-CN" altLang="en-US" smtClean="0"/>
               <a:t> </a:t>
             </a:r>
             <a:r>
-              <a:rPr lang="en-US" altLang="zh-CN" dirty="0" err="1" smtClean="0"/>
+              <a:rPr lang="en-US" altLang="zh-CN" smtClean="0"/>
               <a:t>Harshitha</a:t>
             </a:r>
             <a:r>
-              <a:rPr lang="zh-CN" altLang="en-US" dirty="0" smtClean="0"/>
+              <a:rPr lang="zh-CN" altLang="en-US" smtClean="0"/>
               <a:t> </a:t>
             </a:r>
             <a:r>
-              <a:rPr lang="en-US" altLang="zh-CN" dirty="0" err="1" smtClean="0"/>
-              <a:t>Menon</a:t>
-            </a:r>
-            <a:r>
-              <a:rPr lang="en-US" altLang="zh-CN" baseline="30000" dirty="0" smtClean="0"/>
-              <a:t>+</a:t>
-            </a:r>
-            <a:r>
-              <a:rPr lang="en-US" altLang="zh-CN" dirty="0" smtClean="0"/>
+              <a:rPr lang="en-US" altLang="zh-CN" smtClean="0"/>
+              <a:t>Menon+,</a:t>
+            </a:r>
+            <a:r>
+              <a:rPr lang="zh-CN" altLang="en-US" smtClean="0"/>
+              <a:t> </a:t>
+            </a:r>
+            <a:r>
+              <a:rPr lang="en-US" altLang="zh-CN" smtClean="0"/>
+              <a:t>Yarden</a:t>
+            </a:r>
+            <a:r>
+              <a:rPr lang="zh-CN" altLang="en-US" smtClean="0"/>
+              <a:t> </a:t>
+            </a:r>
+            <a:r>
+              <a:rPr lang="en-US" altLang="zh-CN" smtClean="0"/>
+              <a:t>Livnat</a:t>
+            </a:r>
+            <a:r>
+              <a:rPr lang="zh-CN" altLang="en-US" smtClean="0"/>
+              <a:t>*</a:t>
+            </a:r>
+            <a:r>
+              <a:rPr lang="en-US" altLang="zh-CN" smtClean="0"/>
               <a:t>,</a:t>
             </a:r>
             <a:r>
-              <a:rPr lang="zh-CN" altLang="en-US" dirty="0" smtClean="0"/>
+              <a:rPr lang="zh-CN" altLang="en-US" smtClean="0"/>
+              <a:t>  </a:t>
+            </a:r>
+            <a:r>
+              <a:rPr lang="en-US" altLang="zh-CN" smtClean="0"/>
+              <a:t>Kathryn</a:t>
+            </a:r>
+            <a:r>
+              <a:rPr lang="zh-CN" altLang="en-US" smtClean="0"/>
               <a:t> </a:t>
             </a:r>
             <a:r>
-              <a:rPr lang="en-US" altLang="zh-CN" dirty="0" err="1" smtClean="0"/>
-              <a:t>Yarden</a:t>
-            </a:r>
-            <a:r>
-              <a:rPr lang="zh-CN" altLang="en-US" dirty="0" smtClean="0"/>
+              <a:rPr lang="en-US" altLang="zh-CN" smtClean="0"/>
+              <a:t>Mohror+,</a:t>
+            </a:r>
+            <a:r>
+              <a:rPr lang="zh-CN" altLang="en-US" smtClean="0"/>
               <a:t> </a:t>
             </a:r>
             <a:r>
-              <a:rPr lang="en-US" altLang="zh-CN" dirty="0" err="1" smtClean="0"/>
-              <a:t>Livnat</a:t>
-            </a:r>
-            <a:r>
-              <a:rPr lang="zh-CN" altLang="en-US" baseline="30000" dirty="0" smtClean="0"/>
+              <a:rPr lang="en-US" altLang="zh-CN" smtClean="0"/>
+              <a:t>Valerio</a:t>
+            </a:r>
+            <a:r>
+              <a:rPr lang="zh-CN" altLang="en-US" smtClean="0"/>
+              <a:t> </a:t>
+            </a:r>
+            <a:r>
+              <a:rPr lang="en-US" altLang="zh-CN" smtClean="0"/>
+              <a:t>Pascucci</a:t>
+            </a:r>
+            <a:r>
+              <a:rPr lang="zh-CN" altLang="en-US" smtClean="0"/>
               <a:t>*</a:t>
             </a:r>
-            <a:r>
-              <a:rPr lang="en-US" altLang="zh-CN" dirty="0" smtClean="0"/>
-              <a:t>,</a:t>
-            </a:r>
-            <a:r>
-              <a:rPr lang="zh-CN" altLang="en-US" dirty="0" smtClean="0"/>
-              <a:t>  </a:t>
-            </a:r>
-            <a:r>
-              <a:rPr lang="en-US" altLang="zh-CN" dirty="0" smtClean="0"/>
-              <a:t>Kathryn</a:t>
-            </a:r>
-            <a:r>
-              <a:rPr lang="zh-CN" altLang="en-US" dirty="0" smtClean="0"/>
-              <a:t> </a:t>
-            </a:r>
-            <a:r>
-              <a:rPr lang="en-US" altLang="zh-CN" dirty="0" err="1" smtClean="0"/>
-              <a:t>Mohror</a:t>
-            </a:r>
-            <a:r>
-              <a:rPr lang="en-US" altLang="zh-CN" baseline="30000" dirty="0" smtClean="0"/>
-              <a:t>+</a:t>
-            </a:r>
-            <a:r>
-              <a:rPr lang="en-US" altLang="zh-CN" dirty="0" smtClean="0"/>
-              <a:t>,</a:t>
-            </a:r>
-            <a:r>
-              <a:rPr lang="zh-CN" altLang="en-US" dirty="0" smtClean="0"/>
-              <a:t> </a:t>
-            </a:r>
-            <a:r>
-              <a:rPr lang="en-US" altLang="zh-CN" dirty="0" smtClean="0"/>
-              <a:t>Valerio</a:t>
-            </a:r>
-            <a:r>
-              <a:rPr lang="zh-CN" altLang="en-US" dirty="0" smtClean="0"/>
-              <a:t> </a:t>
-            </a:r>
-            <a:r>
-              <a:rPr lang="en-US" altLang="zh-CN" dirty="0" err="1" smtClean="0"/>
-              <a:t>Pascucci</a:t>
-            </a:r>
-            <a:r>
-              <a:rPr lang="zh-CN" altLang="en-US" baseline="30000" dirty="0" smtClean="0"/>
-              <a:t>*</a:t>
-            </a:r>
-            <a:endParaRPr lang="en-US" baseline="30000" dirty="0"/>
+            <a:endParaRPr lang="en-US" dirty="0"/>
           </a:p>
         </p:txBody>
       </p:sp>
@@ -16961,15 +20393,15 @@
           <a:lstStyle/>
           <a:p>
             <a:r>
-              <a:rPr lang="en-US" dirty="0" smtClean="0"/>
+              <a:rPr lang="en-US" smtClean="0"/>
               <a:t>Error</a:t>
             </a:r>
             <a:r>
-              <a:rPr lang="zh-CN" altLang="en-US" dirty="0" smtClean="0"/>
+              <a:rPr lang="zh-CN" altLang="en-US" smtClean="0"/>
               <a:t> </a:t>
             </a:r>
             <a:r>
-              <a:rPr lang="en-US" altLang="zh-CN" dirty="0" smtClean="0"/>
+              <a:rPr lang="en-US" altLang="zh-CN" smtClean="0"/>
               <a:t>Visualization</a:t>
             </a:r>
             <a:endParaRPr lang="en-US" dirty="0"/>
@@ -16978,7 +20410,7 @@
       </p:sp>
       <p:pic>
         <p:nvPicPr>
-          <p:cNvPr id="20" name="Picture 19" descr="screenshot.png"/>
+          <p:cNvPr id="22" name="Picture 21" descr="screenshot.png"/>
           <p:cNvPicPr>
             <a:picLocks noChangeAspect="1"/>
           </p:cNvPicPr>
@@ -16998,8 +20430,8 @@
         </p:blipFill>
         <p:spPr>
           <a:xfrm>
-            <a:off x="22911143" y="7694487"/>
-            <a:ext cx="8750300" cy="2209800"/>
+            <a:off x="2324894" y="20231658"/>
+            <a:ext cx="4704629" cy="2356281"/>
           </a:xfrm>
           <a:prstGeom prst="rect">
             <a:avLst/>
@@ -17008,7 +20440,7 @@
       </p:pic>
       <p:pic>
         <p:nvPicPr>
-          <p:cNvPr id="21" name="Picture 20" descr="screenshot.png"/>
+          <p:cNvPr id="24" name="Picture 23" descr="screenshot.png"/>
           <p:cNvPicPr>
             <a:picLocks noChangeAspect="1"/>
           </p:cNvPicPr>
@@ -17028,14 +20460,321 @@
         </p:blipFill>
         <p:spPr>
           <a:xfrm>
-            <a:off x="22911143" y="10576615"/>
-            <a:ext cx="8585208" cy="1009292"/>
+            <a:off x="12910552" y="27279809"/>
+            <a:ext cx="6121400" cy="1473200"/>
           </a:xfrm>
           <a:prstGeom prst="rect">
             <a:avLst/>
           </a:prstGeom>
         </p:spPr>
       </p:pic>
+      <p:sp>
+        <p:nvSpPr>
+          <p:cNvPr id="35" name="Rectangle 34"/>
+          <p:cNvSpPr/>
+          <p:nvPr/>
+        </p:nvSpPr>
+        <p:spPr>
+          <a:xfrm>
+            <a:off x="1225166" y="32317031"/>
+            <a:ext cx="2734212" cy="343640"/>
+          </a:xfrm>
+          <a:prstGeom prst="rect">
+            <a:avLst/>
+          </a:prstGeom>
+          <a:solidFill>
+            <a:schemeClr val="bg1"/>
+          </a:solidFill>
+          <a:ln>
+            <a:solidFill>
+              <a:schemeClr val="bg1"/>
+            </a:solidFill>
+          </a:ln>
+          <a:effectLst/>
+        </p:spPr>
+        <p:style>
+          <a:lnRef idx="1">
+            <a:schemeClr val="dk1"/>
+          </a:lnRef>
+          <a:fillRef idx="3">
+            <a:schemeClr val="dk1"/>
+          </a:fillRef>
+          <a:effectRef idx="2">
+            <a:schemeClr val="dk1"/>
+          </a:effectRef>
+          <a:fontRef idx="minor">
+            <a:schemeClr val="lt1"/>
+          </a:fontRef>
+        </p:style>
+        <p:txBody>
+          <a:bodyPr rtlCol="0" anchor="ctr"/>
+          <a:lstStyle/>
+          <a:p>
+            <a:pPr algn="ctr"/>
+            <a:endParaRPr lang="en-US"/>
+          </a:p>
+        </p:txBody>
+      </p:sp>
+      <p:pic>
+        <p:nvPicPr>
+          <p:cNvPr id="54" name="Picture 53" descr="error.png"/>
+          <p:cNvPicPr>
+            <a:picLocks noChangeAspect="1"/>
+          </p:cNvPicPr>
+          <p:nvPr/>
+        </p:nvPicPr>
+        <p:blipFill>
+          <a:blip r:embed="rId4">
+            <a:extLst>
+              <a:ext uri="{28A0092B-C50C-407E-A947-70E740481C1C}">
+                <a14:useLocalDpi xmlns:a14="http://schemas.microsoft.com/office/drawing/2010/main" val="0"/>
+              </a:ext>
+            </a:extLst>
+          </a:blip>
+          <a:stretch>
+            <a:fillRect/>
+          </a:stretch>
+        </p:blipFill>
+        <p:spPr>
+          <a:xfrm>
+            <a:off x="23094847" y="7334604"/>
+            <a:ext cx="8666522" cy="7692179"/>
+          </a:xfrm>
+          <a:prstGeom prst="rect">
+            <a:avLst/>
+          </a:prstGeom>
+        </p:spPr>
+      </p:pic>
+      <p:pic>
+        <p:nvPicPr>
+          <p:cNvPr id="55" name="Picture 54" descr="impact.png"/>
+          <p:cNvPicPr>
+            <a:picLocks noChangeAspect="1"/>
+          </p:cNvPicPr>
+          <p:nvPr/>
+        </p:nvPicPr>
+        <p:blipFill>
+          <a:blip r:embed="rId5">
+            <a:extLst>
+              <a:ext uri="{28A0092B-C50C-407E-A947-70E740481C1C}">
+                <a14:useLocalDpi xmlns:a14="http://schemas.microsoft.com/office/drawing/2010/main" val="0"/>
+              </a:ext>
+            </a:extLst>
+          </a:blip>
+          <a:stretch>
+            <a:fillRect/>
+          </a:stretch>
+        </p:blipFill>
+        <p:spPr>
+          <a:xfrm>
+            <a:off x="13850352" y="7722806"/>
+            <a:ext cx="5398597" cy="4973729"/>
+          </a:xfrm>
+          <a:prstGeom prst="rect">
+            <a:avLst/>
+          </a:prstGeom>
+        </p:spPr>
+      </p:pic>
+      <p:pic>
+        <p:nvPicPr>
+          <p:cNvPr id="57" name="Picture 56" descr="screenshot.png"/>
+          <p:cNvPicPr>
+            <a:picLocks noChangeAspect="1"/>
+          </p:cNvPicPr>
+          <p:nvPr/>
+        </p:nvPicPr>
+        <p:blipFill>
+          <a:blip r:embed="rId6">
+            <a:extLst>
+              <a:ext uri="{28A0092B-C50C-407E-A947-70E740481C1C}">
+                <a14:useLocalDpi xmlns:a14="http://schemas.microsoft.com/office/drawing/2010/main" val="0"/>
+              </a:ext>
+            </a:extLst>
+          </a:blip>
+          <a:stretch>
+            <a:fillRect/>
+          </a:stretch>
+        </p:blipFill>
+        <p:spPr>
+          <a:xfrm>
+            <a:off x="13509156" y="14759997"/>
+            <a:ext cx="5739793" cy="4600275"/>
+          </a:xfrm>
+          <a:prstGeom prst="rect">
+            <a:avLst/>
+          </a:prstGeom>
+        </p:spPr>
+      </p:pic>
+      <p:sp>
+        <p:nvSpPr>
+          <p:cNvPr id="58" name="Text Placeholder 3"/>
+          <p:cNvSpPr txBox="1">
+            <a:spLocks/>
+          </p:cNvSpPr>
+          <p:nvPr/>
+        </p:nvSpPr>
+        <p:spPr>
+          <a:xfrm>
+            <a:off x="446035" y="18751234"/>
+            <a:ext cx="10050462" cy="754045"/>
+          </a:xfrm>
+          <a:prstGeom prst="rect">
+            <a:avLst/>
+          </a:prstGeom>
+          <a:noFill/>
+        </p:spPr>
+        <p:txBody>
+          <a:bodyPr wrap="square" lIns="91436" tIns="91436" rIns="91436" bIns="91436" anchor="ctr" anchorCtr="0">
+            <a:spAutoFit/>
+          </a:bodyPr>
+          <a:lstStyle>
+            <a:lvl1pPr marL="0" indent="0" algn="ctr" defTabSz="4388900" rtl="0" eaLnBrk="1" latinLnBrk="0" hangingPunct="1">
+              <a:spcBef>
+                <a:spcPct val="20000"/>
+              </a:spcBef>
+              <a:buFont typeface="Arial" pitchFamily="34" charset="0"/>
+              <a:buNone/>
+              <a:defRPr sz="3700" b="1" u="sng" kern="1200" baseline="0">
+                <a:solidFill>
+                  <a:schemeClr val="accent5">
+                    <a:lumMod val="50000"/>
+                  </a:schemeClr>
+                </a:solidFill>
+                <a:latin typeface="+mn-lt"/>
+                <a:ea typeface="+mn-ea"/>
+                <a:cs typeface="+mn-cs"/>
+              </a:defRPr>
+            </a:lvl1pPr>
+            <a:lvl2pPr marL="3565982" indent="-1371531" algn="l" defTabSz="4388900" rtl="0" eaLnBrk="1" latinLnBrk="0" hangingPunct="1">
+              <a:spcBef>
+                <a:spcPct val="20000"/>
+              </a:spcBef>
+              <a:buFont typeface="Arial" pitchFamily="34" charset="0"/>
+              <a:buChar char="–"/>
+              <a:defRPr sz="13500" kern="1200">
+                <a:solidFill>
+                  <a:schemeClr val="tx1"/>
+                </a:solidFill>
+                <a:latin typeface="+mn-lt"/>
+                <a:ea typeface="+mn-ea"/>
+                <a:cs typeface="+mn-cs"/>
+              </a:defRPr>
+            </a:lvl2pPr>
+            <a:lvl3pPr marL="5486126" indent="-1097226" algn="l" defTabSz="4388900" rtl="0" eaLnBrk="1" latinLnBrk="0" hangingPunct="1">
+              <a:spcBef>
+                <a:spcPct val="20000"/>
+              </a:spcBef>
+              <a:buFont typeface="Arial" pitchFamily="34" charset="0"/>
+              <a:buChar char="•"/>
+              <a:defRPr sz="11600" kern="1200">
+                <a:solidFill>
+                  <a:schemeClr val="tx1"/>
+                </a:solidFill>
+                <a:latin typeface="+mn-lt"/>
+                <a:ea typeface="+mn-ea"/>
+                <a:cs typeface="+mn-cs"/>
+              </a:defRPr>
+            </a:lvl3pPr>
+            <a:lvl4pPr marL="7680577" indent="-1097226" algn="l" defTabSz="4388900" rtl="0" eaLnBrk="1" latinLnBrk="0" hangingPunct="1">
+              <a:spcBef>
+                <a:spcPct val="20000"/>
+              </a:spcBef>
+              <a:buFont typeface="Arial" pitchFamily="34" charset="0"/>
+              <a:buChar char="–"/>
+              <a:defRPr sz="9600" kern="1200">
+                <a:solidFill>
+                  <a:schemeClr val="tx1"/>
+                </a:solidFill>
+                <a:latin typeface="+mn-lt"/>
+                <a:ea typeface="+mn-ea"/>
+                <a:cs typeface="+mn-cs"/>
+              </a:defRPr>
+            </a:lvl4pPr>
+            <a:lvl5pPr marL="9875026" indent="-1097226" algn="l" defTabSz="4388900" rtl="0" eaLnBrk="1" latinLnBrk="0" hangingPunct="1">
+              <a:spcBef>
+                <a:spcPct val="20000"/>
+              </a:spcBef>
+              <a:buFont typeface="Arial" pitchFamily="34" charset="0"/>
+              <a:buChar char="»"/>
+              <a:defRPr sz="9600" kern="1200">
+                <a:solidFill>
+                  <a:schemeClr val="tx1"/>
+                </a:solidFill>
+                <a:latin typeface="+mn-lt"/>
+                <a:ea typeface="+mn-ea"/>
+                <a:cs typeface="+mn-cs"/>
+              </a:defRPr>
+            </a:lvl5pPr>
+            <a:lvl6pPr marL="12069477" indent="-1097226" algn="l" defTabSz="4388900" rtl="0" eaLnBrk="1" latinLnBrk="0" hangingPunct="1">
+              <a:spcBef>
+                <a:spcPct val="20000"/>
+              </a:spcBef>
+              <a:buFont typeface="Arial" pitchFamily="34" charset="0"/>
+              <a:buChar char="•"/>
+              <a:defRPr sz="9600" kern="1200">
+                <a:solidFill>
+                  <a:schemeClr val="tx1"/>
+                </a:solidFill>
+                <a:latin typeface="+mn-lt"/>
+                <a:ea typeface="+mn-ea"/>
+                <a:cs typeface="+mn-cs"/>
+              </a:defRPr>
+            </a:lvl6pPr>
+            <a:lvl7pPr marL="14263926" indent="-1097226" algn="l" defTabSz="4388900" rtl="0" eaLnBrk="1" latinLnBrk="0" hangingPunct="1">
+              <a:spcBef>
+                <a:spcPct val="20000"/>
+              </a:spcBef>
+              <a:buFont typeface="Arial" pitchFamily="34" charset="0"/>
+              <a:buChar char="•"/>
+              <a:defRPr sz="9600" kern="1200">
+                <a:solidFill>
+                  <a:schemeClr val="tx1"/>
+                </a:solidFill>
+                <a:latin typeface="+mn-lt"/>
+                <a:ea typeface="+mn-ea"/>
+                <a:cs typeface="+mn-cs"/>
+              </a:defRPr>
+            </a:lvl7pPr>
+            <a:lvl8pPr marL="16458377" indent="-1097226" algn="l" defTabSz="4388900" rtl="0" eaLnBrk="1" latinLnBrk="0" hangingPunct="1">
+              <a:spcBef>
+                <a:spcPct val="20000"/>
+              </a:spcBef>
+              <a:buFont typeface="Arial" pitchFamily="34" charset="0"/>
+              <a:buChar char="•"/>
+              <a:defRPr sz="9600" kern="1200">
+                <a:solidFill>
+                  <a:schemeClr val="tx1"/>
+                </a:solidFill>
+                <a:latin typeface="+mn-lt"/>
+                <a:ea typeface="+mn-ea"/>
+                <a:cs typeface="+mn-cs"/>
+              </a:defRPr>
+            </a:lvl8pPr>
+            <a:lvl9pPr marL="18652827" indent="-1097226" algn="l" defTabSz="4388900" rtl="0" eaLnBrk="1" latinLnBrk="0" hangingPunct="1">
+              <a:spcBef>
+                <a:spcPct val="20000"/>
+              </a:spcBef>
+              <a:buFont typeface="Arial" pitchFamily="34" charset="0"/>
+              <a:buChar char="•"/>
+              <a:defRPr sz="9600" kern="1200">
+                <a:solidFill>
+                  <a:schemeClr val="tx1"/>
+                </a:solidFill>
+                <a:latin typeface="+mn-lt"/>
+                <a:ea typeface="+mn-ea"/>
+                <a:cs typeface="+mn-cs"/>
+              </a:defRPr>
+            </a:lvl9pPr>
+          </a:lstStyle>
+          <a:p>
+            <a:r>
+              <a:rPr lang="en-US" dirty="0" smtClean="0"/>
+              <a:t>BACKGROUND</a:t>
+            </a:r>
+            <a:endParaRPr lang="en-US" dirty="0"/>
+          </a:p>
+        </p:txBody>
+      </p:sp>
     </p:spTree>
     <p:extLst>
       <p:ext uri="{BB962C8B-B14F-4D97-AF65-F5344CB8AC3E}">
@@ -17046,13 +20785,20 @@
   <p:clrMapOvr>
     <a:masterClrMapping/>
   </p:clrMapOvr>
+  <p:timing>
+    <p:tnLst>
+      <p:par>
+        <p:cTn xmlns:p14="http://schemas.microsoft.com/office/powerpoint/2010/main" id="1" dur="indefinite" restart="never" nodeType="tmRoot"/>
+      </p:par>
+    </p:tnLst>
+  </p:timing>
 </p:sld>
 </file>
 
 <file path=ppt/theme/theme1.xml><?xml version="1.0" encoding="utf-8"?>
 <a:theme xmlns:a="http://schemas.openxmlformats.org/drawingml/2006/main" name="36x48-Template-V2b">
   <a:themeElements>
-    <a:clrScheme name="Metro">
+    <a:clrScheme name="Custom 2">
       <a:dk1>
         <a:sysClr val="windowText" lastClr="000000"/>
       </a:dk1>
@@ -17060,34 +20806,34 @@
         <a:sysClr val="window" lastClr="FFFFFF"/>
       </a:lt1>
       <a:dk2>
-        <a:srgbClr val="4E5B6F"/>
+        <a:srgbClr val="000000"/>
       </a:dk2>
       <a:lt2>
-        <a:srgbClr val="D6ECFF"/>
+        <a:srgbClr val="F8F8F8"/>
       </a:lt2>
       <a:accent1>
-        <a:srgbClr val="7FD13B"/>
+        <a:srgbClr val="DDDDDD"/>
       </a:accent1>
       <a:accent2>
-        <a:srgbClr val="EA157A"/>
+        <a:srgbClr val="B2B2B2"/>
       </a:accent2>
       <a:accent3>
-        <a:srgbClr val="FEB80A"/>
+        <a:srgbClr val="969696"/>
       </a:accent3>
       <a:accent4>
-        <a:srgbClr val="00ADDC"/>
+        <a:srgbClr val="808080"/>
       </a:accent4>
       <a:accent5>
-        <a:srgbClr val="738AC8"/>
+        <a:srgbClr val="5F5F5F"/>
       </a:accent5>
       <a:accent6>
-        <a:srgbClr val="1AB39F"/>
+        <a:srgbClr val="4D4D4D"/>
       </a:accent6>
       <a:hlink>
-        <a:srgbClr val="EB8803"/>
+        <a:srgbClr val="5F5F5F"/>
       </a:hlink>
       <a:folHlink>
-        <a:srgbClr val="5F7791"/>
+        <a:srgbClr val="919191"/>
       </a:folHlink>
     </a:clrScheme>
     <a:fontScheme name="Office">

--- a/ErrorVis.pptx
+++ b/ErrorVis.pptx
@@ -9413,7 +9413,7 @@
               <a:graphicData uri="http://schemas.openxmlformats.org/presentationml/2006/ole">
                 <mc:AlternateContent xmlns:mc="http://schemas.openxmlformats.org/markup-compatibility/2006">
                   <mc:Choice xmlns:v="urn:schemas-microsoft-com:vml" Requires="v">
-                    <p:oleObj spid="_x0000_s1232" name="Image" r:id="rId10" imgW="1828440" imgH="1117440" progId="Photoshop.Image.13">
+                    <p:oleObj spid="_x0000_s1236" name="Image" r:id="rId10" imgW="1828440" imgH="1117440" progId="Photoshop.Image.13">
                       <p:embed/>
                     </p:oleObj>
                   </mc:Choice>
@@ -9470,7 +9470,7 @@
               <a:graphicData uri="http://schemas.openxmlformats.org/presentationml/2006/ole">
                 <mc:AlternateContent xmlns:mc="http://schemas.openxmlformats.org/markup-compatibility/2006">
                   <mc:Choice xmlns:v="urn:schemas-microsoft-com:vml" Requires="v">
-                    <p:oleObj spid="_x0000_s1233" name="Image" r:id="rId12" imgW="1828440" imgH="1117440" progId="Photoshop.Image.13">
+                    <p:oleObj spid="_x0000_s1237" name="Image" r:id="rId12" imgW="1828440" imgH="1117440" progId="Photoshop.Image.13">
                       <p:embed/>
                     </p:oleObj>
                   </mc:Choice>
@@ -10598,7 +10598,7 @@
             <a:graphicData uri="http://schemas.openxmlformats.org/presentationml/2006/ole">
               <mc:AlternateContent xmlns:mc="http://schemas.openxmlformats.org/markup-compatibility/2006">
                 <mc:Choice xmlns:v="urn:schemas-microsoft-com:vml" Requires="v">
-                  <p:oleObj spid="_x0000_s1234" name="Image" r:id="rId14" imgW="4571280" imgH="1688760" progId="Photoshop.Image.13">
+                  <p:oleObj spid="_x0000_s1238" name="Image" r:id="rId14" imgW="4571280" imgH="1688760" progId="Photoshop.Image.13">
                     <p:embed/>
                   </p:oleObj>
                 </mc:Choice>
@@ -10682,7 +10682,7 @@
             <a:graphicData uri="http://schemas.openxmlformats.org/presentationml/2006/ole">
               <mc:AlternateContent xmlns:mc="http://schemas.openxmlformats.org/markup-compatibility/2006">
                 <mc:Choice xmlns:v="urn:schemas-microsoft-com:vml" Requires="v">
-                  <p:oleObj spid="_x0000_s1235" name="Image" r:id="rId17" imgW="1574280" imgH="1053720" progId="Photoshop.Image.13">
+                  <p:oleObj spid="_x0000_s1239" name="Image" r:id="rId17" imgW="1574280" imgH="1053720" progId="Photoshop.Image.13">
                     <p:embed/>
                   </p:oleObj>
                 </mc:Choice>
@@ -12681,7 +12681,7 @@
             <a:graphicData uri="http://schemas.openxmlformats.org/presentationml/2006/ole">
               <mc:AlternateContent xmlns:mc="http://schemas.openxmlformats.org/markup-compatibility/2006">
                 <mc:Choice xmlns:v="urn:schemas-microsoft-com:vml" Requires="v">
-                  <p:oleObj spid="_x0000_s2276" name="Image" r:id="rId5" imgW="4571280" imgH="1688760" progId="Photoshop.Image.13">
+                  <p:oleObj spid="_x0000_s2280" name="Image" r:id="rId5" imgW="4571280" imgH="1688760" progId="Photoshop.Image.13">
                     <p:embed/>
                   </p:oleObj>
                 </mc:Choice>
@@ -12765,7 +12765,7 @@
             <a:graphicData uri="http://schemas.openxmlformats.org/presentationml/2006/ole">
               <mc:AlternateContent xmlns:mc="http://schemas.openxmlformats.org/markup-compatibility/2006">
                 <mc:Choice xmlns:v="urn:schemas-microsoft-com:vml" Requires="v">
-                  <p:oleObj spid="_x0000_s2277" name="Image" r:id="rId8" imgW="1574280" imgH="1053720" progId="Photoshop.Image.13">
+                  <p:oleObj spid="_x0000_s2281" name="Image" r:id="rId8" imgW="1574280" imgH="1053720" progId="Photoshop.Image.13">
                     <p:embed/>
                   </p:oleObj>
                 </mc:Choice>
@@ -14305,7 +14305,7 @@
               <a:graphicData uri="http://schemas.openxmlformats.org/presentationml/2006/ole">
                 <mc:AlternateContent xmlns:mc="http://schemas.openxmlformats.org/markup-compatibility/2006">
                   <mc:Choice xmlns:v="urn:schemas-microsoft-com:vml" Requires="v">
-                    <p:oleObj spid="_x0000_s2278" name="Image" r:id="rId16" imgW="1828440" imgH="1117440" progId="Photoshop.Image.13">
+                    <p:oleObj spid="_x0000_s2282" name="Image" r:id="rId16" imgW="1828440" imgH="1117440" progId="Photoshop.Image.13">
                       <p:embed/>
                     </p:oleObj>
                   </mc:Choice>
@@ -14362,7 +14362,7 @@
               <a:graphicData uri="http://schemas.openxmlformats.org/presentationml/2006/ole">
                 <mc:AlternateContent xmlns:mc="http://schemas.openxmlformats.org/markup-compatibility/2006">
                   <mc:Choice xmlns:v="urn:schemas-microsoft-com:vml" Requires="v">
-                    <p:oleObj spid="_x0000_s2279" name="Image" r:id="rId18" imgW="1828440" imgH="1117440" progId="Photoshop.Image.13">
+                    <p:oleObj spid="_x0000_s2283" name="Image" r:id="rId18" imgW="1828440" imgH="1117440" progId="Photoshop.Image.13">
                       <p:embed/>
                     </p:oleObj>
                   </mc:Choice>
@@ -16191,7 +16191,7 @@
             <a:graphicData uri="http://schemas.openxmlformats.org/presentationml/2006/ole">
               <mc:AlternateContent xmlns:mc="http://schemas.openxmlformats.org/markup-compatibility/2006">
                 <mc:Choice xmlns:v="urn:schemas-microsoft-com:vml" Requires="v">
-                  <p:oleObj spid="_x0000_s3280" name="Image" r:id="rId5" imgW="4571280" imgH="1688760" progId="Photoshop.Image.13">
+                  <p:oleObj spid="_x0000_s3284" name="Image" r:id="rId5" imgW="4571280" imgH="1688760" progId="Photoshop.Image.13">
                     <p:embed/>
                   </p:oleObj>
                 </mc:Choice>
@@ -16275,7 +16275,7 @@
             <a:graphicData uri="http://schemas.openxmlformats.org/presentationml/2006/ole">
               <mc:AlternateContent xmlns:mc="http://schemas.openxmlformats.org/markup-compatibility/2006">
                 <mc:Choice xmlns:v="urn:schemas-microsoft-com:vml" Requires="v">
-                  <p:oleObj spid="_x0000_s3281" name="Image" r:id="rId8" imgW="1574280" imgH="1053720" progId="Photoshop.Image.13">
+                  <p:oleObj spid="_x0000_s3285" name="Image" r:id="rId8" imgW="1574280" imgH="1053720" progId="Photoshop.Image.13">
                     <p:embed/>
                   </p:oleObj>
                 </mc:Choice>
@@ -17815,7 +17815,7 @@
               <a:graphicData uri="http://schemas.openxmlformats.org/presentationml/2006/ole">
                 <mc:AlternateContent xmlns:mc="http://schemas.openxmlformats.org/markup-compatibility/2006">
                   <mc:Choice xmlns:v="urn:schemas-microsoft-com:vml" Requires="v">
-                    <p:oleObj spid="_x0000_s3282" name="Image" r:id="rId16" imgW="1828440" imgH="1117440" progId="Photoshop.Image.13">
+                    <p:oleObj spid="_x0000_s3286" name="Image" r:id="rId16" imgW="1828440" imgH="1117440" progId="Photoshop.Image.13">
                       <p:embed/>
                     </p:oleObj>
                   </mc:Choice>
@@ -17872,7 +17872,7 @@
               <a:graphicData uri="http://schemas.openxmlformats.org/presentationml/2006/ole">
                 <mc:AlternateContent xmlns:mc="http://schemas.openxmlformats.org/markup-compatibility/2006">
                   <mc:Choice xmlns:v="urn:schemas-microsoft-com:vml" Requires="v">
-                    <p:oleObj spid="_x0000_s3283" name="Image" r:id="rId18" imgW="1828440" imgH="1117440" progId="Photoshop.Image.13">
+                    <p:oleObj spid="_x0000_s3287" name="Image" r:id="rId18" imgW="1828440" imgH="1117440" progId="Photoshop.Image.13">
                       <p:embed/>
                     </p:oleObj>
                   </mc:Choice>
@@ -20567,8 +20567,8 @@
         </p:blipFill>
         <p:spPr>
           <a:xfrm>
-            <a:off x="13850352" y="7722806"/>
-            <a:ext cx="5398597" cy="4973729"/>
+            <a:off x="13509156" y="7334604"/>
+            <a:ext cx="5819960" cy="5361931"/>
           </a:xfrm>
           <a:prstGeom prst="rect">
             <a:avLst/>

--- a/ErrorVis.pptx
+++ b/ErrorVis.pptx
@@ -257,7 +257,7 @@
             <a:fld id="{0158C5BC-9A70-462C-B28D-9600239EAC64}" type="datetimeFigureOut">
               <a:rPr lang="en-US" smtClean="0"/>
               <a:pPr/>
-              <a:t>7/22/18</a:t>
+              <a:t>7/24/18</a:t>
             </a:fld>
             <a:endParaRPr lang="en-US"/>
           </a:p>
@@ -424,7 +424,7 @@
             <a:fld id="{E6CC2317-6751-4CD4-9995-8782DD78E936}" type="datetimeFigureOut">
               <a:rPr lang="en-US" smtClean="0"/>
               <a:pPr/>
-              <a:t>7/22/18</a:t>
+              <a:t>7/24/18</a:t>
             </a:fld>
             <a:endParaRPr lang="en-US" dirty="0"/>
           </a:p>
@@ -693,6 +693,91 @@
     </a:lvl9pPr>
   </p:notesStyle>
 </p:notesMaster>
+</file>
+
+<file path=ppt/notesSlides/notesSlide1.xml><?xml version="1.0" encoding="utf-8"?>
+<p:notes xmlns:a="http://schemas.openxmlformats.org/drawingml/2006/main" xmlns:r="http://schemas.openxmlformats.org/officeDocument/2006/relationships" xmlns:p="http://schemas.openxmlformats.org/presentationml/2006/main">
+  <p:cSld>
+    <p:spTree>
+      <p:nvGrpSpPr>
+        <p:cNvPr id="1" name=""/>
+        <p:cNvGrpSpPr/>
+        <p:nvPr/>
+      </p:nvGrpSpPr>
+      <p:grpSpPr>
+        <a:xfrm>
+          <a:off x="0" y="0"/>
+          <a:ext cx="0" cy="0"/>
+          <a:chOff x="0" y="0"/>
+          <a:chExt cx="0" cy="0"/>
+        </a:xfrm>
+      </p:grpSpPr>
+      <p:sp>
+        <p:nvSpPr>
+          <p:cNvPr id="2" name="Slide Image Placeholder 1"/>
+          <p:cNvSpPr>
+            <a:spLocks noGrp="1" noRot="1" noChangeAspect="1"/>
+          </p:cNvSpPr>
+          <p:nvPr>
+            <p:ph type="sldImg"/>
+          </p:nvPr>
+        </p:nvSpPr>
+        <p:spPr/>
+      </p:sp>
+      <p:sp>
+        <p:nvSpPr>
+          <p:cNvPr id="3" name="Notes Placeholder 2"/>
+          <p:cNvSpPr>
+            <a:spLocks noGrp="1"/>
+          </p:cNvSpPr>
+          <p:nvPr>
+            <p:ph type="body" idx="1"/>
+          </p:nvPr>
+        </p:nvSpPr>
+        <p:spPr/>
+        <p:txBody>
+          <a:bodyPr/>
+          <a:lstStyle/>
+          <a:p>
+            <a:endParaRPr lang="en-US" dirty="0"/>
+          </a:p>
+        </p:txBody>
+      </p:sp>
+      <p:sp>
+        <p:nvSpPr>
+          <p:cNvPr id="4" name="Slide Number Placeholder 3"/>
+          <p:cNvSpPr>
+            <a:spLocks noGrp="1"/>
+          </p:cNvSpPr>
+          <p:nvPr>
+            <p:ph type="sldNum" sz="quarter" idx="10"/>
+          </p:nvPr>
+        </p:nvSpPr>
+        <p:spPr/>
+        <p:txBody>
+          <a:bodyPr/>
+          <a:lstStyle/>
+          <a:p>
+            <a:fld id="{26A1A87D-CAF7-4BDC-A0D3-C0DBEDE81619}" type="slidenum">
+              <a:rPr lang="en-US" smtClean="0"/>
+              <a:pPr/>
+              <a:t>1</a:t>
+            </a:fld>
+            <a:endParaRPr lang="en-US" dirty="0"/>
+          </a:p>
+        </p:txBody>
+      </p:sp>
+    </p:spTree>
+    <p:extLst>
+      <p:ext uri="{BB962C8B-B14F-4D97-AF65-F5344CB8AC3E}">
+        <p14:creationId xmlns:p14="http://schemas.microsoft.com/office/powerpoint/2010/main" val="3036057505"/>
+      </p:ext>
+    </p:extLst>
+  </p:cSld>
+  <p:clrMapOvr>
+    <a:masterClrMapping/>
+  </p:clrMapOvr>
+</p:notes>
 </file>
 
 <file path=ppt/slideLayouts/slideLayout1.xml><?xml version="1.0" encoding="utf-8"?>
@@ -9413,7 +9498,7 @@
               <a:graphicData uri="http://schemas.openxmlformats.org/presentationml/2006/ole">
                 <mc:AlternateContent xmlns:mc="http://schemas.openxmlformats.org/markup-compatibility/2006">
                   <mc:Choice xmlns:v="urn:schemas-microsoft-com:vml" Requires="v">
-                    <p:oleObj spid="_x0000_s1236" name="Image" r:id="rId10" imgW="1828440" imgH="1117440" progId="Photoshop.Image.13">
+                    <p:oleObj spid="_x0000_s1450" name="Image" r:id="rId10" imgW="1828440" imgH="1117440" progId="Photoshop.Image.13">
                       <p:embed/>
                     </p:oleObj>
                   </mc:Choice>
@@ -9470,7 +9555,7 @@
               <a:graphicData uri="http://schemas.openxmlformats.org/presentationml/2006/ole">
                 <mc:AlternateContent xmlns:mc="http://schemas.openxmlformats.org/markup-compatibility/2006">
                   <mc:Choice xmlns:v="urn:schemas-microsoft-com:vml" Requires="v">
-                    <p:oleObj spid="_x0000_s1237" name="Image" r:id="rId12" imgW="1828440" imgH="1117440" progId="Photoshop.Image.13">
+                    <p:oleObj spid="_x0000_s1451" name="Image" r:id="rId12" imgW="1828440" imgH="1117440" progId="Photoshop.Image.13">
                       <p:embed/>
                     </p:oleObj>
                   </mc:Choice>
@@ -10598,7 +10683,7 @@
             <a:graphicData uri="http://schemas.openxmlformats.org/presentationml/2006/ole">
               <mc:AlternateContent xmlns:mc="http://schemas.openxmlformats.org/markup-compatibility/2006">
                 <mc:Choice xmlns:v="urn:schemas-microsoft-com:vml" Requires="v">
-                  <p:oleObj spid="_x0000_s1238" name="Image" r:id="rId14" imgW="4571280" imgH="1688760" progId="Photoshop.Image.13">
+                  <p:oleObj spid="_x0000_s1452" name="Image" r:id="rId14" imgW="4571280" imgH="1688760" progId="Photoshop.Image.13">
                     <p:embed/>
                   </p:oleObj>
                 </mc:Choice>
@@ -10682,7 +10767,7 @@
             <a:graphicData uri="http://schemas.openxmlformats.org/presentationml/2006/ole">
               <mc:AlternateContent xmlns:mc="http://schemas.openxmlformats.org/markup-compatibility/2006">
                 <mc:Choice xmlns:v="urn:schemas-microsoft-com:vml" Requires="v">
-                  <p:oleObj spid="_x0000_s1239" name="Image" r:id="rId17" imgW="1574280" imgH="1053720" progId="Photoshop.Image.13">
+                  <p:oleObj spid="_x0000_s1453" name="Image" r:id="rId17" imgW="1574280" imgH="1053720" progId="Photoshop.Image.13">
                     <p:embed/>
                   </p:oleObj>
                 </mc:Choice>
@@ -12681,7 +12766,7 @@
             <a:graphicData uri="http://schemas.openxmlformats.org/presentationml/2006/ole">
               <mc:AlternateContent xmlns:mc="http://schemas.openxmlformats.org/markup-compatibility/2006">
                 <mc:Choice xmlns:v="urn:schemas-microsoft-com:vml" Requires="v">
-                  <p:oleObj spid="_x0000_s2280" name="Image" r:id="rId5" imgW="4571280" imgH="1688760" progId="Photoshop.Image.13">
+                  <p:oleObj spid="_x0000_s2494" name="Image" r:id="rId5" imgW="4571280" imgH="1688760" progId="Photoshop.Image.13">
                     <p:embed/>
                   </p:oleObj>
                 </mc:Choice>
@@ -12765,7 +12850,7 @@
             <a:graphicData uri="http://schemas.openxmlformats.org/presentationml/2006/ole">
               <mc:AlternateContent xmlns:mc="http://schemas.openxmlformats.org/markup-compatibility/2006">
                 <mc:Choice xmlns:v="urn:schemas-microsoft-com:vml" Requires="v">
-                  <p:oleObj spid="_x0000_s2281" name="Image" r:id="rId8" imgW="1574280" imgH="1053720" progId="Photoshop.Image.13">
+                  <p:oleObj spid="_x0000_s2495" name="Image" r:id="rId8" imgW="1574280" imgH="1053720" progId="Photoshop.Image.13">
                     <p:embed/>
                   </p:oleObj>
                 </mc:Choice>
@@ -14305,7 +14390,7 @@
               <a:graphicData uri="http://schemas.openxmlformats.org/presentationml/2006/ole">
                 <mc:AlternateContent xmlns:mc="http://schemas.openxmlformats.org/markup-compatibility/2006">
                   <mc:Choice xmlns:v="urn:schemas-microsoft-com:vml" Requires="v">
-                    <p:oleObj spid="_x0000_s2282" name="Image" r:id="rId16" imgW="1828440" imgH="1117440" progId="Photoshop.Image.13">
+                    <p:oleObj spid="_x0000_s2496" name="Image" r:id="rId16" imgW="1828440" imgH="1117440" progId="Photoshop.Image.13">
                       <p:embed/>
                     </p:oleObj>
                   </mc:Choice>
@@ -14362,7 +14447,7 @@
               <a:graphicData uri="http://schemas.openxmlformats.org/presentationml/2006/ole">
                 <mc:AlternateContent xmlns:mc="http://schemas.openxmlformats.org/markup-compatibility/2006">
                   <mc:Choice xmlns:v="urn:schemas-microsoft-com:vml" Requires="v">
-                    <p:oleObj spid="_x0000_s2283" name="Image" r:id="rId18" imgW="1828440" imgH="1117440" progId="Photoshop.Image.13">
+                    <p:oleObj spid="_x0000_s2497" name="Image" r:id="rId18" imgW="1828440" imgH="1117440" progId="Photoshop.Image.13">
                       <p:embed/>
                     </p:oleObj>
                   </mc:Choice>
@@ -16191,7 +16276,7 @@
             <a:graphicData uri="http://schemas.openxmlformats.org/presentationml/2006/ole">
               <mc:AlternateContent xmlns:mc="http://schemas.openxmlformats.org/markup-compatibility/2006">
                 <mc:Choice xmlns:v="urn:schemas-microsoft-com:vml" Requires="v">
-                  <p:oleObj spid="_x0000_s3284" name="Image" r:id="rId5" imgW="4571280" imgH="1688760" progId="Photoshop.Image.13">
+                  <p:oleObj spid="_x0000_s3498" name="Image" r:id="rId5" imgW="4571280" imgH="1688760" progId="Photoshop.Image.13">
                     <p:embed/>
                   </p:oleObj>
                 </mc:Choice>
@@ -16275,7 +16360,7 @@
             <a:graphicData uri="http://schemas.openxmlformats.org/presentationml/2006/ole">
               <mc:AlternateContent xmlns:mc="http://schemas.openxmlformats.org/markup-compatibility/2006">
                 <mc:Choice xmlns:v="urn:schemas-microsoft-com:vml" Requires="v">
-                  <p:oleObj spid="_x0000_s3285" name="Image" r:id="rId8" imgW="1574280" imgH="1053720" progId="Photoshop.Image.13">
+                  <p:oleObj spid="_x0000_s3499" name="Image" r:id="rId8" imgW="1574280" imgH="1053720" progId="Photoshop.Image.13">
                     <p:embed/>
                   </p:oleObj>
                 </mc:Choice>
@@ -17815,7 +17900,7 @@
               <a:graphicData uri="http://schemas.openxmlformats.org/presentationml/2006/ole">
                 <mc:AlternateContent xmlns:mc="http://schemas.openxmlformats.org/markup-compatibility/2006">
                   <mc:Choice xmlns:v="urn:schemas-microsoft-com:vml" Requires="v">
-                    <p:oleObj spid="_x0000_s3286" name="Image" r:id="rId16" imgW="1828440" imgH="1117440" progId="Photoshop.Image.13">
+                    <p:oleObj spid="_x0000_s3500" name="Image" r:id="rId16" imgW="1828440" imgH="1117440" progId="Photoshop.Image.13">
                       <p:embed/>
                     </p:oleObj>
                   </mc:Choice>
@@ -17872,7 +17957,7 @@
               <a:graphicData uri="http://schemas.openxmlformats.org/presentationml/2006/ole">
                 <mc:AlternateContent xmlns:mc="http://schemas.openxmlformats.org/markup-compatibility/2006">
                   <mc:Choice xmlns:v="urn:schemas-microsoft-com:vml" Requires="v">
-                    <p:oleObj spid="_x0000_s3287" name="Image" r:id="rId18" imgW="1828440" imgH="1117440" progId="Photoshop.Image.13">
+                    <p:oleObj spid="_x0000_s3501" name="Image" r:id="rId18" imgW="1828440" imgH="1117440" progId="Photoshop.Image.13">
                       <p:embed/>
                     </p:oleObj>
                   </mc:Choice>
@@ -18421,8 +18506,8 @@
         </p:nvSpPr>
         <p:spPr>
           <a:xfrm>
-            <a:off x="491425" y="6378481"/>
-            <a:ext cx="10024176" cy="24812719"/>
+            <a:off x="491425" y="6378473"/>
+            <a:ext cx="10024176" cy="24812726"/>
           </a:xfrm>
           <a:solidFill>
             <a:srgbClr val="FFFFFF"/>
@@ -18437,43 +18522,160 @@
           <a:bodyPr/>
           <a:lstStyle/>
           <a:p>
-            <a:r>
-              <a:rPr lang="en-US" dirty="0" smtClean="0"/>
-              <a:t>The aggressive scaling trend in high-performance computation threat the computation result’s reliability. How to improve applications' resiliency become a concern in computation community. Understand the resiliency property of existing applications are an essential step to develop a more robust and efficient application.</a:t>
-            </a:r>
-          </a:p>
-          <a:p>
-            <a:endParaRPr lang="en-US" dirty="0" smtClean="0"/>
-          </a:p>
-          <a:p>
-            <a:r>
-              <a:rPr lang="en-US" dirty="0" smtClean="0"/>
-              <a:t>In this study, we cooperate with domain expert design a visualization system to understand application's resiliency property.  Our system enables the user to target error prone region quickly and reveal its impact on the application's outcome.</a:t>
-            </a:r>
-            <a:endParaRPr lang="en-US" dirty="0"/>
-          </a:p>
-        </p:txBody>
-      </p:sp>
-      <p:sp>
-        <p:nvSpPr>
-          <p:cNvPr id="3" name="Text Placeholder 2"/>
-          <p:cNvSpPr>
-            <a:spLocks noGrp="1"/>
-          </p:cNvSpPr>
-          <p:nvPr>
-            <p:ph type="body" sz="quarter" idx="11"/>
-          </p:nvPr>
-        </p:nvSpPr>
-        <p:spPr/>
-        <p:txBody>
-          <a:bodyPr/>
-          <a:lstStyle/>
-          <a:p>
-            <a:r>
-              <a:rPr lang="en-US" altLang="zh-CN" smtClean="0"/>
-              <a:t>ABSTRACT</a:t>
-            </a:r>
-            <a:endParaRPr lang="en-US" dirty="0"/>
+            <a:pPr algn="just"/>
+            <a:r>
+              <a:rPr lang="en-US" sz="4000" dirty="0" smtClean="0"/>
+              <a:t>  </a:t>
+            </a:r>
+          </a:p>
+          <a:p>
+            <a:pPr algn="just"/>
+            <a:r>
+              <a:rPr lang="en-US" sz="4000" dirty="0" smtClean="0"/>
+              <a:t>The </a:t>
+            </a:r>
+            <a:r>
+              <a:rPr lang="en-US" sz="4000" dirty="0" smtClean="0"/>
+              <a:t>aggressive scaling trend in high-performance computation </a:t>
+            </a:r>
+            <a:r>
+              <a:rPr lang="en-US" sz="4000" dirty="0" smtClean="0"/>
+              <a:t>increase silent data corruption and make the </a:t>
+            </a:r>
+            <a:r>
+              <a:rPr lang="en-US" sz="4000" dirty="0" smtClean="0"/>
+              <a:t>computation result’s </a:t>
+            </a:r>
+            <a:r>
+              <a:rPr lang="en-US" sz="4000" dirty="0" smtClean="0"/>
+              <a:t>unreliability. How </a:t>
+            </a:r>
+            <a:r>
+              <a:rPr lang="en-US" sz="4000" dirty="0" smtClean="0"/>
+              <a:t>to improve applications' resiliency become a concern in computation community. </a:t>
+            </a:r>
+            <a:r>
+              <a:rPr lang="en-US" sz="4000" dirty="0" smtClean="0"/>
+              <a:t>In </a:t>
+            </a:r>
+            <a:r>
+              <a:rPr lang="en-US" sz="4000" dirty="0" smtClean="0"/>
+              <a:t>this study, we cooperate with domain expert design a visualization system to </a:t>
+            </a:r>
+            <a:r>
+              <a:rPr lang="en-US" sz="4000" dirty="0" smtClean="0"/>
+              <a:t>understand the impact of silent data corruption on a program.</a:t>
+            </a:r>
+          </a:p>
+          <a:p>
+            <a:pPr algn="just"/>
+            <a:endParaRPr lang="en-US" sz="4000" dirty="0" smtClean="0"/>
+          </a:p>
+          <a:p>
+            <a:pPr algn="just"/>
+            <a:endParaRPr lang="en-US" sz="4000" dirty="0" smtClean="0"/>
+          </a:p>
+          <a:p>
+            <a:pPr algn="just"/>
+            <a:r>
+              <a:rPr lang="en-US" sz="4000" dirty="0" smtClean="0"/>
+              <a:t>Transient error, such as random bit flip, cause by high energy particle or device noise will affect the output</a:t>
+            </a:r>
+            <a:r>
+              <a:rPr lang="zh-CN" altLang="en-US" sz="4000" dirty="0" smtClean="0"/>
+              <a:t> </a:t>
+            </a:r>
+            <a:r>
+              <a:rPr lang="en-US" sz="4000" dirty="0" smtClean="0"/>
+              <a:t>of a computation. </a:t>
+            </a:r>
+          </a:p>
+          <a:p>
+            <a:pPr marL="571500" indent="-571500" algn="just">
+              <a:buFont typeface="Arial"/>
+              <a:buChar char="•"/>
+            </a:pPr>
+            <a:r>
+              <a:rPr lang="en-US" sz="4000" dirty="0" smtClean="0">
+                <a:solidFill>
+                  <a:srgbClr val="FF6600"/>
+                </a:solidFill>
+              </a:rPr>
+              <a:t>SDC</a:t>
+            </a:r>
+            <a:r>
+              <a:rPr lang="en-US" sz="4000" dirty="0" smtClean="0"/>
+              <a:t>: </a:t>
+            </a:r>
+            <a:r>
+              <a:rPr lang="en-US" sz="3200" dirty="0" smtClean="0"/>
+              <a:t>Silently corrupt the computation </a:t>
+            </a:r>
+            <a:r>
+              <a:rPr lang="en-US" sz="3200" dirty="0" err="1" smtClean="0"/>
+              <a:t>ouput</a:t>
+            </a:r>
+            <a:r>
+              <a:rPr lang="en-US" sz="3200" dirty="0" smtClean="0"/>
+              <a:t>.</a:t>
+            </a:r>
+          </a:p>
+          <a:p>
+            <a:pPr marL="571500" indent="-571500" algn="just">
+              <a:buFont typeface="Arial"/>
+              <a:buChar char="•"/>
+            </a:pPr>
+            <a:r>
+              <a:rPr lang="en-US" sz="4000" dirty="0" smtClean="0">
+                <a:solidFill>
+                  <a:srgbClr val="008000"/>
+                </a:solidFill>
+              </a:rPr>
+              <a:t>Masked</a:t>
+            </a:r>
+            <a:r>
+              <a:rPr lang="en-US" sz="4000" dirty="0" smtClean="0"/>
+              <a:t>: </a:t>
+            </a:r>
+            <a:r>
+              <a:rPr lang="en-US" sz="3200" dirty="0"/>
+              <a:t>E</a:t>
+            </a:r>
+            <a:r>
+              <a:rPr lang="en-US" sz="3200" dirty="0" smtClean="0"/>
+              <a:t>rror vanish and computation outcome is correct.</a:t>
+            </a:r>
+          </a:p>
+          <a:p>
+            <a:pPr marL="571500" indent="-571500" algn="just">
+              <a:buFont typeface="Arial"/>
+              <a:buChar char="•"/>
+            </a:pPr>
+            <a:r>
+              <a:rPr lang="en-US" sz="4000" dirty="0" smtClean="0">
+                <a:solidFill>
+                  <a:srgbClr val="660066"/>
+                </a:solidFill>
+              </a:rPr>
+              <a:t>Crash</a:t>
+            </a:r>
+            <a:r>
+              <a:rPr lang="en-US" sz="4000" dirty="0" smtClean="0"/>
+              <a:t>: </a:t>
+            </a:r>
+            <a:r>
+              <a:rPr lang="en-US" sz="3200" dirty="0" smtClean="0"/>
+              <a:t>Program Crash</a:t>
+            </a:r>
+            <a:endParaRPr lang="en-US" sz="3200" dirty="0"/>
+          </a:p>
+          <a:p>
+            <a:pPr algn="just"/>
+            <a:r>
+              <a:rPr lang="en-US" sz="4000" dirty="0" smtClean="0"/>
+              <a:t>  </a:t>
+            </a:r>
+            <a:endParaRPr lang="en-US" sz="4000" dirty="0"/>
           </a:p>
         </p:txBody>
       </p:sp>
@@ -18487,16 +18689,22 @@
             <p:ph type="body" sz="quarter" idx="20"/>
           </p:nvPr>
         </p:nvSpPr>
-        <p:spPr/>
+        <p:spPr>
+          <a:xfrm>
+            <a:off x="509578" y="25872007"/>
+            <a:ext cx="10050462" cy="754045"/>
+          </a:xfrm>
+        </p:spPr>
         <p:txBody>
           <a:bodyPr/>
           <a:lstStyle/>
           <a:p>
-            <a:r>
-              <a:rPr lang="en-US" dirty="0" smtClean="0"/>
+            <a:pPr algn="l"/>
+            <a:r>
+              <a:rPr lang="en-US" i="1" dirty="0" smtClean="0"/>
               <a:t>OBJECTIVES</a:t>
             </a:r>
-            <a:endParaRPr lang="en-US" dirty="0"/>
+            <a:endParaRPr lang="en-US" i="1" dirty="0"/>
           </a:p>
         </p:txBody>
       </p:sp>
@@ -18513,7 +18721,7 @@
         <p:spPr>
           <a:xfrm>
             <a:off x="11460162" y="6378480"/>
-            <a:ext cx="10020535" cy="24852935"/>
+            <a:ext cx="10020535" cy="24709636"/>
           </a:xfrm>
           <a:solidFill>
             <a:srgbClr val="FFFFFF"/>
@@ -18528,111 +18736,513 @@
           <a:bodyPr/>
           <a:lstStyle/>
           <a:p>
-            <a:r>
-              <a:rPr lang="en-US" dirty="0" smtClean="0"/>
-              <a:t>G</a:t>
+            <a:endParaRPr lang="en-US" altLang="zh-CN" sz="4000" dirty="0" smtClean="0"/>
+          </a:p>
+          <a:p>
+            <a:r>
+              <a:rPr lang="zh-CN" altLang="zh-CN" sz="4000" dirty="0"/>
+              <a:t> </a:t>
+            </a:r>
+            <a:r>
+              <a:rPr lang="zh-CN" altLang="en-US" sz="4000" dirty="0" smtClean="0"/>
+              <a:t> </a:t>
+            </a:r>
+            <a:r>
+              <a:rPr lang="en-US" altLang="zh-CN" sz="4000" dirty="0" smtClean="0"/>
+              <a:t>Task1.</a:t>
+            </a:r>
+            <a:r>
+              <a:rPr lang="zh-CN" altLang="en-US" sz="4000" dirty="0" smtClean="0"/>
+              <a:t> </a:t>
+            </a:r>
+            <a:r>
+              <a:rPr lang="en-US" sz="4000" dirty="0" smtClean="0"/>
+              <a:t>What</a:t>
+            </a:r>
+            <a:r>
+              <a:rPr lang="zh-CN" altLang="en-US" sz="4000" dirty="0" smtClean="0"/>
+              <a:t> </a:t>
+            </a:r>
+            <a:r>
+              <a:rPr lang="en-US" altLang="zh-CN" sz="4000" dirty="0" smtClean="0"/>
+              <a:t>is</a:t>
+            </a:r>
+            <a:r>
+              <a:rPr lang="zh-CN" altLang="en-US" sz="4000" dirty="0" smtClean="0"/>
+              <a:t> </a:t>
+            </a:r>
+            <a:r>
+              <a:rPr lang="en-US" altLang="zh-CN" sz="4000" dirty="0" smtClean="0"/>
+              <a:t>the</a:t>
+            </a:r>
+            <a:r>
+              <a:rPr lang="zh-CN" altLang="en-US" sz="4000" dirty="0" smtClean="0"/>
+              <a:t> </a:t>
+            </a:r>
+            <a:r>
+              <a:rPr lang="en-US" altLang="zh-CN" sz="4000" dirty="0" smtClean="0"/>
+              <a:t>silent</a:t>
+            </a:r>
+            <a:r>
+              <a:rPr lang="zh-CN" altLang="en-US" sz="4000" dirty="0" smtClean="0"/>
+              <a:t> </a:t>
+            </a:r>
+            <a:r>
+              <a:rPr lang="en-US" altLang="zh-CN" sz="4000" dirty="0" smtClean="0"/>
+              <a:t>data</a:t>
+            </a:r>
+            <a:r>
+              <a:rPr lang="zh-CN" altLang="en-US" sz="4000" dirty="0" smtClean="0"/>
+              <a:t> </a:t>
+            </a:r>
+            <a:r>
+              <a:rPr lang="en-US" altLang="zh-CN" sz="4000" dirty="0" smtClean="0"/>
+              <a:t>corrupted</a:t>
+            </a:r>
+            <a:r>
+              <a:rPr lang="zh-CN" altLang="en-US" sz="4000" dirty="0" smtClean="0"/>
+              <a:t> </a:t>
+            </a:r>
+            <a:r>
+              <a:rPr lang="en-US" altLang="zh-CN" sz="4000" dirty="0" smtClean="0"/>
+              <a:t>output</a:t>
+            </a:r>
+            <a:r>
+              <a:rPr lang="zh-CN" altLang="en-US" sz="4000" dirty="0" smtClean="0"/>
+              <a:t> </a:t>
+            </a:r>
+            <a:r>
+              <a:rPr lang="en-US" altLang="zh-CN" sz="4000" dirty="0" smtClean="0"/>
+              <a:t>distribution</a:t>
+            </a:r>
+            <a:r>
+              <a:rPr lang="zh-CN" altLang="en-US" sz="4000" dirty="0" smtClean="0"/>
+              <a:t> </a:t>
+            </a:r>
+            <a:r>
+              <a:rPr lang="en-US" altLang="zh-CN" sz="4000" dirty="0" smtClean="0"/>
+              <a:t>at</a:t>
+            </a:r>
+            <a:r>
+              <a:rPr lang="zh-CN" altLang="en-US" sz="4000" dirty="0" smtClean="0"/>
+              <a:t> </a:t>
+            </a:r>
+            <a:r>
+              <a:rPr lang="en-US" altLang="zh-CN" sz="4000" dirty="0" smtClean="0"/>
+              <a:t>specific</a:t>
+            </a:r>
+            <a:r>
+              <a:rPr lang="zh-CN" altLang="en-US" sz="4000" dirty="0" smtClean="0"/>
+              <a:t> </a:t>
+            </a:r>
+            <a:r>
+              <a:rPr lang="en-US" altLang="zh-CN" sz="4000" dirty="0" smtClean="0"/>
+              <a:t>code</a:t>
+            </a:r>
+            <a:r>
+              <a:rPr lang="zh-CN" altLang="en-US" sz="4000" dirty="0" smtClean="0"/>
+              <a:t> </a:t>
+            </a:r>
+            <a:r>
+              <a:rPr lang="en-US" altLang="zh-CN" sz="4000" dirty="0" smtClean="0"/>
+              <a:t>region?</a:t>
+            </a:r>
+            <a:r>
+              <a:rPr lang="zh-CN" altLang="en-US" sz="4000" dirty="0" smtClean="0"/>
+              <a:t> </a:t>
+            </a:r>
+            <a:endParaRPr lang="en-US" altLang="zh-CN" sz="4000" dirty="0" smtClean="0"/>
+          </a:p>
+          <a:p>
+            <a:endParaRPr lang="en-US" altLang="zh-CN" sz="4000" dirty="0"/>
+          </a:p>
+          <a:p>
+            <a:endParaRPr lang="en-US" altLang="zh-CN" sz="4000" dirty="0" smtClean="0"/>
+          </a:p>
+          <a:p>
+            <a:endParaRPr lang="en-US" altLang="zh-CN" sz="4000" dirty="0"/>
+          </a:p>
+          <a:p>
+            <a:endParaRPr lang="en-US" altLang="zh-CN" sz="4000" dirty="0" smtClean="0"/>
+          </a:p>
+          <a:p>
+            <a:endParaRPr lang="en-US" altLang="zh-CN" sz="4000" dirty="0" smtClean="0"/>
+          </a:p>
+          <a:p>
+            <a:r>
+              <a:rPr lang="en-US" altLang="zh-CN" sz="4000" dirty="0" smtClean="0"/>
+              <a:t>Task2.</a:t>
+            </a:r>
+            <a:r>
+              <a:rPr lang="zh-CN" altLang="en-US" sz="4000" dirty="0" smtClean="0"/>
+              <a:t> </a:t>
+            </a:r>
+            <a:r>
+              <a:rPr lang="en-US" altLang="zh-CN" sz="4000" dirty="0" smtClean="0"/>
+              <a:t>How’s</a:t>
+            </a:r>
+            <a:r>
+              <a:rPr lang="zh-CN" altLang="en-US" sz="4000" dirty="0" smtClean="0"/>
+              <a:t> </a:t>
+            </a:r>
+            <a:r>
+              <a:rPr lang="en-US" altLang="zh-CN" sz="4000" dirty="0" smtClean="0"/>
+              <a:t>the</a:t>
+            </a:r>
+            <a:r>
+              <a:rPr lang="zh-CN" altLang="en-US" sz="4000" dirty="0" smtClean="0"/>
+              <a:t> </a:t>
+            </a:r>
+            <a:r>
+              <a:rPr lang="en-US" altLang="zh-CN" sz="4000" dirty="0" smtClean="0"/>
+              <a:t>input</a:t>
+            </a:r>
+            <a:r>
+              <a:rPr lang="zh-CN" altLang="en-US" sz="4000" dirty="0" smtClean="0"/>
+              <a:t> </a:t>
+            </a:r>
+            <a:r>
+              <a:rPr lang="en-US" altLang="zh-CN" sz="4000" dirty="0" smtClean="0"/>
+              <a:t>error</a:t>
+            </a:r>
+            <a:r>
+              <a:rPr lang="zh-CN" altLang="en-US" sz="4000" dirty="0" smtClean="0"/>
+              <a:t> </a:t>
+            </a:r>
+            <a:r>
+              <a:rPr lang="en-US" altLang="zh-CN" sz="4000" dirty="0" smtClean="0"/>
+              <a:t>scale</a:t>
+            </a:r>
+            <a:r>
+              <a:rPr lang="zh-CN" altLang="en-US" sz="4000" dirty="0" smtClean="0"/>
+              <a:t> </a:t>
+            </a:r>
+            <a:r>
+              <a:rPr lang="en-US" altLang="zh-CN" sz="4000" dirty="0" smtClean="0"/>
+              <a:t>impact</a:t>
+            </a:r>
+            <a:r>
+              <a:rPr lang="zh-CN" altLang="en-US" sz="4000" dirty="0" smtClean="0"/>
+              <a:t> </a:t>
+            </a:r>
+            <a:r>
+              <a:rPr lang="en-US" altLang="zh-CN" sz="4000" dirty="0" smtClean="0"/>
+              <a:t>the</a:t>
+            </a:r>
+            <a:r>
+              <a:rPr lang="zh-CN" altLang="en-US" sz="4000" dirty="0" smtClean="0"/>
+              <a:t> </a:t>
+            </a:r>
+            <a:r>
+              <a:rPr lang="en-US" altLang="zh-CN" sz="4000" dirty="0" smtClean="0"/>
+              <a:t>silent</a:t>
+            </a:r>
+            <a:r>
+              <a:rPr lang="zh-CN" altLang="en-US" sz="4000" dirty="0" smtClean="0"/>
+              <a:t> </a:t>
+            </a:r>
+            <a:r>
+              <a:rPr lang="en-US" altLang="zh-CN" sz="4000" dirty="0" smtClean="0"/>
+              <a:t>data</a:t>
+            </a:r>
+            <a:r>
+              <a:rPr lang="zh-CN" altLang="en-US" sz="4000" dirty="0" smtClean="0"/>
+              <a:t> </a:t>
+            </a:r>
+            <a:r>
+              <a:rPr lang="en-US" altLang="zh-CN" sz="4000" dirty="0" smtClean="0"/>
+              <a:t>corruption</a:t>
+            </a:r>
+            <a:r>
+              <a:rPr lang="zh-CN" altLang="en-US" sz="4000" dirty="0" smtClean="0"/>
+              <a:t> </a:t>
+            </a:r>
+            <a:r>
+              <a:rPr lang="en-US" altLang="zh-CN" sz="4000" dirty="0" smtClean="0"/>
+              <a:t>output</a:t>
+            </a:r>
+            <a:r>
+              <a:rPr lang="zh-CN" altLang="zh-CN" sz="4000" dirty="0" smtClean="0"/>
+              <a:t>?</a:t>
+            </a:r>
+            <a:endParaRPr lang="en-US" altLang="zh-CN" sz="4000" dirty="0" smtClean="0"/>
+          </a:p>
+          <a:p>
+            <a:r>
+              <a:rPr lang="zh-CN" altLang="zh-CN" dirty="0"/>
+              <a:t> </a:t>
             </a:r>
             <a:r>
               <a:rPr lang="en-US" altLang="zh-CN" dirty="0" smtClean="0"/>
-              <a:t>1</a:t>
-            </a:r>
-            <a:r>
-              <a:rPr lang="zh-CN" altLang="en-US" dirty="0"/>
+              <a:t>	</a:t>
+            </a:r>
+          </a:p>
+          <a:p>
+            <a:endParaRPr lang="en-US" altLang="zh-CN" dirty="0" smtClean="0"/>
+          </a:p>
+          <a:p>
+            <a:endParaRPr lang="en-US" altLang="zh-CN" dirty="0" smtClean="0"/>
+          </a:p>
+          <a:p>
+            <a:endParaRPr lang="en-US" altLang="zh-CN" dirty="0"/>
+          </a:p>
+          <a:p>
+            <a:endParaRPr lang="en-US" altLang="zh-CN" dirty="0" smtClean="0"/>
+          </a:p>
+          <a:p>
+            <a:endParaRPr lang="en-US" altLang="zh-CN" dirty="0" smtClean="0"/>
+          </a:p>
+          <a:p>
+            <a:endParaRPr lang="en-US" altLang="zh-CN" dirty="0"/>
+          </a:p>
+          <a:p>
+            <a:r>
+              <a:rPr lang="en-US" altLang="zh-CN" sz="4000" dirty="0" smtClean="0"/>
+              <a:t>Task</a:t>
+            </a:r>
+            <a:r>
+              <a:rPr lang="zh-CN" altLang="en-US" sz="4000" dirty="0" smtClean="0"/>
+              <a:t>3</a:t>
+            </a:r>
+            <a:r>
+              <a:rPr lang="en-US" altLang="zh-CN" sz="4000" dirty="0" smtClean="0"/>
+              <a:t>.</a:t>
+            </a:r>
+            <a:r>
+              <a:rPr lang="zh-CN" altLang="en-US" sz="4000" dirty="0" smtClean="0"/>
+              <a:t> </a:t>
+            </a:r>
+            <a:r>
+              <a:rPr lang="en-US" altLang="zh-CN" sz="4000" dirty="0" smtClean="0"/>
+              <a:t>How</a:t>
+            </a:r>
+            <a:r>
+              <a:rPr lang="zh-CN" altLang="en-US" sz="4000" dirty="0" smtClean="0"/>
+              <a:t> </a:t>
+            </a:r>
+            <a:r>
+              <a:rPr lang="en-US" altLang="zh-CN" sz="4000" dirty="0" smtClean="0"/>
+              <a:t>each</a:t>
+            </a:r>
+            <a:r>
+              <a:rPr lang="zh-CN" altLang="en-US" sz="4000" dirty="0" smtClean="0"/>
+              <a:t> </a:t>
+            </a:r>
+            <a:r>
+              <a:rPr lang="en-US" altLang="zh-CN" sz="4000" dirty="0" smtClean="0"/>
+              <a:t>bit</a:t>
+            </a:r>
+            <a:r>
+              <a:rPr lang="zh-CN" altLang="en-US" sz="4000" dirty="0" smtClean="0"/>
+              <a:t> </a:t>
+            </a:r>
+            <a:r>
+              <a:rPr lang="en-US" altLang="zh-CN" sz="4000" dirty="0" smtClean="0"/>
+              <a:t>flip</a:t>
+            </a:r>
+            <a:r>
+              <a:rPr lang="zh-CN" altLang="en-US" sz="4000" dirty="0" smtClean="0"/>
+              <a:t> </a:t>
+            </a:r>
+            <a:r>
+              <a:rPr lang="en-US" altLang="zh-CN" sz="4000" dirty="0" smtClean="0"/>
+              <a:t>will</a:t>
+            </a:r>
+            <a:r>
+              <a:rPr lang="zh-CN" altLang="en-US" sz="4000" dirty="0" smtClean="0"/>
+              <a:t> </a:t>
+            </a:r>
+            <a:r>
+              <a:rPr lang="en-US" altLang="zh-CN" sz="4000" dirty="0" smtClean="0"/>
+              <a:t>affect</a:t>
+            </a:r>
+            <a:r>
+              <a:rPr lang="zh-CN" altLang="en-US" sz="4000" dirty="0" smtClean="0"/>
+              <a:t> </a:t>
+            </a:r>
+            <a:r>
+              <a:rPr lang="en-US" altLang="zh-CN" sz="4000" dirty="0" smtClean="0"/>
+              <a:t>the</a:t>
+            </a:r>
+            <a:r>
+              <a:rPr lang="zh-CN" altLang="en-US" sz="4000" dirty="0" smtClean="0"/>
+              <a:t> </a:t>
+            </a:r>
+            <a:r>
+              <a:rPr lang="en-US" altLang="zh-CN" sz="4000" dirty="0" smtClean="0"/>
+              <a:t>outcome</a:t>
+            </a:r>
+            <a:r>
+              <a:rPr lang="zh-CN" altLang="en-US" sz="4000" dirty="0" smtClean="0"/>
+              <a:t> </a:t>
+            </a:r>
+            <a:r>
+              <a:rPr lang="en-US" altLang="zh-CN" sz="4000" dirty="0" smtClean="0"/>
+              <a:t>of</a:t>
+            </a:r>
+            <a:r>
+              <a:rPr lang="zh-CN" altLang="en-US" sz="4000" dirty="0" smtClean="0"/>
+              <a:t> </a:t>
+            </a:r>
+            <a:r>
+              <a:rPr lang="en-US" altLang="zh-CN" sz="4000" dirty="0" smtClean="0"/>
+              <a:t>the</a:t>
+            </a:r>
+            <a:r>
+              <a:rPr lang="zh-CN" altLang="en-US" sz="4000" dirty="0" smtClean="0"/>
+              <a:t> </a:t>
+            </a:r>
+            <a:r>
+              <a:rPr lang="en-US" altLang="zh-CN" sz="4000" dirty="0" smtClean="0"/>
+              <a:t>program</a:t>
+            </a:r>
+            <a:r>
+              <a:rPr lang="zh-CN" altLang="en-US" sz="4000" dirty="0" smtClean="0"/>
+              <a:t>？</a:t>
+            </a:r>
+            <a:endParaRPr lang="en-US" altLang="zh-CN" sz="4000" dirty="0"/>
+          </a:p>
+          <a:p>
+            <a:endParaRPr lang="en-US" altLang="zh-CN" dirty="0" smtClean="0"/>
+          </a:p>
+          <a:p>
+            <a:endParaRPr lang="en-US" altLang="zh-CN" dirty="0"/>
+          </a:p>
+          <a:p>
+            <a:endParaRPr lang="en-US" altLang="zh-CN" dirty="0" smtClean="0"/>
+          </a:p>
+          <a:p>
+            <a:endParaRPr lang="en-US" altLang="zh-CN" dirty="0" smtClean="0"/>
+          </a:p>
+          <a:p>
+            <a:endParaRPr lang="en-US" altLang="zh-CN" dirty="0" smtClean="0"/>
+          </a:p>
+          <a:p>
+            <a:endParaRPr lang="en-US" altLang="zh-CN" dirty="0"/>
+          </a:p>
+          <a:p>
+            <a:endParaRPr lang="en-US" altLang="zh-CN" dirty="0" smtClean="0"/>
+          </a:p>
+          <a:p>
+            <a:endParaRPr lang="en-US" altLang="zh-CN" dirty="0" smtClean="0"/>
+          </a:p>
+          <a:p>
+            <a:endParaRPr lang="en-US" altLang="zh-CN" dirty="0" smtClean="0"/>
+          </a:p>
+          <a:p>
+            <a:r>
+              <a:rPr lang="en-US" altLang="zh-CN" sz="4000" dirty="0" smtClean="0"/>
+              <a:t>Task</a:t>
+            </a:r>
+            <a:r>
+              <a:rPr lang="zh-CN" altLang="en-US" sz="4000" dirty="0"/>
+              <a:t>4</a:t>
+            </a:r>
+            <a:r>
+              <a:rPr lang="zh-CN" altLang="en-US" sz="4000" dirty="0" smtClean="0"/>
               <a:t>:</a:t>
             </a:r>
             <a:r>
-              <a:rPr lang="en-US" dirty="0" smtClean="0"/>
-              <a:t>Understand</a:t>
-            </a:r>
+              <a:rPr lang="en-US" altLang="zh-CN" sz="4000" dirty="0" smtClean="0"/>
+              <a:t>How’s</a:t>
+            </a:r>
+            <a:r>
+              <a:rPr lang="zh-CN" altLang="en-US" sz="4000" dirty="0" smtClean="0"/>
+              <a:t> </a:t>
+            </a:r>
+            <a:r>
+              <a:rPr lang="en-US" altLang="zh-CN" sz="4000" dirty="0" smtClean="0"/>
+              <a:t>the</a:t>
+            </a:r>
+            <a:r>
+              <a:rPr lang="zh-CN" altLang="en-US" sz="4000" dirty="0" smtClean="0"/>
+              <a:t> </a:t>
+            </a:r>
+            <a:r>
+              <a:rPr lang="en-US" altLang="zh-CN" sz="4000" dirty="0" smtClean="0"/>
+              <a:t>vulnerability</a:t>
+            </a:r>
+            <a:r>
+              <a:rPr lang="zh-CN" altLang="en-US" sz="4000" dirty="0" smtClean="0"/>
+              <a:t> </a:t>
+            </a:r>
+            <a:r>
+              <a:rPr lang="en-US" altLang="zh-CN" sz="4000" dirty="0" smtClean="0"/>
+              <a:t>of</a:t>
+            </a:r>
+            <a:r>
+              <a:rPr lang="zh-CN" altLang="en-US" sz="4000" dirty="0" smtClean="0"/>
+              <a:t> </a:t>
+            </a:r>
+            <a:r>
+              <a:rPr lang="en-US" altLang="zh-CN" sz="4000" dirty="0" smtClean="0"/>
+              <a:t>different</a:t>
+            </a:r>
+            <a:r>
+              <a:rPr lang="zh-CN" altLang="en-US" sz="4000" dirty="0" smtClean="0"/>
+              <a:t> </a:t>
+            </a:r>
+            <a:r>
+              <a:rPr lang="en-US" altLang="zh-CN" sz="4000" dirty="0" smtClean="0"/>
+              <a:t>code</a:t>
+            </a:r>
+            <a:r>
+              <a:rPr lang="zh-CN" altLang="en-US" sz="4000" dirty="0" smtClean="0"/>
+              <a:t> </a:t>
+            </a:r>
+            <a:r>
+              <a:rPr lang="en-US" altLang="zh-CN" sz="4000" dirty="0" smtClean="0"/>
+              <a:t>region?</a:t>
+            </a:r>
+            <a:endParaRPr lang="en-US" altLang="zh-CN" sz="4000" dirty="0" smtClean="0"/>
+          </a:p>
+          <a:p>
+            <a:endParaRPr lang="en-US" altLang="zh-CN" sz="4800" dirty="0" smtClean="0"/>
+          </a:p>
+          <a:p>
+            <a:endParaRPr lang="en-US" altLang="zh-CN" dirty="0" smtClean="0"/>
+          </a:p>
+          <a:p>
+            <a:endParaRPr lang="en-US" altLang="zh-CN" dirty="0" smtClean="0"/>
+          </a:p>
+          <a:p>
             <a:r>
               <a:rPr lang="zh-CN" altLang="en-US" dirty="0" smtClean="0"/>
               <a:t> </a:t>
             </a:r>
-            <a:r>
-              <a:rPr lang="en-US" altLang="zh-CN" dirty="0" smtClean="0"/>
-              <a:t>the</a:t>
-            </a:r>
-            <a:r>
-              <a:rPr lang="zh-CN" altLang="en-US" dirty="0" smtClean="0"/>
-              <a:t> </a:t>
-            </a:r>
-            <a:r>
-              <a:rPr lang="en-US" altLang="zh-CN" dirty="0" smtClean="0"/>
-              <a:t>error</a:t>
-            </a:r>
-            <a:r>
-              <a:rPr lang="en-US" altLang="zh-CN" dirty="0" smtClean="0"/>
-              <a:t>’s</a:t>
-            </a:r>
-            <a:r>
-              <a:rPr lang="zh-CN" altLang="en-US" dirty="0" smtClean="0"/>
-              <a:t> </a:t>
-            </a:r>
-            <a:r>
-              <a:rPr lang="en-US" altLang="zh-CN" dirty="0" smtClean="0"/>
-              <a:t>impact</a:t>
-            </a:r>
-            <a:r>
-              <a:rPr lang="zh-CN" altLang="en-US" dirty="0" smtClean="0"/>
-              <a:t> </a:t>
-            </a:r>
-            <a:r>
-              <a:rPr lang="en-US" altLang="zh-CN" dirty="0" smtClean="0"/>
-              <a:t>on</a:t>
-            </a:r>
-            <a:r>
-              <a:rPr lang="zh-CN" altLang="en-US" dirty="0" smtClean="0"/>
-              <a:t> </a:t>
-            </a:r>
-            <a:r>
-              <a:rPr lang="en-US" altLang="zh-CN" dirty="0" smtClean="0"/>
-              <a:t>different</a:t>
-            </a:r>
-            <a:r>
-              <a:rPr lang="zh-CN" altLang="en-US" dirty="0" smtClean="0"/>
-              <a:t> </a:t>
-            </a:r>
-            <a:r>
-              <a:rPr lang="en-US" altLang="zh-CN" dirty="0" smtClean="0"/>
-              <a:t>code</a:t>
-            </a:r>
-            <a:r>
-              <a:rPr lang="zh-CN" altLang="en-US" dirty="0" smtClean="0"/>
-              <a:t> </a:t>
-            </a:r>
-            <a:r>
-              <a:rPr lang="en-US" altLang="zh-CN" dirty="0" smtClean="0"/>
-              <a:t>region</a:t>
-            </a:r>
-            <a:r>
-              <a:rPr lang="en-US" altLang="zh-CN" dirty="0" smtClean="0"/>
-              <a:t>.</a:t>
-            </a:r>
             <a:endParaRPr lang="en-US" altLang="zh-CN" dirty="0" smtClean="0"/>
           </a:p>
           <a:p>
-            <a:r>
-              <a:rPr lang="zh-CN" altLang="zh-CN" dirty="0"/>
-              <a:t> </a:t>
-            </a:r>
-            <a:r>
-              <a:rPr lang="en-US" altLang="zh-CN" dirty="0" smtClean="0"/>
-              <a:t>	</a:t>
-            </a:r>
-          </a:p>
-          <a:p>
             <a:endParaRPr lang="en-US" altLang="zh-CN" dirty="0" smtClean="0"/>
           </a:p>
           <a:p>
+            <a:endParaRPr lang="en-US" altLang="zh-CN" dirty="0"/>
+          </a:p>
+          <a:p>
             <a:endParaRPr lang="en-US" altLang="zh-CN" dirty="0" smtClean="0"/>
           </a:p>
           <a:p>
+            <a:endParaRPr lang="en-US" altLang="zh-CN" dirty="0"/>
+          </a:p>
+          <a:p>
             <a:endParaRPr lang="en-US" altLang="zh-CN" dirty="0" smtClean="0"/>
           </a:p>
           <a:p>
+            <a:endParaRPr lang="en-US" altLang="zh-CN" sz="4800" dirty="0" smtClean="0"/>
+          </a:p>
+          <a:p>
+            <a:endParaRPr lang="en-US" altLang="zh-CN" sz="4800" dirty="0"/>
+          </a:p>
+          <a:p>
+            <a:endParaRPr lang="en-US" altLang="zh-CN" sz="4800" dirty="0"/>
+          </a:p>
+          <a:p>
             <a:endParaRPr lang="en-US" altLang="zh-CN" dirty="0" smtClean="0"/>
           </a:p>
           <a:p>
+            <a:endParaRPr lang="en-US" altLang="zh-CN" dirty="0" smtClean="0"/>
+          </a:p>
+          <a:p>
             <a:endParaRPr lang="en-US" altLang="zh-CN" dirty="0"/>
           </a:p>
           <a:p>
@@ -18652,317 +19262,6 @@
           </a:p>
           <a:p>
             <a:endParaRPr lang="en-US" altLang="zh-CN" dirty="0" smtClean="0"/>
-          </a:p>
-          <a:p>
-            <a:endParaRPr lang="en-US" altLang="zh-CN" dirty="0" smtClean="0"/>
-          </a:p>
-          <a:p>
-            <a:endParaRPr lang="en-US" altLang="zh-CN" dirty="0" smtClean="0"/>
-          </a:p>
-          <a:p>
-            <a:r>
-              <a:rPr lang="en-US" altLang="zh-CN" dirty="0" smtClean="0"/>
-              <a:t>G</a:t>
-            </a:r>
-            <a:r>
-              <a:rPr lang="zh-CN" altLang="zh-CN" dirty="0" smtClean="0"/>
-              <a:t>2</a:t>
-            </a:r>
-            <a:r>
-              <a:rPr lang="zh-CN" altLang="en-US" dirty="0"/>
-              <a:t>:</a:t>
-            </a:r>
-            <a:r>
-              <a:rPr lang="en-US" altLang="zh-CN" dirty="0" smtClean="0"/>
-              <a:t>Understand</a:t>
-            </a:r>
-            <a:r>
-              <a:rPr lang="zh-CN" altLang="en-US" dirty="0" smtClean="0"/>
-              <a:t> </a:t>
-            </a:r>
-            <a:r>
-              <a:rPr lang="en-US" altLang="zh-CN" dirty="0" smtClean="0"/>
-              <a:t>different</a:t>
-            </a:r>
-            <a:r>
-              <a:rPr lang="zh-CN" altLang="en-US" dirty="0" smtClean="0"/>
-              <a:t> </a:t>
-            </a:r>
-            <a:r>
-              <a:rPr lang="en-US" altLang="zh-CN" dirty="0" smtClean="0"/>
-              <a:t>code</a:t>
-            </a:r>
-            <a:r>
-              <a:rPr lang="zh-CN" altLang="en-US" dirty="0" smtClean="0"/>
-              <a:t> </a:t>
-            </a:r>
-            <a:r>
-              <a:rPr lang="en-US" altLang="zh-CN" dirty="0" smtClean="0"/>
-              <a:t>region’s</a:t>
-            </a:r>
-            <a:r>
-              <a:rPr lang="zh-CN" altLang="en-US" dirty="0" smtClean="0"/>
-              <a:t> </a:t>
-            </a:r>
-            <a:r>
-              <a:rPr lang="en-US" altLang="zh-CN" dirty="0" smtClean="0"/>
-              <a:t>silent</a:t>
-            </a:r>
-            <a:r>
-              <a:rPr lang="zh-CN" altLang="en-US" dirty="0" smtClean="0"/>
-              <a:t> </a:t>
-            </a:r>
-            <a:r>
-              <a:rPr lang="en-US" altLang="zh-CN" dirty="0" smtClean="0"/>
-              <a:t>data</a:t>
-            </a:r>
-            <a:r>
-              <a:rPr lang="zh-CN" altLang="en-US" dirty="0" smtClean="0"/>
-              <a:t> </a:t>
-            </a:r>
-            <a:r>
-              <a:rPr lang="en-US" altLang="zh-CN" dirty="0" smtClean="0"/>
-              <a:t>corruption</a:t>
-            </a:r>
-            <a:r>
-              <a:rPr lang="zh-CN" altLang="en-US" dirty="0" smtClean="0"/>
-              <a:t> </a:t>
-            </a:r>
-            <a:r>
-              <a:rPr lang="en-US" altLang="zh-CN" dirty="0" smtClean="0"/>
-              <a:t>vulnerability</a:t>
-            </a:r>
-            <a:r>
-              <a:rPr lang="en-US" altLang="zh-CN" dirty="0" smtClean="0"/>
-              <a:t>.</a:t>
-            </a:r>
-            <a:endParaRPr lang="en-US" altLang="zh-CN" dirty="0" smtClean="0"/>
-          </a:p>
-          <a:p>
-            <a:endParaRPr lang="en-US" altLang="zh-CN" dirty="0" smtClean="0"/>
-          </a:p>
-          <a:p>
-            <a:endParaRPr lang="en-US" altLang="zh-CN" dirty="0" smtClean="0"/>
-          </a:p>
-          <a:p>
-            <a:r>
-              <a:rPr lang="zh-CN" altLang="en-US" dirty="0" smtClean="0"/>
-              <a:t> </a:t>
-            </a:r>
-            <a:endParaRPr lang="en-US" altLang="zh-CN" dirty="0" smtClean="0"/>
-          </a:p>
-          <a:p>
-            <a:endParaRPr lang="en-US" altLang="zh-CN" dirty="0"/>
-          </a:p>
-          <a:p>
-            <a:endParaRPr lang="en-US" altLang="zh-CN" dirty="0" smtClean="0"/>
-          </a:p>
-          <a:p>
-            <a:endParaRPr lang="en-US" altLang="zh-CN" dirty="0"/>
-          </a:p>
-          <a:p>
-            <a:endParaRPr lang="en-US" altLang="zh-CN" dirty="0" smtClean="0"/>
-          </a:p>
-          <a:p>
-            <a:endParaRPr lang="en-US" altLang="zh-CN" dirty="0"/>
-          </a:p>
-          <a:p>
-            <a:endParaRPr lang="en-US" altLang="zh-CN" dirty="0" smtClean="0"/>
-          </a:p>
-          <a:p>
-            <a:endParaRPr lang="en-US" altLang="zh-CN" dirty="0"/>
-          </a:p>
-          <a:p>
-            <a:endParaRPr lang="en-US" altLang="zh-CN" dirty="0" smtClean="0"/>
-          </a:p>
-          <a:p>
-            <a:endParaRPr lang="en-US" altLang="zh-CN" dirty="0"/>
-          </a:p>
-          <a:p>
-            <a:endParaRPr lang="en-US" altLang="zh-CN" dirty="0" smtClean="0"/>
-          </a:p>
-          <a:p>
-            <a:r>
-              <a:rPr lang="en-US" altLang="zh-CN" dirty="0" smtClean="0"/>
-              <a:t>G</a:t>
-            </a:r>
-            <a:r>
-              <a:rPr lang="zh-CN" altLang="zh-CN" dirty="0" smtClean="0"/>
-              <a:t>3</a:t>
-            </a:r>
-            <a:r>
-              <a:rPr lang="en-US" altLang="zh-CN" dirty="0" smtClean="0"/>
-              <a:t>:</a:t>
-            </a:r>
-            <a:r>
-              <a:rPr lang="zh-CN" altLang="en-US" dirty="0" smtClean="0"/>
-              <a:t> </a:t>
-            </a:r>
-            <a:r>
-              <a:rPr lang="en-US" altLang="zh-CN" dirty="0" smtClean="0"/>
-              <a:t>Understand</a:t>
-            </a:r>
-            <a:r>
-              <a:rPr lang="zh-CN" altLang="en-US" dirty="0" smtClean="0"/>
-              <a:t> </a:t>
-            </a:r>
-            <a:r>
-              <a:rPr lang="en-US" altLang="zh-CN" dirty="0" smtClean="0"/>
-              <a:t>the</a:t>
-            </a:r>
-            <a:r>
-              <a:rPr lang="zh-CN" altLang="en-US" dirty="0" smtClean="0"/>
-              <a:t> </a:t>
-            </a:r>
-            <a:r>
-              <a:rPr lang="en-US" altLang="zh-CN" dirty="0" smtClean="0"/>
-              <a:t>error</a:t>
-            </a:r>
-            <a:r>
-              <a:rPr lang="zh-CN" altLang="en-US" dirty="0" smtClean="0"/>
-              <a:t> </a:t>
-            </a:r>
-            <a:r>
-              <a:rPr lang="en-US" altLang="zh-CN" dirty="0" smtClean="0"/>
-              <a:t>propagate</a:t>
-            </a:r>
-            <a:r>
-              <a:rPr lang="zh-CN" altLang="en-US" dirty="0" smtClean="0"/>
-              <a:t> </a:t>
-            </a:r>
-            <a:r>
-              <a:rPr lang="en-US" altLang="zh-CN" dirty="0" smtClean="0"/>
-              <a:t>through</a:t>
-            </a:r>
-            <a:r>
-              <a:rPr lang="zh-CN" altLang="en-US" dirty="0" smtClean="0"/>
-              <a:t> </a:t>
-            </a:r>
-            <a:r>
-              <a:rPr lang="en-US" altLang="zh-CN" dirty="0" smtClean="0"/>
-              <a:t>program.</a:t>
-            </a:r>
-            <a:endParaRPr lang="en-US" altLang="zh-CN" dirty="0" smtClean="0"/>
-          </a:p>
-          <a:p>
-            <a:endParaRPr lang="en-US" altLang="zh-CN" dirty="0"/>
-          </a:p>
-          <a:p>
-            <a:endParaRPr lang="en-US" altLang="zh-CN" dirty="0" smtClean="0"/>
-          </a:p>
-          <a:p>
-            <a:endParaRPr lang="en-US" altLang="zh-CN" dirty="0"/>
-          </a:p>
-          <a:p>
-            <a:endParaRPr lang="en-US" altLang="zh-CN" dirty="0" smtClean="0"/>
-          </a:p>
-          <a:p>
-            <a:endParaRPr lang="en-US" altLang="zh-CN" dirty="0"/>
-          </a:p>
-          <a:p>
-            <a:endParaRPr lang="en-US" altLang="zh-CN" dirty="0" smtClean="0"/>
-          </a:p>
-          <a:p>
-            <a:endParaRPr lang="en-US" altLang="zh-CN" dirty="0"/>
-          </a:p>
-          <a:p>
-            <a:endParaRPr lang="en-US" altLang="zh-CN" dirty="0" smtClean="0"/>
-          </a:p>
-          <a:p>
-            <a:endParaRPr lang="en-US" altLang="zh-CN" dirty="0"/>
-          </a:p>
-          <a:p>
-            <a:endParaRPr lang="en-US" altLang="zh-CN" dirty="0" smtClean="0"/>
-          </a:p>
-          <a:p>
-            <a:r>
-              <a:rPr lang="en-US" altLang="zh-CN" dirty="0" smtClean="0"/>
-              <a:t>G</a:t>
-            </a:r>
-            <a:r>
-              <a:rPr lang="en-US" altLang="zh-CN" dirty="0" smtClean="0"/>
-              <a:t>4:</a:t>
-            </a:r>
-            <a:r>
-              <a:rPr lang="zh-CN" altLang="en-US" dirty="0" smtClean="0"/>
-              <a:t> </a:t>
-            </a:r>
-            <a:r>
-              <a:rPr lang="en-US" altLang="zh-CN" dirty="0" smtClean="0"/>
-              <a:t>Reason</a:t>
-            </a:r>
-            <a:r>
-              <a:rPr lang="zh-CN" altLang="en-US" dirty="0" smtClean="0"/>
-              <a:t> </a:t>
-            </a:r>
-            <a:r>
-              <a:rPr lang="en-US" altLang="zh-CN" dirty="0"/>
-              <a:t>about</a:t>
-            </a:r>
-            <a:r>
-              <a:rPr lang="zh-CN" altLang="en-US" dirty="0"/>
-              <a:t> </a:t>
-            </a:r>
-            <a:r>
-              <a:rPr lang="en-US" altLang="zh-CN" dirty="0"/>
-              <a:t>the</a:t>
-            </a:r>
-            <a:r>
-              <a:rPr lang="zh-CN" altLang="en-US" dirty="0"/>
-              <a:t> </a:t>
-            </a:r>
-            <a:r>
-              <a:rPr lang="en-US" altLang="zh-CN" dirty="0"/>
-              <a:t>interesting</a:t>
-            </a:r>
-            <a:r>
-              <a:rPr lang="zh-CN" altLang="en-US" dirty="0"/>
-              <a:t> </a:t>
-            </a:r>
-            <a:r>
-              <a:rPr lang="en-US" altLang="zh-CN" dirty="0"/>
-              <a:t>feature.</a:t>
-            </a:r>
-          </a:p>
-          <a:p>
-            <a:endParaRPr lang="en-US" altLang="zh-CN" dirty="0"/>
-          </a:p>
-          <a:p>
-            <a:endParaRPr lang="en-US" altLang="zh-CN" dirty="0" smtClean="0"/>
-          </a:p>
-          <a:p>
-            <a:endParaRPr lang="en-US" altLang="zh-CN" dirty="0"/>
-          </a:p>
-          <a:p>
-            <a:endParaRPr lang="en-US" altLang="zh-CN" dirty="0" smtClean="0"/>
-          </a:p>
-          <a:p>
-            <a:endParaRPr lang="en-US" altLang="zh-CN" dirty="0"/>
-          </a:p>
-          <a:p>
-            <a:endParaRPr lang="en-US" altLang="zh-CN" dirty="0" smtClean="0"/>
-          </a:p>
-          <a:p>
-            <a:endParaRPr lang="en-US" altLang="zh-CN" dirty="0"/>
-          </a:p>
-          <a:p>
-            <a:endParaRPr lang="en-US" altLang="zh-CN" dirty="0" smtClean="0"/>
-          </a:p>
-          <a:p>
-            <a:endParaRPr lang="en-US" altLang="zh-CN" dirty="0"/>
-          </a:p>
-          <a:p>
-            <a:endParaRPr lang="en-US" altLang="zh-CN" dirty="0" smtClean="0"/>
-          </a:p>
-          <a:p>
-            <a:endParaRPr lang="en-US" altLang="zh-CN" dirty="0" smtClean="0"/>
-          </a:p>
-          <a:p>
-            <a:r>
-              <a:rPr lang="en-US" altLang="zh-CN" dirty="0" smtClean="0"/>
-              <a:t>sad</a:t>
-            </a:r>
-            <a:endParaRPr lang="en-US" altLang="zh-CN" dirty="0"/>
           </a:p>
         </p:txBody>
       </p:sp>
@@ -18976,20 +19275,22 @@
             <p:ph type="body" sz="quarter" idx="22"/>
           </p:nvPr>
         </p:nvSpPr>
-        <p:spPr/>
+        <p:spPr>
+          <a:xfrm>
+            <a:off x="11460162" y="6390030"/>
+            <a:ext cx="10048875" cy="754045"/>
+          </a:xfrm>
+        </p:spPr>
         <p:txBody>
           <a:bodyPr/>
           <a:lstStyle/>
           <a:p>
-            <a:r>
-              <a:rPr lang="en-US" dirty="0" smtClean="0"/>
-              <a:t>MATERIALS </a:t>
-            </a:r>
-            <a:r>
-              <a:rPr lang="en-US" altLang="zh-CN" dirty="0" smtClean="0"/>
-              <a:t>&amp; METHODS</a:t>
-            </a:r>
-            <a:endParaRPr lang="en-US" dirty="0"/>
+            <a:pPr algn="l"/>
+            <a:r>
+              <a:rPr lang="en-US" i="1" dirty="0" smtClean="0"/>
+              <a:t>BASIC TASKS</a:t>
+            </a:r>
+            <a:endParaRPr lang="en-US" i="1" dirty="0"/>
           </a:p>
         </p:txBody>
       </p:sp>
@@ -19005,8 +19306,8 @@
         </p:nvSpPr>
         <p:spPr>
           <a:xfrm>
-            <a:off x="22427395" y="6378481"/>
-            <a:ext cx="10006822" cy="24812719"/>
+            <a:off x="22427395" y="6378479"/>
+            <a:ext cx="10006822" cy="24709637"/>
           </a:xfrm>
           <a:solidFill>
             <a:srgbClr val="FFFFFF"/>
@@ -19021,7 +19322,402 @@
           <a:bodyPr/>
           <a:lstStyle/>
           <a:p>
-            <a:endParaRPr lang="en-US" dirty="0"/>
+            <a:r>
+              <a:rPr lang="en-US" sz="4000" dirty="0" smtClean="0"/>
+              <a:t>Task</a:t>
+            </a:r>
+            <a:r>
+              <a:rPr lang="en-US" altLang="zh-CN" sz="4000" dirty="0" smtClean="0"/>
+              <a:t>5.</a:t>
+            </a:r>
+            <a:r>
+              <a:rPr lang="zh-CN" altLang="en-US" sz="4000" dirty="0" smtClean="0"/>
+              <a:t> </a:t>
+            </a:r>
+            <a:r>
+              <a:rPr lang="en-US" altLang="zh-CN" sz="4000" dirty="0" smtClean="0"/>
+              <a:t>select</a:t>
+            </a:r>
+            <a:r>
+              <a:rPr lang="zh-CN" altLang="en-US" sz="4000" dirty="0" smtClean="0"/>
+              <a:t> </a:t>
+            </a:r>
+            <a:r>
+              <a:rPr lang="en-US" altLang="zh-CN" sz="4000" dirty="0" smtClean="0"/>
+              <a:t>a</a:t>
+            </a:r>
+            <a:r>
+              <a:rPr lang="zh-CN" altLang="en-US" sz="4000" dirty="0" smtClean="0"/>
+              <a:t> </a:t>
+            </a:r>
+            <a:r>
+              <a:rPr lang="en-US" altLang="zh-CN" sz="4000" dirty="0" smtClean="0"/>
+              <a:t>subset</a:t>
+            </a:r>
+            <a:r>
+              <a:rPr lang="zh-CN" altLang="en-US" sz="4000" dirty="0" smtClean="0"/>
+              <a:t> </a:t>
+            </a:r>
+            <a:r>
+              <a:rPr lang="en-US" altLang="zh-CN" sz="4000" dirty="0" smtClean="0"/>
+              <a:t>of</a:t>
+            </a:r>
+            <a:r>
+              <a:rPr lang="zh-CN" altLang="en-US" sz="4000" dirty="0" smtClean="0"/>
+              <a:t> </a:t>
+            </a:r>
+            <a:r>
+              <a:rPr lang="en-US" altLang="zh-CN" sz="4000" dirty="0" smtClean="0"/>
+              <a:t>the</a:t>
+            </a:r>
+            <a:r>
+              <a:rPr lang="zh-CN" altLang="en-US" sz="4000" dirty="0" smtClean="0"/>
+              <a:t> </a:t>
+            </a:r>
+            <a:r>
+              <a:rPr lang="en-US" altLang="zh-CN" sz="4000" dirty="0" smtClean="0"/>
+              <a:t>data</a:t>
+            </a:r>
+          </a:p>
+          <a:p>
+            <a:endParaRPr lang="en-US" sz="4000" dirty="0"/>
+          </a:p>
+          <a:p>
+            <a:endParaRPr lang="en-US" sz="4000" dirty="0" smtClean="0"/>
+          </a:p>
+          <a:p>
+            <a:r>
+              <a:rPr lang="en-US" altLang="zh-CN" sz="4000" dirty="0"/>
+              <a:t>Task</a:t>
+            </a:r>
+            <a:r>
+              <a:rPr lang="zh-CN" altLang="en-US" sz="4000" dirty="0"/>
+              <a:t> </a:t>
+            </a:r>
+            <a:r>
+              <a:rPr lang="zh-CN" altLang="zh-CN" sz="4000" dirty="0"/>
+              <a:t>6</a:t>
+            </a:r>
+            <a:r>
+              <a:rPr lang="en-US" altLang="zh-CN" sz="4000" dirty="0"/>
+              <a:t>.</a:t>
+            </a:r>
+            <a:r>
+              <a:rPr lang="en-US" sz="4000" dirty="0"/>
+              <a:t> Source</a:t>
+            </a:r>
+            <a:r>
+              <a:rPr lang="zh-CN" altLang="en-US" sz="4000" dirty="0"/>
+              <a:t> </a:t>
+            </a:r>
+            <a:r>
+              <a:rPr lang="en-US" altLang="zh-CN" sz="4000" dirty="0"/>
+              <a:t>code</a:t>
+            </a:r>
+            <a:r>
+              <a:rPr lang="zh-CN" altLang="en-US" sz="4000" dirty="0"/>
+              <a:t> </a:t>
+            </a:r>
+            <a:r>
+              <a:rPr lang="en-US" altLang="zh-CN" sz="4000" dirty="0"/>
+              <a:t>analysis</a:t>
+            </a:r>
+          </a:p>
+          <a:p>
+            <a:endParaRPr lang="en-US" sz="4000" dirty="0" smtClean="0"/>
+          </a:p>
+          <a:p>
+            <a:endParaRPr lang="en-US" sz="4000" dirty="0" smtClean="0"/>
+          </a:p>
+          <a:p>
+            <a:r>
+              <a:rPr lang="en-US" altLang="zh-CN" sz="4000" dirty="0" smtClean="0"/>
+              <a:t>.</a:t>
+            </a:r>
+            <a:endParaRPr lang="en-US" sz="4000" dirty="0"/>
+          </a:p>
+          <a:p>
+            <a:endParaRPr lang="en-US" sz="4000" dirty="0" smtClean="0"/>
+          </a:p>
+          <a:p>
+            <a:endParaRPr lang="en-US" sz="4000" dirty="0"/>
+          </a:p>
+          <a:p>
+            <a:endParaRPr lang="en-US" sz="4000" dirty="0"/>
+          </a:p>
+          <a:p>
+            <a:r>
+              <a:rPr lang="en-US" altLang="zh-CN" sz="4000" dirty="0"/>
+              <a:t>Task</a:t>
+            </a:r>
+            <a:r>
+              <a:rPr lang="zh-CN" altLang="en-US" sz="4000" dirty="0"/>
+              <a:t> </a:t>
+            </a:r>
+            <a:r>
+              <a:rPr lang="zh-CN" altLang="zh-CN" sz="4000" dirty="0" smtClean="0"/>
+              <a:t>7</a:t>
+            </a:r>
+            <a:r>
+              <a:rPr lang="en-US" altLang="zh-CN" sz="4000" dirty="0" smtClean="0"/>
+              <a:t>.</a:t>
+            </a:r>
+            <a:r>
+              <a:rPr lang="en-US" sz="4000" dirty="0" smtClean="0"/>
+              <a:t> </a:t>
+            </a:r>
+            <a:r>
+              <a:rPr lang="en-US" sz="4000" dirty="0"/>
+              <a:t>Observing error propagate through the key variable</a:t>
+            </a:r>
+            <a:r>
+              <a:rPr lang="zh-CN" altLang="en-US" sz="4000" dirty="0"/>
+              <a:t> </a:t>
+            </a:r>
+            <a:r>
+              <a:rPr lang="en-US" altLang="zh-CN" sz="4000" dirty="0"/>
+              <a:t>during</a:t>
+            </a:r>
+            <a:r>
+              <a:rPr lang="zh-CN" altLang="en-US" sz="4000" dirty="0"/>
+              <a:t> </a:t>
+            </a:r>
+            <a:r>
+              <a:rPr lang="en-US" altLang="zh-CN" sz="4000" dirty="0"/>
+              <a:t>program</a:t>
+            </a:r>
+            <a:r>
+              <a:rPr lang="zh-CN" altLang="en-US" sz="4000" dirty="0"/>
+              <a:t> </a:t>
+            </a:r>
+            <a:r>
+              <a:rPr lang="en-US" altLang="zh-CN" sz="4000" dirty="0"/>
+              <a:t>execution</a:t>
+            </a:r>
+            <a:r>
+              <a:rPr lang="en-US" altLang="zh-CN" sz="4000" dirty="0" smtClean="0"/>
+              <a:t>.</a:t>
+            </a:r>
+            <a:endParaRPr lang="en-US" sz="4000" dirty="0" smtClean="0"/>
+          </a:p>
+          <a:p>
+            <a:pPr marL="571500" indent="-571500">
+              <a:buFont typeface="Arial"/>
+              <a:buChar char="•"/>
+            </a:pPr>
+            <a:endParaRPr lang="en-US" sz="4000" dirty="0"/>
+          </a:p>
+          <a:p>
+            <a:pPr marL="571500" indent="-571500">
+              <a:buFont typeface="Arial"/>
+              <a:buChar char="•"/>
+            </a:pPr>
+            <a:endParaRPr lang="en-US" sz="4000" dirty="0" smtClean="0"/>
+          </a:p>
+          <a:p>
+            <a:pPr marL="571500" indent="-571500">
+              <a:buFont typeface="Arial"/>
+              <a:buChar char="•"/>
+            </a:pPr>
+            <a:endParaRPr lang="en-US" sz="4000" dirty="0" smtClean="0"/>
+          </a:p>
+          <a:p>
+            <a:pPr marL="571500" indent="-571500">
+              <a:buFont typeface="Arial"/>
+              <a:buChar char="•"/>
+            </a:pPr>
+            <a:endParaRPr lang="en-US" sz="4000" dirty="0"/>
+          </a:p>
+          <a:p>
+            <a:pPr marL="571500" indent="-571500">
+              <a:buFont typeface="Arial"/>
+              <a:buChar char="•"/>
+            </a:pPr>
+            <a:endParaRPr lang="en-US" sz="4000" dirty="0"/>
+          </a:p>
+          <a:p>
+            <a:endParaRPr lang="en-US" sz="4000" dirty="0" smtClean="0"/>
+          </a:p>
+          <a:p>
+            <a:endParaRPr lang="en-US" sz="4000" dirty="0"/>
+          </a:p>
+          <a:p>
+            <a:endParaRPr lang="en-US" sz="4000" dirty="0" smtClean="0"/>
+          </a:p>
+          <a:p>
+            <a:endParaRPr lang="en-US" sz="4000" dirty="0"/>
+          </a:p>
+          <a:p>
+            <a:endParaRPr lang="en-US" sz="4000" dirty="0" smtClean="0"/>
+          </a:p>
+          <a:p>
+            <a:endParaRPr lang="en-US" sz="4000" dirty="0"/>
+          </a:p>
+          <a:p>
+            <a:endParaRPr lang="en-US" sz="4000" dirty="0"/>
+          </a:p>
+          <a:p>
+            <a:pPr marL="571500" indent="-571500">
+              <a:buFont typeface="Arial"/>
+              <a:buChar char="•"/>
+            </a:pPr>
+            <a:r>
+              <a:rPr lang="en-US" sz="4000" dirty="0" smtClean="0"/>
+              <a:t>Different</a:t>
+            </a:r>
+            <a:r>
+              <a:rPr lang="zh-CN" altLang="en-US" sz="4000" dirty="0" smtClean="0"/>
+              <a:t> </a:t>
+            </a:r>
+            <a:r>
+              <a:rPr lang="en-US" altLang="zh-CN" sz="4000" dirty="0" smtClean="0"/>
+              <a:t>Iteration</a:t>
+            </a:r>
+            <a:r>
+              <a:rPr lang="zh-CN" altLang="en-US" sz="4000" dirty="0" smtClean="0"/>
+              <a:t> </a:t>
+            </a:r>
+            <a:r>
+              <a:rPr lang="en-US" altLang="zh-CN" sz="4000" dirty="0" smtClean="0"/>
+              <a:t>will</a:t>
+            </a:r>
+            <a:r>
+              <a:rPr lang="zh-CN" altLang="en-US" sz="4000" dirty="0" smtClean="0"/>
+              <a:t> </a:t>
+            </a:r>
+            <a:r>
+              <a:rPr lang="en-US" altLang="zh-CN" sz="4000" dirty="0" smtClean="0"/>
+              <a:t>affect</a:t>
+            </a:r>
+            <a:r>
+              <a:rPr lang="zh-CN" altLang="en-US" sz="4000" dirty="0" smtClean="0"/>
+              <a:t> </a:t>
+            </a:r>
+            <a:r>
+              <a:rPr lang="en-US" altLang="zh-CN" sz="4000" dirty="0" smtClean="0"/>
+              <a:t>by</a:t>
+            </a:r>
+            <a:r>
+              <a:rPr lang="zh-CN" altLang="en-US" sz="4000" dirty="0" smtClean="0"/>
+              <a:t> </a:t>
+            </a:r>
+            <a:r>
+              <a:rPr lang="en-US" altLang="zh-CN" sz="4000" dirty="0" smtClean="0"/>
+              <a:t>the</a:t>
+            </a:r>
+            <a:r>
+              <a:rPr lang="zh-CN" altLang="en-US" sz="4000" dirty="0" smtClean="0"/>
+              <a:t> </a:t>
+            </a:r>
+            <a:r>
+              <a:rPr lang="en-US" altLang="zh-CN" sz="4000" dirty="0" smtClean="0"/>
+              <a:t>transient</a:t>
+            </a:r>
+            <a:r>
+              <a:rPr lang="zh-CN" altLang="en-US" sz="4000" dirty="0" smtClean="0"/>
+              <a:t> </a:t>
+            </a:r>
+            <a:r>
+              <a:rPr lang="en-US" altLang="zh-CN" sz="4000" dirty="0" smtClean="0"/>
+              <a:t>error</a:t>
+            </a:r>
+            <a:r>
+              <a:rPr lang="zh-CN" altLang="en-US" sz="4000" dirty="0" smtClean="0"/>
+              <a:t> </a:t>
+            </a:r>
+            <a:r>
+              <a:rPr lang="en-US" altLang="zh-CN" sz="4000" dirty="0" smtClean="0"/>
+              <a:t>differently.</a:t>
+            </a:r>
+            <a:endParaRPr lang="en-US" sz="4000" dirty="0" smtClean="0"/>
+          </a:p>
+          <a:p>
+            <a:pPr marL="571500" indent="-571500">
+              <a:buFont typeface="Arial"/>
+              <a:buChar char="•"/>
+            </a:pPr>
+            <a:endParaRPr lang="en-US" sz="4000" dirty="0"/>
+          </a:p>
+          <a:p>
+            <a:pPr marL="571500" indent="-571500">
+              <a:buFont typeface="Arial"/>
+              <a:buChar char="•"/>
+            </a:pPr>
+            <a:endParaRPr lang="en-US" sz="4000" dirty="0" smtClean="0"/>
+          </a:p>
+          <a:p>
+            <a:pPr marL="571500" indent="-571500">
+              <a:buFont typeface="Arial"/>
+              <a:buChar char="•"/>
+            </a:pPr>
+            <a:endParaRPr lang="en-US" sz="4000" dirty="0"/>
+          </a:p>
+          <a:p>
+            <a:pPr marL="571500" indent="-571500">
+              <a:buFont typeface="Arial"/>
+              <a:buChar char="•"/>
+            </a:pPr>
+            <a:endParaRPr lang="en-US" sz="4000" dirty="0" smtClean="0"/>
+          </a:p>
+          <a:p>
+            <a:endParaRPr lang="en-US" sz="4000" dirty="0" smtClean="0"/>
+          </a:p>
+          <a:p>
+            <a:endParaRPr lang="en-US" sz="4000" dirty="0"/>
+          </a:p>
+          <a:p>
+            <a:endParaRPr lang="en-US" sz="4000" dirty="0"/>
+          </a:p>
+          <a:p>
+            <a:pPr marL="571500" indent="-571500">
+              <a:buFont typeface="Arial"/>
+              <a:buChar char="•"/>
+            </a:pPr>
+            <a:endParaRPr lang="en-US" sz="4000" dirty="0"/>
+          </a:p>
+          <a:p>
+            <a:endParaRPr lang="en-US" sz="4000" dirty="0"/>
+          </a:p>
+          <a:p>
+            <a:pPr marL="571500" indent="-571500">
+              <a:buFont typeface="Arial"/>
+              <a:buChar char="•"/>
+            </a:pPr>
+            <a:endParaRPr lang="en-US" sz="4000" dirty="0" smtClean="0"/>
+          </a:p>
+          <a:p>
+            <a:pPr marL="571500" indent="-571500">
+              <a:buFont typeface="Arial"/>
+              <a:buChar char="•"/>
+            </a:pPr>
+            <a:endParaRPr lang="en-US" sz="4000" dirty="0"/>
+          </a:p>
+          <a:p>
+            <a:endParaRPr lang="en-US" sz="4000" dirty="0"/>
+          </a:p>
+          <a:p>
+            <a:pPr marL="571500" indent="-571500">
+              <a:buFont typeface="Arial"/>
+              <a:buChar char="•"/>
+            </a:pPr>
+            <a:endParaRPr lang="en-US" sz="4000" dirty="0"/>
+          </a:p>
+          <a:p>
+            <a:endParaRPr lang="en-US" sz="4000" dirty="0" smtClean="0"/>
+          </a:p>
+          <a:p>
+            <a:pPr marL="571500" indent="-571500">
+              <a:buFont typeface="Arial"/>
+              <a:buChar char="•"/>
+            </a:pPr>
+            <a:endParaRPr lang="en-US" sz="4000" dirty="0"/>
+          </a:p>
+          <a:p>
+            <a:pPr marL="571500" indent="-571500">
+              <a:buFont typeface="Arial"/>
+              <a:buChar char="•"/>
+            </a:pPr>
+            <a:endParaRPr lang="en-US" sz="4000" dirty="0"/>
           </a:p>
         </p:txBody>
       </p:sp>
@@ -19035,37 +19731,24 @@
             <p:ph type="body" sz="quarter" idx="24"/>
           </p:nvPr>
         </p:nvSpPr>
-        <p:spPr/>
+        <p:spPr>
+          <a:xfrm>
+            <a:off x="22427395" y="23169499"/>
+            <a:ext cx="10058400" cy="754045"/>
+          </a:xfrm>
+        </p:spPr>
         <p:txBody>
           <a:bodyPr/>
           <a:lstStyle/>
           <a:p>
-            <a:r>
-              <a:rPr lang="en-US" smtClean="0"/>
+            <a:pPr algn="l"/>
+            <a:r>
+              <a:rPr lang="en-US" dirty="0" smtClean="0"/>
+              <a:t>SOME </a:t>
+            </a:r>
+            <a:r>
+              <a:rPr lang="en-US" dirty="0" smtClean="0"/>
               <a:t>RESULTS</a:t>
-            </a:r>
-            <a:endParaRPr lang="en-US" dirty="0"/>
-          </a:p>
-        </p:txBody>
-      </p:sp>
-      <p:sp>
-        <p:nvSpPr>
-          <p:cNvPr id="9" name="Text Placeholder 8"/>
-          <p:cNvSpPr>
-            <a:spLocks noGrp="1"/>
-          </p:cNvSpPr>
-          <p:nvPr>
-            <p:ph type="body" sz="quarter" idx="25"/>
-          </p:nvPr>
-        </p:nvSpPr>
-        <p:spPr/>
-        <p:txBody>
-          <a:bodyPr/>
-          <a:lstStyle/>
-          <a:p>
-            <a:r>
-              <a:rPr lang="en-US" smtClean="0"/>
-              <a:t>CONCLUSIONS</a:t>
             </a:r>
             <a:endParaRPr lang="en-US" dirty="0"/>
           </a:p>
@@ -19083,8 +19766,8 @@
         </p:nvSpPr>
         <p:spPr>
           <a:xfrm>
-            <a:off x="33358541" y="6378481"/>
-            <a:ext cx="10047018" cy="24812719"/>
+            <a:off x="33358541" y="6378480"/>
+            <a:ext cx="10047018" cy="24709636"/>
           </a:xfrm>
           <a:solidFill>
             <a:srgbClr val="FFFFFF"/>
@@ -19099,9 +19782,291 @@
           <a:bodyPr/>
           <a:lstStyle/>
           <a:p>
+            <a:pPr marL="457200" indent="-457200">
+              <a:buFont typeface="Arial"/>
+              <a:buChar char="•"/>
+            </a:pPr>
+            <a:r>
+              <a:rPr lang="en-US" sz="4000" dirty="0"/>
+              <a:t>Exponent</a:t>
+            </a:r>
+            <a:r>
+              <a:rPr lang="zh-CN" altLang="en-US" sz="4000" dirty="0"/>
+              <a:t> </a:t>
+            </a:r>
+            <a:r>
+              <a:rPr lang="en-US" altLang="zh-CN" sz="4000" dirty="0"/>
+              <a:t>bit</a:t>
+            </a:r>
+            <a:r>
+              <a:rPr lang="zh-CN" altLang="en-US" sz="4000" dirty="0"/>
+              <a:t> </a:t>
+            </a:r>
+            <a:r>
+              <a:rPr lang="en-US" altLang="zh-CN" sz="4000" dirty="0"/>
+              <a:t>has</a:t>
+            </a:r>
+            <a:r>
+              <a:rPr lang="zh-CN" altLang="en-US" sz="4000" dirty="0"/>
+              <a:t> </a:t>
+            </a:r>
+            <a:r>
+              <a:rPr lang="en-US" altLang="zh-CN" sz="4000" dirty="0"/>
+              <a:t>more</a:t>
+            </a:r>
+            <a:r>
+              <a:rPr lang="zh-CN" altLang="en-US" sz="4000" dirty="0"/>
+              <a:t> </a:t>
+            </a:r>
+            <a:r>
+              <a:rPr lang="en-US" altLang="zh-CN" sz="4000" dirty="0"/>
+              <a:t>impact</a:t>
+            </a:r>
+            <a:r>
+              <a:rPr lang="zh-CN" altLang="en-US" sz="4000" dirty="0"/>
+              <a:t> </a:t>
+            </a:r>
+            <a:r>
+              <a:rPr lang="en-US" altLang="zh-CN" sz="4000" dirty="0"/>
+              <a:t>than</a:t>
+            </a:r>
+            <a:r>
+              <a:rPr lang="zh-CN" altLang="en-US" sz="4000" dirty="0"/>
+              <a:t> </a:t>
+            </a:r>
+            <a:r>
+              <a:rPr lang="en-US" altLang="zh-CN" sz="4000" dirty="0"/>
+              <a:t>Mantissa</a:t>
+            </a:r>
+            <a:r>
+              <a:rPr lang="zh-CN" altLang="en-US" sz="4000" dirty="0"/>
+              <a:t> </a:t>
+            </a:r>
+            <a:r>
+              <a:rPr lang="en-US" altLang="zh-CN" sz="4000" dirty="0"/>
+              <a:t>bit</a:t>
+            </a:r>
+            <a:r>
+              <a:rPr lang="en-US" sz="4000" dirty="0"/>
+              <a:t>.</a:t>
+            </a:r>
+          </a:p>
+          <a:p>
+            <a:pPr marL="457200" indent="-457200">
+              <a:buFont typeface="Arial"/>
+              <a:buChar char="•"/>
+            </a:pPr>
+            <a:endParaRPr lang="en-US" sz="4000" dirty="0" smtClean="0"/>
+          </a:p>
+          <a:p>
+            <a:pPr marL="457200" indent="-457200">
+              <a:buFont typeface="Arial"/>
+              <a:buChar char="•"/>
+            </a:pPr>
+            <a:endParaRPr lang="en-US" sz="4000" dirty="0" smtClean="0"/>
+          </a:p>
+          <a:p>
+            <a:pPr marL="457200" indent="-457200">
+              <a:buFont typeface="Arial"/>
+              <a:buChar char="•"/>
+            </a:pPr>
+            <a:endParaRPr lang="en-US" sz="4000" dirty="0"/>
+          </a:p>
+          <a:p>
+            <a:pPr marL="457200" indent="-457200">
+              <a:buFont typeface="Arial"/>
+              <a:buChar char="•"/>
+            </a:pPr>
+            <a:endParaRPr lang="en-US" sz="4000" dirty="0"/>
+          </a:p>
+          <a:p>
+            <a:pPr marL="457200" indent="-457200">
+              <a:buFont typeface="Arial"/>
+              <a:buChar char="•"/>
+            </a:pPr>
+            <a:r>
+              <a:rPr lang="en-US" sz="4000" dirty="0" smtClean="0"/>
+              <a:t>Silent</a:t>
+            </a:r>
+            <a:r>
+              <a:rPr lang="zh-CN" altLang="en-US" sz="4000" dirty="0" smtClean="0"/>
+              <a:t> </a:t>
+            </a:r>
+            <a:r>
+              <a:rPr lang="en-US" altLang="zh-CN" sz="4000" dirty="0" smtClean="0"/>
+              <a:t>data</a:t>
+            </a:r>
+            <a:r>
+              <a:rPr lang="zh-CN" altLang="en-US" sz="4000" dirty="0" smtClean="0"/>
+              <a:t> </a:t>
+            </a:r>
+            <a:r>
+              <a:rPr lang="en-US" altLang="zh-CN" sz="4000" dirty="0" smtClean="0"/>
+              <a:t>corruption</a:t>
+            </a:r>
+            <a:r>
+              <a:rPr lang="zh-CN" altLang="en-US" sz="4000" dirty="0" smtClean="0"/>
+              <a:t> </a:t>
+            </a:r>
+            <a:r>
+              <a:rPr lang="en-US" altLang="zh-CN" sz="4000" dirty="0" smtClean="0"/>
+              <a:t>has</a:t>
+            </a:r>
+            <a:r>
+              <a:rPr lang="zh-CN" altLang="en-US" sz="4000" dirty="0" smtClean="0"/>
+              <a:t> </a:t>
+            </a:r>
+            <a:r>
+              <a:rPr lang="en-US" altLang="zh-CN" sz="4000" dirty="0" smtClean="0"/>
+              <a:t>different</a:t>
+            </a:r>
+            <a:r>
+              <a:rPr lang="zh-CN" altLang="en-US" sz="4000" dirty="0" smtClean="0"/>
+              <a:t> </a:t>
+            </a:r>
+            <a:r>
+              <a:rPr lang="en-US" altLang="zh-CN" sz="4000" dirty="0" smtClean="0"/>
+              <a:t>impact</a:t>
+            </a:r>
+            <a:r>
+              <a:rPr lang="zh-CN" altLang="en-US" sz="4000" dirty="0" smtClean="0"/>
+              <a:t> </a:t>
+            </a:r>
+            <a:r>
+              <a:rPr lang="en-US" altLang="zh-CN" sz="4000" dirty="0" smtClean="0"/>
+              <a:t>on</a:t>
+            </a:r>
+            <a:r>
+              <a:rPr lang="zh-CN" altLang="en-US" sz="4000" dirty="0" smtClean="0"/>
+              <a:t> </a:t>
+            </a:r>
+            <a:r>
+              <a:rPr lang="en-US" altLang="zh-CN" sz="4000" dirty="0" smtClean="0"/>
+              <a:t>different</a:t>
+            </a:r>
+            <a:r>
+              <a:rPr lang="zh-CN" altLang="en-US" sz="4000" dirty="0" smtClean="0"/>
+              <a:t> </a:t>
+            </a:r>
+            <a:r>
+              <a:rPr lang="en-US" altLang="zh-CN" sz="4000" dirty="0" smtClean="0"/>
+              <a:t>program</a:t>
+            </a:r>
+            <a:r>
+              <a:rPr lang="en-US" altLang="zh-CN" sz="4000" dirty="0" smtClean="0"/>
+              <a:t>.</a:t>
+            </a:r>
+            <a:endParaRPr lang="en-US" sz="4000" dirty="0"/>
+          </a:p>
+          <a:p>
+            <a:endParaRPr lang="en-US" dirty="0" smtClean="0"/>
+          </a:p>
+          <a:p>
+            <a:endParaRPr lang="en-US" dirty="0"/>
+          </a:p>
+          <a:p>
+            <a:endParaRPr lang="en-US" dirty="0" smtClean="0"/>
+          </a:p>
+          <a:p>
+            <a:endParaRPr lang="en-US" dirty="0" smtClean="0"/>
+          </a:p>
+          <a:p>
+            <a:endParaRPr lang="en-US" dirty="0" smtClean="0"/>
+          </a:p>
+          <a:p>
+            <a:endParaRPr lang="en-US" dirty="0"/>
+          </a:p>
+          <a:p>
+            <a:endParaRPr lang="en-US" dirty="0" smtClean="0"/>
+          </a:p>
+          <a:p>
+            <a:endParaRPr lang="en-US" dirty="0"/>
+          </a:p>
+          <a:p>
+            <a:endParaRPr lang="en-US" dirty="0" smtClean="0"/>
+          </a:p>
+          <a:p>
+            <a:endParaRPr lang="en-US" dirty="0" smtClean="0"/>
+          </a:p>
+          <a:p>
+            <a:endParaRPr lang="en-US" dirty="0"/>
+          </a:p>
+          <a:p>
+            <a:endParaRPr lang="en-US" dirty="0" smtClean="0"/>
+          </a:p>
+          <a:p>
+            <a:endParaRPr lang="en-US" dirty="0"/>
+          </a:p>
+          <a:p>
+            <a:endParaRPr lang="en-US" dirty="0" smtClean="0"/>
+          </a:p>
+          <a:p>
+            <a:endParaRPr lang="en-US" dirty="0" smtClean="0"/>
+          </a:p>
+          <a:p>
+            <a:endParaRPr lang="en-US" dirty="0"/>
+          </a:p>
+          <a:p>
+            <a:endParaRPr lang="en-US" dirty="0" smtClean="0"/>
+          </a:p>
+          <a:p>
+            <a:endParaRPr lang="en-US" dirty="0"/>
+          </a:p>
+          <a:p>
+            <a:endParaRPr lang="en-US" dirty="0"/>
+          </a:p>
+          <a:p>
+            <a:endParaRPr lang="en-US" dirty="0" smtClean="0"/>
+          </a:p>
+          <a:p>
+            <a:endParaRPr lang="en-US" dirty="0" smtClean="0"/>
+          </a:p>
+          <a:p>
+            <a:endParaRPr lang="en-US" dirty="0"/>
+          </a:p>
+          <a:p>
+            <a:endParaRPr lang="en-US" dirty="0" smtClean="0"/>
+          </a:p>
+          <a:p>
+            <a:endParaRPr lang="en-US" dirty="0"/>
+          </a:p>
+          <a:p>
+            <a:endParaRPr lang="en-US" dirty="0" smtClean="0"/>
+          </a:p>
+          <a:p>
+            <a:endParaRPr lang="en-US" dirty="0"/>
+          </a:p>
+          <a:p>
+            <a:endParaRPr lang="en-US" dirty="0" smtClean="0"/>
+          </a:p>
+          <a:p>
+            <a:endParaRPr lang="en-US" dirty="0"/>
+          </a:p>
+          <a:p>
+            <a:endParaRPr lang="en-US" dirty="0" smtClean="0"/>
+          </a:p>
+          <a:p>
+            <a:endParaRPr lang="en-US" dirty="0"/>
+          </a:p>
+          <a:p>
+            <a:endParaRPr lang="en-US" dirty="0"/>
+          </a:p>
+          <a:p>
+            <a:pPr marL="342900" indent="-342900">
+              <a:buFont typeface="Arial"/>
+              <a:buChar char="•"/>
+            </a:pPr>
+            <a:r>
+              <a:rPr lang="en-US" dirty="0" err="1" smtClean="0"/>
+              <a:t>SpotSDC</a:t>
+            </a:r>
             <a:r>
               <a:rPr lang="en-US" dirty="0" smtClean="0"/>
-              <a:t>Error</a:t>
+              <a:t> </a:t>
+            </a:r>
+            <a:r>
+              <a:rPr lang="en-US" altLang="zh-CN" dirty="0" smtClean="0"/>
+              <a:t>is</a:t>
             </a:r>
             <a:r>
               <a:rPr lang="zh-CN" altLang="en-US" dirty="0" smtClean="0"/>
@@ -19109,7 +20074,7 @@
             </a:r>
             <a:r>
               <a:rPr lang="en-US" altLang="zh-CN" dirty="0" smtClean="0"/>
-              <a:t>Visualization</a:t>
+              <a:t>a</a:t>
             </a:r>
             <a:r>
               <a:rPr lang="zh-CN" altLang="en-US" dirty="0" smtClean="0"/>
@@ -19117,7 +20082,7 @@
             </a:r>
             <a:r>
               <a:rPr lang="en-US" altLang="zh-CN" dirty="0" smtClean="0"/>
-              <a:t>is</a:t>
+              <a:t>visualization</a:t>
             </a:r>
             <a:r>
               <a:rPr lang="zh-CN" altLang="en-US" dirty="0" smtClean="0"/>
@@ -19125,7 +20090,7 @@
             </a:r>
             <a:r>
               <a:rPr lang="en-US" altLang="zh-CN" dirty="0" smtClean="0"/>
-              <a:t>a</a:t>
+              <a:t>system</a:t>
             </a:r>
             <a:r>
               <a:rPr lang="zh-CN" altLang="en-US" dirty="0" smtClean="0"/>
@@ -19133,7 +20098,7 @@
             </a:r>
             <a:r>
               <a:rPr lang="en-US" altLang="zh-CN" dirty="0" smtClean="0"/>
-              <a:t>visualization</a:t>
+              <a:t>use</a:t>
             </a:r>
             <a:r>
               <a:rPr lang="zh-CN" altLang="en-US" dirty="0" smtClean="0"/>
@@ -19141,7 +20106,7 @@
             </a:r>
             <a:r>
               <a:rPr lang="en-US" altLang="zh-CN" dirty="0" smtClean="0"/>
-              <a:t>system</a:t>
+              <a:t>to</a:t>
             </a:r>
             <a:r>
               <a:rPr lang="zh-CN" altLang="en-US" dirty="0" smtClean="0"/>
@@ -19149,7 +20114,7 @@
             </a:r>
             <a:r>
               <a:rPr lang="en-US" altLang="zh-CN" dirty="0" smtClean="0"/>
-              <a:t>use</a:t>
+              <a:t>help</a:t>
             </a:r>
             <a:r>
               <a:rPr lang="zh-CN" altLang="en-US" dirty="0" smtClean="0"/>
@@ -19157,7 +20122,7 @@
             </a:r>
             <a:r>
               <a:rPr lang="en-US" altLang="zh-CN" dirty="0" smtClean="0"/>
-              <a:t>to</a:t>
+              <a:t>HPC</a:t>
             </a:r>
             <a:r>
               <a:rPr lang="zh-CN" altLang="en-US" dirty="0" smtClean="0"/>
@@ -19165,7 +20130,7 @@
             </a:r>
             <a:r>
               <a:rPr lang="en-US" altLang="zh-CN" dirty="0" smtClean="0"/>
-              <a:t>help</a:t>
+              <a:t>expert</a:t>
             </a:r>
             <a:r>
               <a:rPr lang="zh-CN" altLang="en-US" dirty="0" smtClean="0"/>
@@ -19173,7 +20138,7 @@
             </a:r>
             <a:r>
               <a:rPr lang="en-US" altLang="zh-CN" dirty="0" smtClean="0"/>
-              <a:t>HPC</a:t>
+              <a:t>to</a:t>
             </a:r>
             <a:r>
               <a:rPr lang="zh-CN" altLang="en-US" dirty="0" smtClean="0"/>
@@ -19181,7 +20146,7 @@
             </a:r>
             <a:r>
               <a:rPr lang="en-US" altLang="zh-CN" dirty="0" smtClean="0"/>
-              <a:t>expert</a:t>
+              <a:t>understand</a:t>
             </a:r>
             <a:r>
               <a:rPr lang="zh-CN" altLang="en-US" dirty="0" smtClean="0"/>
@@ -19189,7 +20154,7 @@
             </a:r>
             <a:r>
               <a:rPr lang="en-US" altLang="zh-CN" dirty="0" smtClean="0"/>
-              <a:t>to</a:t>
+              <a:t>the</a:t>
             </a:r>
             <a:r>
               <a:rPr lang="zh-CN" altLang="en-US" dirty="0" smtClean="0"/>
@@ -19197,7 +20162,7 @@
             </a:r>
             <a:r>
               <a:rPr lang="en-US" altLang="zh-CN" dirty="0" smtClean="0"/>
-              <a:t>understand</a:t>
+              <a:t>silent</a:t>
             </a:r>
             <a:r>
               <a:rPr lang="zh-CN" altLang="en-US" dirty="0" smtClean="0"/>
@@ -19205,7 +20170,7 @@
             </a:r>
             <a:r>
               <a:rPr lang="en-US" altLang="zh-CN" dirty="0" smtClean="0"/>
-              <a:t>a</a:t>
+              <a:t>data</a:t>
             </a:r>
             <a:r>
               <a:rPr lang="zh-CN" altLang="en-US" dirty="0" smtClean="0"/>
@@ -19213,7 +20178,7 @@
             </a:r>
             <a:r>
               <a:rPr lang="en-US" altLang="zh-CN" dirty="0" smtClean="0"/>
-              <a:t>program’s</a:t>
+              <a:t>corruption</a:t>
             </a:r>
             <a:r>
               <a:rPr lang="zh-CN" altLang="en-US" dirty="0" smtClean="0"/>
@@ -19221,7 +20186,22 @@
             </a:r>
             <a:r>
               <a:rPr lang="en-US" altLang="zh-CN" dirty="0" smtClean="0"/>
-              <a:t>resiliency</a:t>
+              <a:t>impact cause by transient error</a:t>
+            </a:r>
+            <a:r>
+              <a:rPr lang="en-US" altLang="zh-CN" dirty="0" smtClean="0"/>
+              <a:t>.</a:t>
+            </a:r>
+            <a:endParaRPr lang="en-US" altLang="zh-CN" dirty="0" smtClean="0"/>
+          </a:p>
+          <a:p>
+            <a:pPr marL="342900" indent="-342900">
+              <a:buFont typeface="Arial"/>
+              <a:buChar char="•"/>
+            </a:pPr>
+            <a:r>
+              <a:rPr lang="en-US" dirty="0" smtClean="0"/>
+              <a:t>It</a:t>
             </a:r>
             <a:r>
               <a:rPr lang="zh-CN" altLang="en-US" dirty="0" smtClean="0"/>
@@ -19229,7 +20209,7 @@
             </a:r>
             <a:r>
               <a:rPr lang="en-US" altLang="zh-CN" dirty="0" smtClean="0"/>
-              <a:t>property.</a:t>
+              <a:t>help</a:t>
             </a:r>
             <a:r>
               <a:rPr lang="zh-CN" altLang="en-US" dirty="0" smtClean="0"/>
@@ -19237,7 +20217,7 @@
             </a:r>
             <a:r>
               <a:rPr lang="en-US" altLang="zh-CN" dirty="0" smtClean="0"/>
-              <a:t>Understand</a:t>
+              <a:t>domain</a:t>
             </a:r>
             <a:r>
               <a:rPr lang="zh-CN" altLang="en-US" dirty="0" smtClean="0"/>
@@ -19245,7 +20225,7 @@
             </a:r>
             <a:r>
               <a:rPr lang="en-US" altLang="zh-CN" dirty="0" smtClean="0"/>
-              <a:t>the</a:t>
+              <a:t>expert</a:t>
             </a:r>
             <a:r>
               <a:rPr lang="zh-CN" altLang="en-US" dirty="0" smtClean="0"/>
@@ -19253,7 +20233,7 @@
             </a:r>
             <a:r>
               <a:rPr lang="en-US" altLang="zh-CN" dirty="0" smtClean="0"/>
-              <a:t>silent</a:t>
+              <a:t>understand</a:t>
             </a:r>
             <a:r>
               <a:rPr lang="zh-CN" altLang="en-US" dirty="0" smtClean="0"/>
@@ -19261,7 +20241,7 @@
             </a:r>
             <a:r>
               <a:rPr lang="en-US" altLang="zh-CN" dirty="0" smtClean="0"/>
-              <a:t>data</a:t>
+              <a:t>different</a:t>
             </a:r>
             <a:r>
               <a:rPr lang="zh-CN" altLang="en-US" dirty="0" smtClean="0"/>
@@ -19269,7 +20249,7 @@
             </a:r>
             <a:r>
               <a:rPr lang="en-US" altLang="zh-CN" dirty="0" smtClean="0"/>
-              <a:t>corruption</a:t>
+              <a:t>code</a:t>
             </a:r>
             <a:r>
               <a:rPr lang="zh-CN" altLang="en-US" dirty="0" smtClean="0"/>
@@ -19277,15 +20257,118 @@
             </a:r>
             <a:r>
               <a:rPr lang="en-US" altLang="zh-CN" dirty="0" smtClean="0"/>
-              <a:t>impact.</a:t>
+              <a:t>region’s</a:t>
             </a:r>
             <a:r>
               <a:rPr lang="zh-CN" altLang="en-US" dirty="0" smtClean="0"/>
               <a:t> </a:t>
             </a:r>
-            <a:endParaRPr lang="en-US" altLang="zh-CN" dirty="0" smtClean="0"/>
-          </a:p>
-          <a:p>
+            <a:r>
+              <a:rPr lang="en-US" altLang="zh-CN" dirty="0" smtClean="0"/>
+              <a:t>resilient</a:t>
+            </a:r>
+            <a:r>
+              <a:rPr lang="zh-CN" altLang="en-US" dirty="0" smtClean="0"/>
+              <a:t> </a:t>
+            </a:r>
+            <a:r>
+              <a:rPr lang="en-US" altLang="zh-CN" dirty="0" smtClean="0"/>
+              <a:t>property</a:t>
+            </a:r>
+            <a:r>
+              <a:rPr lang="zh-CN" altLang="en-US" dirty="0" smtClean="0"/>
+              <a:t> </a:t>
+            </a:r>
+            <a:r>
+              <a:rPr lang="en-US" altLang="zh-CN" dirty="0" smtClean="0"/>
+              <a:t>by</a:t>
+            </a:r>
+            <a:r>
+              <a:rPr lang="zh-CN" altLang="en-US" dirty="0" smtClean="0"/>
+              <a:t> </a:t>
+            </a:r>
+            <a:r>
+              <a:rPr lang="en-US" altLang="zh-CN" dirty="0" smtClean="0"/>
+              <a:t>examine</a:t>
+            </a:r>
+            <a:r>
+              <a:rPr lang="zh-CN" altLang="en-US" dirty="0" smtClean="0"/>
+              <a:t> </a:t>
+            </a:r>
+            <a:r>
+              <a:rPr lang="en-US" altLang="zh-CN" dirty="0" smtClean="0"/>
+              <a:t>until</a:t>
+            </a:r>
+            <a:r>
+              <a:rPr lang="zh-CN" altLang="en-US" dirty="0" smtClean="0"/>
+              <a:t> </a:t>
+            </a:r>
+            <a:r>
+              <a:rPr lang="en-US" altLang="zh-CN" dirty="0" smtClean="0"/>
+              <a:t>the</a:t>
+            </a:r>
+            <a:r>
+              <a:rPr lang="zh-CN" altLang="en-US" dirty="0" smtClean="0"/>
+              <a:t> </a:t>
+            </a:r>
+            <a:r>
+              <a:rPr lang="en-US" altLang="zh-CN" dirty="0" smtClean="0"/>
+              <a:t>bit</a:t>
+            </a:r>
+            <a:r>
+              <a:rPr lang="zh-CN" altLang="en-US" dirty="0" smtClean="0"/>
+              <a:t> </a:t>
+            </a:r>
+            <a:r>
+              <a:rPr lang="en-US" altLang="zh-CN" dirty="0" smtClean="0"/>
+              <a:t>level’s</a:t>
+            </a:r>
+            <a:r>
+              <a:rPr lang="zh-CN" altLang="en-US" dirty="0" smtClean="0"/>
+              <a:t> </a:t>
+            </a:r>
+            <a:r>
+              <a:rPr lang="en-US" altLang="zh-CN" dirty="0" smtClean="0"/>
+              <a:t>impact</a:t>
+            </a:r>
+            <a:r>
+              <a:rPr lang="zh-CN" altLang="en-US" dirty="0" smtClean="0"/>
+              <a:t> </a:t>
+            </a:r>
+            <a:r>
+              <a:rPr lang="en-US" altLang="zh-CN" dirty="0" smtClean="0"/>
+              <a:t>to</a:t>
+            </a:r>
+            <a:r>
+              <a:rPr lang="zh-CN" altLang="en-US" dirty="0" smtClean="0"/>
+              <a:t> </a:t>
+            </a:r>
+            <a:r>
+              <a:rPr lang="en-US" altLang="zh-CN" dirty="0" smtClean="0"/>
+              <a:t>the</a:t>
+            </a:r>
+            <a:r>
+              <a:rPr lang="zh-CN" altLang="en-US" dirty="0" smtClean="0"/>
+              <a:t> </a:t>
+            </a:r>
+            <a:r>
+              <a:rPr lang="en-US" altLang="zh-CN" dirty="0" smtClean="0"/>
+              <a:t>final</a:t>
+            </a:r>
+            <a:r>
+              <a:rPr lang="zh-CN" altLang="en-US" dirty="0" smtClean="0"/>
+              <a:t> </a:t>
+            </a:r>
+            <a:r>
+              <a:rPr lang="en-US" altLang="zh-CN" dirty="0" smtClean="0"/>
+              <a:t>outcome.</a:t>
+            </a:r>
+          </a:p>
+          <a:p>
+            <a:pPr marL="342900" indent="-342900">
+              <a:buFont typeface="Arial"/>
+              <a:buChar char="•"/>
+            </a:pPr>
             <a:r>
               <a:rPr lang="en-US" dirty="0" smtClean="0"/>
               <a:t>It</a:t>
@@ -19296,7 +20379,7 @@
             </a:r>
             <a:r>
               <a:rPr lang="en-US" altLang="zh-CN" dirty="0" smtClean="0"/>
-              <a:t>help</a:t>
+              <a:t>provide</a:t>
             </a:r>
             <a:r>
               <a:rPr lang="zh-CN" altLang="en-US" dirty="0" smtClean="0"/>
@@ -19304,7 +20387,7 @@
             </a:r>
             <a:r>
               <a:rPr lang="en-US" altLang="zh-CN" dirty="0" smtClean="0"/>
-              <a:t>domain</a:t>
+              <a:t>user</a:t>
             </a:r>
             <a:r>
               <a:rPr lang="zh-CN" altLang="en-US" dirty="0" smtClean="0"/>
@@ -19312,7 +20395,7 @@
             </a:r>
             <a:r>
               <a:rPr lang="en-US" altLang="zh-CN" dirty="0" smtClean="0"/>
-              <a:t>expert</a:t>
+              <a:t>detail</a:t>
             </a:r>
             <a:r>
               <a:rPr lang="zh-CN" altLang="en-US" dirty="0" smtClean="0"/>
@@ -19320,7 +20403,7 @@
             </a:r>
             <a:r>
               <a:rPr lang="en-US" altLang="zh-CN" dirty="0" smtClean="0"/>
-              <a:t>understand</a:t>
+              <a:t>inspect</a:t>
             </a:r>
             <a:r>
               <a:rPr lang="zh-CN" altLang="en-US" dirty="0" smtClean="0"/>
@@ -19328,7 +20411,7 @@
             </a:r>
             <a:r>
               <a:rPr lang="en-US" altLang="zh-CN" dirty="0" smtClean="0"/>
-              <a:t>different</a:t>
+              <a:t>of</a:t>
             </a:r>
             <a:r>
               <a:rPr lang="zh-CN" altLang="en-US" dirty="0" smtClean="0"/>
@@ -19336,7 +20419,7 @@
             </a:r>
             <a:r>
               <a:rPr lang="en-US" altLang="zh-CN" dirty="0" smtClean="0"/>
-              <a:t>code</a:t>
+              <a:t>how</a:t>
             </a:r>
             <a:r>
               <a:rPr lang="zh-CN" altLang="en-US" dirty="0" smtClean="0"/>
@@ -19344,7 +20427,7 @@
             </a:r>
             <a:r>
               <a:rPr lang="en-US" altLang="zh-CN" dirty="0" smtClean="0"/>
-              <a:t>region’s</a:t>
+              <a:t>error</a:t>
             </a:r>
             <a:r>
               <a:rPr lang="zh-CN" altLang="en-US" dirty="0" smtClean="0"/>
@@ -19352,7 +20435,7 @@
             </a:r>
             <a:r>
               <a:rPr lang="en-US" altLang="zh-CN" dirty="0" smtClean="0"/>
-              <a:t>resilient</a:t>
+              <a:t>propagate</a:t>
             </a:r>
             <a:r>
               <a:rPr lang="zh-CN" altLang="en-US" dirty="0" smtClean="0"/>
@@ -19360,7 +20443,7 @@
             </a:r>
             <a:r>
               <a:rPr lang="en-US" altLang="zh-CN" dirty="0" smtClean="0"/>
-              <a:t>property</a:t>
+              <a:t>through</a:t>
             </a:r>
             <a:r>
               <a:rPr lang="zh-CN" altLang="en-US" dirty="0" smtClean="0"/>
@@ -19368,7 +20451,7 @@
             </a:r>
             <a:r>
               <a:rPr lang="en-US" altLang="zh-CN" dirty="0" smtClean="0"/>
-              <a:t>by</a:t>
+              <a:t>the</a:t>
             </a:r>
             <a:r>
               <a:rPr lang="zh-CN" altLang="en-US" dirty="0" smtClean="0"/>
@@ -19376,7 +20459,7 @@
             </a:r>
             <a:r>
               <a:rPr lang="en-US" altLang="zh-CN" dirty="0" smtClean="0"/>
-              <a:t>examine</a:t>
+              <a:t>program</a:t>
             </a:r>
             <a:r>
               <a:rPr lang="zh-CN" altLang="en-US" dirty="0" smtClean="0"/>
@@ -19384,7 +20467,7 @@
             </a:r>
             <a:r>
               <a:rPr lang="en-US" altLang="zh-CN" dirty="0" smtClean="0"/>
-              <a:t>until</a:t>
+              <a:t>to</a:t>
             </a:r>
             <a:r>
               <a:rPr lang="zh-CN" altLang="en-US" dirty="0" smtClean="0"/>
@@ -19392,7 +20475,7 @@
             </a:r>
             <a:r>
               <a:rPr lang="en-US" altLang="zh-CN" dirty="0" smtClean="0"/>
-              <a:t>the</a:t>
+              <a:t>reason</a:t>
             </a:r>
             <a:r>
               <a:rPr lang="zh-CN" altLang="en-US" dirty="0" smtClean="0"/>
@@ -19400,7 +20483,7 @@
             </a:r>
             <a:r>
               <a:rPr lang="en-US" altLang="zh-CN" dirty="0" smtClean="0"/>
-              <a:t>bit</a:t>
+              <a:t>about</a:t>
             </a:r>
             <a:r>
               <a:rPr lang="zh-CN" altLang="en-US" dirty="0" smtClean="0"/>
@@ -19408,7 +20491,7 @@
             </a:r>
             <a:r>
               <a:rPr lang="en-US" altLang="zh-CN" dirty="0" smtClean="0"/>
-              <a:t>level’s</a:t>
+              <a:t>the</a:t>
             </a:r>
             <a:r>
               <a:rPr lang="zh-CN" altLang="en-US" dirty="0" smtClean="0"/>
@@ -19416,7 +20499,7 @@
             </a:r>
             <a:r>
               <a:rPr lang="en-US" altLang="zh-CN" dirty="0" smtClean="0"/>
-              <a:t>impact</a:t>
+              <a:t>program’s</a:t>
             </a:r>
             <a:r>
               <a:rPr lang="zh-CN" altLang="en-US" dirty="0" smtClean="0"/>
@@ -19424,7 +20507,17 @@
             </a:r>
             <a:r>
               <a:rPr lang="en-US" altLang="zh-CN" dirty="0" smtClean="0"/>
-              <a:t>to</a:t>
+              <a:t>outcome.</a:t>
+            </a:r>
+          </a:p>
+          <a:p>
+            <a:pPr marL="342900" indent="-342900">
+              <a:buFont typeface="Arial"/>
+              <a:buChar char="•"/>
+            </a:pPr>
+            <a:r>
+              <a:rPr lang="en-US" altLang="zh-CN" dirty="0" smtClean="0"/>
+              <a:t>It</a:t>
             </a:r>
             <a:r>
               <a:rPr lang="zh-CN" altLang="en-US" dirty="0" smtClean="0"/>
@@ -19432,7 +20525,7 @@
             </a:r>
             <a:r>
               <a:rPr lang="en-US" altLang="zh-CN" dirty="0" smtClean="0"/>
-              <a:t>the</a:t>
+              <a:t>help</a:t>
             </a:r>
             <a:r>
               <a:rPr lang="zh-CN" altLang="en-US" dirty="0" smtClean="0"/>
@@ -19440,7 +20533,7 @@
             </a:r>
             <a:r>
               <a:rPr lang="en-US" altLang="zh-CN" dirty="0" smtClean="0"/>
-              <a:t>final</a:t>
+              <a:t>domain</a:t>
             </a:r>
             <a:r>
               <a:rPr lang="zh-CN" altLang="en-US" dirty="0" smtClean="0"/>
@@ -19448,13 +20541,7 @@
             </a:r>
             <a:r>
               <a:rPr lang="en-US" altLang="zh-CN" dirty="0" smtClean="0"/>
-              <a:t>outcome.</a:t>
-            </a:r>
-          </a:p>
-          <a:p>
-            <a:r>
-              <a:rPr lang="en-US" dirty="0" smtClean="0"/>
-              <a:t>It</a:t>
+              <a:t>expert</a:t>
             </a:r>
             <a:r>
               <a:rPr lang="zh-CN" altLang="en-US" dirty="0" smtClean="0"/>
@@ -19462,7 +20549,7 @@
             </a:r>
             <a:r>
               <a:rPr lang="en-US" altLang="zh-CN" dirty="0" smtClean="0"/>
-              <a:t>provide</a:t>
+              <a:t>build</a:t>
             </a:r>
             <a:r>
               <a:rPr lang="zh-CN" altLang="en-US" dirty="0" smtClean="0"/>
@@ -19470,7 +20557,7 @@
             </a:r>
             <a:r>
               <a:rPr lang="en-US" altLang="zh-CN" dirty="0" smtClean="0"/>
-              <a:t>user</a:t>
+              <a:t>better</a:t>
             </a:r>
             <a:r>
               <a:rPr lang="zh-CN" altLang="en-US" dirty="0" smtClean="0"/>
@@ -19478,7 +20565,7 @@
             </a:r>
             <a:r>
               <a:rPr lang="en-US" altLang="zh-CN" dirty="0" smtClean="0"/>
-              <a:t>detail</a:t>
+              <a:t>intuition</a:t>
             </a:r>
             <a:r>
               <a:rPr lang="zh-CN" altLang="en-US" dirty="0" smtClean="0"/>
@@ -19486,7 +20573,7 @@
             </a:r>
             <a:r>
               <a:rPr lang="en-US" altLang="zh-CN" dirty="0" smtClean="0"/>
-              <a:t>inspect</a:t>
+              <a:t>about</a:t>
             </a:r>
             <a:r>
               <a:rPr lang="zh-CN" altLang="en-US" dirty="0" smtClean="0"/>
@@ -19494,7 +20581,7 @@
             </a:r>
             <a:r>
               <a:rPr lang="en-US" altLang="zh-CN" dirty="0" smtClean="0"/>
-              <a:t>of</a:t>
+              <a:t>the</a:t>
             </a:r>
             <a:r>
               <a:rPr lang="zh-CN" altLang="en-US" dirty="0" smtClean="0"/>
@@ -19502,7 +20589,7 @@
             </a:r>
             <a:r>
               <a:rPr lang="en-US" altLang="zh-CN" dirty="0" smtClean="0"/>
-              <a:t>how</a:t>
+              <a:t>resiliency</a:t>
             </a:r>
             <a:r>
               <a:rPr lang="zh-CN" altLang="en-US" dirty="0" smtClean="0"/>
@@ -19510,7 +20597,7 @@
             </a:r>
             <a:r>
               <a:rPr lang="en-US" altLang="zh-CN" dirty="0" smtClean="0"/>
-              <a:t>error</a:t>
+              <a:t>property</a:t>
             </a:r>
             <a:r>
               <a:rPr lang="zh-CN" altLang="en-US" dirty="0" smtClean="0"/>
@@ -19518,7 +20605,7 @@
             </a:r>
             <a:r>
               <a:rPr lang="en-US" altLang="zh-CN" dirty="0" smtClean="0"/>
-              <a:t>propagate</a:t>
+              <a:t>of</a:t>
             </a:r>
             <a:r>
               <a:rPr lang="zh-CN" altLang="en-US" dirty="0" smtClean="0"/>
@@ -19526,7 +20613,7 @@
             </a:r>
             <a:r>
               <a:rPr lang="en-US" altLang="zh-CN" dirty="0" smtClean="0"/>
-              <a:t>through</a:t>
+              <a:t>an</a:t>
             </a:r>
             <a:r>
               <a:rPr lang="zh-CN" altLang="en-US" dirty="0" smtClean="0"/>
@@ -19534,7 +20621,7 @@
             </a:r>
             <a:r>
               <a:rPr lang="en-US" altLang="zh-CN" dirty="0" smtClean="0"/>
-              <a:t>the</a:t>
+              <a:t>application</a:t>
             </a:r>
             <a:r>
               <a:rPr lang="zh-CN" altLang="en-US" dirty="0" smtClean="0"/>
@@ -19542,7 +20629,7 @@
             </a:r>
             <a:r>
               <a:rPr lang="en-US" altLang="zh-CN" dirty="0" smtClean="0"/>
-              <a:t>program</a:t>
+              <a:t>and</a:t>
             </a:r>
             <a:r>
               <a:rPr lang="zh-CN" altLang="en-US" dirty="0" smtClean="0"/>
@@ -19550,7 +20637,7 @@
             </a:r>
             <a:r>
               <a:rPr lang="en-US" altLang="zh-CN" dirty="0" smtClean="0"/>
-              <a:t>to</a:t>
+              <a:t>motivate</a:t>
             </a:r>
             <a:r>
               <a:rPr lang="zh-CN" altLang="en-US" dirty="0" smtClean="0"/>
@@ -19558,7 +20645,7 @@
             </a:r>
             <a:r>
               <a:rPr lang="en-US" altLang="zh-CN" dirty="0" smtClean="0"/>
-              <a:t>reason</a:t>
+              <a:t>them</a:t>
             </a:r>
             <a:r>
               <a:rPr lang="zh-CN" altLang="en-US" dirty="0" smtClean="0"/>
@@ -19566,7 +20653,7 @@
             </a:r>
             <a:r>
               <a:rPr lang="en-US" altLang="zh-CN" dirty="0" smtClean="0"/>
-              <a:t>about</a:t>
+              <a:t>to</a:t>
             </a:r>
             <a:r>
               <a:rPr lang="zh-CN" altLang="en-US" dirty="0" smtClean="0"/>
@@ -19574,7 +20661,7 @@
             </a:r>
             <a:r>
               <a:rPr lang="en-US" altLang="zh-CN" dirty="0" smtClean="0"/>
-              <a:t>the</a:t>
+              <a:t>design</a:t>
             </a:r>
             <a:r>
               <a:rPr lang="zh-CN" altLang="en-US" dirty="0" smtClean="0"/>
@@ -19582,7 +20669,7 @@
             </a:r>
             <a:r>
               <a:rPr lang="en-US" altLang="zh-CN" dirty="0" smtClean="0"/>
-              <a:t>program’s</a:t>
+              <a:t>better</a:t>
             </a:r>
             <a:r>
               <a:rPr lang="zh-CN" altLang="en-US" dirty="0" smtClean="0"/>
@@ -19590,13 +20677,7 @@
             </a:r>
             <a:r>
               <a:rPr lang="en-US" altLang="zh-CN" dirty="0" smtClean="0"/>
-              <a:t>outcome.</a:t>
-            </a:r>
-          </a:p>
-          <a:p>
-            <a:r>
-              <a:rPr lang="en-US" altLang="zh-CN" dirty="0" smtClean="0"/>
-              <a:t>It</a:t>
+              <a:t>algorithm,</a:t>
             </a:r>
             <a:r>
               <a:rPr lang="zh-CN" altLang="en-US" dirty="0" smtClean="0"/>
@@ -19604,7 +20685,7 @@
             </a:r>
             <a:r>
               <a:rPr lang="en-US" altLang="zh-CN" dirty="0" smtClean="0"/>
-              <a:t>help</a:t>
+              <a:t>protection</a:t>
             </a:r>
             <a:r>
               <a:rPr lang="zh-CN" altLang="en-US" dirty="0" smtClean="0"/>
@@ -19612,7 +20693,15 @@
             </a:r>
             <a:r>
               <a:rPr lang="en-US" altLang="zh-CN" dirty="0" smtClean="0"/>
-              <a:t>domain</a:t>
+              <a:t>technique</a:t>
+            </a:r>
+            <a:r>
+              <a:rPr lang="zh-CN" altLang="en-US" dirty="0" smtClean="0"/>
+              <a:t>,</a:t>
+            </a:r>
+            <a:r>
+              <a:rPr lang="en-US" altLang="zh-CN" dirty="0" smtClean="0"/>
+              <a:t>and</a:t>
             </a:r>
             <a:r>
               <a:rPr lang="zh-CN" altLang="en-US" dirty="0" smtClean="0"/>
@@ -19620,7 +20709,7 @@
             </a:r>
             <a:r>
               <a:rPr lang="en-US" altLang="zh-CN" dirty="0" smtClean="0"/>
-              <a:t>expert</a:t>
+              <a:t>analysis</a:t>
             </a:r>
             <a:r>
               <a:rPr lang="zh-CN" altLang="en-US" dirty="0" smtClean="0"/>
@@ -19628,177 +20717,8 @@
             </a:r>
             <a:r>
               <a:rPr lang="en-US" altLang="zh-CN" dirty="0" smtClean="0"/>
-              <a:t>build</a:t>
-            </a:r>
-            <a:r>
-              <a:rPr lang="zh-CN" altLang="en-US" dirty="0" smtClean="0"/>
-              <a:t> </a:t>
-            </a:r>
-            <a:r>
-              <a:rPr lang="en-US" altLang="zh-CN" dirty="0" smtClean="0"/>
-              <a:t>better</a:t>
-            </a:r>
-            <a:r>
-              <a:rPr lang="zh-CN" altLang="en-US" dirty="0" smtClean="0"/>
-              <a:t> </a:t>
-            </a:r>
-            <a:r>
-              <a:rPr lang="en-US" altLang="zh-CN" dirty="0" smtClean="0"/>
-              <a:t>intuition</a:t>
-            </a:r>
-            <a:r>
-              <a:rPr lang="zh-CN" altLang="en-US" dirty="0" smtClean="0"/>
-              <a:t> </a:t>
-            </a:r>
-            <a:r>
-              <a:rPr lang="en-US" altLang="zh-CN" dirty="0" smtClean="0"/>
-              <a:t>about</a:t>
-            </a:r>
-            <a:r>
-              <a:rPr lang="zh-CN" altLang="en-US" dirty="0" smtClean="0"/>
-              <a:t> </a:t>
-            </a:r>
-            <a:r>
-              <a:rPr lang="en-US" altLang="zh-CN" dirty="0" smtClean="0"/>
-              <a:t>the</a:t>
-            </a:r>
-            <a:r>
-              <a:rPr lang="zh-CN" altLang="en-US" dirty="0" smtClean="0"/>
-              <a:t> </a:t>
-            </a:r>
-            <a:r>
-              <a:rPr lang="en-US" altLang="zh-CN" dirty="0" smtClean="0"/>
-              <a:t>resiliency</a:t>
-            </a:r>
-            <a:r>
-              <a:rPr lang="zh-CN" altLang="en-US" dirty="0" smtClean="0"/>
-              <a:t> </a:t>
-            </a:r>
-            <a:r>
-              <a:rPr lang="en-US" altLang="zh-CN" dirty="0" smtClean="0"/>
-              <a:t>property</a:t>
-            </a:r>
-            <a:r>
-              <a:rPr lang="zh-CN" altLang="en-US" dirty="0" smtClean="0"/>
-              <a:t> </a:t>
-            </a:r>
-            <a:r>
-              <a:rPr lang="en-US" altLang="zh-CN" dirty="0" smtClean="0"/>
-              <a:t>of</a:t>
-            </a:r>
-            <a:r>
-              <a:rPr lang="zh-CN" altLang="en-US" dirty="0" smtClean="0"/>
-              <a:t> </a:t>
-            </a:r>
-            <a:r>
-              <a:rPr lang="en-US" altLang="zh-CN" dirty="0" smtClean="0"/>
-              <a:t>an</a:t>
-            </a:r>
-            <a:r>
-              <a:rPr lang="zh-CN" altLang="en-US" dirty="0" smtClean="0"/>
-              <a:t> </a:t>
-            </a:r>
-            <a:r>
-              <a:rPr lang="en-US" altLang="zh-CN" dirty="0" smtClean="0"/>
-              <a:t>application</a:t>
-            </a:r>
-            <a:r>
-              <a:rPr lang="zh-CN" altLang="en-US" dirty="0" smtClean="0"/>
-              <a:t> </a:t>
-            </a:r>
-            <a:r>
-              <a:rPr lang="en-US" altLang="zh-CN" dirty="0" smtClean="0"/>
-              <a:t>and</a:t>
-            </a:r>
-            <a:r>
-              <a:rPr lang="zh-CN" altLang="en-US" dirty="0" smtClean="0"/>
-              <a:t> </a:t>
-            </a:r>
-            <a:r>
-              <a:rPr lang="en-US" altLang="zh-CN" dirty="0" smtClean="0"/>
-              <a:t>motivate</a:t>
-            </a:r>
-            <a:r>
-              <a:rPr lang="zh-CN" altLang="en-US" dirty="0" smtClean="0"/>
-              <a:t> </a:t>
-            </a:r>
-            <a:r>
-              <a:rPr lang="en-US" altLang="zh-CN" dirty="0" smtClean="0"/>
-              <a:t>them</a:t>
-            </a:r>
-            <a:r>
-              <a:rPr lang="zh-CN" altLang="en-US" dirty="0" smtClean="0"/>
-              <a:t> </a:t>
-            </a:r>
-            <a:r>
-              <a:rPr lang="en-US" altLang="zh-CN" dirty="0" smtClean="0"/>
-              <a:t>to</a:t>
-            </a:r>
-            <a:r>
-              <a:rPr lang="zh-CN" altLang="en-US" dirty="0" smtClean="0"/>
-              <a:t> </a:t>
-            </a:r>
-            <a:r>
-              <a:rPr lang="en-US" altLang="zh-CN" dirty="0" smtClean="0"/>
-              <a:t>design</a:t>
-            </a:r>
-            <a:r>
-              <a:rPr lang="zh-CN" altLang="en-US" dirty="0" smtClean="0"/>
-              <a:t> </a:t>
-            </a:r>
-            <a:r>
-              <a:rPr lang="en-US" altLang="zh-CN" dirty="0" smtClean="0"/>
-              <a:t>better</a:t>
-            </a:r>
-            <a:r>
-              <a:rPr lang="zh-CN" altLang="en-US" dirty="0" smtClean="0"/>
-              <a:t> </a:t>
-            </a:r>
-            <a:r>
-              <a:rPr lang="en-US" altLang="zh-CN" dirty="0" smtClean="0"/>
-              <a:t>algorithm,</a:t>
-            </a:r>
-            <a:r>
-              <a:rPr lang="zh-CN" altLang="en-US" dirty="0" smtClean="0"/>
-              <a:t> </a:t>
-            </a:r>
-            <a:r>
-              <a:rPr lang="en-US" altLang="zh-CN" dirty="0" smtClean="0"/>
-              <a:t>protection</a:t>
-            </a:r>
-            <a:r>
-              <a:rPr lang="zh-CN" altLang="en-US" dirty="0" smtClean="0"/>
-              <a:t> </a:t>
-            </a:r>
-            <a:r>
-              <a:rPr lang="en-US" altLang="zh-CN" dirty="0" smtClean="0"/>
-              <a:t>technique</a:t>
-            </a:r>
-            <a:r>
-              <a:rPr lang="zh-CN" altLang="en-US" dirty="0" smtClean="0"/>
-              <a:t>,</a:t>
-            </a:r>
-            <a:r>
-              <a:rPr lang="en-US" altLang="zh-CN" dirty="0" smtClean="0"/>
-              <a:t>and</a:t>
-            </a:r>
-            <a:r>
-              <a:rPr lang="zh-CN" altLang="en-US" dirty="0" smtClean="0"/>
-              <a:t> </a:t>
-            </a:r>
-            <a:r>
-              <a:rPr lang="en-US" altLang="zh-CN" dirty="0" smtClean="0"/>
-              <a:t>analysis</a:t>
-            </a:r>
-            <a:r>
-              <a:rPr lang="zh-CN" altLang="en-US" dirty="0" smtClean="0"/>
-              <a:t> </a:t>
-            </a:r>
-            <a:r>
-              <a:rPr lang="en-US" altLang="zh-CN" dirty="0" smtClean="0"/>
               <a:t>technique.</a:t>
             </a:r>
-            <a:endParaRPr lang="en-US" altLang="zh-CN" dirty="0" smtClean="0"/>
           </a:p>
           <a:p>
             <a:endParaRPr lang="en-US" dirty="0"/>
@@ -19815,121 +20735,30 @@
             <p:ph type="body" sz="quarter" idx="27"/>
           </p:nvPr>
         </p:nvSpPr>
-        <p:spPr/>
+        <p:spPr>
+          <a:xfrm>
+            <a:off x="33310508" y="16616082"/>
+            <a:ext cx="10047018" cy="754045"/>
+          </a:xfrm>
+        </p:spPr>
         <p:txBody>
           <a:bodyPr/>
           <a:lstStyle/>
           <a:p>
-            <a:r>
-              <a:rPr lang="en-US" smtClean="0"/>
-              <a:t>REFERENCE</a:t>
-            </a:r>
-            <a:endParaRPr lang="en-US" dirty="0"/>
-          </a:p>
-        </p:txBody>
-      </p:sp>
-      <p:sp>
-        <p:nvSpPr>
-          <p:cNvPr id="51" name="Text Placeholder 50"/>
-          <p:cNvSpPr>
-            <a:spLocks noGrp="1"/>
-          </p:cNvSpPr>
-          <p:nvPr>
-            <p:ph type="body" sz="quarter" idx="28"/>
-          </p:nvPr>
-        </p:nvSpPr>
-        <p:spPr/>
-        <p:txBody>
-          <a:bodyPr/>
-          <a:lstStyle/>
-          <a:p>
-            <a:r>
-              <a:rPr lang="en-US" dirty="0" smtClean="0"/>
-              <a:t>Some</a:t>
-            </a:r>
-            <a:r>
-              <a:rPr lang="zh-CN" altLang="en-US" dirty="0" smtClean="0"/>
+            <a:pPr algn="l"/>
+            <a:r>
+              <a:rPr lang="en-US" i="1" dirty="0" smtClean="0"/>
+              <a:t>THE</a:t>
+            </a:r>
+            <a:r>
+              <a:rPr lang="zh-CN" altLang="en-US" i="1" dirty="0" smtClean="0"/>
               <a:t> </a:t>
             </a:r>
             <a:r>
-              <a:rPr lang="en-US" altLang="zh-CN" dirty="0" smtClean="0"/>
-              <a:t>thing</a:t>
-            </a:r>
-            <a:r>
-              <a:rPr lang="zh-CN" altLang="en-US" dirty="0" smtClean="0"/>
-              <a:t> </a:t>
-            </a:r>
-            <a:endParaRPr lang="en-US" dirty="0"/>
-          </a:p>
-        </p:txBody>
-      </p:sp>
-      <p:sp>
-        <p:nvSpPr>
-          <p:cNvPr id="13" name="Text Placeholder 12"/>
-          <p:cNvSpPr>
-            <a:spLocks noGrp="1"/>
-          </p:cNvSpPr>
-          <p:nvPr>
-            <p:ph type="body" sz="quarter" idx="29"/>
-          </p:nvPr>
-        </p:nvSpPr>
-        <p:spPr/>
-        <p:txBody>
-          <a:bodyPr/>
-          <a:lstStyle/>
-          <a:p>
-            <a:r>
-              <a:rPr lang="en-US" smtClean="0"/>
-              <a:t>ACKNOWLEDGE</a:t>
-            </a:r>
-            <a:r>
-              <a:rPr lang="zh-CN" altLang="en-US" smtClean="0"/>
-              <a:t> </a:t>
-            </a:r>
-            <a:r>
-              <a:rPr lang="en-US" altLang="zh-CN" smtClean="0"/>
-              <a:t>AND CONTACTS</a:t>
-            </a:r>
-            <a:endParaRPr lang="en-US" dirty="0"/>
-          </a:p>
-        </p:txBody>
-      </p:sp>
-      <p:sp>
-        <p:nvSpPr>
-          <p:cNvPr id="52" name="Text Placeholder 51"/>
-          <p:cNvSpPr>
-            <a:spLocks noGrp="1"/>
-          </p:cNvSpPr>
-          <p:nvPr>
-            <p:ph type="body" sz="quarter" idx="30"/>
-          </p:nvPr>
-        </p:nvSpPr>
-        <p:spPr/>
-        <p:txBody>
-          <a:bodyPr/>
-          <a:lstStyle/>
-          <a:p>
-            <a:r>
-              <a:rPr lang="en-US" dirty="0" smtClean="0"/>
-              <a:t>The</a:t>
-            </a:r>
-            <a:r>
-              <a:rPr lang="zh-CN" altLang="en-US" dirty="0" smtClean="0"/>
-              <a:t> </a:t>
-            </a:r>
-            <a:r>
-              <a:rPr lang="en-US" altLang="zh-CN" dirty="0" smtClean="0"/>
-              <a:t>other</a:t>
-            </a:r>
-            <a:r>
-              <a:rPr lang="zh-CN" altLang="en-US" dirty="0" smtClean="0"/>
-              <a:t> </a:t>
-            </a:r>
-            <a:r>
-              <a:rPr lang="en-US" altLang="zh-CN" dirty="0" smtClean="0"/>
-              <a:t>stuff</a:t>
-            </a:r>
-            <a:endParaRPr lang="en-US" dirty="0"/>
+              <a:rPr lang="en-US" i="1" dirty="0" smtClean="0"/>
+              <a:t>SYSTEM</a:t>
+            </a:r>
+            <a:endParaRPr lang="en-US" i="1" dirty="0"/>
           </a:p>
         </p:txBody>
       </p:sp>
@@ -19943,242 +20772,207 @@
             <p:ph type="body" sz="quarter" idx="96"/>
           </p:nvPr>
         </p:nvSpPr>
-        <p:spPr/>
+        <p:spPr>
+          <a:xfrm>
+            <a:off x="491425" y="26686933"/>
+            <a:ext cx="10056813" cy="4401183"/>
+          </a:xfrm>
+        </p:spPr>
         <p:txBody>
           <a:bodyPr/>
           <a:lstStyle/>
           <a:p>
-            <a:r>
-              <a:rPr lang="en-US" smtClean="0"/>
-              <a:t>Protect</a:t>
-            </a:r>
-            <a:r>
-              <a:rPr lang="zh-CN" altLang="en-US" smtClean="0"/>
+            <a:pPr marL="342900" indent="-342900">
+              <a:buFont typeface="Arial"/>
+              <a:buChar char="•"/>
+            </a:pPr>
+            <a:r>
+              <a:rPr lang="en-US" sz="4000" dirty="0" smtClean="0"/>
+              <a:t>Understand</a:t>
+            </a:r>
+            <a:r>
+              <a:rPr lang="zh-CN" altLang="en-US" sz="4000" dirty="0" smtClean="0"/>
               <a:t> </a:t>
             </a:r>
             <a:r>
-              <a:rPr lang="en-US" altLang="zh-CN" smtClean="0"/>
-              <a:t>the</a:t>
-            </a:r>
-            <a:r>
-              <a:rPr lang="zh-CN" altLang="en-US" smtClean="0"/>
+              <a:rPr lang="en-US" altLang="zh-CN" sz="4000" dirty="0" smtClean="0"/>
+              <a:t>how the</a:t>
+            </a:r>
+            <a:r>
+              <a:rPr lang="zh-CN" altLang="en-US" sz="4000" dirty="0" smtClean="0"/>
               <a:t> </a:t>
             </a:r>
             <a:r>
-              <a:rPr lang="en-US" altLang="zh-CN" smtClean="0"/>
-              <a:t>program</a:t>
-            </a:r>
-            <a:r>
-              <a:rPr lang="zh-CN" altLang="en-US" smtClean="0"/>
+              <a:rPr lang="en-US" altLang="zh-CN" sz="4000" dirty="0" smtClean="0"/>
+              <a:t>silent data corruption impact</a:t>
+            </a:r>
+            <a:r>
+              <a:rPr lang="zh-CN" altLang="en-US" sz="4000" dirty="0" smtClean="0"/>
               <a:t> </a:t>
             </a:r>
             <a:r>
-              <a:rPr lang="en-US" altLang="zh-CN" smtClean="0"/>
-              <a:t>against</a:t>
-            </a:r>
-            <a:r>
-              <a:rPr lang="zh-CN" altLang="en-US" smtClean="0"/>
+              <a:rPr lang="en-US" altLang="zh-CN" sz="4000" dirty="0" smtClean="0"/>
+              <a:t>on</a:t>
+            </a:r>
+            <a:r>
+              <a:rPr lang="zh-CN" altLang="en-US" sz="4000" dirty="0" smtClean="0"/>
               <a:t> </a:t>
             </a:r>
             <a:r>
-              <a:rPr lang="en-US" altLang="zh-CN" smtClean="0"/>
+              <a:rPr lang="en-US" altLang="zh-CN" sz="4000" dirty="0" smtClean="0"/>
+              <a:t>a</a:t>
+            </a:r>
+            <a:r>
+              <a:rPr lang="zh-CN" altLang="en-US" sz="4000" dirty="0" smtClean="0"/>
+              <a:t> </a:t>
+            </a:r>
+            <a:r>
+              <a:rPr lang="en-US" altLang="zh-CN" sz="4000" dirty="0" smtClean="0"/>
+              <a:t>program.</a:t>
+            </a:r>
+            <a:endParaRPr lang="en-US" altLang="zh-CN" sz="4000" dirty="0" smtClean="0"/>
+          </a:p>
+          <a:p>
+            <a:pPr marL="342900" indent="-342900">
+              <a:buFont typeface="Arial"/>
+              <a:buChar char="•"/>
+            </a:pPr>
+            <a:r>
+              <a:rPr lang="en-US" sz="4000" dirty="0" smtClean="0"/>
+              <a:t>Understand</a:t>
+            </a:r>
+            <a:r>
+              <a:rPr lang="zh-CN" altLang="en-US" sz="4000" dirty="0" smtClean="0"/>
+              <a:t> </a:t>
+            </a:r>
+            <a:r>
+              <a:rPr lang="en-US" altLang="zh-CN" sz="4000" dirty="0" smtClean="0"/>
+              <a:t>a program</a:t>
+            </a:r>
+            <a:r>
+              <a:rPr lang="zh-CN" altLang="en-US" sz="4000" dirty="0" smtClean="0"/>
+              <a:t> </a:t>
+            </a:r>
+            <a:r>
+              <a:rPr lang="en-US" altLang="zh-CN" sz="4000" dirty="0" smtClean="0"/>
+              <a:t>different</a:t>
+            </a:r>
+            <a:r>
+              <a:rPr lang="zh-CN" altLang="en-US" sz="4000" dirty="0" smtClean="0"/>
+              <a:t> </a:t>
+            </a:r>
+            <a:r>
+              <a:rPr lang="en-US" altLang="zh-CN" sz="4000" dirty="0" smtClean="0"/>
+              <a:t>code</a:t>
+            </a:r>
+            <a:r>
+              <a:rPr lang="zh-CN" altLang="en-US" sz="4000" dirty="0" smtClean="0"/>
+              <a:t> </a:t>
+            </a:r>
+            <a:r>
+              <a:rPr lang="en-US" altLang="zh-CN" sz="4000" dirty="0" smtClean="0"/>
+              <a:t>region’s</a:t>
+            </a:r>
+            <a:r>
+              <a:rPr lang="zh-CN" altLang="en-US" sz="4000" dirty="0" smtClean="0"/>
+              <a:t> </a:t>
+            </a:r>
+            <a:r>
+              <a:rPr lang="en-US" altLang="zh-CN" sz="4000" dirty="0" smtClean="0"/>
               <a:t>silent</a:t>
             </a:r>
             <a:r>
-              <a:rPr lang="zh-CN" altLang="en-US" smtClean="0"/>
+              <a:rPr lang="zh-CN" altLang="en-US" sz="4000" dirty="0" smtClean="0"/>
               <a:t> </a:t>
             </a:r>
             <a:r>
-              <a:rPr lang="en-US" altLang="zh-CN" smtClean="0"/>
+              <a:rPr lang="en-US" altLang="zh-CN" sz="4000" dirty="0" smtClean="0"/>
               <a:t>data</a:t>
             </a:r>
             <a:r>
-              <a:rPr lang="zh-CN" altLang="en-US" smtClean="0"/>
+              <a:rPr lang="zh-CN" altLang="en-US" sz="4000" dirty="0" smtClean="0"/>
               <a:t> </a:t>
             </a:r>
             <a:r>
-              <a:rPr lang="en-US" altLang="zh-CN" smtClean="0"/>
-              <a:t>corruption.</a:t>
-            </a:r>
-          </a:p>
-          <a:p>
-            <a:r>
-              <a:rPr lang="en-US" smtClean="0"/>
-              <a:t>Understand</a:t>
-            </a:r>
-            <a:r>
-              <a:rPr lang="zh-CN" altLang="en-US" smtClean="0"/>
+              <a:rPr lang="en-US" altLang="zh-CN" sz="4000" dirty="0" smtClean="0"/>
+              <a:t>corruption</a:t>
+            </a:r>
+            <a:r>
+              <a:rPr lang="zh-CN" altLang="en-US" sz="4000" dirty="0" smtClean="0"/>
               <a:t> </a:t>
             </a:r>
             <a:r>
-              <a:rPr lang="en-US" altLang="zh-CN" smtClean="0"/>
-              <a:t>the</a:t>
-            </a:r>
-            <a:r>
-              <a:rPr lang="zh-CN" altLang="en-US" smtClean="0"/>
+              <a:rPr lang="en-US" altLang="zh-CN" sz="4000" dirty="0" smtClean="0"/>
+              <a:t>vulnerability</a:t>
+            </a:r>
+            <a:r>
+              <a:rPr lang="en-US" altLang="zh-CN" sz="4000" dirty="0" smtClean="0"/>
+              <a:t>.</a:t>
+            </a:r>
+            <a:endParaRPr lang="en-US" altLang="zh-CN" sz="4000" dirty="0" smtClean="0"/>
+          </a:p>
+          <a:p>
+            <a:pPr marL="342900" indent="-342900">
+              <a:buFont typeface="Arial"/>
+              <a:buChar char="•"/>
+            </a:pPr>
+            <a:r>
+              <a:rPr lang="en-US" altLang="zh-CN" sz="4000" dirty="0" smtClean="0"/>
+              <a:t>Observe h</a:t>
+            </a:r>
+            <a:r>
+              <a:rPr lang="en-US" altLang="zh-CN" sz="4000" dirty="0" smtClean="0"/>
+              <a:t>ow</a:t>
+            </a:r>
+            <a:r>
+              <a:rPr lang="zh-CN" altLang="en-US" sz="4000" dirty="0" smtClean="0"/>
               <a:t> </a:t>
             </a:r>
             <a:r>
-              <a:rPr lang="en-US" altLang="zh-CN" smtClean="0"/>
-              <a:t>transient</a:t>
-            </a:r>
-            <a:r>
-              <a:rPr lang="zh-CN" altLang="en-US" smtClean="0"/>
+              <a:rPr lang="en-US" altLang="zh-CN" sz="4000" dirty="0" smtClean="0"/>
+              <a:t>a transient</a:t>
+            </a:r>
+            <a:r>
+              <a:rPr lang="zh-CN" altLang="en-US" sz="4000" dirty="0" smtClean="0"/>
               <a:t> </a:t>
             </a:r>
             <a:r>
-              <a:rPr lang="en-US" altLang="zh-CN" smtClean="0"/>
-              <a:t>error’s</a:t>
-            </a:r>
-            <a:r>
-              <a:rPr lang="zh-CN" altLang="en-US" smtClean="0"/>
+              <a:rPr lang="en-US" altLang="zh-CN" sz="4000" dirty="0" smtClean="0"/>
+              <a:t>error</a:t>
+            </a:r>
+            <a:r>
+              <a:rPr lang="zh-CN" altLang="en-US" sz="4000" dirty="0" smtClean="0"/>
               <a:t> </a:t>
             </a:r>
             <a:r>
-              <a:rPr lang="en-US" altLang="zh-CN" smtClean="0"/>
-              <a:t>impact</a:t>
-            </a:r>
-            <a:r>
-              <a:rPr lang="zh-CN" altLang="en-US" smtClean="0"/>
+              <a:rPr lang="en-US" altLang="zh-CN" sz="4000" dirty="0" smtClean="0"/>
+              <a:t>propagate</a:t>
+            </a:r>
+            <a:r>
+              <a:rPr lang="zh-CN" altLang="en-US" sz="4000" dirty="0" smtClean="0"/>
               <a:t> </a:t>
             </a:r>
             <a:r>
-              <a:rPr lang="en-US" altLang="zh-CN" smtClean="0"/>
-              <a:t>in</a:t>
-            </a:r>
-            <a:r>
-              <a:rPr lang="zh-CN" altLang="en-US" smtClean="0"/>
+              <a:rPr lang="en-US" altLang="zh-CN" sz="4000" dirty="0" smtClean="0"/>
+              <a:t>through</a:t>
+            </a:r>
+            <a:r>
+              <a:rPr lang="zh-CN" altLang="en-US" sz="4000" dirty="0" smtClean="0"/>
               <a:t> </a:t>
             </a:r>
             <a:r>
-              <a:rPr lang="en-US" altLang="zh-CN" smtClean="0"/>
-              <a:t>different</a:t>
-            </a:r>
-            <a:r>
-              <a:rPr lang="zh-CN" altLang="en-US" smtClean="0"/>
+              <a:rPr lang="en-US" altLang="zh-CN" sz="4000" dirty="0" smtClean="0"/>
+              <a:t>a</a:t>
+            </a:r>
+            <a:r>
+              <a:rPr lang="zh-CN" altLang="en-US" sz="4000" dirty="0" smtClean="0"/>
               <a:t> </a:t>
             </a:r>
             <a:r>
-              <a:rPr lang="en-US" altLang="zh-CN" smtClean="0"/>
-              <a:t>code</a:t>
-            </a:r>
-            <a:r>
-              <a:rPr lang="zh-CN" altLang="en-US" smtClean="0"/>
-              <a:t> </a:t>
-            </a:r>
-            <a:r>
-              <a:rPr lang="en-US" altLang="zh-CN" smtClean="0"/>
-              <a:t>region.</a:t>
-            </a:r>
-          </a:p>
-          <a:p>
-            <a:r>
-              <a:rPr lang="en-US" smtClean="0"/>
-              <a:t>Understand</a:t>
-            </a:r>
-            <a:r>
-              <a:rPr lang="zh-CN" altLang="en-US" smtClean="0"/>
-              <a:t> </a:t>
-            </a:r>
-            <a:r>
-              <a:rPr lang="en-US" altLang="zh-CN" smtClean="0"/>
-              <a:t>different</a:t>
-            </a:r>
-            <a:r>
-              <a:rPr lang="zh-CN" altLang="en-US" smtClean="0"/>
-              <a:t> </a:t>
-            </a:r>
-            <a:r>
-              <a:rPr lang="en-US" altLang="zh-CN" smtClean="0"/>
-              <a:t>code</a:t>
-            </a:r>
-            <a:r>
-              <a:rPr lang="zh-CN" altLang="en-US" smtClean="0"/>
-              <a:t> </a:t>
-            </a:r>
-            <a:r>
-              <a:rPr lang="en-US" altLang="zh-CN" smtClean="0"/>
-              <a:t>region’s</a:t>
-            </a:r>
-            <a:r>
-              <a:rPr lang="zh-CN" altLang="en-US" smtClean="0"/>
-              <a:t> </a:t>
-            </a:r>
-            <a:r>
-              <a:rPr lang="en-US" altLang="zh-CN" smtClean="0"/>
-              <a:t>silent</a:t>
-            </a:r>
-            <a:r>
-              <a:rPr lang="zh-CN" altLang="en-US" smtClean="0"/>
-              <a:t> </a:t>
-            </a:r>
-            <a:r>
-              <a:rPr lang="en-US" altLang="zh-CN" smtClean="0"/>
-              <a:t>data</a:t>
-            </a:r>
-            <a:r>
-              <a:rPr lang="zh-CN" altLang="en-US" smtClean="0"/>
-              <a:t> </a:t>
-            </a:r>
-            <a:r>
-              <a:rPr lang="en-US" altLang="zh-CN" smtClean="0"/>
-              <a:t>corruption</a:t>
-            </a:r>
-            <a:r>
-              <a:rPr lang="zh-CN" altLang="en-US" smtClean="0"/>
-              <a:t> </a:t>
-            </a:r>
-            <a:r>
-              <a:rPr lang="en-US" altLang="zh-CN" smtClean="0"/>
-              <a:t>vulnerability.</a:t>
-            </a:r>
-          </a:p>
-          <a:p>
-            <a:r>
-              <a:rPr lang="en-US" smtClean="0"/>
-              <a:t>Understand</a:t>
-            </a:r>
-            <a:r>
-              <a:rPr lang="zh-CN" altLang="en-US" smtClean="0"/>
-              <a:t> </a:t>
-            </a:r>
-            <a:r>
-              <a:rPr lang="en-US" altLang="zh-CN" smtClean="0"/>
-              <a:t>how</a:t>
-            </a:r>
-            <a:r>
-              <a:rPr lang="zh-CN" altLang="en-US" smtClean="0"/>
-              <a:t> </a:t>
-            </a:r>
-            <a:r>
-              <a:rPr lang="en-US" altLang="zh-CN" smtClean="0"/>
-              <a:t>error</a:t>
-            </a:r>
-            <a:r>
-              <a:rPr lang="zh-CN" altLang="en-US" smtClean="0"/>
-              <a:t> </a:t>
-            </a:r>
-            <a:r>
-              <a:rPr lang="en-US" altLang="zh-CN" smtClean="0"/>
-              <a:t>propagate</a:t>
-            </a:r>
-            <a:r>
-              <a:rPr lang="zh-CN" altLang="en-US" smtClean="0"/>
-              <a:t> </a:t>
-            </a:r>
-            <a:r>
-              <a:rPr lang="en-US" altLang="zh-CN" smtClean="0"/>
-              <a:t>through</a:t>
-            </a:r>
-            <a:r>
-              <a:rPr lang="zh-CN" altLang="en-US" smtClean="0"/>
-              <a:t> </a:t>
-            </a:r>
-            <a:r>
-              <a:rPr lang="en-US" altLang="zh-CN" smtClean="0"/>
+              <a:rPr lang="en-US" altLang="zh-CN" sz="4000" dirty="0" smtClean="0"/>
               <a:t>program.</a:t>
             </a:r>
-            <a:endParaRPr lang="en-US" dirty="0"/>
+            <a:endParaRPr lang="en-US" sz="4000" dirty="0"/>
           </a:p>
         </p:txBody>
       </p:sp>
@@ -20200,58 +20994,62 @@
           <a:lstStyle/>
           <a:p>
             <a:r>
-              <a:rPr lang="en-US" altLang="zh-CN" smtClean="0"/>
+              <a:rPr lang="en-US" altLang="zh-CN" dirty="0" smtClean="0"/>
               <a:t>SCI</a:t>
             </a:r>
             <a:r>
-              <a:rPr lang="zh-CN" altLang="en-US" smtClean="0"/>
+              <a:rPr lang="zh-CN" altLang="en-US" dirty="0" smtClean="0"/>
               <a:t> </a:t>
             </a:r>
             <a:r>
-              <a:rPr lang="en-US" altLang="zh-CN" smtClean="0"/>
+              <a:rPr lang="en-US" altLang="zh-CN" dirty="0" smtClean="0"/>
               <a:t>Institute</a:t>
             </a:r>
             <a:r>
-              <a:rPr lang="zh-CN" altLang="en-US" smtClean="0"/>
+              <a:rPr lang="zh-CN" altLang="en-US" dirty="0" smtClean="0"/>
               <a:t> *</a:t>
             </a:r>
-            <a:endParaRPr lang="en-US" altLang="zh-CN" smtClean="0"/>
-          </a:p>
-          <a:p>
-            <a:r>
-              <a:rPr lang="en-US" altLang="zh-CN" smtClean="0"/>
+            <a:endParaRPr lang="en-US" altLang="zh-CN" dirty="0" smtClean="0"/>
+          </a:p>
+          <a:p>
+            <a:r>
+              <a:rPr lang="en-US" altLang="zh-CN" dirty="0" smtClean="0"/>
               <a:t>Lawrence</a:t>
             </a:r>
             <a:r>
-              <a:rPr lang="zh-CN" altLang="en-US" smtClean="0"/>
+              <a:rPr lang="zh-CN" altLang="en-US" dirty="0" smtClean="0"/>
               <a:t> </a:t>
             </a:r>
             <a:r>
-              <a:rPr lang="en-US" altLang="zh-CN" smtClean="0"/>
+              <a:rPr lang="en-US" altLang="zh-CN" dirty="0" smtClean="0"/>
               <a:t>Livermore</a:t>
             </a:r>
             <a:r>
-              <a:rPr lang="zh-CN" altLang="en-US" smtClean="0"/>
+              <a:rPr lang="zh-CN" altLang="en-US" dirty="0" smtClean="0"/>
               <a:t> </a:t>
             </a:r>
             <a:r>
-              <a:rPr lang="en-US" altLang="zh-CN" smtClean="0"/>
+              <a:rPr lang="en-US" altLang="zh-CN" dirty="0" smtClean="0"/>
               <a:t>National</a:t>
             </a:r>
             <a:r>
-              <a:rPr lang="zh-CN" altLang="en-US" smtClean="0"/>
+              <a:rPr lang="zh-CN" altLang="en-US" dirty="0" smtClean="0"/>
               <a:t> </a:t>
             </a:r>
             <a:r>
-              <a:rPr lang="en-US" altLang="zh-CN" smtClean="0"/>
+              <a:rPr lang="en-US" altLang="zh-CN" dirty="0" smtClean="0"/>
               <a:t>Laboratory</a:t>
             </a:r>
             <a:r>
-              <a:rPr lang="zh-CN" altLang="en-US" smtClean="0"/>
+              <a:rPr lang="en-US" altLang="zh-CN" dirty="0"/>
               <a:t> </a:t>
             </a:r>
             <a:r>
-              <a:rPr lang="en-US" altLang="zh-CN" smtClean="0"/>
+              <a:rPr lang="en-US" altLang="zh-CN" dirty="0" smtClean="0"/>
+              <a:t> </a:t>
+            </a:r>
+            <a:r>
+              <a:rPr lang="en-US" altLang="zh-CN" dirty="0" smtClean="0"/>
               <a:t>+</a:t>
             </a:r>
             <a:endParaRPr lang="en-US" dirty="0"/>
@@ -20276,99 +21074,107 @@
           <a:lstStyle/>
           <a:p>
             <a:r>
-              <a:rPr lang="en-US" smtClean="0"/>
+              <a:rPr lang="en-US" dirty="0" smtClean="0"/>
               <a:t>Zhimin</a:t>
             </a:r>
             <a:r>
-              <a:rPr lang="zh-CN" altLang="en-US" smtClean="0"/>
+              <a:rPr lang="zh-CN" altLang="en-US" dirty="0" smtClean="0"/>
               <a:t> </a:t>
             </a:r>
             <a:r>
-              <a:rPr lang="en-US" altLang="zh-CN" smtClean="0"/>
+              <a:rPr lang="en-US" altLang="zh-CN" dirty="0" smtClean="0"/>
               <a:t>Li</a:t>
             </a:r>
             <a:r>
-              <a:rPr lang="zh-CN" altLang="en-US" smtClean="0"/>
+              <a:rPr lang="zh-CN" altLang="en-US" dirty="0" smtClean="0"/>
               <a:t>*</a:t>
             </a:r>
             <a:r>
-              <a:rPr lang="en-US" altLang="zh-CN" smtClean="0"/>
+              <a:rPr lang="en-US" altLang="zh-CN" dirty="0" smtClean="0"/>
               <a:t>,</a:t>
             </a:r>
             <a:r>
-              <a:rPr lang="zh-CN" altLang="en-US" smtClean="0"/>
+              <a:rPr lang="zh-CN" altLang="en-US" dirty="0" smtClean="0"/>
               <a:t> </a:t>
             </a:r>
             <a:r>
-              <a:rPr lang="en-US" altLang="zh-CN" smtClean="0"/>
+              <a:rPr lang="en-US" altLang="zh-CN" dirty="0" err="1" smtClean="0"/>
               <a:t>Harshitha</a:t>
             </a:r>
             <a:r>
-              <a:rPr lang="zh-CN" altLang="en-US" smtClean="0"/>
+              <a:rPr lang="zh-CN" altLang="en-US" dirty="0" smtClean="0"/>
               <a:t> </a:t>
             </a:r>
             <a:r>
-              <a:rPr lang="en-US" altLang="zh-CN" smtClean="0"/>
-              <a:t>Menon+,</a:t>
-            </a:r>
-            <a:r>
-              <a:rPr lang="zh-CN" altLang="en-US" smtClean="0"/>
+              <a:rPr lang="en-US" altLang="zh-CN" dirty="0" err="1" smtClean="0"/>
+              <a:t>Menon</a:t>
+            </a:r>
+            <a:r>
+              <a:rPr lang="en-US" altLang="zh-CN" dirty="0" smtClean="0"/>
+              <a:t>+,</a:t>
+            </a:r>
+            <a:r>
+              <a:rPr lang="zh-CN" altLang="en-US" dirty="0" smtClean="0"/>
               <a:t> </a:t>
             </a:r>
             <a:r>
-              <a:rPr lang="en-US" altLang="zh-CN" smtClean="0"/>
+              <a:rPr lang="en-US" altLang="zh-CN" dirty="0" err="1" smtClean="0"/>
               <a:t>Yarden</a:t>
             </a:r>
             <a:r>
-              <a:rPr lang="zh-CN" altLang="en-US" smtClean="0"/>
+              <a:rPr lang="zh-CN" altLang="en-US" dirty="0" smtClean="0"/>
               <a:t> </a:t>
             </a:r>
             <a:r>
-              <a:rPr lang="en-US" altLang="zh-CN" smtClean="0"/>
+              <a:rPr lang="en-US" altLang="zh-CN" dirty="0" err="1" smtClean="0"/>
               <a:t>Livnat</a:t>
             </a:r>
             <a:r>
-              <a:rPr lang="zh-CN" altLang="en-US" smtClean="0"/>
+              <a:rPr lang="zh-CN" altLang="en-US" dirty="0" smtClean="0"/>
               <a:t>*</a:t>
             </a:r>
             <a:r>
-              <a:rPr lang="en-US" altLang="zh-CN" smtClean="0"/>
+              <a:rPr lang="en-US" altLang="zh-CN" dirty="0" smtClean="0"/>
               <a:t>,</a:t>
             </a:r>
             <a:r>
-              <a:rPr lang="zh-CN" altLang="en-US" smtClean="0"/>
+              <a:rPr lang="zh-CN" altLang="en-US" dirty="0" smtClean="0"/>
               <a:t>  </a:t>
             </a:r>
             <a:r>
-              <a:rPr lang="en-US" altLang="zh-CN" smtClean="0"/>
+              <a:rPr lang="en-US" altLang="zh-CN" dirty="0" smtClean="0"/>
               <a:t>Kathryn</a:t>
             </a:r>
             <a:r>
-              <a:rPr lang="zh-CN" altLang="en-US" smtClean="0"/>
+              <a:rPr lang="zh-CN" altLang="en-US" dirty="0" smtClean="0"/>
               <a:t> </a:t>
             </a:r>
             <a:r>
-              <a:rPr lang="en-US" altLang="zh-CN" smtClean="0"/>
-              <a:t>Mohror+,</a:t>
-            </a:r>
-            <a:r>
-              <a:rPr lang="zh-CN" altLang="en-US" smtClean="0"/>
+              <a:rPr lang="en-US" altLang="zh-CN" dirty="0" err="1" smtClean="0"/>
+              <a:t>Mohror</a:t>
+            </a:r>
+            <a:r>
+              <a:rPr lang="en-US" altLang="zh-CN" dirty="0" smtClean="0"/>
+              <a:t>+,</a:t>
+            </a:r>
+            <a:r>
+              <a:rPr lang="zh-CN" altLang="en-US" dirty="0" smtClean="0"/>
               <a:t> </a:t>
             </a:r>
             <a:r>
-              <a:rPr lang="en-US" altLang="zh-CN" smtClean="0"/>
+              <a:rPr lang="en-US" altLang="zh-CN" dirty="0" smtClean="0"/>
               <a:t>Valerio</a:t>
             </a:r>
             <a:r>
-              <a:rPr lang="zh-CN" altLang="en-US" smtClean="0"/>
+              <a:rPr lang="zh-CN" altLang="en-US" dirty="0" smtClean="0"/>
               <a:t> </a:t>
             </a:r>
             <a:r>
-              <a:rPr lang="en-US" altLang="zh-CN" smtClean="0"/>
+              <a:rPr lang="en-US" altLang="zh-CN" dirty="0" err="1" smtClean="0"/>
               <a:t>Pascucci</a:t>
             </a:r>
             <a:r>
-              <a:rPr lang="zh-CN" altLang="en-US" smtClean="0"/>
+              <a:rPr lang="zh-CN" altLang="en-US" dirty="0" smtClean="0"/>
               <a:t>*</a:t>
             </a:r>
             <a:endParaRPr lang="en-US" dirty="0"/>
@@ -20388,86 +21194,66 @@
         <p:spPr/>
         <p:txBody>
           <a:bodyPr>
-            <a:normAutofit fontScale="92500" lnSpcReduction="10000"/>
+            <a:normAutofit fontScale="62500" lnSpcReduction="20000"/>
           </a:bodyPr>
           <a:lstStyle/>
           <a:p>
             <a:r>
-              <a:rPr lang="en-US" smtClean="0"/>
-              <a:t>Error</a:t>
-            </a:r>
-            <a:r>
-              <a:rPr lang="zh-CN" altLang="en-US" smtClean="0"/>
+              <a:rPr lang="en-US" dirty="0" err="1" smtClean="0"/>
+              <a:t>SpotSDC</a:t>
+            </a:r>
+            <a:r>
+              <a:rPr lang="en-US" dirty="0" smtClean="0"/>
+              <a:t>: </a:t>
+            </a:r>
+            <a:r>
+              <a:rPr lang="en-US" dirty="0"/>
               <a:t> </a:t>
             </a:r>
             <a:r>
-              <a:rPr lang="en-US" altLang="zh-CN" smtClean="0"/>
+              <a:rPr lang="en-US" dirty="0" smtClean="0"/>
+              <a:t>An </a:t>
+            </a:r>
+            <a:r>
+              <a:rPr lang="en-US" altLang="zh-CN" dirty="0" smtClean="0"/>
+              <a:t>Information</a:t>
+            </a:r>
+            <a:r>
+              <a:rPr lang="zh-CN" altLang="en-US" dirty="0" smtClean="0"/>
+              <a:t> </a:t>
+            </a:r>
+            <a:r>
+              <a:rPr lang="en-US" altLang="zh-CN" dirty="0" smtClean="0"/>
               <a:t>Visualization</a:t>
+            </a:r>
+            <a:r>
+              <a:rPr lang="zh-CN" altLang="en-US" dirty="0" smtClean="0"/>
+              <a:t> </a:t>
+            </a:r>
+            <a:r>
+              <a:rPr lang="en-US" altLang="zh-CN" dirty="0" smtClean="0"/>
+              <a:t>System To</a:t>
+            </a:r>
+            <a:r>
+              <a:rPr lang="zh-CN" altLang="en-US" dirty="0" smtClean="0"/>
+              <a:t> </a:t>
+            </a:r>
+            <a:r>
+              <a:rPr lang="en-US" altLang="zh-CN" dirty="0" smtClean="0"/>
+              <a:t>Analyze</a:t>
+            </a:r>
+            <a:r>
+              <a:rPr lang="zh-CN" altLang="en-US" dirty="0" smtClean="0"/>
+              <a:t> </a:t>
+            </a:r>
+            <a:r>
+              <a:rPr lang="en-US" altLang="zh-CN" dirty="0" smtClean="0"/>
+              <a:t>Silent Data Corruption</a:t>
             </a:r>
             <a:endParaRPr lang="en-US" dirty="0"/>
           </a:p>
         </p:txBody>
       </p:sp>
-      <p:pic>
-        <p:nvPicPr>
-          <p:cNvPr id="22" name="Picture 21" descr="screenshot.png"/>
-          <p:cNvPicPr>
-            <a:picLocks noChangeAspect="1"/>
-          </p:cNvPicPr>
-          <p:nvPr/>
-        </p:nvPicPr>
-        <p:blipFill>
-          <a:blip r:embed="rId2">
-            <a:extLst>
-              <a:ext uri="{28A0092B-C50C-407E-A947-70E740481C1C}">
-                <a14:useLocalDpi xmlns:a14="http://schemas.microsoft.com/office/drawing/2010/main" val="0"/>
-              </a:ext>
-            </a:extLst>
-          </a:blip>
-          <a:stretch>
-            <a:fillRect/>
-          </a:stretch>
-        </p:blipFill>
-        <p:spPr>
-          <a:xfrm>
-            <a:off x="2324894" y="20231658"/>
-            <a:ext cx="4704629" cy="2356281"/>
-          </a:xfrm>
-          <a:prstGeom prst="rect">
-            <a:avLst/>
-          </a:prstGeom>
-        </p:spPr>
-      </p:pic>
-      <p:pic>
-        <p:nvPicPr>
-          <p:cNvPr id="24" name="Picture 23" descr="screenshot.png"/>
-          <p:cNvPicPr>
-            <a:picLocks noChangeAspect="1"/>
-          </p:cNvPicPr>
-          <p:nvPr/>
-        </p:nvPicPr>
-        <p:blipFill>
-          <a:blip r:embed="rId3">
-            <a:extLst>
-              <a:ext uri="{28A0092B-C50C-407E-A947-70E740481C1C}">
-                <a14:useLocalDpi xmlns:a14="http://schemas.microsoft.com/office/drawing/2010/main" val="0"/>
-              </a:ext>
-            </a:extLst>
-          </a:blip>
-          <a:stretch>
-            <a:fillRect/>
-          </a:stretch>
-        </p:blipFill>
-        <p:spPr>
-          <a:xfrm>
-            <a:off x="12910552" y="27279809"/>
-            <a:ext cx="6121400" cy="1473200"/>
-          </a:xfrm>
-          <a:prstGeom prst="rect">
-            <a:avLst/>
-          </a:prstGeom>
-        </p:spPr>
-      </p:pic>
       <p:sp>
         <p:nvSpPr>
           <p:cNvPr id="35" name="Rectangle 34"/>
@@ -20517,7 +21303,208 @@
       </p:sp>
       <p:pic>
         <p:nvPicPr>
-          <p:cNvPr id="54" name="Picture 53" descr="error.png"/>
+          <p:cNvPr id="57" name="Picture 56" descr="screenshot.png"/>
+          <p:cNvPicPr>
+            <a:picLocks noChangeAspect="1"/>
+          </p:cNvPicPr>
+          <p:nvPr/>
+        </p:nvPicPr>
+        <p:blipFill>
+          <a:blip r:embed="rId3">
+            <a:extLst>
+              <a:ext uri="{28A0092B-C50C-407E-A947-70E740481C1C}">
+                <a14:useLocalDpi xmlns:a14="http://schemas.microsoft.com/office/drawing/2010/main" val="0"/>
+              </a:ext>
+            </a:extLst>
+          </a:blip>
+          <a:stretch>
+            <a:fillRect/>
+          </a:stretch>
+        </p:blipFill>
+        <p:spPr>
+          <a:xfrm>
+            <a:off x="12423843" y="24252934"/>
+            <a:ext cx="8118802" cy="6506980"/>
+          </a:xfrm>
+          <a:prstGeom prst="rect">
+            <a:avLst/>
+          </a:prstGeom>
+        </p:spPr>
+      </p:pic>
+      <p:sp>
+        <p:nvSpPr>
+          <p:cNvPr id="58" name="Text Placeholder 3"/>
+          <p:cNvSpPr txBox="1">
+            <a:spLocks/>
+          </p:cNvSpPr>
+          <p:nvPr/>
+        </p:nvSpPr>
+        <p:spPr>
+          <a:xfrm>
+            <a:off x="509578" y="13250491"/>
+            <a:ext cx="10050462" cy="754045"/>
+          </a:xfrm>
+          <a:prstGeom prst="rect">
+            <a:avLst/>
+          </a:prstGeom>
+          <a:noFill/>
+        </p:spPr>
+        <p:txBody>
+          <a:bodyPr wrap="square" lIns="91436" tIns="91436" rIns="91436" bIns="91436" anchor="ctr" anchorCtr="0">
+            <a:spAutoFit/>
+          </a:bodyPr>
+          <a:lstStyle>
+            <a:lvl1pPr marL="0" indent="0" algn="ctr" defTabSz="4388900" rtl="0" eaLnBrk="1" latinLnBrk="0" hangingPunct="1">
+              <a:spcBef>
+                <a:spcPct val="20000"/>
+              </a:spcBef>
+              <a:buFont typeface="Arial" pitchFamily="34" charset="0"/>
+              <a:buNone/>
+              <a:defRPr sz="3700" b="1" u="sng" kern="1200" baseline="0">
+                <a:solidFill>
+                  <a:schemeClr val="accent5">
+                    <a:lumMod val="50000"/>
+                  </a:schemeClr>
+                </a:solidFill>
+                <a:latin typeface="+mn-lt"/>
+                <a:ea typeface="+mn-ea"/>
+                <a:cs typeface="+mn-cs"/>
+              </a:defRPr>
+            </a:lvl1pPr>
+            <a:lvl2pPr marL="3565982" indent="-1371531" algn="l" defTabSz="4388900" rtl="0" eaLnBrk="1" latinLnBrk="0" hangingPunct="1">
+              <a:spcBef>
+                <a:spcPct val="20000"/>
+              </a:spcBef>
+              <a:buFont typeface="Arial" pitchFamily="34" charset="0"/>
+              <a:buChar char="–"/>
+              <a:defRPr sz="13500" kern="1200">
+                <a:solidFill>
+                  <a:schemeClr val="tx1"/>
+                </a:solidFill>
+                <a:latin typeface="+mn-lt"/>
+                <a:ea typeface="+mn-ea"/>
+                <a:cs typeface="+mn-cs"/>
+              </a:defRPr>
+            </a:lvl2pPr>
+            <a:lvl3pPr marL="5486126" indent="-1097226" algn="l" defTabSz="4388900" rtl="0" eaLnBrk="1" latinLnBrk="0" hangingPunct="1">
+              <a:spcBef>
+                <a:spcPct val="20000"/>
+              </a:spcBef>
+              <a:buFont typeface="Arial" pitchFamily="34" charset="0"/>
+              <a:buChar char="•"/>
+              <a:defRPr sz="11600" kern="1200">
+                <a:solidFill>
+                  <a:schemeClr val="tx1"/>
+                </a:solidFill>
+                <a:latin typeface="+mn-lt"/>
+                <a:ea typeface="+mn-ea"/>
+                <a:cs typeface="+mn-cs"/>
+              </a:defRPr>
+            </a:lvl3pPr>
+            <a:lvl4pPr marL="7680577" indent="-1097226" algn="l" defTabSz="4388900" rtl="0" eaLnBrk="1" latinLnBrk="0" hangingPunct="1">
+              <a:spcBef>
+                <a:spcPct val="20000"/>
+              </a:spcBef>
+              <a:buFont typeface="Arial" pitchFamily="34" charset="0"/>
+              <a:buChar char="–"/>
+              <a:defRPr sz="9600" kern="1200">
+                <a:solidFill>
+                  <a:schemeClr val="tx1"/>
+                </a:solidFill>
+                <a:latin typeface="+mn-lt"/>
+                <a:ea typeface="+mn-ea"/>
+                <a:cs typeface="+mn-cs"/>
+              </a:defRPr>
+            </a:lvl4pPr>
+            <a:lvl5pPr marL="9875026" indent="-1097226" algn="l" defTabSz="4388900" rtl="0" eaLnBrk="1" latinLnBrk="0" hangingPunct="1">
+              <a:spcBef>
+                <a:spcPct val="20000"/>
+              </a:spcBef>
+              <a:buFont typeface="Arial" pitchFamily="34" charset="0"/>
+              <a:buChar char="»"/>
+              <a:defRPr sz="9600" kern="1200">
+                <a:solidFill>
+                  <a:schemeClr val="tx1"/>
+                </a:solidFill>
+                <a:latin typeface="+mn-lt"/>
+                <a:ea typeface="+mn-ea"/>
+                <a:cs typeface="+mn-cs"/>
+              </a:defRPr>
+            </a:lvl5pPr>
+            <a:lvl6pPr marL="12069477" indent="-1097226" algn="l" defTabSz="4388900" rtl="0" eaLnBrk="1" latinLnBrk="0" hangingPunct="1">
+              <a:spcBef>
+                <a:spcPct val="20000"/>
+              </a:spcBef>
+              <a:buFont typeface="Arial" pitchFamily="34" charset="0"/>
+              <a:buChar char="•"/>
+              <a:defRPr sz="9600" kern="1200">
+                <a:solidFill>
+                  <a:schemeClr val="tx1"/>
+                </a:solidFill>
+                <a:latin typeface="+mn-lt"/>
+                <a:ea typeface="+mn-ea"/>
+                <a:cs typeface="+mn-cs"/>
+              </a:defRPr>
+            </a:lvl6pPr>
+            <a:lvl7pPr marL="14263926" indent="-1097226" algn="l" defTabSz="4388900" rtl="0" eaLnBrk="1" latinLnBrk="0" hangingPunct="1">
+              <a:spcBef>
+                <a:spcPct val="20000"/>
+              </a:spcBef>
+              <a:buFont typeface="Arial" pitchFamily="34" charset="0"/>
+              <a:buChar char="•"/>
+              <a:defRPr sz="9600" kern="1200">
+                <a:solidFill>
+                  <a:schemeClr val="tx1"/>
+                </a:solidFill>
+                <a:latin typeface="+mn-lt"/>
+                <a:ea typeface="+mn-ea"/>
+                <a:cs typeface="+mn-cs"/>
+              </a:defRPr>
+            </a:lvl7pPr>
+            <a:lvl8pPr marL="16458377" indent="-1097226" algn="l" defTabSz="4388900" rtl="0" eaLnBrk="1" latinLnBrk="0" hangingPunct="1">
+              <a:spcBef>
+                <a:spcPct val="20000"/>
+              </a:spcBef>
+              <a:buFont typeface="Arial" pitchFamily="34" charset="0"/>
+              <a:buChar char="•"/>
+              <a:defRPr sz="9600" kern="1200">
+                <a:solidFill>
+                  <a:schemeClr val="tx1"/>
+                </a:solidFill>
+                <a:latin typeface="+mn-lt"/>
+                <a:ea typeface="+mn-ea"/>
+                <a:cs typeface="+mn-cs"/>
+              </a:defRPr>
+            </a:lvl8pPr>
+            <a:lvl9pPr marL="18652827" indent="-1097226" algn="l" defTabSz="4388900" rtl="0" eaLnBrk="1" latinLnBrk="0" hangingPunct="1">
+              <a:spcBef>
+                <a:spcPct val="20000"/>
+              </a:spcBef>
+              <a:buFont typeface="Arial" pitchFamily="34" charset="0"/>
+              <a:buChar char="•"/>
+              <a:defRPr sz="9600" kern="1200">
+                <a:solidFill>
+                  <a:schemeClr val="tx1"/>
+                </a:solidFill>
+                <a:latin typeface="+mn-lt"/>
+                <a:ea typeface="+mn-ea"/>
+                <a:cs typeface="+mn-cs"/>
+              </a:defRPr>
+            </a:lvl9pPr>
+          </a:lstStyle>
+          <a:p>
+            <a:pPr algn="l"/>
+            <a:r>
+              <a:rPr lang="en-US" i="1" dirty="0" smtClean="0"/>
+              <a:t>BACKGROUND</a:t>
+            </a:r>
+            <a:endParaRPr lang="en-US" i="1" dirty="0"/>
+          </a:p>
+        </p:txBody>
+      </p:sp>
+      <p:pic>
+        <p:nvPicPr>
+          <p:cNvPr id="7" name="Picture 6" descr="screenshot.png"/>
           <p:cNvPicPr>
             <a:picLocks noChangeAspect="1"/>
           </p:cNvPicPr>
@@ -20537,8 +21524,8 @@
         </p:blipFill>
         <p:spPr>
           <a:xfrm>
-            <a:off x="23094847" y="7334604"/>
-            <a:ext cx="8666522" cy="7692179"/>
+            <a:off x="710295" y="20171282"/>
+            <a:ext cx="9607759" cy="5184675"/>
           </a:xfrm>
           <a:prstGeom prst="rect">
             <a:avLst/>
@@ -20547,7 +21534,7 @@
       </p:pic>
       <p:pic>
         <p:nvPicPr>
-          <p:cNvPr id="55" name="Picture 54" descr="impact.png"/>
+          <p:cNvPr id="14" name="Picture 13" descr="screenshot.png"/>
           <p:cNvPicPr>
             <a:picLocks noChangeAspect="1"/>
           </p:cNvPicPr>
@@ -20567,17 +21554,188 @@
         </p:blipFill>
         <p:spPr>
           <a:xfrm>
-            <a:off x="13509156" y="7334604"/>
-            <a:ext cx="5819960" cy="5361931"/>
+            <a:off x="23832648" y="25377291"/>
+            <a:ext cx="7256952" cy="4311483"/>
           </a:xfrm>
           <a:prstGeom prst="rect">
             <a:avLst/>
           </a:prstGeom>
         </p:spPr>
       </p:pic>
+      <p:sp>
+        <p:nvSpPr>
+          <p:cNvPr id="36" name="Text Placeholder 3"/>
+          <p:cNvSpPr txBox="1">
+            <a:spLocks/>
+          </p:cNvSpPr>
+          <p:nvPr/>
+        </p:nvSpPr>
+        <p:spPr>
+          <a:xfrm>
+            <a:off x="465139" y="6378481"/>
+            <a:ext cx="10050462" cy="754045"/>
+          </a:xfrm>
+          <a:prstGeom prst="rect">
+            <a:avLst/>
+          </a:prstGeom>
+          <a:noFill/>
+        </p:spPr>
+        <p:txBody>
+          <a:bodyPr wrap="square" lIns="91436" tIns="91436" rIns="91436" bIns="91436" anchor="ctr" anchorCtr="0">
+            <a:spAutoFit/>
+          </a:bodyPr>
+          <a:lstStyle>
+            <a:lvl1pPr marL="0" indent="0" algn="ctr" defTabSz="4388900" rtl="0" eaLnBrk="1" latinLnBrk="0" hangingPunct="1">
+              <a:spcBef>
+                <a:spcPct val="20000"/>
+              </a:spcBef>
+              <a:buFont typeface="Arial" pitchFamily="34" charset="0"/>
+              <a:buNone/>
+              <a:defRPr sz="3700" b="1" u="sng" kern="1200" baseline="0">
+                <a:solidFill>
+                  <a:schemeClr val="accent5">
+                    <a:lumMod val="50000"/>
+                  </a:schemeClr>
+                </a:solidFill>
+                <a:latin typeface="+mn-lt"/>
+                <a:ea typeface="+mn-ea"/>
+                <a:cs typeface="+mn-cs"/>
+              </a:defRPr>
+            </a:lvl1pPr>
+            <a:lvl2pPr marL="3565982" indent="-1371531" algn="l" defTabSz="4388900" rtl="0" eaLnBrk="1" latinLnBrk="0" hangingPunct="1">
+              <a:spcBef>
+                <a:spcPct val="20000"/>
+              </a:spcBef>
+              <a:buFont typeface="Arial" pitchFamily="34" charset="0"/>
+              <a:buChar char="–"/>
+              <a:defRPr sz="13500" kern="1200">
+                <a:solidFill>
+                  <a:schemeClr val="tx1"/>
+                </a:solidFill>
+                <a:latin typeface="+mn-lt"/>
+                <a:ea typeface="+mn-ea"/>
+                <a:cs typeface="+mn-cs"/>
+              </a:defRPr>
+            </a:lvl2pPr>
+            <a:lvl3pPr marL="5486126" indent="-1097226" algn="l" defTabSz="4388900" rtl="0" eaLnBrk="1" latinLnBrk="0" hangingPunct="1">
+              <a:spcBef>
+                <a:spcPct val="20000"/>
+              </a:spcBef>
+              <a:buFont typeface="Arial" pitchFamily="34" charset="0"/>
+              <a:buChar char="•"/>
+              <a:defRPr sz="11600" kern="1200">
+                <a:solidFill>
+                  <a:schemeClr val="tx1"/>
+                </a:solidFill>
+                <a:latin typeface="+mn-lt"/>
+                <a:ea typeface="+mn-ea"/>
+                <a:cs typeface="+mn-cs"/>
+              </a:defRPr>
+            </a:lvl3pPr>
+            <a:lvl4pPr marL="7680577" indent="-1097226" algn="l" defTabSz="4388900" rtl="0" eaLnBrk="1" latinLnBrk="0" hangingPunct="1">
+              <a:spcBef>
+                <a:spcPct val="20000"/>
+              </a:spcBef>
+              <a:buFont typeface="Arial" pitchFamily="34" charset="0"/>
+              <a:buChar char="–"/>
+              <a:defRPr sz="9600" kern="1200">
+                <a:solidFill>
+                  <a:schemeClr val="tx1"/>
+                </a:solidFill>
+                <a:latin typeface="+mn-lt"/>
+                <a:ea typeface="+mn-ea"/>
+                <a:cs typeface="+mn-cs"/>
+              </a:defRPr>
+            </a:lvl4pPr>
+            <a:lvl5pPr marL="9875026" indent="-1097226" algn="l" defTabSz="4388900" rtl="0" eaLnBrk="1" latinLnBrk="0" hangingPunct="1">
+              <a:spcBef>
+                <a:spcPct val="20000"/>
+              </a:spcBef>
+              <a:buFont typeface="Arial" pitchFamily="34" charset="0"/>
+              <a:buChar char="»"/>
+              <a:defRPr sz="9600" kern="1200">
+                <a:solidFill>
+                  <a:schemeClr val="tx1"/>
+                </a:solidFill>
+                <a:latin typeface="+mn-lt"/>
+                <a:ea typeface="+mn-ea"/>
+                <a:cs typeface="+mn-cs"/>
+              </a:defRPr>
+            </a:lvl5pPr>
+            <a:lvl6pPr marL="12069477" indent="-1097226" algn="l" defTabSz="4388900" rtl="0" eaLnBrk="1" latinLnBrk="0" hangingPunct="1">
+              <a:spcBef>
+                <a:spcPct val="20000"/>
+              </a:spcBef>
+              <a:buFont typeface="Arial" pitchFamily="34" charset="0"/>
+              <a:buChar char="•"/>
+              <a:defRPr sz="9600" kern="1200">
+                <a:solidFill>
+                  <a:schemeClr val="tx1"/>
+                </a:solidFill>
+                <a:latin typeface="+mn-lt"/>
+                <a:ea typeface="+mn-ea"/>
+                <a:cs typeface="+mn-cs"/>
+              </a:defRPr>
+            </a:lvl6pPr>
+            <a:lvl7pPr marL="14263926" indent="-1097226" algn="l" defTabSz="4388900" rtl="0" eaLnBrk="1" latinLnBrk="0" hangingPunct="1">
+              <a:spcBef>
+                <a:spcPct val="20000"/>
+              </a:spcBef>
+              <a:buFont typeface="Arial" pitchFamily="34" charset="0"/>
+              <a:buChar char="•"/>
+              <a:defRPr sz="9600" kern="1200">
+                <a:solidFill>
+                  <a:schemeClr val="tx1"/>
+                </a:solidFill>
+                <a:latin typeface="+mn-lt"/>
+                <a:ea typeface="+mn-ea"/>
+                <a:cs typeface="+mn-cs"/>
+              </a:defRPr>
+            </a:lvl7pPr>
+            <a:lvl8pPr marL="16458377" indent="-1097226" algn="l" defTabSz="4388900" rtl="0" eaLnBrk="1" latinLnBrk="0" hangingPunct="1">
+              <a:spcBef>
+                <a:spcPct val="20000"/>
+              </a:spcBef>
+              <a:buFont typeface="Arial" pitchFamily="34" charset="0"/>
+              <a:buChar char="•"/>
+              <a:defRPr sz="9600" kern="1200">
+                <a:solidFill>
+                  <a:schemeClr val="tx1"/>
+                </a:solidFill>
+                <a:latin typeface="+mn-lt"/>
+                <a:ea typeface="+mn-ea"/>
+                <a:cs typeface="+mn-cs"/>
+              </a:defRPr>
+            </a:lvl8pPr>
+            <a:lvl9pPr marL="18652827" indent="-1097226" algn="l" defTabSz="4388900" rtl="0" eaLnBrk="1" latinLnBrk="0" hangingPunct="1">
+              <a:spcBef>
+                <a:spcPct val="20000"/>
+              </a:spcBef>
+              <a:buFont typeface="Arial" pitchFamily="34" charset="0"/>
+              <a:buChar char="•"/>
+              <a:defRPr sz="9600" kern="1200">
+                <a:solidFill>
+                  <a:schemeClr val="tx1"/>
+                </a:solidFill>
+                <a:latin typeface="+mn-lt"/>
+                <a:ea typeface="+mn-ea"/>
+                <a:cs typeface="+mn-cs"/>
+              </a:defRPr>
+            </a:lvl9pPr>
+          </a:lstStyle>
+          <a:p>
+            <a:pPr algn="l"/>
+            <a:r>
+              <a:rPr lang="en-US" i="1" dirty="0" smtClean="0"/>
+              <a:t>ABSTRACT</a:t>
+            </a:r>
+            <a:endParaRPr lang="en-US" i="1" dirty="0"/>
+          </a:p>
+        </p:txBody>
+      </p:sp>
       <p:pic>
         <p:nvPicPr>
-          <p:cNvPr id="57" name="Picture 56" descr="screenshot.png"/>
+          <p:cNvPr id="28" name="Picture 27" descr="screenshot.png"/>
           <p:cNvPicPr>
             <a:picLocks noChangeAspect="1"/>
           </p:cNvPicPr>
@@ -20597,8 +21755,128 @@
         </p:blipFill>
         <p:spPr>
           <a:xfrm>
-            <a:off x="13509156" y="14759997"/>
-            <a:ext cx="5739793" cy="4600275"/>
+            <a:off x="12423843" y="8961264"/>
+            <a:ext cx="8118803" cy="3002575"/>
+          </a:xfrm>
+          <a:prstGeom prst="rect">
+            <a:avLst/>
+          </a:prstGeom>
+        </p:spPr>
+      </p:pic>
+      <p:pic>
+        <p:nvPicPr>
+          <p:cNvPr id="31" name="Picture 30" descr="screenshot.png"/>
+          <p:cNvPicPr>
+            <a:picLocks noChangeAspect="1"/>
+          </p:cNvPicPr>
+          <p:nvPr/>
+        </p:nvPicPr>
+        <p:blipFill>
+          <a:blip r:embed="rId7">
+            <a:extLst>
+              <a:ext uri="{28A0092B-C50C-407E-A947-70E740481C1C}">
+                <a14:useLocalDpi xmlns:a14="http://schemas.microsoft.com/office/drawing/2010/main" val="0"/>
+              </a:ext>
+            </a:extLst>
+          </a:blip>
+          <a:stretch>
+            <a:fillRect/>
+          </a:stretch>
+        </p:blipFill>
+        <p:spPr>
+          <a:xfrm>
+            <a:off x="12423842" y="14121463"/>
+            <a:ext cx="8118803" cy="2262042"/>
+          </a:xfrm>
+          <a:prstGeom prst="rect">
+            <a:avLst/>
+          </a:prstGeom>
+        </p:spPr>
+      </p:pic>
+      <p:pic>
+        <p:nvPicPr>
+          <p:cNvPr id="32" name="Picture 31" descr="screenshot.png"/>
+          <p:cNvPicPr>
+            <a:picLocks noChangeAspect="1"/>
+          </p:cNvPicPr>
+          <p:nvPr/>
+        </p:nvPicPr>
+        <p:blipFill>
+          <a:blip r:embed="rId8">
+            <a:extLst>
+              <a:ext uri="{28A0092B-C50C-407E-A947-70E740481C1C}">
+                <a14:useLocalDpi xmlns:a14="http://schemas.microsoft.com/office/drawing/2010/main" val="0"/>
+              </a:ext>
+            </a:extLst>
+          </a:blip>
+          <a:stretch>
+            <a:fillRect/>
+          </a:stretch>
+        </p:blipFill>
+        <p:spPr>
+          <a:xfrm>
+            <a:off x="12423841" y="18835311"/>
+            <a:ext cx="8118804" cy="2715319"/>
+          </a:xfrm>
+          <a:prstGeom prst="rect">
+            <a:avLst/>
+          </a:prstGeom>
+        </p:spPr>
+      </p:pic>
+      <p:pic>
+        <p:nvPicPr>
+          <p:cNvPr id="33" name="Picture 32" descr="screenshot.png"/>
+          <p:cNvPicPr>
+            <a:picLocks noChangeAspect="1"/>
+          </p:cNvPicPr>
+          <p:nvPr/>
+        </p:nvPicPr>
+        <p:blipFill>
+          <a:blip r:embed="rId9">
+            <a:extLst>
+              <a:ext uri="{28A0092B-C50C-407E-A947-70E740481C1C}">
+                <a14:useLocalDpi xmlns:a14="http://schemas.microsoft.com/office/drawing/2010/main" val="0"/>
+              </a:ext>
+            </a:extLst>
+          </a:blip>
+          <a:stretch>
+            <a:fillRect/>
+          </a:stretch>
+        </p:blipFill>
+        <p:spPr>
+          <a:xfrm>
+            <a:off x="19100177" y="23174244"/>
+            <a:ext cx="1104900" cy="749300"/>
+          </a:xfrm>
+          <a:prstGeom prst="rect">
+            <a:avLst/>
+          </a:prstGeom>
+        </p:spPr>
+      </p:pic>
+      <p:pic>
+        <p:nvPicPr>
+          <p:cNvPr id="43" name="Picture 42" descr="screenshot.png"/>
+          <p:cNvPicPr>
+            <a:picLocks noChangeAspect="1"/>
+          </p:cNvPicPr>
+          <p:nvPr/>
+        </p:nvPicPr>
+        <p:blipFill>
+          <a:blip r:embed="rId10">
+            <a:extLst>
+              <a:ext uri="{28A0092B-C50C-407E-A947-70E740481C1C}">
+                <a14:useLocalDpi xmlns:a14="http://schemas.microsoft.com/office/drawing/2010/main" val="0"/>
+              </a:ext>
+            </a:extLst>
+          </a:blip>
+          <a:stretch>
+            <a:fillRect/>
+          </a:stretch>
+        </p:blipFill>
+        <p:spPr>
+          <a:xfrm>
+            <a:off x="23019848" y="15857766"/>
+            <a:ext cx="8679352" cy="7230579"/>
           </a:xfrm>
           <a:prstGeom prst="rect">
             <a:avLst/>
@@ -20607,174 +21885,229 @@
       </p:pic>
       <p:sp>
         <p:nvSpPr>
-          <p:cNvPr id="58" name="Text Placeholder 3"/>
-          <p:cNvSpPr txBox="1">
-            <a:spLocks/>
+          <p:cNvPr id="34" name="Text Placeholder 33"/>
+          <p:cNvSpPr>
+            <a:spLocks noGrp="1"/>
           </p:cNvSpPr>
+          <p:nvPr>
+            <p:ph type="body" sz="quarter" idx="11"/>
+          </p:nvPr>
+        </p:nvSpPr>
+        <p:spPr/>
+        <p:txBody>
+          <a:bodyPr/>
+          <a:lstStyle/>
+          <a:p>
+            <a:r>
+              <a:rPr lang="zh-CN" altLang="en-US" dirty="0" smtClean="0"/>
+              <a:t> </a:t>
+            </a:r>
+            <a:endParaRPr lang="en-US" dirty="0"/>
+          </a:p>
+        </p:txBody>
+      </p:sp>
+      <p:pic>
+        <p:nvPicPr>
+          <p:cNvPr id="37" name="Picture 36" descr="screenshot.png"/>
+          <p:cNvPicPr>
+            <a:picLocks noChangeAspect="1"/>
+          </p:cNvPicPr>
           <p:nvPr/>
-        </p:nvSpPr>
+        </p:nvPicPr>
+        <p:blipFill>
+          <a:blip r:embed="rId11">
+            <a:extLst>
+              <a:ext uri="{28A0092B-C50C-407E-A947-70E740481C1C}">
+                <a14:useLocalDpi xmlns:a14="http://schemas.microsoft.com/office/drawing/2010/main" val="0"/>
+              </a:ext>
+            </a:extLst>
+          </a:blip>
+          <a:stretch>
+            <a:fillRect/>
+          </a:stretch>
+        </p:blipFill>
         <p:spPr>
           <a:xfrm>
-            <a:off x="446035" y="18751234"/>
-            <a:ext cx="10050462" cy="754045"/>
+            <a:off x="24701500" y="7810500"/>
+            <a:ext cx="4343400" cy="533400"/>
           </a:xfrm>
           <a:prstGeom prst="rect">
             <a:avLst/>
           </a:prstGeom>
-          <a:noFill/>
+        </p:spPr>
+      </p:pic>
+      <p:sp>
+        <p:nvSpPr>
+          <p:cNvPr id="39" name="Text Placeholder 38"/>
+          <p:cNvSpPr>
+            <a:spLocks noGrp="1"/>
+          </p:cNvSpPr>
+          <p:nvPr>
+            <p:ph type="body" sz="quarter" idx="25"/>
+          </p:nvPr>
+        </p:nvSpPr>
+        <p:spPr/>
+        <p:txBody>
+          <a:bodyPr/>
+          <a:lstStyle/>
+          <a:p>
+            <a:r>
+              <a:rPr lang="zh-CN" altLang="en-US" dirty="0" smtClean="0"/>
+              <a:t> </a:t>
+            </a:r>
+            <a:endParaRPr lang="en-US" dirty="0"/>
+          </a:p>
+        </p:txBody>
+      </p:sp>
+      <p:pic>
+        <p:nvPicPr>
+          <p:cNvPr id="42" name="Picture 41" descr="screenshot.png"/>
+          <p:cNvPicPr>
+            <a:picLocks noChangeAspect="1"/>
+          </p:cNvPicPr>
+          <p:nvPr/>
+        </p:nvPicPr>
+        <p:blipFill>
+          <a:blip r:embed="rId12">
+            <a:extLst>
+              <a:ext uri="{28A0092B-C50C-407E-A947-70E740481C1C}">
+                <a14:useLocalDpi xmlns:a14="http://schemas.microsoft.com/office/drawing/2010/main" val="0"/>
+              </a:ext>
+            </a:extLst>
+          </a:blip>
+          <a:stretch>
+            <a:fillRect/>
+          </a:stretch>
+        </p:blipFill>
+        <p:spPr>
+          <a:xfrm>
+            <a:off x="34840526" y="12205216"/>
+            <a:ext cx="7349372" cy="3652550"/>
+          </a:xfrm>
+          <a:prstGeom prst="rect">
+            <a:avLst/>
+          </a:prstGeom>
+        </p:spPr>
+      </p:pic>
+      <p:pic>
+        <p:nvPicPr>
+          <p:cNvPr id="53" name="Picture 52" descr="screenshot.png"/>
+          <p:cNvPicPr>
+            <a:picLocks noChangeAspect="1"/>
+          </p:cNvPicPr>
+          <p:nvPr/>
+        </p:nvPicPr>
+        <p:blipFill>
+          <a:blip r:embed="rId13">
+            <a:extLst>
+              <a:ext uri="{28A0092B-C50C-407E-A947-70E740481C1C}">
+                <a14:useLocalDpi xmlns:a14="http://schemas.microsoft.com/office/drawing/2010/main" val="0"/>
+              </a:ext>
+            </a:extLst>
+          </a:blip>
+          <a:stretch>
+            <a:fillRect/>
+          </a:stretch>
+        </p:blipFill>
+        <p:spPr>
+          <a:xfrm>
+            <a:off x="34840526" y="8075061"/>
+            <a:ext cx="7349372" cy="1772406"/>
+          </a:xfrm>
+          <a:prstGeom prst="rect">
+            <a:avLst/>
+          </a:prstGeom>
+        </p:spPr>
+      </p:pic>
+      <p:pic>
+        <p:nvPicPr>
+          <p:cNvPr id="44" name="Picture 43" descr="screenshot.png"/>
+          <p:cNvPicPr>
+            <a:picLocks noChangeAspect="1"/>
+          </p:cNvPicPr>
+          <p:nvPr/>
+        </p:nvPicPr>
+        <p:blipFill>
+          <a:blip r:embed="rId14">
+            <a:extLst>
+              <a:ext uri="{28A0092B-C50C-407E-A947-70E740481C1C}">
+                <a14:useLocalDpi xmlns:a14="http://schemas.microsoft.com/office/drawing/2010/main" val="0"/>
+              </a:ext>
+            </a:extLst>
+          </a:blip>
+          <a:stretch>
+            <a:fillRect/>
+          </a:stretch>
+        </p:blipFill>
+        <p:spPr>
+          <a:xfrm>
+            <a:off x="23145750" y="10763689"/>
+            <a:ext cx="8572500" cy="2400300"/>
+          </a:xfrm>
+          <a:prstGeom prst="rect">
+            <a:avLst/>
+          </a:prstGeom>
+        </p:spPr>
+      </p:pic>
+      <p:sp>
+        <p:nvSpPr>
+          <p:cNvPr id="56" name="Text Placeholder 10"/>
+          <p:cNvSpPr>
+            <a:spLocks noGrp="1"/>
+          </p:cNvSpPr>
+          <p:nvPr>
+            <p:ph type="body" sz="quarter" idx="27"/>
+          </p:nvPr>
+        </p:nvSpPr>
+        <p:spPr>
+          <a:xfrm>
+            <a:off x="33363573" y="25355957"/>
+            <a:ext cx="10047018" cy="754045"/>
+          </a:xfrm>
         </p:spPr>
         <p:txBody>
-          <a:bodyPr wrap="square" lIns="91436" tIns="91436" rIns="91436" bIns="91436" anchor="ctr" anchorCtr="0">
-            <a:spAutoFit/>
-          </a:bodyPr>
-          <a:lstStyle>
-            <a:lvl1pPr marL="0" indent="0" algn="ctr" defTabSz="4388900" rtl="0" eaLnBrk="1" latinLnBrk="0" hangingPunct="1">
-              <a:spcBef>
-                <a:spcPct val="20000"/>
-              </a:spcBef>
-              <a:buFont typeface="Arial" pitchFamily="34" charset="0"/>
-              <a:buNone/>
-              <a:defRPr sz="3700" b="1" u="sng" kern="1200" baseline="0">
-                <a:solidFill>
-                  <a:schemeClr val="accent5">
-                    <a:lumMod val="50000"/>
-                  </a:schemeClr>
-                </a:solidFill>
-                <a:latin typeface="+mn-lt"/>
-                <a:ea typeface="+mn-ea"/>
-                <a:cs typeface="+mn-cs"/>
-              </a:defRPr>
-            </a:lvl1pPr>
-            <a:lvl2pPr marL="3565982" indent="-1371531" algn="l" defTabSz="4388900" rtl="0" eaLnBrk="1" latinLnBrk="0" hangingPunct="1">
-              <a:spcBef>
-                <a:spcPct val="20000"/>
-              </a:spcBef>
-              <a:buFont typeface="Arial" pitchFamily="34" charset="0"/>
-              <a:buChar char="–"/>
-              <a:defRPr sz="13500" kern="1200">
-                <a:solidFill>
-                  <a:schemeClr val="tx1"/>
-                </a:solidFill>
-                <a:latin typeface="+mn-lt"/>
-                <a:ea typeface="+mn-ea"/>
-                <a:cs typeface="+mn-cs"/>
-              </a:defRPr>
-            </a:lvl2pPr>
-            <a:lvl3pPr marL="5486126" indent="-1097226" algn="l" defTabSz="4388900" rtl="0" eaLnBrk="1" latinLnBrk="0" hangingPunct="1">
-              <a:spcBef>
-                <a:spcPct val="20000"/>
-              </a:spcBef>
-              <a:buFont typeface="Arial" pitchFamily="34" charset="0"/>
-              <a:buChar char="•"/>
-              <a:defRPr sz="11600" kern="1200">
-                <a:solidFill>
-                  <a:schemeClr val="tx1"/>
-                </a:solidFill>
-                <a:latin typeface="+mn-lt"/>
-                <a:ea typeface="+mn-ea"/>
-                <a:cs typeface="+mn-cs"/>
-              </a:defRPr>
-            </a:lvl3pPr>
-            <a:lvl4pPr marL="7680577" indent="-1097226" algn="l" defTabSz="4388900" rtl="0" eaLnBrk="1" latinLnBrk="0" hangingPunct="1">
-              <a:spcBef>
-                <a:spcPct val="20000"/>
-              </a:spcBef>
-              <a:buFont typeface="Arial" pitchFamily="34" charset="0"/>
-              <a:buChar char="–"/>
-              <a:defRPr sz="9600" kern="1200">
-                <a:solidFill>
-                  <a:schemeClr val="tx1"/>
-                </a:solidFill>
-                <a:latin typeface="+mn-lt"/>
-                <a:ea typeface="+mn-ea"/>
-                <a:cs typeface="+mn-cs"/>
-              </a:defRPr>
-            </a:lvl4pPr>
-            <a:lvl5pPr marL="9875026" indent="-1097226" algn="l" defTabSz="4388900" rtl="0" eaLnBrk="1" latinLnBrk="0" hangingPunct="1">
-              <a:spcBef>
-                <a:spcPct val="20000"/>
-              </a:spcBef>
-              <a:buFont typeface="Arial" pitchFamily="34" charset="0"/>
-              <a:buChar char="»"/>
-              <a:defRPr sz="9600" kern="1200">
-                <a:solidFill>
-                  <a:schemeClr val="tx1"/>
-                </a:solidFill>
-                <a:latin typeface="+mn-lt"/>
-                <a:ea typeface="+mn-ea"/>
-                <a:cs typeface="+mn-cs"/>
-              </a:defRPr>
-            </a:lvl5pPr>
-            <a:lvl6pPr marL="12069477" indent="-1097226" algn="l" defTabSz="4388900" rtl="0" eaLnBrk="1" latinLnBrk="0" hangingPunct="1">
-              <a:spcBef>
-                <a:spcPct val="20000"/>
-              </a:spcBef>
-              <a:buFont typeface="Arial" pitchFamily="34" charset="0"/>
-              <a:buChar char="•"/>
-              <a:defRPr sz="9600" kern="1200">
-                <a:solidFill>
-                  <a:schemeClr val="tx1"/>
-                </a:solidFill>
-                <a:latin typeface="+mn-lt"/>
-                <a:ea typeface="+mn-ea"/>
-                <a:cs typeface="+mn-cs"/>
-              </a:defRPr>
-            </a:lvl6pPr>
-            <a:lvl7pPr marL="14263926" indent="-1097226" algn="l" defTabSz="4388900" rtl="0" eaLnBrk="1" latinLnBrk="0" hangingPunct="1">
-              <a:spcBef>
-                <a:spcPct val="20000"/>
-              </a:spcBef>
-              <a:buFont typeface="Arial" pitchFamily="34" charset="0"/>
-              <a:buChar char="•"/>
-              <a:defRPr sz="9600" kern="1200">
-                <a:solidFill>
-                  <a:schemeClr val="tx1"/>
-                </a:solidFill>
-                <a:latin typeface="+mn-lt"/>
-                <a:ea typeface="+mn-ea"/>
-                <a:cs typeface="+mn-cs"/>
-              </a:defRPr>
-            </a:lvl7pPr>
-            <a:lvl8pPr marL="16458377" indent="-1097226" algn="l" defTabSz="4388900" rtl="0" eaLnBrk="1" latinLnBrk="0" hangingPunct="1">
-              <a:spcBef>
-                <a:spcPct val="20000"/>
-              </a:spcBef>
-              <a:buFont typeface="Arial" pitchFamily="34" charset="0"/>
-              <a:buChar char="•"/>
-              <a:defRPr sz="9600" kern="1200">
-                <a:solidFill>
-                  <a:schemeClr val="tx1"/>
-                </a:solidFill>
-                <a:latin typeface="+mn-lt"/>
-                <a:ea typeface="+mn-ea"/>
-                <a:cs typeface="+mn-cs"/>
-              </a:defRPr>
-            </a:lvl8pPr>
-            <a:lvl9pPr marL="18652827" indent="-1097226" algn="l" defTabSz="4388900" rtl="0" eaLnBrk="1" latinLnBrk="0" hangingPunct="1">
-              <a:spcBef>
-                <a:spcPct val="20000"/>
-              </a:spcBef>
-              <a:buFont typeface="Arial" pitchFamily="34" charset="0"/>
-              <a:buChar char="•"/>
-              <a:defRPr sz="9600" kern="1200">
-                <a:solidFill>
-                  <a:schemeClr val="tx1"/>
-                </a:solidFill>
-                <a:latin typeface="+mn-lt"/>
-                <a:ea typeface="+mn-ea"/>
-                <a:cs typeface="+mn-cs"/>
-              </a:defRPr>
-            </a:lvl9pPr>
-          </a:lstStyle>
-          <a:p>
-            <a:r>
-              <a:rPr lang="en-US" dirty="0" smtClean="0"/>
-              <a:t>BACKGROUND</a:t>
-            </a:r>
-            <a:endParaRPr lang="en-US" dirty="0"/>
+          <a:bodyPr/>
+          <a:lstStyle/>
+          <a:p>
+            <a:pPr algn="l"/>
+            <a:r>
+              <a:rPr lang="en-US" altLang="zh-CN" i="1" dirty="0" smtClean="0"/>
+              <a:t>CONCLUSIONs</a:t>
+            </a:r>
+            <a:endParaRPr lang="en-US" i="1" dirty="0"/>
           </a:p>
         </p:txBody>
       </p:sp>
+      <p:pic>
+        <p:nvPicPr>
+          <p:cNvPr id="47" name="Picture 46" descr="screenshot.png"/>
+          <p:cNvPicPr>
+            <a:picLocks noChangeAspect="1"/>
+          </p:cNvPicPr>
+          <p:nvPr/>
+        </p:nvPicPr>
+        <p:blipFill>
+          <a:blip r:embed="rId15">
+            <a:extLst>
+              <a:ext uri="{28A0092B-C50C-407E-A947-70E740481C1C}">
+                <a14:useLocalDpi xmlns:a14="http://schemas.microsoft.com/office/drawing/2010/main" val="0"/>
+              </a:ext>
+            </a:extLst>
+          </a:blip>
+          <a:stretch>
+            <a:fillRect/>
+          </a:stretch>
+        </p:blipFill>
+        <p:spPr>
+          <a:xfrm>
+            <a:off x="33693934" y="19527192"/>
+            <a:ext cx="8587189" cy="4725742"/>
+          </a:xfrm>
+          <a:prstGeom prst="rect">
+            <a:avLst/>
+          </a:prstGeom>
+        </p:spPr>
+      </p:pic>
     </p:spTree>
     <p:extLst>
       <p:ext uri="{BB962C8B-B14F-4D97-AF65-F5344CB8AC3E}">

--- a/ErrorVis.pptx
+++ b/ErrorVis.pptx
@@ -114,7 +114,7 @@
   </p:defaultTextStyle>
   <p:extLst>
     <p:ext uri="{EFAFB233-063F-42B5-8137-9DF3F51BA10A}">
-      <p15:sldGuideLst xmlns="" xmlns:p15="http://schemas.microsoft.com/office/powerpoint/2012/main">
+      <p15:sldGuideLst xmlns:p15="http://schemas.microsoft.com/office/powerpoint/2012/main" xmlns="">
         <p15:guide id="1" orient="horz" pos="3318">
           <p15:clr>
             <a:srgbClr val="A4A3A4"/>
@@ -148,7 +148,7 @@
       </p15:sldGuideLst>
     </p:ext>
     <p:ext uri="{2D200454-40CA-4A62-9FC3-DE9A4176ACB9}">
-      <p15:notesGuideLst xmlns="" xmlns:p15="http://schemas.microsoft.com/office/powerpoint/2012/main">
+      <p15:notesGuideLst xmlns:p15="http://schemas.microsoft.com/office/powerpoint/2012/main" xmlns="">
         <p15:guide id="1" orient="horz" pos="2880">
           <p15:clr>
             <a:srgbClr val="A4A3A4"/>
@@ -257,7 +257,7 @@
             <a:fld id="{0158C5BC-9A70-462C-B28D-9600239EAC64}" type="datetimeFigureOut">
               <a:rPr lang="en-US" smtClean="0"/>
               <a:pPr/>
-              <a:t>7/24/18</a:t>
+              <a:t>7/28/18</a:t>
             </a:fld>
             <a:endParaRPr lang="en-US"/>
           </a:p>
@@ -424,7 +424,7 @@
             <a:fld id="{E6CC2317-6751-4CD4-9995-8782DD78E936}" type="datetimeFigureOut">
               <a:rPr lang="en-US" smtClean="0"/>
               <a:pPr/>
-              <a:t>7/24/18</a:t>
+              <a:t>7/28/18</a:t>
             </a:fld>
             <a:endParaRPr lang="en-US" dirty="0"/>
           </a:p>
@@ -9498,7 +9498,7 @@
               <a:graphicData uri="http://schemas.openxmlformats.org/presentationml/2006/ole">
                 <mc:AlternateContent xmlns:mc="http://schemas.openxmlformats.org/markup-compatibility/2006">
                   <mc:Choice xmlns:v="urn:schemas-microsoft-com:vml" Requires="v">
-                    <p:oleObj spid="_x0000_s1450" name="Image" r:id="rId10" imgW="1828440" imgH="1117440" progId="Photoshop.Image.13">
+                    <p:oleObj spid="_x0000_s1469" name="Image" r:id="rId10" imgW="1828440" imgH="1117440" progId="Photoshop.Image.13">
                       <p:embed/>
                     </p:oleObj>
                   </mc:Choice>
@@ -9555,7 +9555,7 @@
               <a:graphicData uri="http://schemas.openxmlformats.org/presentationml/2006/ole">
                 <mc:AlternateContent xmlns:mc="http://schemas.openxmlformats.org/markup-compatibility/2006">
                   <mc:Choice xmlns:v="urn:schemas-microsoft-com:vml" Requires="v">
-                    <p:oleObj spid="_x0000_s1451" name="Image" r:id="rId12" imgW="1828440" imgH="1117440" progId="Photoshop.Image.13">
+                    <p:oleObj spid="_x0000_s1470" name="Image" r:id="rId12" imgW="1828440" imgH="1117440" progId="Photoshop.Image.13">
                       <p:embed/>
                     </p:oleObj>
                   </mc:Choice>
@@ -10683,7 +10683,7 @@
             <a:graphicData uri="http://schemas.openxmlformats.org/presentationml/2006/ole">
               <mc:AlternateContent xmlns:mc="http://schemas.openxmlformats.org/markup-compatibility/2006">
                 <mc:Choice xmlns:v="urn:schemas-microsoft-com:vml" Requires="v">
-                  <p:oleObj spid="_x0000_s1452" name="Image" r:id="rId14" imgW="4571280" imgH="1688760" progId="Photoshop.Image.13">
+                  <p:oleObj spid="_x0000_s1471" name="Image" r:id="rId14" imgW="4571280" imgH="1688760" progId="Photoshop.Image.13">
                     <p:embed/>
                   </p:oleObj>
                 </mc:Choice>
@@ -10767,7 +10767,7 @@
             <a:graphicData uri="http://schemas.openxmlformats.org/presentationml/2006/ole">
               <mc:AlternateContent xmlns:mc="http://schemas.openxmlformats.org/markup-compatibility/2006">
                 <mc:Choice xmlns:v="urn:schemas-microsoft-com:vml" Requires="v">
-                  <p:oleObj spid="_x0000_s1453" name="Image" r:id="rId17" imgW="1574280" imgH="1053720" progId="Photoshop.Image.13">
+                  <p:oleObj spid="_x0000_s1472" name="Image" r:id="rId17" imgW="1574280" imgH="1053720" progId="Photoshop.Image.13">
                     <p:embed/>
                   </p:oleObj>
                 </mc:Choice>
@@ -12766,7 +12766,7 @@
             <a:graphicData uri="http://schemas.openxmlformats.org/presentationml/2006/ole">
               <mc:AlternateContent xmlns:mc="http://schemas.openxmlformats.org/markup-compatibility/2006">
                 <mc:Choice xmlns:v="urn:schemas-microsoft-com:vml" Requires="v">
-                  <p:oleObj spid="_x0000_s2494" name="Image" r:id="rId5" imgW="4571280" imgH="1688760" progId="Photoshop.Image.13">
+                  <p:oleObj spid="_x0000_s2513" name="Image" r:id="rId5" imgW="4571280" imgH="1688760" progId="Photoshop.Image.13">
                     <p:embed/>
                   </p:oleObj>
                 </mc:Choice>
@@ -12850,7 +12850,7 @@
             <a:graphicData uri="http://schemas.openxmlformats.org/presentationml/2006/ole">
               <mc:AlternateContent xmlns:mc="http://schemas.openxmlformats.org/markup-compatibility/2006">
                 <mc:Choice xmlns:v="urn:schemas-microsoft-com:vml" Requires="v">
-                  <p:oleObj spid="_x0000_s2495" name="Image" r:id="rId8" imgW="1574280" imgH="1053720" progId="Photoshop.Image.13">
+                  <p:oleObj spid="_x0000_s2514" name="Image" r:id="rId8" imgW="1574280" imgH="1053720" progId="Photoshop.Image.13">
                     <p:embed/>
                   </p:oleObj>
                 </mc:Choice>
@@ -14390,7 +14390,7 @@
               <a:graphicData uri="http://schemas.openxmlformats.org/presentationml/2006/ole">
                 <mc:AlternateContent xmlns:mc="http://schemas.openxmlformats.org/markup-compatibility/2006">
                   <mc:Choice xmlns:v="urn:schemas-microsoft-com:vml" Requires="v">
-                    <p:oleObj spid="_x0000_s2496" name="Image" r:id="rId16" imgW="1828440" imgH="1117440" progId="Photoshop.Image.13">
+                    <p:oleObj spid="_x0000_s2515" name="Image" r:id="rId16" imgW="1828440" imgH="1117440" progId="Photoshop.Image.13">
                       <p:embed/>
                     </p:oleObj>
                   </mc:Choice>
@@ -14447,7 +14447,7 @@
               <a:graphicData uri="http://schemas.openxmlformats.org/presentationml/2006/ole">
                 <mc:AlternateContent xmlns:mc="http://schemas.openxmlformats.org/markup-compatibility/2006">
                   <mc:Choice xmlns:v="urn:schemas-microsoft-com:vml" Requires="v">
-                    <p:oleObj spid="_x0000_s2497" name="Image" r:id="rId18" imgW="1828440" imgH="1117440" progId="Photoshop.Image.13">
+                    <p:oleObj spid="_x0000_s2516" name="Image" r:id="rId18" imgW="1828440" imgH="1117440" progId="Photoshop.Image.13">
                       <p:embed/>
                     </p:oleObj>
                   </mc:Choice>
@@ -16276,7 +16276,7 @@
             <a:graphicData uri="http://schemas.openxmlformats.org/presentationml/2006/ole">
               <mc:AlternateContent xmlns:mc="http://schemas.openxmlformats.org/markup-compatibility/2006">
                 <mc:Choice xmlns:v="urn:schemas-microsoft-com:vml" Requires="v">
-                  <p:oleObj spid="_x0000_s3498" name="Image" r:id="rId5" imgW="4571280" imgH="1688760" progId="Photoshop.Image.13">
+                  <p:oleObj spid="_x0000_s3517" name="Image" r:id="rId5" imgW="4571280" imgH="1688760" progId="Photoshop.Image.13">
                     <p:embed/>
                   </p:oleObj>
                 </mc:Choice>
@@ -16360,7 +16360,7 @@
             <a:graphicData uri="http://schemas.openxmlformats.org/presentationml/2006/ole">
               <mc:AlternateContent xmlns:mc="http://schemas.openxmlformats.org/markup-compatibility/2006">
                 <mc:Choice xmlns:v="urn:schemas-microsoft-com:vml" Requires="v">
-                  <p:oleObj spid="_x0000_s3499" name="Image" r:id="rId8" imgW="1574280" imgH="1053720" progId="Photoshop.Image.13">
+                  <p:oleObj spid="_x0000_s3518" name="Image" r:id="rId8" imgW="1574280" imgH="1053720" progId="Photoshop.Image.13">
                     <p:embed/>
                   </p:oleObj>
                 </mc:Choice>
@@ -17900,7 +17900,7 @@
               <a:graphicData uri="http://schemas.openxmlformats.org/presentationml/2006/ole">
                 <mc:AlternateContent xmlns:mc="http://schemas.openxmlformats.org/markup-compatibility/2006">
                   <mc:Choice xmlns:v="urn:schemas-microsoft-com:vml" Requires="v">
-                    <p:oleObj spid="_x0000_s3500" name="Image" r:id="rId16" imgW="1828440" imgH="1117440" progId="Photoshop.Image.13">
+                    <p:oleObj spid="_x0000_s3519" name="Image" r:id="rId16" imgW="1828440" imgH="1117440" progId="Photoshop.Image.13">
                       <p:embed/>
                     </p:oleObj>
                   </mc:Choice>
@@ -17957,7 +17957,7 @@
               <a:graphicData uri="http://schemas.openxmlformats.org/presentationml/2006/ole">
                 <mc:AlternateContent xmlns:mc="http://schemas.openxmlformats.org/markup-compatibility/2006">
                   <mc:Choice xmlns:v="urn:schemas-microsoft-com:vml" Requires="v">
-                    <p:oleObj spid="_x0000_s3501" name="Image" r:id="rId18" imgW="1828440" imgH="1117440" progId="Photoshop.Image.13">
+                    <p:oleObj spid="_x0000_s3520" name="Image" r:id="rId18" imgW="1828440" imgH="1117440" progId="Photoshop.Image.13">
                       <p:embed/>
                     </p:oleObj>
                   </mc:Choice>
@@ -18532,39 +18532,7 @@
             <a:pPr algn="just"/>
             <a:r>
               <a:rPr lang="en-US" sz="4000" dirty="0" smtClean="0"/>
-              <a:t>The </a:t>
-            </a:r>
-            <a:r>
-              <a:rPr lang="en-US" sz="4000" dirty="0" smtClean="0"/>
-              <a:t>aggressive scaling trend in high-performance computation </a:t>
-            </a:r>
-            <a:r>
-              <a:rPr lang="en-US" sz="4000" dirty="0" smtClean="0"/>
-              <a:t>increase silent data corruption and make the </a:t>
-            </a:r>
-            <a:r>
-              <a:rPr lang="en-US" sz="4000" dirty="0" smtClean="0"/>
-              <a:t>computation result’s </a:t>
-            </a:r>
-            <a:r>
-              <a:rPr lang="en-US" sz="4000" dirty="0" smtClean="0"/>
-              <a:t>unreliability. How </a:t>
-            </a:r>
-            <a:r>
-              <a:rPr lang="en-US" sz="4000" dirty="0" smtClean="0"/>
-              <a:t>to improve applications' resiliency become a concern in computation community. </a:t>
-            </a:r>
-            <a:r>
-              <a:rPr lang="en-US" sz="4000" dirty="0" smtClean="0"/>
-              <a:t>In </a:t>
-            </a:r>
-            <a:r>
-              <a:rPr lang="en-US" sz="4000" dirty="0" smtClean="0"/>
-              <a:t>this study, we cooperate with domain expert design a visualization system to </a:t>
-            </a:r>
-            <a:r>
-              <a:rPr lang="en-US" sz="4000" dirty="0" smtClean="0"/>
-              <a:t>understand the impact of silent data corruption on a program.</a:t>
+              <a:t>The aggressive scaling trend in high-performance computation increase silent data corruption and make the computation result’s unreliability. How to improve applications' resiliency become a concern in computation community. In this study, we cooperate with domain expert design a visualization system to understand the impact of silent data corruption on a program.</a:t>
             </a:r>
           </a:p>
           <a:p>
@@ -19194,7 +19162,6 @@
               <a:rPr lang="en-US" altLang="zh-CN" sz="4000" dirty="0" smtClean="0"/>
               <a:t>region?</a:t>
             </a:r>
-            <a:endParaRPr lang="en-US" altLang="zh-CN" sz="4000" dirty="0" smtClean="0"/>
           </a:p>
           <a:p>
             <a:endParaRPr lang="en-US" altLang="zh-CN" sz="4800" dirty="0" smtClean="0"/>
@@ -19744,11 +19711,7 @@
             <a:pPr algn="l"/>
             <a:r>
               <a:rPr lang="en-US" dirty="0" smtClean="0"/>
-              <a:t>SOME </a:t>
-            </a:r>
-            <a:r>
-              <a:rPr lang="en-US" dirty="0" smtClean="0"/>
-              <a:t>RESULTS</a:t>
+              <a:t>SOME RESULTS</a:t>
             </a:r>
             <a:endParaRPr lang="en-US" dirty="0"/>
           </a:p>
@@ -19950,11 +19913,7 @@
             </a:r>
             <a:r>
               <a:rPr lang="en-US" altLang="zh-CN" sz="4000" dirty="0" smtClean="0"/>
-              <a:t>program</a:t>
-            </a:r>
-            <a:r>
-              <a:rPr lang="en-US" altLang="zh-CN" sz="4000" dirty="0" smtClean="0"/>
-              <a:t>.</a:t>
+              <a:t>program.</a:t>
             </a:r>
             <a:endParaRPr lang="en-US" sz="4000" dirty="0"/>
           </a:p>
@@ -20186,13 +20145,8 @@
             </a:r>
             <a:r>
               <a:rPr lang="en-US" altLang="zh-CN" dirty="0" smtClean="0"/>
-              <a:t>impact cause by transient error</a:t>
-            </a:r>
-            <a:r>
-              <a:rPr lang="en-US" altLang="zh-CN" dirty="0" smtClean="0"/>
-              <a:t>.</a:t>
-            </a:r>
-            <a:endParaRPr lang="en-US" altLang="zh-CN" dirty="0" smtClean="0"/>
+              <a:t>impact cause by transient error.</a:t>
+            </a:r>
           </a:p>
           <a:p>
             <a:pPr marL="342900" indent="-342900">
@@ -20830,7 +20784,6 @@
               <a:rPr lang="en-US" altLang="zh-CN" sz="4000" dirty="0" smtClean="0"/>
               <a:t>program.</a:t>
             </a:r>
-            <a:endParaRPr lang="en-US" altLang="zh-CN" sz="4000" dirty="0" smtClean="0"/>
           </a:p>
           <a:p>
             <a:pPr marL="342900" indent="-342900">
@@ -20903,13 +20856,8 @@
             </a:r>
             <a:r>
               <a:rPr lang="en-US" altLang="zh-CN" sz="4000" dirty="0" smtClean="0"/>
-              <a:t>vulnerability</a:t>
-            </a:r>
-            <a:r>
-              <a:rPr lang="en-US" altLang="zh-CN" sz="4000" dirty="0" smtClean="0"/>
-              <a:t>.</a:t>
-            </a:r>
-            <a:endParaRPr lang="en-US" altLang="zh-CN" sz="4000" dirty="0" smtClean="0"/>
+              <a:t>vulnerability.</a:t>
+            </a:r>
           </a:p>
           <a:p>
             <a:pPr marL="342900" indent="-342900">
@@ -20918,11 +20866,7 @@
             </a:pPr>
             <a:r>
               <a:rPr lang="en-US" altLang="zh-CN" sz="4000" dirty="0" smtClean="0"/>
-              <a:t>Observe h</a:t>
-            </a:r>
-            <a:r>
-              <a:rPr lang="en-US" altLang="zh-CN" sz="4000" dirty="0" smtClean="0"/>
-              <a:t>ow</a:t>
+              <a:t>Observe how</a:t>
             </a:r>
             <a:r>
               <a:rPr lang="zh-CN" altLang="en-US" sz="4000" dirty="0" smtClean="0"/>
@@ -21046,11 +20990,7 @@
             </a:r>
             <a:r>
               <a:rPr lang="en-US" altLang="zh-CN" dirty="0" smtClean="0"/>
-              <a:t> </a:t>
-            </a:r>
-            <a:r>
-              <a:rPr lang="en-US" altLang="zh-CN" dirty="0" smtClean="0"/>
-              <a:t>+</a:t>
+              <a:t> +</a:t>
             </a:r>
             <a:endParaRPr lang="en-US" dirty="0"/>
           </a:p>
